--- a/slides/00-OOPython.pptx
+++ b/slides/00-OOPython.pptx
@@ -217,7 +217,7 @@
           <a:p>
             <a:fld id="{27CEEA13-23F5-194B-B1CF-CF175090CBFA}" type="datetimeFigureOut">
               <a:rPr lang="en-US" smtClean="0"/>
-              <a:t>7/4/18</a:t>
+              <a:t>8/13/18</a:t>
             </a:fld>
             <a:endParaRPr lang="en-US"/>
           </a:p>
@@ -1481,7 +1481,7 @@
           <a:p>
             <a:fld id="{2DD5D53E-635E-BD41-B5CC-A796D6DD661B}" type="datetimeFigureOut">
               <a:rPr lang="en-US" smtClean="0"/>
-              <a:t>7/4/18</a:t>
+              <a:t>8/13/18</a:t>
             </a:fld>
             <a:endParaRPr lang="en-US"/>
           </a:p>
@@ -1811,7 +1811,7 @@
           <a:p>
             <a:fld id="{2DD5D53E-635E-BD41-B5CC-A796D6DD661B}" type="datetimeFigureOut">
               <a:rPr lang="en-US" smtClean="0"/>
-              <a:t>7/4/18</a:t>
+              <a:t>8/13/18</a:t>
             </a:fld>
             <a:endParaRPr lang="en-US"/>
           </a:p>
@@ -1991,7 +1991,7 @@
           <a:p>
             <a:fld id="{2DD5D53E-635E-BD41-B5CC-A796D6DD661B}" type="datetimeFigureOut">
               <a:rPr lang="en-US" smtClean="0"/>
-              <a:t>7/4/18</a:t>
+              <a:t>8/13/18</a:t>
             </a:fld>
             <a:endParaRPr lang="en-US"/>
           </a:p>
@@ -2161,7 +2161,7 @@
           <a:p>
             <a:fld id="{2DD5D53E-635E-BD41-B5CC-A796D6DD661B}" type="datetimeFigureOut">
               <a:rPr lang="en-US" smtClean="0"/>
-              <a:t>7/4/18</a:t>
+              <a:t>8/13/18</a:t>
             </a:fld>
             <a:endParaRPr lang="en-US"/>
           </a:p>
@@ -2433,7 +2433,7 @@
           <a:p>
             <a:fld id="{2DD5D53E-635E-BD41-B5CC-A796D6DD661B}" type="datetimeFigureOut">
               <a:rPr lang="en-US" smtClean="0"/>
-              <a:t>7/4/18</a:t>
+              <a:t>8/13/18</a:t>
             </a:fld>
             <a:endParaRPr lang="en-US"/>
           </a:p>
@@ -2827,7 +2827,7 @@
           <a:p>
             <a:fld id="{2DD5D53E-635E-BD41-B5CC-A796D6DD661B}" type="datetimeFigureOut">
               <a:rPr lang="en-US" smtClean="0"/>
-              <a:t>7/4/18</a:t>
+              <a:t>8/13/18</a:t>
             </a:fld>
             <a:endParaRPr lang="en-US"/>
           </a:p>
@@ -3304,7 +3304,7 @@
           <a:p>
             <a:fld id="{2DD5D53E-635E-BD41-B5CC-A796D6DD661B}" type="datetimeFigureOut">
               <a:rPr lang="en-US" smtClean="0"/>
-              <a:t>7/4/18</a:t>
+              <a:t>8/13/18</a:t>
             </a:fld>
             <a:endParaRPr lang="en-US"/>
           </a:p>
@@ -3422,7 +3422,7 @@
           <a:p>
             <a:fld id="{2DD5D53E-635E-BD41-B5CC-A796D6DD661B}" type="datetimeFigureOut">
               <a:rPr lang="en-US" smtClean="0"/>
-              <a:t>7/4/18</a:t>
+              <a:t>8/13/18</a:t>
             </a:fld>
             <a:endParaRPr lang="en-US"/>
           </a:p>
@@ -3517,7 +3517,7 @@
           <a:p>
             <a:fld id="{2DD5D53E-635E-BD41-B5CC-A796D6DD661B}" type="datetimeFigureOut">
               <a:rPr lang="en-US" smtClean="0"/>
-              <a:t>7/4/18</a:t>
+              <a:t>8/13/18</a:t>
             </a:fld>
             <a:endParaRPr lang="en-US"/>
           </a:p>
@@ -3863,7 +3863,7 @@
           <a:p>
             <a:fld id="{2DD5D53E-635E-BD41-B5CC-A796D6DD661B}" type="datetimeFigureOut">
               <a:rPr lang="en-US" smtClean="0"/>
-              <a:t>7/4/18</a:t>
+              <a:t>8/13/18</a:t>
             </a:fld>
             <a:endParaRPr lang="en-US"/>
           </a:p>
@@ -4251,7 +4251,7 @@
           <a:p>
             <a:fld id="{2DD5D53E-635E-BD41-B5CC-A796D6DD661B}" type="datetimeFigureOut">
               <a:rPr lang="en-US" smtClean="0"/>
-              <a:t>7/4/18</a:t>
+              <a:t>8/13/18</a:t>
             </a:fld>
             <a:endParaRPr lang="en-US"/>
           </a:p>
@@ -4526,7 +4526,7 @@
           <a:p>
             <a:fld id="{2DD5D53E-635E-BD41-B5CC-A796D6DD661B}" type="datetimeFigureOut">
               <a:rPr lang="en-US" smtClean="0"/>
-              <a:t>7/4/18</a:t>
+              <a:t>8/13/18</a:t>
             </a:fld>
             <a:endParaRPr lang="en-US"/>
           </a:p>
@@ -13077,20 +13077,16 @@
           <a:lstStyle/>
           <a:p>
             <a:r>
+              <a:rPr lang="en-US" dirty="0">
+                <a:latin typeface="Menlo" panose="020B0609030804020204" pitchFamily="49" charset="0"/>
+                <a:ea typeface="Menlo" panose="020B0609030804020204" pitchFamily="49" charset="0"/>
+                <a:cs typeface="Menlo" panose="020B0609030804020204" pitchFamily="49" charset="0"/>
+              </a:rPr>
+              <a:t>self</a:t>
+            </a:r>
+            <a:r>
               <a:rPr lang="en-US" dirty="0"/>
-              <a:t>must always take </a:t>
-            </a:r>
-            <a:r>
-              <a:rPr lang="en-US" dirty="0">
-                <a:latin typeface="Menlo" panose="020B0609030804020204" pitchFamily="49" charset="0"/>
-                <a:ea typeface="Menlo" panose="020B0609030804020204" pitchFamily="49" charset="0"/>
-                <a:cs typeface="Menlo" panose="020B0609030804020204" pitchFamily="49" charset="0"/>
-              </a:rPr>
-              <a:t>self</a:t>
-            </a:r>
-            <a:r>
-              <a:rPr lang="en-US" dirty="0"/>
-              <a:t> as first parameter</a:t>
+              <a:t> is first parameter by convention</a:t>
             </a:r>
           </a:p>
         </p:txBody>
@@ -21768,7 +21764,7 @@
           <a:p>
             <a:r>
               <a:rPr lang="en-US" dirty="0"/>
-              <a:t>Python is weakly typed</a:t>
+              <a:t>Python is dynamically typed</a:t>
             </a:r>
           </a:p>
           <a:p>
@@ -21961,6 +21957,7 @@
             </a:r>
           </a:p>
           <a:p>
+            <a:pPr lvl="1"/>
             <a:r>
               <a:rPr lang="en-US" dirty="0"/>
               <a:t>3</a:t>
@@ -21975,12 +21972,14 @@
             </a:r>
           </a:p>
           <a:p>
+            <a:pPr lvl="1"/>
             <a:r>
               <a:rPr lang="en-US" dirty="0"/>
               <a:t>Grew up in Charlottesville</a:t>
             </a:r>
           </a:p>
           <a:p>
+            <a:pPr lvl="1"/>
             <a:r>
               <a:rPr lang="en-US" dirty="0"/>
               <a:t>Learned about metaprogramming through personal projects</a:t>
@@ -21989,7 +21988,7 @@
           <a:p>
             <a:r>
               <a:rPr lang="en-US" dirty="0"/>
-              <a:t>I want to share some of this techniques with you</a:t>
+              <a:t>I want to share some of these techniques with you!</a:t>
             </a:r>
           </a:p>
         </p:txBody>
@@ -24853,7 +24852,7 @@
           <a:p>
             <a:r>
               <a:rPr lang="en-US" dirty="0"/>
-              <a:t>First-Class Functions		July 14</a:t>
+              <a:t>First-Class Functions		July 17</a:t>
             </a:r>
             <a:r>
               <a:rPr lang="en-US" baseline="30000" dirty="0"/>
@@ -24867,15 +24866,7 @@
           <a:p>
             <a:r>
               <a:rPr lang="en-US" dirty="0"/>
-              <a:t>Closures and Decorators	July 21</a:t>
-            </a:r>
-            <a:r>
-              <a:rPr lang="en-US" baseline="30000" dirty="0"/>
-              <a:t>st</a:t>
-            </a:r>
-            <a:r>
-              <a:rPr lang="en-US" dirty="0"/>
-              <a:t> and 28</a:t>
+              <a:t>Closures and Decorators	July 24</a:t>
             </a:r>
             <a:r>
               <a:rPr lang="en-US" baseline="30000" dirty="0"/>
@@ -24883,6 +24874,14 @@
             </a:r>
             <a:r>
               <a:rPr lang="en-US" dirty="0"/>
+              <a:t> and Oct 1</a:t>
+            </a:r>
+            <a:r>
+              <a:rPr lang="en-US" baseline="30000" dirty="0"/>
+              <a:t>tst</a:t>
+            </a:r>
+            <a:r>
+              <a:rPr lang="en-US" dirty="0"/>
               <a:t> </a:t>
             </a:r>
           </a:p>
@@ -24897,7 +24896,7 @@
             </a:r>
             <a:r>
               <a:rPr lang="en-US" dirty="0"/>
-              <a:t>		Oct 5</a:t>
+              <a:t>		Oct 15</a:t>
             </a:r>
             <a:r>
               <a:rPr lang="en-US" baseline="30000" dirty="0"/>
@@ -24911,7 +24910,15 @@
           <a:p>
             <a:r>
               <a:rPr lang="en-US" dirty="0"/>
-              <a:t>Reflection			Oct 12</a:t>
+              <a:t>Reflection			Oct 22</a:t>
+            </a:r>
+            <a:r>
+              <a:rPr lang="en-US" baseline="30000" dirty="0"/>
+              <a:t>nd</a:t>
+            </a:r>
+            <a:r>
+              <a:rPr lang="en-US" dirty="0"/>
+              <a:t> and 29</a:t>
             </a:r>
             <a:r>
               <a:rPr lang="en-US" baseline="30000" dirty="0"/>
@@ -24919,7 +24926,13 @@
             </a:r>
             <a:r>
               <a:rPr lang="en-US" dirty="0"/>
-              <a:t> and 19</a:t>
+              <a:t> </a:t>
+            </a:r>
+          </a:p>
+          <a:p>
+            <a:r>
+              <a:rPr lang="en-US" dirty="0"/>
+              <a:t>Lisp and Homoiconicity	Nov 5</a:t>
             </a:r>
             <a:r>
               <a:rPr lang="en-US" baseline="30000" dirty="0"/>
@@ -24927,13 +24940,21 @@
             </a:r>
             <a:r>
               <a:rPr lang="en-US" dirty="0"/>
+              <a:t> and 12</a:t>
+            </a:r>
+            <a:r>
+              <a:rPr lang="en-US" baseline="30000" dirty="0"/>
+              <a:t>nd</a:t>
+            </a:r>
+            <a:r>
+              <a:rPr lang="en-US" dirty="0"/>
               <a:t> </a:t>
             </a:r>
           </a:p>
           <a:p>
             <a:r>
               <a:rPr lang="en-US" dirty="0"/>
-              <a:t>Lisp and Homoiconicity	Oct 26</a:t>
+              <a:t>Compile-time Computation	Nov 19</a:t>
             </a:r>
             <a:r>
               <a:rPr lang="en-US" baseline="30000" dirty="0"/>
@@ -24941,11 +24962,17 @@
             </a:r>
             <a:r>
               <a:rPr lang="en-US" dirty="0"/>
-              <a:t> and Nov 2</a:t>
+              <a:t> </a:t>
+            </a:r>
+          </a:p>
+          <a:p>
+            <a:r>
+              <a:rPr lang="en-US" dirty="0"/>
+              <a:t>Programs writing Programs	Nov 26</a:t>
             </a:r>
             <a:r>
               <a:rPr lang="en-US" baseline="30000" dirty="0"/>
-              <a:t>nd</a:t>
+              <a:t>th</a:t>
             </a:r>
             <a:r>
               <a:rPr lang="en-US" dirty="0"/>
@@ -24955,39 +24982,11 @@
           <a:p>
             <a:r>
               <a:rPr lang="en-US" dirty="0"/>
-              <a:t>Compile-time Computation	Nov 9</a:t>
+              <a:t>Domain Specific Languages	Dec 3</a:t>
             </a:r>
             <a:r>
               <a:rPr lang="en-US" baseline="30000" dirty="0"/>
-              <a:t>th</a:t>
-            </a:r>
-            <a:r>
-              <a:rPr lang="en-US" dirty="0"/>
-              <a:t> </a:t>
-            </a:r>
-          </a:p>
-          <a:p>
-            <a:r>
-              <a:rPr lang="en-US" dirty="0"/>
-              <a:t>Programs writing Programs	Nov 16</a:t>
-            </a:r>
-            <a:r>
-              <a:rPr lang="en-US" baseline="30000" dirty="0"/>
-              <a:t>th</a:t>
-            </a:r>
-            <a:r>
-              <a:rPr lang="en-US" dirty="0"/>
-              <a:t> </a:t>
-            </a:r>
-          </a:p>
-          <a:p>
-            <a:r>
-              <a:rPr lang="en-US" dirty="0"/>
-              <a:t>Domain Specific Languages	Nov 30</a:t>
-            </a:r>
-            <a:r>
-              <a:rPr lang="en-US" baseline="30000" dirty="0"/>
-              <a:t>th</a:t>
+              <a:t>rd</a:t>
             </a:r>
             <a:r>
               <a:rPr lang="en-US" dirty="0"/>
@@ -26091,7 +26090,7 @@
             </a:r>
             <a:r>
               <a:rPr lang="en-US" dirty="0"/>
-              <a:t> (don’t spend more than an hour/week!)</a:t>
+              <a:t> </a:t>
             </a:r>
           </a:p>
           <a:p>
@@ -26404,7 +26403,7 @@
           <a:p>
             <a:r>
               <a:rPr lang="en-US" dirty="0"/>
-              <a:t>No cheating policy</a:t>
+              <a:t>Cheating Policy… Lack Of</a:t>
             </a:r>
           </a:p>
           <a:p>

--- a/slides/00-OOPython.pptx
+++ b/slides/00-OOPython.pptx
@@ -217,7 +217,7 @@
           <a:p>
             <a:fld id="{27CEEA13-23F5-194B-B1CF-CF175090CBFA}" type="datetimeFigureOut">
               <a:rPr lang="en-US" smtClean="0"/>
-              <a:t>8/13/18</a:t>
+              <a:t>9/1/18</a:t>
             </a:fld>
             <a:endParaRPr lang="en-US"/>
           </a:p>
@@ -1481,7 +1481,7 @@
           <a:p>
             <a:fld id="{2DD5D53E-635E-BD41-B5CC-A796D6DD661B}" type="datetimeFigureOut">
               <a:rPr lang="en-US" smtClean="0"/>
-              <a:t>8/13/18</a:t>
+              <a:t>9/1/18</a:t>
             </a:fld>
             <a:endParaRPr lang="en-US"/>
           </a:p>
@@ -1811,7 +1811,7 @@
           <a:p>
             <a:fld id="{2DD5D53E-635E-BD41-B5CC-A796D6DD661B}" type="datetimeFigureOut">
               <a:rPr lang="en-US" smtClean="0"/>
-              <a:t>8/13/18</a:t>
+              <a:t>9/1/18</a:t>
             </a:fld>
             <a:endParaRPr lang="en-US"/>
           </a:p>
@@ -1991,7 +1991,7 @@
           <a:p>
             <a:fld id="{2DD5D53E-635E-BD41-B5CC-A796D6DD661B}" type="datetimeFigureOut">
               <a:rPr lang="en-US" smtClean="0"/>
-              <a:t>8/13/18</a:t>
+              <a:t>9/1/18</a:t>
             </a:fld>
             <a:endParaRPr lang="en-US"/>
           </a:p>
@@ -2161,7 +2161,7 @@
           <a:p>
             <a:fld id="{2DD5D53E-635E-BD41-B5CC-A796D6DD661B}" type="datetimeFigureOut">
               <a:rPr lang="en-US" smtClean="0"/>
-              <a:t>8/13/18</a:t>
+              <a:t>9/1/18</a:t>
             </a:fld>
             <a:endParaRPr lang="en-US"/>
           </a:p>
@@ -2433,7 +2433,7 @@
           <a:p>
             <a:fld id="{2DD5D53E-635E-BD41-B5CC-A796D6DD661B}" type="datetimeFigureOut">
               <a:rPr lang="en-US" smtClean="0"/>
-              <a:t>8/13/18</a:t>
+              <a:t>9/1/18</a:t>
             </a:fld>
             <a:endParaRPr lang="en-US"/>
           </a:p>
@@ -2827,7 +2827,7 @@
           <a:p>
             <a:fld id="{2DD5D53E-635E-BD41-B5CC-A796D6DD661B}" type="datetimeFigureOut">
               <a:rPr lang="en-US" smtClean="0"/>
-              <a:t>8/13/18</a:t>
+              <a:t>9/1/18</a:t>
             </a:fld>
             <a:endParaRPr lang="en-US"/>
           </a:p>
@@ -3304,7 +3304,7 @@
           <a:p>
             <a:fld id="{2DD5D53E-635E-BD41-B5CC-A796D6DD661B}" type="datetimeFigureOut">
               <a:rPr lang="en-US" smtClean="0"/>
-              <a:t>8/13/18</a:t>
+              <a:t>9/1/18</a:t>
             </a:fld>
             <a:endParaRPr lang="en-US"/>
           </a:p>
@@ -3422,7 +3422,7 @@
           <a:p>
             <a:fld id="{2DD5D53E-635E-BD41-B5CC-A796D6DD661B}" type="datetimeFigureOut">
               <a:rPr lang="en-US" smtClean="0"/>
-              <a:t>8/13/18</a:t>
+              <a:t>9/1/18</a:t>
             </a:fld>
             <a:endParaRPr lang="en-US"/>
           </a:p>
@@ -3517,7 +3517,7 @@
           <a:p>
             <a:fld id="{2DD5D53E-635E-BD41-B5CC-A796D6DD661B}" type="datetimeFigureOut">
               <a:rPr lang="en-US" smtClean="0"/>
-              <a:t>8/13/18</a:t>
+              <a:t>9/1/18</a:t>
             </a:fld>
             <a:endParaRPr lang="en-US"/>
           </a:p>
@@ -3863,7 +3863,7 @@
           <a:p>
             <a:fld id="{2DD5D53E-635E-BD41-B5CC-A796D6DD661B}" type="datetimeFigureOut">
               <a:rPr lang="en-US" smtClean="0"/>
-              <a:t>8/13/18</a:t>
+              <a:t>9/1/18</a:t>
             </a:fld>
             <a:endParaRPr lang="en-US"/>
           </a:p>
@@ -4251,7 +4251,7 @@
           <a:p>
             <a:fld id="{2DD5D53E-635E-BD41-B5CC-A796D6DD661B}" type="datetimeFigureOut">
               <a:rPr lang="en-US" smtClean="0"/>
-              <a:t>8/13/18</a:t>
+              <a:t>9/1/18</a:t>
             </a:fld>
             <a:endParaRPr lang="en-US"/>
           </a:p>
@@ -4526,7 +4526,7 @@
           <a:p>
             <a:fld id="{2DD5D53E-635E-BD41-B5CC-A796D6DD661B}" type="datetimeFigureOut">
               <a:rPr lang="en-US" smtClean="0"/>
-              <a:t>8/13/18</a:t>
+              <a:t>9/1/18</a:t>
             </a:fld>
             <a:endParaRPr lang="en-US"/>
           </a:p>
@@ -7322,6 +7322,33 @@
                                   </p:childTnLst>
                                 </p:cTn>
                               </p:par>
+                              <p:par>
+                                <p:cTn id="100" presetID="1" presetClass="entr" presetSubtype="0" fill="hold" grpId="0" nodeType="withEffect">
+                                  <p:stCondLst>
+                                    <p:cond delay="0"/>
+                                  </p:stCondLst>
+                                  <p:childTnLst>
+                                    <p:set>
+                                      <p:cBhvr>
+                                        <p:cTn id="101" dur="1" fill="hold">
+                                          <p:stCondLst>
+                                            <p:cond delay="0"/>
+                                          </p:stCondLst>
+                                        </p:cTn>
+                                        <p:tgtEl>
+                                          <p:spTgt spid="5"/>
+                                        </p:tgtEl>
+                                        <p:attrNameLst>
+                                          <p:attrName>style.visibility</p:attrName>
+                                        </p:attrNameLst>
+                                      </p:cBhvr>
+                                      <p:to>
+                                        <p:strVal val="visible"/>
+                                      </p:to>
+                                    </p:set>
+                                  </p:childTnLst>
+                                </p:cTn>
+                              </p:par>
                             </p:childTnLst>
                           </p:cTn>
                         </p:par>
@@ -7352,6 +7379,7 @@
     <p:bldLst>
       <p:bldP spid="3" grpId="0" build="p"/>
       <p:bldP spid="4" grpId="0" uiExpand="1" build="p" animBg="1"/>
+      <p:bldP spid="5" grpId="0"/>
     </p:bldLst>
   </p:timing>
 </p:sld>
@@ -9876,7 +9904,13 @@
           <a:p>
             <a:r>
               <a:rPr lang="en-US" sz="1800" dirty="0"/>
-              <a:t>However, this is not “Pythonic”</a:t>
+              <a:t>Program Still Crashes</a:t>
+            </a:r>
+          </a:p>
+          <a:p>
+            <a:r>
+              <a:rPr lang="en-US" sz="1800" dirty="0"/>
+              <a:t>Also, this is not “Pythonic”</a:t>
             </a:r>
           </a:p>
           <a:p>
@@ -11021,15 +11055,33 @@
                                   </p:childTnLst>
                                 </p:cTn>
                               </p:par>
+                            </p:childTnLst>
+                          </p:cTn>
+                        </p:par>
+                      </p:childTnLst>
+                    </p:cTn>
+                  </p:par>
+                  <p:par>
+                    <p:cTn id="15" fill="hold">
+                      <p:stCondLst>
+                        <p:cond delay="indefinite"/>
+                      </p:stCondLst>
+                      <p:childTnLst>
+                        <p:par>
+                          <p:cTn id="16" fill="hold">
+                            <p:stCondLst>
+                              <p:cond delay="0"/>
+                            </p:stCondLst>
+                            <p:childTnLst>
                               <p:par>
-                                <p:cTn id="15" presetID="2" presetClass="entr" presetSubtype="4" fill="hold" grpId="0" nodeType="withEffect">
+                                <p:cTn id="17" presetID="2" presetClass="entr" presetSubtype="4" fill="hold" grpId="0" nodeType="clickEffect">
                                   <p:stCondLst>
                                     <p:cond delay="0"/>
                                   </p:stCondLst>
                                   <p:childTnLst>
                                     <p:set>
                                       <p:cBhvr>
-                                        <p:cTn id="16" dur="1" fill="hold">
+                                        <p:cTn id="18" dur="1" fill="hold">
                                           <p:stCondLst>
                                             <p:cond delay="0"/>
                                           </p:stCondLst>
@@ -11051,7 +11103,7 @@
                                     </p:set>
                                     <p:anim calcmode="lin" valueType="num">
                                       <p:cBhvr additive="base">
-                                        <p:cTn id="17" dur="500" fill="hold"/>
+                                        <p:cTn id="19" dur="500" fill="hold"/>
                                         <p:tgtEl>
                                           <p:spTgt spid="3">
                                             <p:txEl>
@@ -11078,11 +11130,96 @@
                                     </p:anim>
                                     <p:anim calcmode="lin" valueType="num">
                                       <p:cBhvr additive="base">
-                                        <p:cTn id="18" dur="500" fill="hold"/>
+                                        <p:cTn id="20" dur="500" fill="hold"/>
                                         <p:tgtEl>
                                           <p:spTgt spid="3">
                                             <p:txEl>
                                               <p:pRg st="2" end="2"/>
+                                            </p:txEl>
+                                          </p:spTgt>
+                                        </p:tgtEl>
+                                        <p:attrNameLst>
+                                          <p:attrName>ppt_y</p:attrName>
+                                        </p:attrNameLst>
+                                      </p:cBhvr>
+                                      <p:tavLst>
+                                        <p:tav tm="0">
+                                          <p:val>
+                                            <p:strVal val="1+#ppt_h/2"/>
+                                          </p:val>
+                                        </p:tav>
+                                        <p:tav tm="100000">
+                                          <p:val>
+                                            <p:strVal val="#ppt_y"/>
+                                          </p:val>
+                                        </p:tav>
+                                      </p:tavLst>
+                                    </p:anim>
+                                  </p:childTnLst>
+                                </p:cTn>
+                              </p:par>
+                              <p:par>
+                                <p:cTn id="21" presetID="2" presetClass="entr" presetSubtype="4" fill="hold" grpId="0" nodeType="withEffect">
+                                  <p:stCondLst>
+                                    <p:cond delay="0"/>
+                                  </p:stCondLst>
+                                  <p:childTnLst>
+                                    <p:set>
+                                      <p:cBhvr>
+                                        <p:cTn id="22" dur="1" fill="hold">
+                                          <p:stCondLst>
+                                            <p:cond delay="0"/>
+                                          </p:stCondLst>
+                                        </p:cTn>
+                                        <p:tgtEl>
+                                          <p:spTgt spid="3">
+                                            <p:txEl>
+                                              <p:pRg st="3" end="3"/>
+                                            </p:txEl>
+                                          </p:spTgt>
+                                        </p:tgtEl>
+                                        <p:attrNameLst>
+                                          <p:attrName>style.visibility</p:attrName>
+                                        </p:attrNameLst>
+                                      </p:cBhvr>
+                                      <p:to>
+                                        <p:strVal val="visible"/>
+                                      </p:to>
+                                    </p:set>
+                                    <p:anim calcmode="lin" valueType="num">
+                                      <p:cBhvr additive="base">
+                                        <p:cTn id="23" dur="500" fill="hold"/>
+                                        <p:tgtEl>
+                                          <p:spTgt spid="3">
+                                            <p:txEl>
+                                              <p:pRg st="3" end="3"/>
+                                            </p:txEl>
+                                          </p:spTgt>
+                                        </p:tgtEl>
+                                        <p:attrNameLst>
+                                          <p:attrName>ppt_x</p:attrName>
+                                        </p:attrNameLst>
+                                      </p:cBhvr>
+                                      <p:tavLst>
+                                        <p:tav tm="0">
+                                          <p:val>
+                                            <p:strVal val="#ppt_x"/>
+                                          </p:val>
+                                        </p:tav>
+                                        <p:tav tm="100000">
+                                          <p:val>
+                                            <p:strVal val="#ppt_x"/>
+                                          </p:val>
+                                        </p:tav>
+                                      </p:tavLst>
+                                    </p:anim>
+                                    <p:anim calcmode="lin" valueType="num">
+                                      <p:cBhvr additive="base">
+                                        <p:cTn id="24" dur="500" fill="hold"/>
+                                        <p:tgtEl>
+                                          <p:spTgt spid="3">
+                                            <p:txEl>
+                                              <p:pRg st="3" end="3"/>
                                             </p:txEl>
                                           </p:spTgt>
                                         </p:tgtEl>
@@ -11113,26 +11250,26 @@
                     </p:cTn>
                   </p:par>
                   <p:par>
-                    <p:cTn id="19" fill="hold">
+                    <p:cTn id="25" fill="hold">
                       <p:stCondLst>
                         <p:cond delay="indefinite"/>
                       </p:stCondLst>
                       <p:childTnLst>
                         <p:par>
-                          <p:cTn id="20" fill="hold">
+                          <p:cTn id="26" fill="hold">
                             <p:stCondLst>
                               <p:cond delay="0"/>
                             </p:stCondLst>
                             <p:childTnLst>
                               <p:par>
-                                <p:cTn id="21" presetID="2" presetClass="entr" presetSubtype="4" fill="hold" grpId="0" nodeType="clickEffect">
+                                <p:cTn id="27" presetID="2" presetClass="entr" presetSubtype="4" fill="hold" grpId="0" nodeType="clickEffect">
                                   <p:stCondLst>
                                     <p:cond delay="0"/>
                                   </p:stCondLst>
                                   <p:childTnLst>
                                     <p:set>
                                       <p:cBhvr>
-                                        <p:cTn id="22" dur="1" fill="hold">
+                                        <p:cTn id="28" dur="1" fill="hold">
                                           <p:stCondLst>
                                             <p:cond delay="0"/>
                                           </p:stCondLst>
@@ -11140,7 +11277,7 @@
                                         <p:tgtEl>
                                           <p:spTgt spid="3">
                                             <p:txEl>
-                                              <p:pRg st="3" end="3"/>
+                                              <p:pRg st="4" end="4"/>
                                             </p:txEl>
                                           </p:spTgt>
                                         </p:tgtEl>
@@ -11154,11 +11291,11 @@
                                     </p:set>
                                     <p:anim calcmode="lin" valueType="num">
                                       <p:cBhvr additive="base">
-                                        <p:cTn id="23" dur="500" fill="hold"/>
+                                        <p:cTn id="29" dur="500" fill="hold"/>
                                         <p:tgtEl>
                                           <p:spTgt spid="3">
                                             <p:txEl>
-                                              <p:pRg st="3" end="3"/>
+                                              <p:pRg st="4" end="4"/>
                                             </p:txEl>
                                           </p:spTgt>
                                         </p:tgtEl>
@@ -11181,11 +11318,11 @@
                                     </p:anim>
                                     <p:anim calcmode="lin" valueType="num">
                                       <p:cBhvr additive="base">
-                                        <p:cTn id="24" dur="500" fill="hold"/>
+                                        <p:cTn id="30" dur="500" fill="hold"/>
                                         <p:tgtEl>
                                           <p:spTgt spid="3">
                                             <p:txEl>
-                                              <p:pRg st="3" end="3"/>
+                                              <p:pRg st="4" end="4"/>
                                             </p:txEl>
                                           </p:spTgt>
                                         </p:tgtEl>
@@ -11210,14 +11347,14 @@
                                 </p:cTn>
                               </p:par>
                               <p:par>
-                                <p:cTn id="25" presetID="2" presetClass="entr" presetSubtype="4" fill="hold" grpId="0" nodeType="withEffect">
+                                <p:cTn id="31" presetID="2" presetClass="entr" presetSubtype="4" fill="hold" grpId="0" nodeType="withEffect">
                                   <p:stCondLst>
                                     <p:cond delay="0"/>
                                   </p:stCondLst>
                                   <p:childTnLst>
                                     <p:set>
                                       <p:cBhvr>
-                                        <p:cTn id="26" dur="1" fill="hold">
+                                        <p:cTn id="32" dur="1" fill="hold">
                                           <p:stCondLst>
                                             <p:cond delay="0"/>
                                           </p:stCondLst>
@@ -11225,7 +11362,7 @@
                                         <p:tgtEl>
                                           <p:spTgt spid="3">
                                             <p:txEl>
-                                              <p:pRg st="4" end="4"/>
+                                              <p:pRg st="5" end="5"/>
                                             </p:txEl>
                                           </p:spTgt>
                                         </p:tgtEl>
@@ -11239,11 +11376,11 @@
                                     </p:set>
                                     <p:anim calcmode="lin" valueType="num">
                                       <p:cBhvr additive="base">
-                                        <p:cTn id="27" dur="500" fill="hold"/>
+                                        <p:cTn id="33" dur="500" fill="hold"/>
                                         <p:tgtEl>
                                           <p:spTgt spid="3">
                                             <p:txEl>
-                                              <p:pRg st="4" end="4"/>
+                                              <p:pRg st="5" end="5"/>
                                             </p:txEl>
                                           </p:spTgt>
                                         </p:tgtEl>
@@ -11266,11 +11403,11 @@
                                     </p:anim>
                                     <p:anim calcmode="lin" valueType="num">
                                       <p:cBhvr additive="base">
-                                        <p:cTn id="28" dur="500" fill="hold"/>
+                                        <p:cTn id="34" dur="500" fill="hold"/>
                                         <p:tgtEl>
                                           <p:spTgt spid="3">
                                             <p:txEl>
-                                              <p:pRg st="4" end="4"/>
+                                              <p:pRg st="5" end="5"/>
                                             </p:txEl>
                                           </p:spTgt>
                                         </p:tgtEl>
@@ -11301,26 +11438,26 @@
                     </p:cTn>
                   </p:par>
                   <p:par>
-                    <p:cTn id="29" fill="hold">
+                    <p:cTn id="35" fill="hold">
                       <p:stCondLst>
                         <p:cond delay="indefinite"/>
                       </p:stCondLst>
                       <p:childTnLst>
                         <p:par>
-                          <p:cTn id="30" fill="hold">
+                          <p:cTn id="36" fill="hold">
                             <p:stCondLst>
                               <p:cond delay="0"/>
                             </p:stCondLst>
                             <p:childTnLst>
                               <p:par>
-                                <p:cTn id="31" presetID="1" presetClass="entr" presetSubtype="0" fill="hold" grpId="0" nodeType="clickEffect">
+                                <p:cTn id="37" presetID="1" presetClass="entr" presetSubtype="0" fill="hold" grpId="0" nodeType="clickEffect">
                                   <p:stCondLst>
                                     <p:cond delay="0"/>
                                   </p:stCondLst>
                                   <p:childTnLst>
                                     <p:set>
                                       <p:cBhvr>
-                                        <p:cTn id="32" dur="1" fill="hold">
+                                        <p:cTn id="38" dur="1" fill="hold">
                                           <p:stCondLst>
                                             <p:cond delay="0"/>
                                           </p:stCondLst>
@@ -11348,26 +11485,26 @@
                     </p:cTn>
                   </p:par>
                   <p:par>
-                    <p:cTn id="33" fill="hold">
+                    <p:cTn id="39" fill="hold">
                       <p:stCondLst>
                         <p:cond delay="indefinite"/>
                       </p:stCondLst>
                       <p:childTnLst>
                         <p:par>
-                          <p:cTn id="34" fill="hold">
+                          <p:cTn id="40" fill="hold">
                             <p:stCondLst>
                               <p:cond delay="0"/>
                             </p:stCondLst>
                             <p:childTnLst>
                               <p:par>
-                                <p:cTn id="35" presetID="22" presetClass="entr" presetSubtype="8" fill="hold" grpId="0" nodeType="clickEffect">
+                                <p:cTn id="41" presetID="22" presetClass="entr" presetSubtype="8" fill="hold" grpId="0" nodeType="clickEffect">
                                   <p:stCondLst>
                                     <p:cond delay="0"/>
                                   </p:stCondLst>
                                   <p:childTnLst>
                                     <p:set>
                                       <p:cBhvr>
-                                        <p:cTn id="36" dur="1" fill="hold">
+                                        <p:cTn id="42" dur="1" fill="hold">
                                           <p:stCondLst>
                                             <p:cond delay="0"/>
                                           </p:stCondLst>
@@ -11389,7 +11526,7 @@
                                     </p:set>
                                     <p:animEffect transition="in" filter="wipe(left)">
                                       <p:cBhvr>
-                                        <p:cTn id="37" dur="500"/>
+                                        <p:cTn id="43" dur="500"/>
                                         <p:tgtEl>
                                           <p:spTgt spid="4">
                                             <p:txEl>
@@ -11409,26 +11546,26 @@
                     </p:cTn>
                   </p:par>
                   <p:par>
-                    <p:cTn id="38" fill="hold">
+                    <p:cTn id="44" fill="hold">
                       <p:stCondLst>
                         <p:cond delay="indefinite"/>
                       </p:stCondLst>
                       <p:childTnLst>
                         <p:par>
-                          <p:cTn id="39" fill="hold">
+                          <p:cTn id="45" fill="hold">
                             <p:stCondLst>
                               <p:cond delay="0"/>
                             </p:stCondLst>
                             <p:childTnLst>
                               <p:par>
-                                <p:cTn id="40" presetID="22" presetClass="entr" presetSubtype="8" fill="hold" grpId="0" nodeType="clickEffect">
+                                <p:cTn id="46" presetID="22" presetClass="entr" presetSubtype="8" fill="hold" grpId="0" nodeType="clickEffect">
                                   <p:stCondLst>
                                     <p:cond delay="0"/>
                                   </p:stCondLst>
                                   <p:childTnLst>
                                     <p:set>
                                       <p:cBhvr>
-                                        <p:cTn id="41" dur="1" fill="hold">
+                                        <p:cTn id="47" dur="1" fill="hold">
                                           <p:stCondLst>
                                             <p:cond delay="0"/>
                                           </p:stCondLst>
@@ -11450,7 +11587,7 @@
                                     </p:set>
                                     <p:animEffect transition="in" filter="wipe(left)">
                                       <p:cBhvr>
-                                        <p:cTn id="42" dur="500"/>
+                                        <p:cTn id="48" dur="500"/>
                                         <p:tgtEl>
                                           <p:spTgt spid="4">
                                             <p:txEl>
@@ -11470,26 +11607,26 @@
                     </p:cTn>
                   </p:par>
                   <p:par>
-                    <p:cTn id="43" fill="hold">
+                    <p:cTn id="49" fill="hold">
                       <p:stCondLst>
                         <p:cond delay="indefinite"/>
                       </p:stCondLst>
                       <p:childTnLst>
                         <p:par>
-                          <p:cTn id="44" fill="hold">
+                          <p:cTn id="50" fill="hold">
                             <p:stCondLst>
                               <p:cond delay="0"/>
                             </p:stCondLst>
                             <p:childTnLst>
                               <p:par>
-                                <p:cTn id="45" presetID="22" presetClass="entr" presetSubtype="8" fill="hold" grpId="0" nodeType="clickEffect">
+                                <p:cTn id="51" presetID="22" presetClass="entr" presetSubtype="8" fill="hold" grpId="0" nodeType="clickEffect">
                                   <p:stCondLst>
                                     <p:cond delay="0"/>
                                   </p:stCondLst>
                                   <p:childTnLst>
                                     <p:set>
                                       <p:cBhvr>
-                                        <p:cTn id="46" dur="1" fill="hold">
+                                        <p:cTn id="52" dur="1" fill="hold">
                                           <p:stCondLst>
                                             <p:cond delay="0"/>
                                           </p:stCondLst>
@@ -11511,7 +11648,7 @@
                                     </p:set>
                                     <p:animEffect transition="in" filter="wipe(left)">
                                       <p:cBhvr>
-                                        <p:cTn id="47" dur="500"/>
+                                        <p:cTn id="53" dur="500"/>
                                         <p:tgtEl>
                                           <p:spTgt spid="4">
                                             <p:txEl>
@@ -11531,26 +11668,26 @@
                     </p:cTn>
                   </p:par>
                   <p:par>
-                    <p:cTn id="48" fill="hold">
+                    <p:cTn id="54" fill="hold">
                       <p:stCondLst>
                         <p:cond delay="indefinite"/>
                       </p:stCondLst>
                       <p:childTnLst>
                         <p:par>
-                          <p:cTn id="49" fill="hold">
+                          <p:cTn id="55" fill="hold">
                             <p:stCondLst>
                               <p:cond delay="0"/>
                             </p:stCondLst>
                             <p:childTnLst>
                               <p:par>
-                                <p:cTn id="50" presetID="22" presetClass="entr" presetSubtype="8" fill="hold" grpId="0" nodeType="clickEffect">
+                                <p:cTn id="56" presetID="22" presetClass="entr" presetSubtype="8" fill="hold" grpId="0" nodeType="clickEffect">
                                   <p:stCondLst>
                                     <p:cond delay="0"/>
                                   </p:stCondLst>
                                   <p:childTnLst>
                                     <p:set>
                                       <p:cBhvr>
-                                        <p:cTn id="51" dur="1" fill="hold">
+                                        <p:cTn id="57" dur="1" fill="hold">
                                           <p:stCondLst>
                                             <p:cond delay="0"/>
                                           </p:stCondLst>
@@ -11572,7 +11709,7 @@
                                     </p:set>
                                     <p:animEffect transition="in" filter="wipe(left)">
                                       <p:cBhvr>
-                                        <p:cTn id="52" dur="500"/>
+                                        <p:cTn id="58" dur="500"/>
                                         <p:tgtEl>
                                           <p:spTgt spid="4">
                                             <p:txEl>
@@ -11592,26 +11729,26 @@
                     </p:cTn>
                   </p:par>
                   <p:par>
-                    <p:cTn id="53" fill="hold">
+                    <p:cTn id="59" fill="hold">
                       <p:stCondLst>
                         <p:cond delay="indefinite"/>
                       </p:stCondLst>
                       <p:childTnLst>
                         <p:par>
-                          <p:cTn id="54" fill="hold">
+                          <p:cTn id="60" fill="hold">
                             <p:stCondLst>
                               <p:cond delay="0"/>
                             </p:stCondLst>
                             <p:childTnLst>
                               <p:par>
-                                <p:cTn id="55" presetID="22" presetClass="entr" presetSubtype="8" fill="hold" grpId="0" nodeType="clickEffect">
+                                <p:cTn id="61" presetID="22" presetClass="entr" presetSubtype="8" fill="hold" grpId="0" nodeType="clickEffect">
                                   <p:stCondLst>
                                     <p:cond delay="0"/>
                                   </p:stCondLst>
                                   <p:childTnLst>
                                     <p:set>
                                       <p:cBhvr>
-                                        <p:cTn id="56" dur="1" fill="hold">
+                                        <p:cTn id="62" dur="1" fill="hold">
                                           <p:stCondLst>
                                             <p:cond delay="0"/>
                                           </p:stCondLst>
@@ -11633,97 +11770,11 @@
                                     </p:set>
                                     <p:animEffect transition="in" filter="wipe(left)">
                                       <p:cBhvr>
-                                        <p:cTn id="57" dur="500"/>
+                                        <p:cTn id="63" dur="500"/>
                                         <p:tgtEl>
                                           <p:spTgt spid="4">
                                             <p:txEl>
                                               <p:pRg st="4" end="4"/>
-                                            </p:txEl>
-                                          </p:spTgt>
-                                        </p:tgtEl>
-                                      </p:cBhvr>
-                                    </p:animEffect>
-                                  </p:childTnLst>
-                                </p:cTn>
-                              </p:par>
-                              <p:par>
-                                <p:cTn id="58" presetID="22" presetClass="entr" presetSubtype="8" fill="hold" grpId="0" nodeType="withEffect">
-                                  <p:stCondLst>
-                                    <p:cond delay="0"/>
-                                  </p:stCondLst>
-                                  <p:childTnLst>
-                                    <p:set>
-                                      <p:cBhvr>
-                                        <p:cTn id="59" dur="1" fill="hold">
-                                          <p:stCondLst>
-                                            <p:cond delay="0"/>
-                                          </p:stCondLst>
-                                        </p:cTn>
-                                        <p:tgtEl>
-                                          <p:spTgt spid="4">
-                                            <p:txEl>
-                                              <p:pRg st="5" end="5"/>
-                                            </p:txEl>
-                                          </p:spTgt>
-                                        </p:tgtEl>
-                                        <p:attrNameLst>
-                                          <p:attrName>style.visibility</p:attrName>
-                                        </p:attrNameLst>
-                                      </p:cBhvr>
-                                      <p:to>
-                                        <p:strVal val="visible"/>
-                                      </p:to>
-                                    </p:set>
-                                    <p:animEffect transition="in" filter="wipe(left)">
-                                      <p:cBhvr>
-                                        <p:cTn id="60" dur="500"/>
-                                        <p:tgtEl>
-                                          <p:spTgt spid="4">
-                                            <p:txEl>
-                                              <p:pRg st="5" end="5"/>
-                                            </p:txEl>
-                                          </p:spTgt>
-                                        </p:tgtEl>
-                                      </p:cBhvr>
-                                    </p:animEffect>
-                                  </p:childTnLst>
-                                </p:cTn>
-                              </p:par>
-                              <p:par>
-                                <p:cTn id="61" presetID="22" presetClass="entr" presetSubtype="8" fill="hold" grpId="0" nodeType="withEffect">
-                                  <p:stCondLst>
-                                    <p:cond delay="0"/>
-                                  </p:stCondLst>
-                                  <p:childTnLst>
-                                    <p:set>
-                                      <p:cBhvr>
-                                        <p:cTn id="62" dur="1" fill="hold">
-                                          <p:stCondLst>
-                                            <p:cond delay="0"/>
-                                          </p:stCondLst>
-                                        </p:cTn>
-                                        <p:tgtEl>
-                                          <p:spTgt spid="4">
-                                            <p:txEl>
-                                              <p:pRg st="6" end="6"/>
-                                            </p:txEl>
-                                          </p:spTgt>
-                                        </p:tgtEl>
-                                        <p:attrNameLst>
-                                          <p:attrName>style.visibility</p:attrName>
-                                        </p:attrNameLst>
-                                      </p:cBhvr>
-                                      <p:to>
-                                        <p:strVal val="visible"/>
-                                      </p:to>
-                                    </p:set>
-                                    <p:animEffect transition="in" filter="wipe(left)">
-                                      <p:cBhvr>
-                                        <p:cTn id="63" dur="500"/>
-                                        <p:tgtEl>
-                                          <p:spTgt spid="4">
-                                            <p:txEl>
-                                              <p:pRg st="6" end="6"/>
                                             </p:txEl>
                                           </p:spTgt>
                                         </p:tgtEl>
@@ -11748,7 +11799,7 @@
                                         <p:tgtEl>
                                           <p:spTgt spid="4">
                                             <p:txEl>
-                                              <p:pRg st="7" end="7"/>
+                                              <p:pRg st="5" end="5"/>
                                             </p:txEl>
                                           </p:spTgt>
                                         </p:tgtEl>
@@ -11763,6 +11814,92 @@
                                     <p:animEffect transition="in" filter="wipe(left)">
                                       <p:cBhvr>
                                         <p:cTn id="66" dur="500"/>
+                                        <p:tgtEl>
+                                          <p:spTgt spid="4">
+                                            <p:txEl>
+                                              <p:pRg st="5" end="5"/>
+                                            </p:txEl>
+                                          </p:spTgt>
+                                        </p:tgtEl>
+                                      </p:cBhvr>
+                                    </p:animEffect>
+                                  </p:childTnLst>
+                                </p:cTn>
+                              </p:par>
+                              <p:par>
+                                <p:cTn id="67" presetID="22" presetClass="entr" presetSubtype="8" fill="hold" grpId="0" nodeType="withEffect">
+                                  <p:stCondLst>
+                                    <p:cond delay="0"/>
+                                  </p:stCondLst>
+                                  <p:childTnLst>
+                                    <p:set>
+                                      <p:cBhvr>
+                                        <p:cTn id="68" dur="1" fill="hold">
+                                          <p:stCondLst>
+                                            <p:cond delay="0"/>
+                                          </p:stCondLst>
+                                        </p:cTn>
+                                        <p:tgtEl>
+                                          <p:spTgt spid="4">
+                                            <p:txEl>
+                                              <p:pRg st="6" end="6"/>
+                                            </p:txEl>
+                                          </p:spTgt>
+                                        </p:tgtEl>
+                                        <p:attrNameLst>
+                                          <p:attrName>style.visibility</p:attrName>
+                                        </p:attrNameLst>
+                                      </p:cBhvr>
+                                      <p:to>
+                                        <p:strVal val="visible"/>
+                                      </p:to>
+                                    </p:set>
+                                    <p:animEffect transition="in" filter="wipe(left)">
+                                      <p:cBhvr>
+                                        <p:cTn id="69" dur="500"/>
+                                        <p:tgtEl>
+                                          <p:spTgt spid="4">
+                                            <p:txEl>
+                                              <p:pRg st="6" end="6"/>
+                                            </p:txEl>
+                                          </p:spTgt>
+                                        </p:tgtEl>
+                                      </p:cBhvr>
+                                    </p:animEffect>
+                                  </p:childTnLst>
+                                </p:cTn>
+                              </p:par>
+                              <p:par>
+                                <p:cTn id="70" presetID="22" presetClass="entr" presetSubtype="8" fill="hold" grpId="0" nodeType="withEffect">
+                                  <p:stCondLst>
+                                    <p:cond delay="0"/>
+                                  </p:stCondLst>
+                                  <p:childTnLst>
+                                    <p:set>
+                                      <p:cBhvr>
+                                        <p:cTn id="71" dur="1" fill="hold">
+                                          <p:stCondLst>
+                                            <p:cond delay="0"/>
+                                          </p:stCondLst>
+                                        </p:cTn>
+                                        <p:tgtEl>
+                                          <p:spTgt spid="4">
+                                            <p:txEl>
+                                              <p:pRg st="7" end="7"/>
+                                            </p:txEl>
+                                          </p:spTgt>
+                                        </p:tgtEl>
+                                        <p:attrNameLst>
+                                          <p:attrName>style.visibility</p:attrName>
+                                        </p:attrNameLst>
+                                      </p:cBhvr>
+                                      <p:to>
+                                        <p:strVal val="visible"/>
+                                      </p:to>
+                                    </p:set>
+                                    <p:animEffect transition="in" filter="wipe(left)">
+                                      <p:cBhvr>
+                                        <p:cTn id="72" dur="500"/>
                                         <p:tgtEl>
                                           <p:spTgt spid="4">
                                             <p:txEl>
@@ -11782,26 +11919,26 @@
                     </p:cTn>
                   </p:par>
                   <p:par>
-                    <p:cTn id="67" fill="hold">
+                    <p:cTn id="73" fill="hold">
                       <p:stCondLst>
                         <p:cond delay="indefinite"/>
                       </p:stCondLst>
                       <p:childTnLst>
                         <p:par>
-                          <p:cTn id="68" fill="hold">
+                          <p:cTn id="74" fill="hold">
                             <p:stCondLst>
                               <p:cond delay="0"/>
                             </p:stCondLst>
                             <p:childTnLst>
                               <p:par>
-                                <p:cTn id="69" presetID="22" presetClass="entr" presetSubtype="8" fill="hold" grpId="0" nodeType="clickEffect">
+                                <p:cTn id="75" presetID="22" presetClass="entr" presetSubtype="8" fill="hold" grpId="0" nodeType="clickEffect">
                                   <p:stCondLst>
                                     <p:cond delay="0"/>
                                   </p:stCondLst>
                                   <p:childTnLst>
                                     <p:set>
                                       <p:cBhvr>
-                                        <p:cTn id="70" dur="1" fill="hold">
+                                        <p:cTn id="76" dur="1" fill="hold">
                                           <p:stCondLst>
                                             <p:cond delay="0"/>
                                           </p:stCondLst>
@@ -11823,7 +11960,7 @@
                                     </p:set>
                                     <p:animEffect transition="in" filter="wipe(left)">
                                       <p:cBhvr>
-                                        <p:cTn id="71" dur="500"/>
+                                        <p:cTn id="77" dur="500"/>
                                         <p:tgtEl>
                                           <p:spTgt spid="4">
                                             <p:txEl>
@@ -11843,26 +11980,26 @@
                     </p:cTn>
                   </p:par>
                   <p:par>
-                    <p:cTn id="72" fill="hold">
+                    <p:cTn id="78" fill="hold">
                       <p:stCondLst>
                         <p:cond delay="indefinite"/>
                       </p:stCondLst>
                       <p:childTnLst>
                         <p:par>
-                          <p:cTn id="73" fill="hold">
+                          <p:cTn id="79" fill="hold">
                             <p:stCondLst>
                               <p:cond delay="0"/>
                             </p:stCondLst>
                             <p:childTnLst>
                               <p:par>
-                                <p:cTn id="74" presetID="22" presetClass="entr" presetSubtype="8" fill="hold" grpId="0" nodeType="clickEffect">
+                                <p:cTn id="80" presetID="22" presetClass="entr" presetSubtype="8" fill="hold" grpId="0" nodeType="clickEffect">
                                   <p:stCondLst>
                                     <p:cond delay="0"/>
                                   </p:stCondLst>
                                   <p:childTnLst>
                                     <p:set>
                                       <p:cBhvr>
-                                        <p:cTn id="75" dur="1" fill="hold">
+                                        <p:cTn id="81" dur="1" fill="hold">
                                           <p:stCondLst>
                                             <p:cond delay="0"/>
                                           </p:stCondLst>
@@ -11884,7 +12021,7 @@
                                     </p:set>
                                     <p:animEffect transition="in" filter="wipe(left)">
                                       <p:cBhvr>
-                                        <p:cTn id="76" dur="500"/>
+                                        <p:cTn id="82" dur="500"/>
                                         <p:tgtEl>
                                           <p:spTgt spid="4">
                                             <p:txEl>
@@ -11904,26 +12041,26 @@
                     </p:cTn>
                   </p:par>
                   <p:par>
-                    <p:cTn id="77" fill="hold">
+                    <p:cTn id="83" fill="hold">
                       <p:stCondLst>
                         <p:cond delay="indefinite"/>
                       </p:stCondLst>
                       <p:childTnLst>
                         <p:par>
-                          <p:cTn id="78" fill="hold">
+                          <p:cTn id="84" fill="hold">
                             <p:stCondLst>
                               <p:cond delay="0"/>
                             </p:stCondLst>
                             <p:childTnLst>
                               <p:par>
-                                <p:cTn id="79" presetID="22" presetClass="entr" presetSubtype="8" fill="hold" grpId="0" nodeType="clickEffect">
+                                <p:cTn id="85" presetID="22" presetClass="entr" presetSubtype="8" fill="hold" grpId="0" nodeType="clickEffect">
                                   <p:stCondLst>
                                     <p:cond delay="0"/>
                                   </p:stCondLst>
                                   <p:childTnLst>
                                     <p:set>
                                       <p:cBhvr>
-                                        <p:cTn id="80" dur="1" fill="hold">
+                                        <p:cTn id="86" dur="1" fill="hold">
                                           <p:stCondLst>
                                             <p:cond delay="0"/>
                                           </p:stCondLst>
@@ -11945,7 +12082,7 @@
                                     </p:set>
                                     <p:animEffect transition="in" filter="wipe(left)">
                                       <p:cBhvr>
-                                        <p:cTn id="81" dur="500"/>
+                                        <p:cTn id="87" dur="500"/>
                                         <p:tgtEl>
                                           <p:spTgt spid="4">
                                             <p:txEl>
@@ -11965,26 +12102,26 @@
                     </p:cTn>
                   </p:par>
                   <p:par>
-                    <p:cTn id="82" fill="hold">
+                    <p:cTn id="88" fill="hold">
                       <p:stCondLst>
                         <p:cond delay="indefinite"/>
                       </p:stCondLst>
                       <p:childTnLst>
                         <p:par>
-                          <p:cTn id="83" fill="hold">
+                          <p:cTn id="89" fill="hold">
                             <p:stCondLst>
                               <p:cond delay="0"/>
                             </p:stCondLst>
                             <p:childTnLst>
                               <p:par>
-                                <p:cTn id="84" presetID="22" presetClass="entr" presetSubtype="8" fill="hold" grpId="0" nodeType="clickEffect">
+                                <p:cTn id="90" presetID="22" presetClass="entr" presetSubtype="8" fill="hold" grpId="0" nodeType="clickEffect">
                                   <p:stCondLst>
                                     <p:cond delay="0"/>
                                   </p:stCondLst>
                                   <p:childTnLst>
                                     <p:set>
                                       <p:cBhvr>
-                                        <p:cTn id="85" dur="1" fill="hold">
+                                        <p:cTn id="91" dur="1" fill="hold">
                                           <p:stCondLst>
                                             <p:cond delay="0"/>
                                           </p:stCondLst>
@@ -12006,7 +12143,7 @@
                                     </p:set>
                                     <p:animEffect transition="in" filter="wipe(left)">
                                       <p:cBhvr>
-                                        <p:cTn id="86" dur="500"/>
+                                        <p:cTn id="92" dur="500"/>
                                         <p:tgtEl>
                                           <p:spTgt spid="4">
                                             <p:txEl>
@@ -12026,26 +12163,26 @@
                     </p:cTn>
                   </p:par>
                   <p:par>
-                    <p:cTn id="87" fill="hold">
+                    <p:cTn id="93" fill="hold">
                       <p:stCondLst>
                         <p:cond delay="indefinite"/>
                       </p:stCondLst>
                       <p:childTnLst>
                         <p:par>
-                          <p:cTn id="88" fill="hold">
+                          <p:cTn id="94" fill="hold">
                             <p:stCondLst>
                               <p:cond delay="0"/>
                             </p:stCondLst>
                             <p:childTnLst>
                               <p:par>
-                                <p:cTn id="89" presetID="22" presetClass="entr" presetSubtype="8" fill="hold" grpId="0" nodeType="clickEffect">
+                                <p:cTn id="95" presetID="22" presetClass="entr" presetSubtype="8" fill="hold" grpId="0" nodeType="clickEffect">
                                   <p:stCondLst>
                                     <p:cond delay="0"/>
                                   </p:stCondLst>
                                   <p:childTnLst>
                                     <p:set>
                                       <p:cBhvr>
-                                        <p:cTn id="90" dur="1" fill="hold">
+                                        <p:cTn id="96" dur="1" fill="hold">
                                           <p:stCondLst>
                                             <p:cond delay="0"/>
                                           </p:stCondLst>
@@ -12067,7 +12204,7 @@
                                     </p:set>
                                     <p:animEffect transition="in" filter="wipe(left)">
                                       <p:cBhvr>
-                                        <p:cTn id="91" dur="500"/>
+                                        <p:cTn id="97" dur="500"/>
                                         <p:tgtEl>
                                           <p:spTgt spid="4">
                                             <p:txEl>
@@ -12087,26 +12224,26 @@
                     </p:cTn>
                   </p:par>
                   <p:par>
-                    <p:cTn id="92" fill="hold">
+                    <p:cTn id="98" fill="hold">
                       <p:stCondLst>
                         <p:cond delay="indefinite"/>
                       </p:stCondLst>
                       <p:childTnLst>
                         <p:par>
-                          <p:cTn id="93" fill="hold">
+                          <p:cTn id="99" fill="hold">
                             <p:stCondLst>
                               <p:cond delay="0"/>
                             </p:stCondLst>
                             <p:childTnLst>
                               <p:par>
-                                <p:cTn id="94" presetID="22" presetClass="entr" presetSubtype="8" fill="hold" grpId="0" nodeType="clickEffect">
+                                <p:cTn id="100" presetID="22" presetClass="entr" presetSubtype="8" fill="hold" grpId="0" nodeType="clickEffect">
                                   <p:stCondLst>
                                     <p:cond delay="0"/>
                                   </p:stCondLst>
                                   <p:childTnLst>
                                     <p:set>
                                       <p:cBhvr>
-                                        <p:cTn id="95" dur="1" fill="hold">
+                                        <p:cTn id="101" dur="1" fill="hold">
                                           <p:stCondLst>
                                             <p:cond delay="0"/>
                                           </p:stCondLst>
@@ -12128,7 +12265,7 @@
                                     </p:set>
                                     <p:animEffect transition="in" filter="wipe(left)">
                                       <p:cBhvr>
-                                        <p:cTn id="96" dur="500"/>
+                                        <p:cTn id="102" dur="500"/>
                                         <p:tgtEl>
                                           <p:spTgt spid="4">
                                             <p:txEl>
@@ -12142,14 +12279,14 @@
                                 </p:cTn>
                               </p:par>
                               <p:par>
-                                <p:cTn id="97" presetID="22" presetClass="entr" presetSubtype="8" fill="hold" grpId="0" nodeType="withEffect">
+                                <p:cTn id="103" presetID="22" presetClass="entr" presetSubtype="8" fill="hold" grpId="0" nodeType="withEffect">
                                   <p:stCondLst>
                                     <p:cond delay="0"/>
                                   </p:stCondLst>
                                   <p:childTnLst>
                                     <p:set>
                                       <p:cBhvr>
-                                        <p:cTn id="98" dur="1" fill="hold">
+                                        <p:cTn id="104" dur="1" fill="hold">
                                           <p:stCondLst>
                                             <p:cond delay="0"/>
                                           </p:stCondLst>
@@ -12171,7 +12308,7 @@
                                     </p:set>
                                     <p:animEffect transition="in" filter="wipe(left)">
                                       <p:cBhvr>
-                                        <p:cTn id="99" dur="500"/>
+                                        <p:cTn id="105" dur="500"/>
                                         <p:tgtEl>
                                           <p:spTgt spid="4">
                                             <p:txEl>
@@ -12185,14 +12322,14 @@
                                 </p:cTn>
                               </p:par>
                               <p:par>
-                                <p:cTn id="100" presetID="22" presetClass="entr" presetSubtype="8" fill="hold" grpId="0" nodeType="withEffect">
+                                <p:cTn id="106" presetID="22" presetClass="entr" presetSubtype="8" fill="hold" grpId="0" nodeType="withEffect">
                                   <p:stCondLst>
                                     <p:cond delay="0"/>
                                   </p:stCondLst>
                                   <p:childTnLst>
                                     <p:set>
                                       <p:cBhvr>
-                                        <p:cTn id="101" dur="1" fill="hold">
+                                        <p:cTn id="107" dur="1" fill="hold">
                                           <p:stCondLst>
                                             <p:cond delay="0"/>
                                           </p:stCondLst>
@@ -12214,7 +12351,7 @@
                                     </p:set>
                                     <p:animEffect transition="in" filter="wipe(left)">
                                       <p:cBhvr>
-                                        <p:cTn id="102" dur="500"/>
+                                        <p:cTn id="108" dur="500"/>
                                         <p:tgtEl>
                                           <p:spTgt spid="4">
                                             <p:txEl>
@@ -12234,26 +12371,26 @@
                     </p:cTn>
                   </p:par>
                   <p:par>
-                    <p:cTn id="103" fill="hold">
+                    <p:cTn id="109" fill="hold">
                       <p:stCondLst>
                         <p:cond delay="indefinite"/>
                       </p:stCondLst>
                       <p:childTnLst>
                         <p:par>
-                          <p:cTn id="104" fill="hold">
+                          <p:cTn id="110" fill="hold">
                             <p:stCondLst>
                               <p:cond delay="0"/>
                             </p:stCondLst>
                             <p:childTnLst>
                               <p:par>
-                                <p:cTn id="105" presetID="22" presetClass="entr" presetSubtype="8" fill="hold" grpId="0" nodeType="clickEffect">
+                                <p:cTn id="111" presetID="22" presetClass="entr" presetSubtype="8" fill="hold" grpId="0" nodeType="clickEffect">
                                   <p:stCondLst>
                                     <p:cond delay="0"/>
                                   </p:stCondLst>
                                   <p:childTnLst>
                                     <p:set>
                                       <p:cBhvr>
-                                        <p:cTn id="106" dur="1" fill="hold">
+                                        <p:cTn id="112" dur="1" fill="hold">
                                           <p:stCondLst>
                                             <p:cond delay="0"/>
                                           </p:stCondLst>
@@ -12275,7 +12412,7 @@
                                     </p:set>
                                     <p:animEffect transition="in" filter="wipe(left)">
                                       <p:cBhvr>
-                                        <p:cTn id="107" dur="500"/>
+                                        <p:cTn id="113" dur="500"/>
                                         <p:tgtEl>
                                           <p:spTgt spid="4">
                                             <p:txEl>
@@ -12295,26 +12432,26 @@
                     </p:cTn>
                   </p:par>
                   <p:par>
-                    <p:cTn id="108" fill="hold">
+                    <p:cTn id="114" fill="hold">
                       <p:stCondLst>
                         <p:cond delay="indefinite"/>
                       </p:stCondLst>
                       <p:childTnLst>
                         <p:par>
-                          <p:cTn id="109" fill="hold">
+                          <p:cTn id="115" fill="hold">
                             <p:stCondLst>
                               <p:cond delay="0"/>
                             </p:stCondLst>
                             <p:childTnLst>
                               <p:par>
-                                <p:cTn id="110" presetID="22" presetClass="entr" presetSubtype="8" fill="hold" grpId="0" nodeType="clickEffect">
+                                <p:cTn id="116" presetID="22" presetClass="entr" presetSubtype="8" fill="hold" grpId="0" nodeType="clickEffect">
                                   <p:stCondLst>
                                     <p:cond delay="0"/>
                                   </p:stCondLst>
                                   <p:childTnLst>
                                     <p:set>
                                       <p:cBhvr>
-                                        <p:cTn id="111" dur="1" fill="hold">
+                                        <p:cTn id="117" dur="1" fill="hold">
                                           <p:stCondLst>
                                             <p:cond delay="0"/>
                                           </p:stCondLst>
@@ -12336,7 +12473,7 @@
                                     </p:set>
                                     <p:animEffect transition="in" filter="wipe(left)">
                                       <p:cBhvr>
-                                        <p:cTn id="112" dur="500"/>
+                                        <p:cTn id="118" dur="500"/>
                                         <p:tgtEl>
                                           <p:spTgt spid="4">
                                             <p:txEl>
@@ -12350,14 +12487,14 @@
                                 </p:cTn>
                               </p:par>
                               <p:par>
-                                <p:cTn id="113" presetID="22" presetClass="entr" presetSubtype="8" fill="hold" nodeType="withEffect">
+                                <p:cTn id="119" presetID="22" presetClass="entr" presetSubtype="8" fill="hold" nodeType="withEffect">
                                   <p:stCondLst>
                                     <p:cond delay="0"/>
                                   </p:stCondLst>
                                   <p:childTnLst>
                                     <p:set>
                                       <p:cBhvr>
-                                        <p:cTn id="114" dur="1" fill="hold">
+                                        <p:cTn id="120" dur="1" fill="hold">
                                           <p:stCondLst>
                                             <p:cond delay="0"/>
                                           </p:stCondLst>
@@ -12379,7 +12516,7 @@
                                     </p:set>
                                     <p:animEffect transition="in" filter="wipe(left)">
                                       <p:cBhvr>
-                                        <p:cTn id="115" dur="500"/>
+                                        <p:cTn id="121" dur="500"/>
                                         <p:tgtEl>
                                           <p:spTgt spid="4">
                                             <p:txEl>
@@ -12399,26 +12536,26 @@
                     </p:cTn>
                   </p:par>
                   <p:par>
-                    <p:cTn id="116" fill="hold">
+                    <p:cTn id="122" fill="hold">
                       <p:stCondLst>
                         <p:cond delay="indefinite"/>
                       </p:stCondLst>
                       <p:childTnLst>
                         <p:par>
-                          <p:cTn id="117" fill="hold">
+                          <p:cTn id="123" fill="hold">
                             <p:stCondLst>
                               <p:cond delay="0"/>
                             </p:stCondLst>
                             <p:childTnLst>
                               <p:par>
-                                <p:cTn id="118" presetID="2" presetClass="entr" presetSubtype="4" fill="hold" grpId="0" nodeType="clickEffect">
+                                <p:cTn id="124" presetID="2" presetClass="entr" presetSubtype="4" fill="hold" grpId="0" nodeType="clickEffect">
                                   <p:stCondLst>
                                     <p:cond delay="0"/>
                                   </p:stCondLst>
                                   <p:childTnLst>
                                     <p:set>
                                       <p:cBhvr>
-                                        <p:cTn id="119" dur="1" fill="hold">
+                                        <p:cTn id="125" dur="1" fill="hold">
                                           <p:stCondLst>
                                             <p:cond delay="0"/>
                                           </p:stCondLst>
@@ -12426,7 +12563,7 @@
                                         <p:tgtEl>
                                           <p:spTgt spid="3">
                                             <p:txEl>
-                                              <p:pRg st="6" end="6"/>
+                                              <p:pRg st="7" end="7"/>
                                             </p:txEl>
                                           </p:spTgt>
                                         </p:tgtEl>
@@ -12440,11 +12577,11 @@
                                     </p:set>
                                     <p:anim calcmode="lin" valueType="num">
                                       <p:cBhvr additive="base">
-                                        <p:cTn id="120" dur="500" fill="hold"/>
+                                        <p:cTn id="126" dur="500" fill="hold"/>
                                         <p:tgtEl>
                                           <p:spTgt spid="3">
                                             <p:txEl>
-                                              <p:pRg st="6" end="6"/>
+                                              <p:pRg st="7" end="7"/>
                                             </p:txEl>
                                           </p:spTgt>
                                         </p:tgtEl>
@@ -12467,11 +12604,11 @@
                                     </p:anim>
                                     <p:anim calcmode="lin" valueType="num">
                                       <p:cBhvr additive="base">
-                                        <p:cTn id="121" dur="500" fill="hold"/>
+                                        <p:cTn id="127" dur="500" fill="hold"/>
                                         <p:tgtEl>
                                           <p:spTgt spid="3">
                                             <p:txEl>
-                                              <p:pRg st="6" end="6"/>
+                                              <p:pRg st="7" end="7"/>
                                             </p:txEl>
                                           </p:spTgt>
                                         </p:tgtEl>
@@ -12496,14 +12633,14 @@
                                 </p:cTn>
                               </p:par>
                               <p:par>
-                                <p:cTn id="122" presetID="2" presetClass="entr" presetSubtype="4" fill="hold" grpId="0" nodeType="withEffect">
+                                <p:cTn id="128" presetID="2" presetClass="entr" presetSubtype="4" fill="hold" grpId="0" nodeType="withEffect">
                                   <p:stCondLst>
                                     <p:cond delay="0"/>
                                   </p:stCondLst>
                                   <p:childTnLst>
                                     <p:set>
                                       <p:cBhvr>
-                                        <p:cTn id="123" dur="1" fill="hold">
+                                        <p:cTn id="129" dur="1" fill="hold">
                                           <p:stCondLst>
                                             <p:cond delay="0"/>
                                           </p:stCondLst>
@@ -12511,7 +12648,7 @@
                                         <p:tgtEl>
                                           <p:spTgt spid="3">
                                             <p:txEl>
-                                              <p:pRg st="7" end="7"/>
+                                              <p:pRg st="8" end="8"/>
                                             </p:txEl>
                                           </p:spTgt>
                                         </p:tgtEl>
@@ -12525,11 +12662,11 @@
                                     </p:set>
                                     <p:anim calcmode="lin" valueType="num">
                                       <p:cBhvr additive="base">
-                                        <p:cTn id="124" dur="500" fill="hold"/>
+                                        <p:cTn id="130" dur="500" fill="hold"/>
                                         <p:tgtEl>
                                           <p:spTgt spid="3">
                                             <p:txEl>
-                                              <p:pRg st="7" end="7"/>
+                                              <p:pRg st="8" end="8"/>
                                             </p:txEl>
                                           </p:spTgt>
                                         </p:tgtEl>
@@ -12552,11 +12689,11 @@
                                     </p:anim>
                                     <p:anim calcmode="lin" valueType="num">
                                       <p:cBhvr additive="base">
-                                        <p:cTn id="125" dur="500" fill="hold"/>
+                                        <p:cTn id="131" dur="500" fill="hold"/>
                                         <p:tgtEl>
                                           <p:spTgt spid="3">
                                             <p:txEl>
-                                              <p:pRg st="7" end="7"/>
+                                              <p:pRg st="8" end="8"/>
                                             </p:txEl>
                                           </p:spTgt>
                                         </p:tgtEl>
@@ -33533,6 +33670,113 @@
                                   </p:childTnLst>
                                 </p:cTn>
                               </p:par>
+                              <p:par>
+                                <p:cTn id="108" presetID="1" presetClass="entr" presetSubtype="0" fill="hold" grpId="0" nodeType="withEffect">
+                                  <p:stCondLst>
+                                    <p:cond delay="0"/>
+                                  </p:stCondLst>
+                                  <p:childTnLst>
+                                    <p:set>
+                                      <p:cBhvr>
+                                        <p:cTn id="109" dur="1" fill="hold">
+                                          <p:stCondLst>
+                                            <p:cond delay="0"/>
+                                          </p:stCondLst>
+                                        </p:cTn>
+                                        <p:tgtEl>
+                                          <p:spTgt spid="3"/>
+                                        </p:tgtEl>
+                                        <p:attrNameLst>
+                                          <p:attrName>style.visibility</p:attrName>
+                                        </p:attrNameLst>
+                                      </p:cBhvr>
+                                      <p:to>
+                                        <p:strVal val="visible"/>
+                                      </p:to>
+                                    </p:set>
+                                  </p:childTnLst>
+                                </p:cTn>
+                              </p:par>
+                              <p:par>
+                                <p:cTn id="110" presetID="1" presetClass="entr" presetSubtype="0" fill="hold" grpId="0" nodeType="withEffect">
+                                  <p:stCondLst>
+                                    <p:cond delay="0"/>
+                                  </p:stCondLst>
+                                  <p:childTnLst>
+                                    <p:set>
+                                      <p:cBhvr>
+                                        <p:cTn id="111" dur="1" fill="hold">
+                                          <p:stCondLst>
+                                            <p:cond delay="0"/>
+                                          </p:stCondLst>
+                                        </p:cTn>
+                                        <p:tgtEl>
+                                          <p:spTgt spid="12"/>
+                                        </p:tgtEl>
+                                        <p:attrNameLst>
+                                          <p:attrName>style.visibility</p:attrName>
+                                        </p:attrNameLst>
+                                      </p:cBhvr>
+                                      <p:to>
+                                        <p:strVal val="visible"/>
+                                      </p:to>
+                                    </p:set>
+                                  </p:childTnLst>
+                                </p:cTn>
+                              </p:par>
+                            </p:childTnLst>
+                          </p:cTn>
+                        </p:par>
+                      </p:childTnLst>
+                    </p:cTn>
+                  </p:par>
+                  <p:par>
+                    <p:cTn id="112" fill="hold">
+                      <p:stCondLst>
+                        <p:cond delay="indefinite"/>
+                      </p:stCondLst>
+                      <p:childTnLst>
+                        <p:par>
+                          <p:cTn id="113" fill="hold">
+                            <p:stCondLst>
+                              <p:cond delay="0"/>
+                            </p:stCondLst>
+                            <p:childTnLst>
+                              <p:par>
+                                <p:cTn id="114" presetID="3" presetClass="entr" presetSubtype="10" fill="hold" grpId="0" nodeType="clickEffect">
+                                  <p:stCondLst>
+                                    <p:cond delay="0"/>
+                                  </p:stCondLst>
+                                  <p:childTnLst>
+                                    <p:set>
+                                      <p:cBhvr>
+                                        <p:cTn id="115" dur="1" fill="hold">
+                                          <p:stCondLst>
+                                            <p:cond delay="0"/>
+                                          </p:stCondLst>
+                                        </p:cTn>
+                                        <p:tgtEl>
+                                          <p:spTgt spid="19"/>
+                                        </p:tgtEl>
+                                        <p:attrNameLst>
+                                          <p:attrName>style.visibility</p:attrName>
+                                        </p:attrNameLst>
+                                      </p:cBhvr>
+                                      <p:to>
+                                        <p:strVal val="visible"/>
+                                      </p:to>
+                                    </p:set>
+                                    <p:animEffect transition="in" filter="blinds(horizontal)">
+                                      <p:cBhvr>
+                                        <p:cTn id="116" dur="500"/>
+                                        <p:tgtEl>
+                                          <p:spTgt spid="19"/>
+                                        </p:tgtEl>
+                                      </p:cBhvr>
+                                    </p:animEffect>
+                                  </p:childTnLst>
+                                </p:cTn>
+                              </p:par>
                             </p:childTnLst>
                           </p:cTn>
                         </p:par>
@@ -33563,6 +33807,9 @@
     <p:bldLst>
       <p:bldP spid="10" grpId="0" uiExpand="1" build="p" animBg="1"/>
       <p:bldP spid="6" grpId="0" uiExpand="1" build="p" animBg="1"/>
+      <p:bldP spid="3" grpId="0"/>
+      <p:bldP spid="12" grpId="0"/>
+      <p:bldP spid="19" grpId="0"/>
     </p:bldLst>
   </p:timing>
 </p:sld>

--- a/slides/00-OOPython.pptx
+++ b/slides/00-OOPython.pptx
@@ -1,6 +1,6 @@
 
 <file path=ppt/presentation.xml><?xml version="1.0" encoding="utf-8"?>
-<p:presentation xmlns:a="http://schemas.openxmlformats.org/drawingml/2006/main" xmlns:r="http://schemas.openxmlformats.org/officeDocument/2006/relationships" xmlns:p="http://schemas.openxmlformats.org/presentationml/2006/main" saveSubsetFonts="1" autoCompressPictures="0">
+<p:presentation xmlns:a="http://schemas.openxmlformats.org/drawingml/2006/main" xmlns:r="http://schemas.openxmlformats.org/officeDocument/2006/relationships" xmlns:p="http://schemas.openxmlformats.org/presentationml/2006/main" embedTrueTypeFonts="1" autoCompressPictures="0">
   <p:sldMasterIdLst>
     <p:sldMasterId id="2147483696" r:id="rId1"/>
   </p:sldMasterIdLst>
@@ -31,6 +31,27 @@
   </p:sldIdLst>
   <p:sldSz cx="12192000" cy="6858000"/>
   <p:notesSz cx="6858000" cy="9144000"/>
+  <p:embeddedFontLst>
+    <p:embeddedFont>
+      <p:font typeface="Calibri" panose="020F0502020204030204" pitchFamily="34" charset="0"/>
+      <p:regular r:id="rId23"/>
+      <p:bold r:id="rId24"/>
+      <p:italic r:id="rId25"/>
+      <p:boldItalic r:id="rId26"/>
+    </p:embeddedFont>
+    <p:embeddedFont>
+      <p:font typeface="Consolas" panose="020B0609020204030204" pitchFamily="49" charset="0"/>
+      <p:regular r:id="rId27"/>
+      <p:bold r:id="rId28"/>
+      <p:italic r:id="rId29"/>
+      <p:boldItalic r:id="rId30"/>
+    </p:embeddedFont>
+    <p:embeddedFont>
+      <p:font typeface="Franklin Gothic Book" panose="020B0503020102020204" pitchFamily="34" charset="0"/>
+      <p:regular r:id="rId31"/>
+      <p:italic r:id="rId32"/>
+    </p:embeddedFont>
+  </p:embeddedFontLst>
   <p:defaultTextStyle>
     <a:defPPr>
       <a:defRPr lang="en-US"/>
@@ -216,7 +237,7 @@
           <a:p>
             <a:fld id="{27CEEA13-23F5-194B-B1CF-CF175090CBFA}" type="datetimeFigureOut">
               <a:rPr lang="en-US" smtClean="0"/>
-              <a:t>1/12/20</a:t>
+              <a:t>2/5/20</a:t>
             </a:fld>
             <a:endParaRPr lang="en-US"/>
           </a:p>
@@ -1573,7 +1594,7 @@
           <a:p>
             <a:fld id="{2DD5D53E-635E-BD41-B5CC-A796D6DD661B}" type="datetimeFigureOut">
               <a:rPr lang="en-US" smtClean="0"/>
-              <a:t>1/12/20</a:t>
+              <a:t>2/5/20</a:t>
             </a:fld>
             <a:endParaRPr lang="en-US"/>
           </a:p>
@@ -1903,7 +1924,7 @@
           <a:p>
             <a:fld id="{2DD5D53E-635E-BD41-B5CC-A796D6DD661B}" type="datetimeFigureOut">
               <a:rPr lang="en-US" smtClean="0"/>
-              <a:t>1/12/20</a:t>
+              <a:t>2/5/20</a:t>
             </a:fld>
             <a:endParaRPr lang="en-US"/>
           </a:p>
@@ -2083,7 +2104,7 @@
           <a:p>
             <a:fld id="{2DD5D53E-635E-BD41-B5CC-A796D6DD661B}" type="datetimeFigureOut">
               <a:rPr lang="en-US" smtClean="0"/>
-              <a:t>1/12/20</a:t>
+              <a:t>2/5/20</a:t>
             </a:fld>
             <a:endParaRPr lang="en-US"/>
           </a:p>
@@ -2253,7 +2274,7 @@
           <a:p>
             <a:fld id="{2DD5D53E-635E-BD41-B5CC-A796D6DD661B}" type="datetimeFigureOut">
               <a:rPr lang="en-US" smtClean="0"/>
-              <a:t>1/12/20</a:t>
+              <a:t>2/5/20</a:t>
             </a:fld>
             <a:endParaRPr lang="en-US"/>
           </a:p>
@@ -2525,7 +2546,7 @@
           <a:p>
             <a:fld id="{2DD5D53E-635E-BD41-B5CC-A796D6DD661B}" type="datetimeFigureOut">
               <a:rPr lang="en-US" smtClean="0"/>
-              <a:t>1/12/20</a:t>
+              <a:t>2/5/20</a:t>
             </a:fld>
             <a:endParaRPr lang="en-US"/>
           </a:p>
@@ -2919,7 +2940,7 @@
           <a:p>
             <a:fld id="{2DD5D53E-635E-BD41-B5CC-A796D6DD661B}" type="datetimeFigureOut">
               <a:rPr lang="en-US" smtClean="0"/>
-              <a:t>1/12/20</a:t>
+              <a:t>2/5/20</a:t>
             </a:fld>
             <a:endParaRPr lang="en-US"/>
           </a:p>
@@ -3396,7 +3417,7 @@
           <a:p>
             <a:fld id="{2DD5D53E-635E-BD41-B5CC-A796D6DD661B}" type="datetimeFigureOut">
               <a:rPr lang="en-US" smtClean="0"/>
-              <a:t>1/12/20</a:t>
+              <a:t>2/5/20</a:t>
             </a:fld>
             <a:endParaRPr lang="en-US"/>
           </a:p>
@@ -3514,7 +3535,7 @@
           <a:p>
             <a:fld id="{2DD5D53E-635E-BD41-B5CC-A796D6DD661B}" type="datetimeFigureOut">
               <a:rPr lang="en-US" smtClean="0"/>
-              <a:t>1/12/20</a:t>
+              <a:t>2/5/20</a:t>
             </a:fld>
             <a:endParaRPr lang="en-US"/>
           </a:p>
@@ -3609,7 +3630,7 @@
           <a:p>
             <a:fld id="{2DD5D53E-635E-BD41-B5CC-A796D6DD661B}" type="datetimeFigureOut">
               <a:rPr lang="en-US" smtClean="0"/>
-              <a:t>1/12/20</a:t>
+              <a:t>2/5/20</a:t>
             </a:fld>
             <a:endParaRPr lang="en-US"/>
           </a:p>
@@ -3955,7 +3976,7 @@
           <a:p>
             <a:fld id="{2DD5D53E-635E-BD41-B5CC-A796D6DD661B}" type="datetimeFigureOut">
               <a:rPr lang="en-US" smtClean="0"/>
-              <a:t>1/12/20</a:t>
+              <a:t>2/5/20</a:t>
             </a:fld>
             <a:endParaRPr lang="en-US"/>
           </a:p>
@@ -4343,7 +4364,7 @@
           <a:p>
             <a:fld id="{2DD5D53E-635E-BD41-B5CC-A796D6DD661B}" type="datetimeFigureOut">
               <a:rPr lang="en-US" smtClean="0"/>
-              <a:t>1/12/20</a:t>
+              <a:t>2/5/20</a:t>
             </a:fld>
             <a:endParaRPr lang="en-US"/>
           </a:p>
@@ -4618,7 +4639,7 @@
           <a:p>
             <a:fld id="{2DD5D53E-635E-BD41-B5CC-A796D6DD661B}" type="datetimeFigureOut">
               <a:rPr lang="en-US" smtClean="0"/>
-              <a:t>1/12/20</a:t>
+              <a:t>2/5/20</a:t>
             </a:fld>
             <a:endParaRPr lang="en-US"/>
           </a:p>
@@ -5064,7 +5085,7 @@
       </a:lvl9pPr>
     </p:otherStyle>
   </p:txStyles>
-  <p:extLst mod="1">
+  <p:extLst>
     <p:ext uri="{27BBF7A9-308A-43DC-89C8-2F10F3537804}">
       <p15:sldGuideLst xmlns:p15="http://schemas.microsoft.com/office/powerpoint/2012/main">
         <p15:guide id="3" orient="horz" pos="1368">
@@ -5289,26 +5310,26 @@
           <a:p>
             <a:pPr lvl="1"/>
             <a:r>
-              <a:rPr lang="en-US" dirty="0">
-                <a:latin typeface="Menlo" panose="020B0609030804020204" pitchFamily="49" charset="0"/>
-                <a:ea typeface="Menlo" panose="020B0609030804020204" pitchFamily="49" charset="0"/>
-                <a:cs typeface="Menlo" panose="020B0609030804020204" pitchFamily="49" charset="0"/>
+              <a:rPr lang="en-US" i="0" dirty="0">
+                <a:latin typeface="Consolas" panose="020B0609020204030204" pitchFamily="49" charset="0"/>
+                <a:ea typeface="Menlo" panose="020B0609030804020204" pitchFamily="49" charset="0"/>
+                <a:cs typeface="Consolas" panose="020B0609020204030204" pitchFamily="49" charset="0"/>
               </a:rPr>
               <a:t>__</a:t>
             </a:r>
             <a:r>
-              <a:rPr lang="en-US" dirty="0" err="1">
-                <a:latin typeface="Menlo" panose="020B0609030804020204" pitchFamily="49" charset="0"/>
-                <a:ea typeface="Menlo" panose="020B0609030804020204" pitchFamily="49" charset="0"/>
-                <a:cs typeface="Menlo" panose="020B0609030804020204" pitchFamily="49" charset="0"/>
+              <a:rPr lang="en-US" i="0" dirty="0" err="1">
+                <a:latin typeface="Consolas" panose="020B0609020204030204" pitchFamily="49" charset="0"/>
+                <a:ea typeface="Menlo" panose="020B0609030804020204" pitchFamily="49" charset="0"/>
+                <a:cs typeface="Consolas" panose="020B0609020204030204" pitchFamily="49" charset="0"/>
               </a:rPr>
               <a:t>init</a:t>
             </a:r>
             <a:r>
-              <a:rPr lang="en-US" dirty="0">
-                <a:latin typeface="Menlo" panose="020B0609030804020204" pitchFamily="49" charset="0"/>
-                <a:ea typeface="Menlo" panose="020B0609030804020204" pitchFamily="49" charset="0"/>
-                <a:cs typeface="Menlo" panose="020B0609030804020204" pitchFamily="49" charset="0"/>
+              <a:rPr lang="en-US" i="0" dirty="0">
+                <a:latin typeface="Consolas" panose="020B0609020204030204" pitchFamily="49" charset="0"/>
+                <a:ea typeface="Menlo" panose="020B0609030804020204" pitchFamily="49" charset="0"/>
+                <a:cs typeface="Consolas" panose="020B0609020204030204" pitchFamily="49" charset="0"/>
               </a:rPr>
               <a:t>__</a:t>
             </a:r>
@@ -5316,26 +5337,26 @@
           <a:p>
             <a:pPr lvl="1"/>
             <a:r>
-              <a:rPr lang="en-US" dirty="0">
-                <a:latin typeface="Menlo" panose="020B0609030804020204" pitchFamily="49" charset="0"/>
-                <a:ea typeface="Menlo" panose="020B0609030804020204" pitchFamily="49" charset="0"/>
-                <a:cs typeface="Menlo" panose="020B0609030804020204" pitchFamily="49" charset="0"/>
+              <a:rPr lang="en-US" i="0" dirty="0">
+                <a:latin typeface="Consolas" panose="020B0609020204030204" pitchFamily="49" charset="0"/>
+                <a:ea typeface="Menlo" panose="020B0609030804020204" pitchFamily="49" charset="0"/>
+                <a:cs typeface="Consolas" panose="020B0609020204030204" pitchFamily="49" charset="0"/>
               </a:rPr>
               <a:t>__</a:t>
             </a:r>
             <a:r>
-              <a:rPr lang="en-US" dirty="0" err="1">
-                <a:latin typeface="Menlo" panose="020B0609030804020204" pitchFamily="49" charset="0"/>
-                <a:ea typeface="Menlo" panose="020B0609030804020204" pitchFamily="49" charset="0"/>
-                <a:cs typeface="Menlo" panose="020B0609030804020204" pitchFamily="49" charset="0"/>
+              <a:rPr lang="en-US" i="0" dirty="0" err="1">
+                <a:latin typeface="Consolas" panose="020B0609020204030204" pitchFamily="49" charset="0"/>
+                <a:ea typeface="Menlo" panose="020B0609030804020204" pitchFamily="49" charset="0"/>
+                <a:cs typeface="Consolas" panose="020B0609020204030204" pitchFamily="49" charset="0"/>
               </a:rPr>
               <a:t>str</a:t>
             </a:r>
             <a:r>
-              <a:rPr lang="en-US" dirty="0">
-                <a:latin typeface="Menlo" panose="020B0609030804020204" pitchFamily="49" charset="0"/>
-                <a:ea typeface="Menlo" panose="020B0609030804020204" pitchFamily="49" charset="0"/>
-                <a:cs typeface="Menlo" panose="020B0609030804020204" pitchFamily="49" charset="0"/>
+              <a:rPr lang="en-US" i="0" dirty="0">
+                <a:latin typeface="Consolas" panose="020B0609020204030204" pitchFamily="49" charset="0"/>
+                <a:ea typeface="Menlo" panose="020B0609030804020204" pitchFamily="49" charset="0"/>
+                <a:cs typeface="Consolas" panose="020B0609020204030204" pitchFamily="49" charset="0"/>
               </a:rPr>
               <a:t>__</a:t>
             </a:r>
@@ -5343,17 +5364,17 @@
           <a:p>
             <a:pPr lvl="1"/>
             <a:r>
-              <a:rPr lang="en-US" dirty="0" err="1">
-                <a:latin typeface="Menlo" panose="020B0609030804020204" pitchFamily="49" charset="0"/>
-                <a:ea typeface="Menlo" panose="020B0609030804020204" pitchFamily="49" charset="0"/>
-                <a:cs typeface="Menlo" panose="020B0609030804020204" pitchFamily="49" charset="0"/>
+              <a:rPr lang="en-US" i="0" dirty="0" err="1">
+                <a:latin typeface="Consolas" panose="020B0609020204030204" pitchFamily="49" charset="0"/>
+                <a:ea typeface="Menlo" panose="020B0609030804020204" pitchFamily="49" charset="0"/>
+                <a:cs typeface="Consolas" panose="020B0609020204030204" pitchFamily="49" charset="0"/>
               </a:rPr>
               <a:t>grow_up</a:t>
             </a:r>
-            <a:endParaRPr lang="en-US" dirty="0">
-              <a:latin typeface="Menlo" panose="020B0609030804020204" pitchFamily="49" charset="0"/>
+            <a:endParaRPr lang="en-US" i="0" dirty="0">
+              <a:latin typeface="Consolas" panose="020B0609020204030204" pitchFamily="49" charset="0"/>
               <a:ea typeface="Menlo" panose="020B0609030804020204" pitchFamily="49" charset="0"/>
-              <a:cs typeface="Menlo" panose="020B0609030804020204" pitchFamily="49" charset="0"/>
+              <a:cs typeface="Consolas" panose="020B0609020204030204" pitchFamily="49" charset="0"/>
             </a:endParaRPr>
           </a:p>
           <a:p>
@@ -5363,9 +5384,9 @@
             </a:r>
             <a:r>
               <a:rPr lang="en-US" dirty="0">
-                <a:latin typeface="Menlo" panose="020B0609030804020204" pitchFamily="49" charset="0"/>
-                <a:ea typeface="Menlo" panose="020B0609030804020204" pitchFamily="49" charset="0"/>
-                <a:cs typeface="Menlo" panose="020B0609030804020204" pitchFamily="49" charset="0"/>
+                <a:latin typeface="Consolas" panose="020B0609020204030204" pitchFamily="49" charset="0"/>
+                <a:ea typeface="Menlo" panose="020B0609030804020204" pitchFamily="49" charset="0"/>
+                <a:cs typeface="Consolas" panose="020B0609020204030204" pitchFamily="49" charset="0"/>
               </a:rPr>
               <a:t>__</a:t>
             </a:r>
@@ -5381,10 +5402,10 @@
               <a:t>“</a:t>
             </a:r>
             <a:r>
-              <a:rPr lang="en-US" dirty="0">
-                <a:latin typeface="Menlo" panose="020B0609030804020204" pitchFamily="49" charset="0"/>
-                <a:ea typeface="Menlo" panose="020B0609030804020204" pitchFamily="49" charset="0"/>
-                <a:cs typeface="Menlo" panose="020B0609030804020204" pitchFamily="49" charset="0"/>
+              <a:rPr lang="en-US" i="0" dirty="0">
+                <a:latin typeface="Consolas" panose="020B0609020204030204" pitchFamily="49" charset="0"/>
+                <a:ea typeface="Menlo" panose="020B0609030804020204" pitchFamily="49" charset="0"/>
+                <a:cs typeface="Consolas" panose="020B0609020204030204" pitchFamily="49" charset="0"/>
               </a:rPr>
               <a:t>__</a:t>
             </a:r>
@@ -5539,10 +5560,10 @@
                     <a:lstStyle/>
                     <a:p>
                       <a:r>
-                        <a:rPr lang="en-US" dirty="0">
-                          <a:latin typeface="Menlo" panose="020B0609030804020204" pitchFamily="49" charset="0"/>
+                        <a:rPr lang="en-US" b="0" i="0" dirty="0">
+                          <a:latin typeface="Consolas" panose="020B0609020204030204" pitchFamily="49" charset="0"/>
                           <a:ea typeface="Menlo" panose="020B0609030804020204" pitchFamily="49" charset="0"/>
-                          <a:cs typeface="Menlo" panose="020B0609030804020204" pitchFamily="49" charset="0"/>
+                          <a:cs typeface="Consolas" panose="020B0609020204030204" pitchFamily="49" charset="0"/>
                         </a:rPr>
                         <a:t>.equals</a:t>
                       </a:r>
@@ -5563,26 +5584,26 @@
                     <a:lstStyle/>
                     <a:p>
                       <a:r>
-                        <a:rPr lang="en-US" dirty="0">
-                          <a:latin typeface="Menlo" panose="020B0609030804020204" pitchFamily="49" charset="0"/>
+                        <a:rPr lang="en-US" b="0" i="0" dirty="0">
+                          <a:latin typeface="Consolas" panose="020B0609020204030204" pitchFamily="49" charset="0"/>
                           <a:ea typeface="Menlo" panose="020B0609030804020204" pitchFamily="49" charset="0"/>
-                          <a:cs typeface="Menlo" panose="020B0609030804020204" pitchFamily="49" charset="0"/>
+                          <a:cs typeface="Consolas" panose="020B0609020204030204" pitchFamily="49" charset="0"/>
                         </a:rPr>
                         <a:t>__</a:t>
                       </a:r>
                       <a:r>
-                        <a:rPr lang="en-US" dirty="0" err="1">
-                          <a:latin typeface="Menlo" panose="020B0609030804020204" pitchFamily="49" charset="0"/>
+                        <a:rPr lang="en-US" b="0" i="0" dirty="0" err="1">
+                          <a:latin typeface="Consolas" panose="020B0609020204030204" pitchFamily="49" charset="0"/>
                           <a:ea typeface="Menlo" panose="020B0609030804020204" pitchFamily="49" charset="0"/>
-                          <a:cs typeface="Menlo" panose="020B0609030804020204" pitchFamily="49" charset="0"/>
+                          <a:cs typeface="Consolas" panose="020B0609020204030204" pitchFamily="49" charset="0"/>
                         </a:rPr>
                         <a:t>eq</a:t>
                       </a:r>
                       <a:r>
-                        <a:rPr lang="en-US" dirty="0">
-                          <a:latin typeface="Menlo" panose="020B0609030804020204" pitchFamily="49" charset="0"/>
+                        <a:rPr lang="en-US" b="0" i="0" dirty="0">
+                          <a:latin typeface="Consolas" panose="020B0609020204030204" pitchFamily="49" charset="0"/>
                           <a:ea typeface="Menlo" panose="020B0609030804020204" pitchFamily="49" charset="0"/>
-                          <a:cs typeface="Menlo" panose="020B0609030804020204" pitchFamily="49" charset="0"/>
+                          <a:cs typeface="Consolas" panose="020B0609020204030204" pitchFamily="49" charset="0"/>
                         </a:rPr>
                         <a:t>__</a:t>
                       </a:r>
@@ -5603,10 +5624,10 @@
                     <a:lstStyle/>
                     <a:p>
                       <a:r>
-                        <a:rPr lang="en-US" dirty="0">
-                          <a:latin typeface="Menlo" panose="020B0609030804020204" pitchFamily="49" charset="0"/>
+                        <a:rPr lang="en-US" b="0" i="0" dirty="0">
+                          <a:latin typeface="Consolas" panose="020B0609020204030204" pitchFamily="49" charset="0"/>
                           <a:ea typeface="Menlo" panose="020B0609030804020204" pitchFamily="49" charset="0"/>
-                          <a:cs typeface="Menlo" panose="020B0609030804020204" pitchFamily="49" charset="0"/>
+                          <a:cs typeface="Consolas" panose="020B0609020204030204" pitchFamily="49" charset="0"/>
                         </a:rPr>
                         <a:t>==</a:t>
                       </a:r>
@@ -5634,25 +5655,25 @@
                     <a:lstStyle/>
                     <a:p>
                       <a:r>
-                        <a:rPr lang="en-US" dirty="0">
-                          <a:latin typeface="Menlo" panose="020B0609030804020204" pitchFamily="49" charset="0"/>
+                        <a:rPr lang="en-US" b="0" i="0" dirty="0">
+                          <a:latin typeface="Consolas" panose="020B0609020204030204" pitchFamily="49" charset="0"/>
                           <a:ea typeface="Menlo" panose="020B0609030804020204" pitchFamily="49" charset="0"/>
-                          <a:cs typeface="Menlo" panose="020B0609030804020204" pitchFamily="49" charset="0"/>
+                          <a:cs typeface="Consolas" panose="020B0609020204030204" pitchFamily="49" charset="0"/>
                         </a:rPr>
                         <a:t>.</a:t>
                       </a:r>
                       <a:r>
-                        <a:rPr lang="en-US" dirty="0" err="1">
-                          <a:latin typeface="Menlo" panose="020B0609030804020204" pitchFamily="49" charset="0"/>
+                        <a:rPr lang="en-US" b="0" i="0" dirty="0" err="1">
+                          <a:latin typeface="Consolas" panose="020B0609020204030204" pitchFamily="49" charset="0"/>
                           <a:ea typeface="Menlo" panose="020B0609030804020204" pitchFamily="49" charset="0"/>
-                          <a:cs typeface="Menlo" panose="020B0609030804020204" pitchFamily="49" charset="0"/>
+                          <a:cs typeface="Consolas" panose="020B0609020204030204" pitchFamily="49" charset="0"/>
                         </a:rPr>
                         <a:t>compareTo</a:t>
                       </a:r>
-                      <a:endParaRPr lang="en-US" dirty="0">
-                        <a:latin typeface="Menlo" panose="020B0609030804020204" pitchFamily="49" charset="0"/>
+                      <a:endParaRPr lang="en-US" b="0" i="0" dirty="0">
+                        <a:latin typeface="Consolas" panose="020B0609020204030204" pitchFamily="49" charset="0"/>
                         <a:ea typeface="Menlo" panose="020B0609030804020204" pitchFamily="49" charset="0"/>
-                        <a:cs typeface="Menlo" panose="020B0609030804020204" pitchFamily="49" charset="0"/>
+                        <a:cs typeface="Consolas" panose="020B0609020204030204" pitchFamily="49" charset="0"/>
                       </a:endParaRPr>
                     </a:p>
                   </a:txBody>
@@ -5671,26 +5692,26 @@
                     <a:lstStyle/>
                     <a:p>
                       <a:r>
-                        <a:rPr lang="en-US" dirty="0">
-                          <a:latin typeface="Menlo" panose="020B0609030804020204" pitchFamily="49" charset="0"/>
+                        <a:rPr lang="en-US" b="0" i="0" dirty="0">
+                          <a:latin typeface="Consolas" panose="020B0609020204030204" pitchFamily="49" charset="0"/>
                           <a:ea typeface="Menlo" panose="020B0609030804020204" pitchFamily="49" charset="0"/>
-                          <a:cs typeface="Menlo" panose="020B0609030804020204" pitchFamily="49" charset="0"/>
+                          <a:cs typeface="Consolas" panose="020B0609020204030204" pitchFamily="49" charset="0"/>
                         </a:rPr>
                         <a:t>__</a:t>
                       </a:r>
                       <a:r>
-                        <a:rPr lang="en-US" dirty="0" err="1">
-                          <a:latin typeface="Menlo" panose="020B0609030804020204" pitchFamily="49" charset="0"/>
+                        <a:rPr lang="en-US" b="0" i="0" dirty="0" err="1">
+                          <a:latin typeface="Consolas" panose="020B0609020204030204" pitchFamily="49" charset="0"/>
                           <a:ea typeface="Menlo" panose="020B0609030804020204" pitchFamily="49" charset="0"/>
-                          <a:cs typeface="Menlo" panose="020B0609030804020204" pitchFamily="49" charset="0"/>
+                          <a:cs typeface="Consolas" panose="020B0609020204030204" pitchFamily="49" charset="0"/>
                         </a:rPr>
                         <a:t>cmp</a:t>
                       </a:r>
                       <a:r>
-                        <a:rPr lang="en-US" dirty="0">
-                          <a:latin typeface="Menlo" panose="020B0609030804020204" pitchFamily="49" charset="0"/>
+                        <a:rPr lang="en-US" b="0" i="0" dirty="0">
+                          <a:latin typeface="Consolas" panose="020B0609020204030204" pitchFamily="49" charset="0"/>
                           <a:ea typeface="Menlo" panose="020B0609030804020204" pitchFamily="49" charset="0"/>
-                          <a:cs typeface="Menlo" panose="020B0609030804020204" pitchFamily="49" charset="0"/>
+                          <a:cs typeface="Consolas" panose="020B0609020204030204" pitchFamily="49" charset="0"/>
                         </a:rPr>
                         <a:t>__</a:t>
                       </a:r>
@@ -5711,10 +5732,10 @@
                     <a:lstStyle/>
                     <a:p>
                       <a:r>
-                        <a:rPr lang="en-US" dirty="0">
-                          <a:latin typeface="Menlo" panose="020B0609030804020204" pitchFamily="49" charset="0"/>
+                        <a:rPr lang="en-US" b="0" i="0" dirty="0">
+                          <a:latin typeface="Consolas" panose="020B0609020204030204" pitchFamily="49" charset="0"/>
                           <a:ea typeface="Menlo" panose="020B0609030804020204" pitchFamily="49" charset="0"/>
-                          <a:cs typeface="Menlo" panose="020B0609030804020204" pitchFamily="49" charset="0"/>
+                          <a:cs typeface="Consolas" panose="020B0609020204030204" pitchFamily="49" charset="0"/>
                         </a:rPr>
                         <a:t>&lt;, &gt;, ==</a:t>
                       </a:r>
@@ -5742,25 +5763,25 @@
                     <a:lstStyle/>
                     <a:p>
                       <a:r>
-                        <a:rPr lang="en-US" dirty="0">
-                          <a:latin typeface="Menlo" panose="020B0609030804020204" pitchFamily="49" charset="0"/>
+                        <a:rPr lang="en-US" b="0" i="0" dirty="0">
+                          <a:latin typeface="Consolas" panose="020B0609020204030204" pitchFamily="49" charset="0"/>
                           <a:ea typeface="Menlo" panose="020B0609030804020204" pitchFamily="49" charset="0"/>
-                          <a:cs typeface="Menlo" panose="020B0609030804020204" pitchFamily="49" charset="0"/>
+                          <a:cs typeface="Consolas" panose="020B0609020204030204" pitchFamily="49" charset="0"/>
                         </a:rPr>
                         <a:t>.</a:t>
                       </a:r>
                       <a:r>
-                        <a:rPr lang="en-US" dirty="0" err="1">
-                          <a:latin typeface="Menlo" panose="020B0609030804020204" pitchFamily="49" charset="0"/>
+                        <a:rPr lang="en-US" b="0" i="0" dirty="0" err="1">
+                          <a:latin typeface="Consolas" panose="020B0609020204030204" pitchFamily="49" charset="0"/>
                           <a:ea typeface="Menlo" panose="020B0609030804020204" pitchFamily="49" charset="0"/>
-                          <a:cs typeface="Menlo" panose="020B0609030804020204" pitchFamily="49" charset="0"/>
+                          <a:cs typeface="Consolas" panose="020B0609020204030204" pitchFamily="49" charset="0"/>
                         </a:rPr>
                         <a:t>toString</a:t>
                       </a:r>
-                      <a:endParaRPr lang="en-US" dirty="0">
-                        <a:latin typeface="Menlo" panose="020B0609030804020204" pitchFamily="49" charset="0"/>
+                      <a:endParaRPr lang="en-US" b="0" i="0" dirty="0">
+                        <a:latin typeface="Consolas" panose="020B0609020204030204" pitchFamily="49" charset="0"/>
                         <a:ea typeface="Menlo" panose="020B0609030804020204" pitchFamily="49" charset="0"/>
-                        <a:cs typeface="Menlo" panose="020B0609030804020204" pitchFamily="49" charset="0"/>
+                        <a:cs typeface="Consolas" panose="020B0609020204030204" pitchFamily="49" charset="0"/>
                       </a:endParaRPr>
                     </a:p>
                   </a:txBody>
@@ -5779,26 +5800,26 @@
                     <a:lstStyle/>
                     <a:p>
                       <a:r>
-                        <a:rPr lang="en-US" dirty="0">
-                          <a:latin typeface="Menlo" panose="020B0609030804020204" pitchFamily="49" charset="0"/>
+                        <a:rPr lang="en-US" b="0" i="0" dirty="0">
+                          <a:latin typeface="Consolas" panose="020B0609020204030204" pitchFamily="49" charset="0"/>
                           <a:ea typeface="Menlo" panose="020B0609030804020204" pitchFamily="49" charset="0"/>
-                          <a:cs typeface="Menlo" panose="020B0609030804020204" pitchFamily="49" charset="0"/>
+                          <a:cs typeface="Consolas" panose="020B0609020204030204" pitchFamily="49" charset="0"/>
                         </a:rPr>
                         <a:t>__</a:t>
                       </a:r>
                       <a:r>
-                        <a:rPr lang="en-US" dirty="0" err="1">
-                          <a:latin typeface="Menlo" panose="020B0609030804020204" pitchFamily="49" charset="0"/>
+                        <a:rPr lang="en-US" b="0" i="0" dirty="0" err="1">
+                          <a:latin typeface="Consolas" panose="020B0609020204030204" pitchFamily="49" charset="0"/>
                           <a:ea typeface="Menlo" panose="020B0609030804020204" pitchFamily="49" charset="0"/>
-                          <a:cs typeface="Menlo" panose="020B0609030804020204" pitchFamily="49" charset="0"/>
+                          <a:cs typeface="Consolas" panose="020B0609020204030204" pitchFamily="49" charset="0"/>
                         </a:rPr>
                         <a:t>str</a:t>
                       </a:r>
                       <a:r>
-                        <a:rPr lang="en-US" dirty="0">
-                          <a:latin typeface="Menlo" panose="020B0609030804020204" pitchFamily="49" charset="0"/>
+                        <a:rPr lang="en-US" b="0" i="0" dirty="0">
+                          <a:latin typeface="Consolas" panose="020B0609020204030204" pitchFamily="49" charset="0"/>
                           <a:ea typeface="Menlo" panose="020B0609030804020204" pitchFamily="49" charset="0"/>
-                          <a:cs typeface="Menlo" panose="020B0609030804020204" pitchFamily="49" charset="0"/>
+                          <a:cs typeface="Consolas" panose="020B0609020204030204" pitchFamily="49" charset="0"/>
                         </a:rPr>
                         <a:t>__</a:t>
                       </a:r>
@@ -5819,18 +5840,18 @@
                     <a:lstStyle/>
                     <a:p>
                       <a:r>
-                        <a:rPr lang="en-US" dirty="0" err="1">
-                          <a:latin typeface="Menlo" panose="020B0609030804020204" pitchFamily="49" charset="0"/>
+                        <a:rPr lang="en-US" b="0" i="0" dirty="0" err="1">
+                          <a:latin typeface="Consolas" panose="020B0609020204030204" pitchFamily="49" charset="0"/>
                           <a:ea typeface="Menlo" panose="020B0609030804020204" pitchFamily="49" charset="0"/>
-                          <a:cs typeface="Menlo" panose="020B0609030804020204" pitchFamily="49" charset="0"/>
+                          <a:cs typeface="Consolas" panose="020B0609020204030204" pitchFamily="49" charset="0"/>
                         </a:rPr>
                         <a:t>str</a:t>
                       </a:r>
                       <a:r>
-                        <a:rPr lang="en-US" dirty="0">
-                          <a:latin typeface="Menlo" panose="020B0609030804020204" pitchFamily="49" charset="0"/>
+                        <a:rPr lang="en-US" b="0" i="0" dirty="0">
+                          <a:latin typeface="Consolas" panose="020B0609020204030204" pitchFamily="49" charset="0"/>
                           <a:ea typeface="Menlo" panose="020B0609030804020204" pitchFamily="49" charset="0"/>
-                          <a:cs typeface="Menlo" panose="020B0609030804020204" pitchFamily="49" charset="0"/>
+                          <a:cs typeface="Consolas" panose="020B0609020204030204" pitchFamily="49" charset="0"/>
                         </a:rPr>
                         <a:t>()</a:t>
                       </a:r>
@@ -5858,10 +5879,10 @@
                     <a:lstStyle/>
                     <a:p>
                       <a:r>
-                        <a:rPr lang="en-US" dirty="0">
-                          <a:latin typeface="Menlo" panose="020B0609030804020204" pitchFamily="49" charset="0"/>
+                        <a:rPr lang="en-US" b="0" i="0" dirty="0">
+                          <a:latin typeface="Consolas" panose="020B0609020204030204" pitchFamily="49" charset="0"/>
                           <a:ea typeface="Menlo" panose="020B0609030804020204" pitchFamily="49" charset="0"/>
-                          <a:cs typeface="Menlo" panose="020B0609030804020204" pitchFamily="49" charset="0"/>
+                          <a:cs typeface="Consolas" panose="020B0609020204030204" pitchFamily="49" charset="0"/>
                         </a:rPr>
                         <a:t>.contains</a:t>
                       </a:r>
@@ -5882,10 +5903,10 @@
                     <a:lstStyle/>
                     <a:p>
                       <a:r>
-                        <a:rPr lang="en-US" dirty="0">
-                          <a:latin typeface="Menlo" panose="020B0609030804020204" pitchFamily="49" charset="0"/>
+                        <a:rPr lang="en-US" b="0" i="0" dirty="0">
+                          <a:latin typeface="Consolas" panose="020B0609020204030204" pitchFamily="49" charset="0"/>
                           <a:ea typeface="Menlo" panose="020B0609030804020204" pitchFamily="49" charset="0"/>
-                          <a:cs typeface="Menlo" panose="020B0609030804020204" pitchFamily="49" charset="0"/>
+                          <a:cs typeface="Consolas" panose="020B0609020204030204" pitchFamily="49" charset="0"/>
                         </a:rPr>
                         <a:t>__contains__</a:t>
                       </a:r>
@@ -5906,10 +5927,10 @@
                     <a:lstStyle/>
                     <a:p>
                       <a:r>
-                        <a:rPr lang="en-US" dirty="0">
-                          <a:latin typeface="Menlo" panose="020B0609030804020204" pitchFamily="49" charset="0"/>
+                        <a:rPr lang="en-US" b="0" i="0" dirty="0">
+                          <a:latin typeface="Consolas" panose="020B0609020204030204" pitchFamily="49" charset="0"/>
                           <a:ea typeface="Menlo" panose="020B0609030804020204" pitchFamily="49" charset="0"/>
-                          <a:cs typeface="Menlo" panose="020B0609030804020204" pitchFamily="49" charset="0"/>
+                          <a:cs typeface="Consolas" panose="020B0609020204030204" pitchFamily="49" charset="0"/>
                         </a:rPr>
                         <a:t>in</a:t>
                       </a:r>
@@ -5936,10 +5957,10 @@
                     <a:bodyPr/>
                     <a:lstStyle/>
                     <a:p>
-                      <a:endParaRPr lang="en-US" dirty="0">
-                        <a:latin typeface="Menlo" panose="020B0609030804020204" pitchFamily="49" charset="0"/>
+                      <a:endParaRPr lang="en-US" b="0" i="0" dirty="0">
+                        <a:latin typeface="Consolas" panose="020B0609020204030204" pitchFamily="49" charset="0"/>
                         <a:ea typeface="Menlo" panose="020B0609030804020204" pitchFamily="49" charset="0"/>
-                        <a:cs typeface="Menlo" panose="020B0609030804020204" pitchFamily="49" charset="0"/>
+                        <a:cs typeface="Consolas" panose="020B0609020204030204" pitchFamily="49" charset="0"/>
                       </a:endParaRPr>
                     </a:p>
                   </a:txBody>
@@ -5958,10 +5979,10 @@
                     <a:lstStyle/>
                     <a:p>
                       <a:r>
-                        <a:rPr lang="en-US" dirty="0">
-                          <a:latin typeface="Menlo" panose="020B0609030804020204" pitchFamily="49" charset="0"/>
+                        <a:rPr lang="en-US" b="0" i="0" dirty="0">
+                          <a:latin typeface="Consolas" panose="020B0609020204030204" pitchFamily="49" charset="0"/>
                           <a:ea typeface="Menlo" panose="020B0609030804020204" pitchFamily="49" charset="0"/>
-                          <a:cs typeface="Menlo" panose="020B0609030804020204" pitchFamily="49" charset="0"/>
+                          <a:cs typeface="Consolas" panose="020B0609020204030204" pitchFamily="49" charset="0"/>
                         </a:rPr>
                         <a:t>__add__</a:t>
                       </a:r>
@@ -5982,10 +6003,10 @@
                     <a:lstStyle/>
                     <a:p>
                       <a:r>
-                        <a:rPr lang="en-US" dirty="0">
-                          <a:latin typeface="Menlo" panose="020B0609030804020204" pitchFamily="49" charset="0"/>
+                        <a:rPr lang="en-US" b="0" i="0" dirty="0">
+                          <a:latin typeface="Consolas" panose="020B0609020204030204" pitchFamily="49" charset="0"/>
                           <a:ea typeface="Menlo" panose="020B0609030804020204" pitchFamily="49" charset="0"/>
-                          <a:cs typeface="Menlo" panose="020B0609030804020204" pitchFamily="49" charset="0"/>
+                          <a:cs typeface="Consolas" panose="020B0609020204030204" pitchFamily="49" charset="0"/>
                         </a:rPr>
                         <a:t>+</a:t>
                       </a:r>
@@ -6013,10 +6034,10 @@
                     <a:lstStyle/>
                     <a:p>
                       <a:r>
-                        <a:rPr lang="en-US" dirty="0">
-                          <a:latin typeface="Menlo" panose="020B0609030804020204" pitchFamily="49" charset="0"/>
+                        <a:rPr lang="en-US" b="0" i="0" dirty="0">
+                          <a:latin typeface="Consolas" panose="020B0609020204030204" pitchFamily="49" charset="0"/>
                           <a:ea typeface="Menlo" panose="020B0609030804020204" pitchFamily="49" charset="0"/>
-                          <a:cs typeface="Menlo" panose="020B0609030804020204" pitchFamily="49" charset="0"/>
+                          <a:cs typeface="Consolas" panose="020B0609020204030204" pitchFamily="49" charset="0"/>
                         </a:rPr>
                         <a:t>new</a:t>
                       </a:r>
@@ -6037,10 +6058,10 @@
                     <a:lstStyle/>
                     <a:p>
                       <a:r>
-                        <a:rPr lang="en-US" dirty="0">
-                          <a:latin typeface="Menlo" panose="020B0609030804020204" pitchFamily="49" charset="0"/>
+                        <a:rPr lang="en-US" b="0" i="0" dirty="0">
+                          <a:latin typeface="Consolas" panose="020B0609020204030204" pitchFamily="49" charset="0"/>
                           <a:ea typeface="Menlo" panose="020B0609030804020204" pitchFamily="49" charset="0"/>
-                          <a:cs typeface="Menlo" panose="020B0609030804020204" pitchFamily="49" charset="0"/>
+                          <a:cs typeface="Consolas" panose="020B0609020204030204" pitchFamily="49" charset="0"/>
                         </a:rPr>
                         <a:t>__new__</a:t>
                       </a:r>
@@ -6060,10 +6081,10 @@
                     <a:bodyPr/>
                     <a:lstStyle/>
                     <a:p>
-                      <a:endParaRPr lang="en-US" dirty="0">
-                        <a:latin typeface="Menlo" panose="020B0609030804020204" pitchFamily="49" charset="0"/>
+                      <a:endParaRPr lang="en-US" b="0" i="0" dirty="0">
+                        <a:latin typeface="Consolas" panose="020B0609020204030204" pitchFamily="49" charset="0"/>
                         <a:ea typeface="Menlo" panose="020B0609030804020204" pitchFamily="49" charset="0"/>
-                        <a:cs typeface="Menlo" panose="020B0609030804020204" pitchFamily="49" charset="0"/>
+                        <a:cs typeface="Consolas" panose="020B0609020204030204" pitchFamily="49" charset="0"/>
                       </a:endParaRPr>
                     </a:p>
                   </a:txBody>
@@ -6140,9 +6161,9 @@
             </a:r>
             <a:r>
               <a:rPr lang="en-US" sz="2000" dirty="0">
-                <a:latin typeface="Menlo" panose="020B0609030804020204" pitchFamily="49" charset="0"/>
-                <a:ea typeface="Menlo" panose="020B0609030804020204" pitchFamily="49" charset="0"/>
-                <a:cs typeface="Menlo" panose="020B0609030804020204" pitchFamily="49" charset="0"/>
+                <a:latin typeface="Consolas" panose="020B0609020204030204" pitchFamily="49" charset="0"/>
+                <a:ea typeface="Menlo" panose="020B0609030804020204" pitchFamily="49" charset="0"/>
+                <a:cs typeface="Consolas" panose="020B0609020204030204" pitchFamily="49" charset="0"/>
               </a:rPr>
               <a:t>public static void</a:t>
             </a:r>
@@ -6751,25 +6772,25 @@
           <a:p>
             <a:r>
               <a:rPr lang="en-US" dirty="0">
-                <a:latin typeface="Menlo" panose="020B0609030804020204" pitchFamily="49" charset="0"/>
-                <a:ea typeface="Menlo" panose="020B0609030804020204" pitchFamily="49" charset="0"/>
-                <a:cs typeface="Menlo" panose="020B0609030804020204" pitchFamily="49" charset="0"/>
+                <a:latin typeface="Consolas" panose="020B0609020204030204" pitchFamily="49" charset="0"/>
+                <a:ea typeface="Menlo" panose="020B0609030804020204" pitchFamily="49" charset="0"/>
+                <a:cs typeface="Consolas" panose="020B0609020204030204" pitchFamily="49" charset="0"/>
               </a:rPr>
               <a:t>__</a:t>
             </a:r>
             <a:r>
               <a:rPr lang="en-US" dirty="0" err="1">
-                <a:latin typeface="Menlo" panose="020B0609030804020204" pitchFamily="49" charset="0"/>
-                <a:ea typeface="Menlo" panose="020B0609030804020204" pitchFamily="49" charset="0"/>
-                <a:cs typeface="Menlo" panose="020B0609030804020204" pitchFamily="49" charset="0"/>
+                <a:latin typeface="Consolas" panose="020B0609020204030204" pitchFamily="49" charset="0"/>
+                <a:ea typeface="Menlo" panose="020B0609030804020204" pitchFamily="49" charset="0"/>
+                <a:cs typeface="Consolas" panose="020B0609020204030204" pitchFamily="49" charset="0"/>
               </a:rPr>
               <a:t>init</a:t>
             </a:r>
             <a:r>
               <a:rPr lang="en-US" dirty="0">
-                <a:latin typeface="Menlo" panose="020B0609030804020204" pitchFamily="49" charset="0"/>
-                <a:ea typeface="Menlo" panose="020B0609030804020204" pitchFamily="49" charset="0"/>
-                <a:cs typeface="Menlo" panose="020B0609030804020204" pitchFamily="49" charset="0"/>
+                <a:latin typeface="Consolas" panose="020B0609020204030204" pitchFamily="49" charset="0"/>
+                <a:ea typeface="Menlo" panose="020B0609030804020204" pitchFamily="49" charset="0"/>
+                <a:cs typeface="Consolas" panose="020B0609020204030204" pitchFamily="49" charset="0"/>
               </a:rPr>
               <a:t>__ </a:t>
             </a:r>
@@ -6779,9 +6800,9 @@
             </a:r>
             <a:r>
               <a:rPr lang="en-US" dirty="0">
-                <a:latin typeface="Menlo" panose="020B0609030804020204" pitchFamily="49" charset="0"/>
-                <a:ea typeface="Menlo" panose="020B0609030804020204" pitchFamily="49" charset="0"/>
-                <a:cs typeface="Menlo" panose="020B0609030804020204" pitchFamily="49" charset="0"/>
+                <a:latin typeface="Consolas" panose="020B0609020204030204" pitchFamily="49" charset="0"/>
+                <a:ea typeface="Menlo" panose="020B0609030804020204" pitchFamily="49" charset="0"/>
+                <a:cs typeface="Consolas" panose="020B0609020204030204" pitchFamily="49" charset="0"/>
               </a:rPr>
               <a:t> __new__</a:t>
             </a:r>
@@ -6818,25 +6839,25 @@
           <a:p>
             <a:r>
               <a:rPr lang="en-US" dirty="0">
-                <a:latin typeface="Menlo" panose="020B0609030804020204" pitchFamily="49" charset="0"/>
-                <a:ea typeface="Menlo" panose="020B0609030804020204" pitchFamily="49" charset="0"/>
-                <a:cs typeface="Menlo" panose="020B0609030804020204" pitchFamily="49" charset="0"/>
+                <a:latin typeface="Consolas" panose="020B0609020204030204" pitchFamily="49" charset="0"/>
+                <a:ea typeface="Menlo" panose="020B0609030804020204" pitchFamily="49" charset="0"/>
+                <a:cs typeface="Consolas" panose="020B0609020204030204" pitchFamily="49" charset="0"/>
               </a:rPr>
               <a:t>__</a:t>
             </a:r>
             <a:r>
               <a:rPr lang="en-US" dirty="0" err="1">
-                <a:latin typeface="Menlo" panose="020B0609030804020204" pitchFamily="49" charset="0"/>
-                <a:ea typeface="Menlo" panose="020B0609030804020204" pitchFamily="49" charset="0"/>
-                <a:cs typeface="Menlo" panose="020B0609030804020204" pitchFamily="49" charset="0"/>
+                <a:latin typeface="Consolas" panose="020B0609020204030204" pitchFamily="49" charset="0"/>
+                <a:ea typeface="Menlo" panose="020B0609030804020204" pitchFamily="49" charset="0"/>
+                <a:cs typeface="Consolas" panose="020B0609020204030204" pitchFamily="49" charset="0"/>
               </a:rPr>
               <a:t>init</a:t>
             </a:r>
             <a:r>
               <a:rPr lang="en-US" dirty="0">
-                <a:latin typeface="Menlo" panose="020B0609030804020204" pitchFamily="49" charset="0"/>
-                <a:ea typeface="Menlo" panose="020B0609030804020204" pitchFamily="49" charset="0"/>
-                <a:cs typeface="Menlo" panose="020B0609030804020204" pitchFamily="49" charset="0"/>
+                <a:latin typeface="Consolas" panose="020B0609020204030204" pitchFamily="49" charset="0"/>
+                <a:ea typeface="Menlo" panose="020B0609030804020204" pitchFamily="49" charset="0"/>
+                <a:cs typeface="Consolas" panose="020B0609020204030204" pitchFamily="49" charset="0"/>
               </a:rPr>
               <a:t>__</a:t>
             </a:r>
@@ -6846,9 +6867,9 @@
             </a:r>
             <a:r>
               <a:rPr lang="en-US" dirty="0">
-                <a:latin typeface="Menlo" panose="020B0609030804020204" pitchFamily="49" charset="0"/>
-                <a:ea typeface="Menlo" panose="020B0609030804020204" pitchFamily="49" charset="0"/>
-                <a:cs typeface="Menlo" panose="020B0609030804020204" pitchFamily="49" charset="0"/>
+                <a:latin typeface="Consolas" panose="020B0609020204030204" pitchFamily="49" charset="0"/>
+                <a:ea typeface="Menlo" panose="020B0609030804020204" pitchFamily="49" charset="0"/>
+                <a:cs typeface="Consolas" panose="020B0609020204030204" pitchFamily="49" charset="0"/>
               </a:rPr>
               <a:t>self</a:t>
             </a:r>
@@ -6856,164 +6877,164 @@
           <a:p>
             <a:pPr lvl="1"/>
             <a:r>
+              <a:rPr lang="en-US" i="0" dirty="0">
+                <a:ea typeface="Menlo" panose="020B0609030804020204" pitchFamily="49" charset="0"/>
+                <a:cs typeface="Consolas" panose="020B0609020204030204" pitchFamily="49" charset="0"/>
+              </a:rPr>
+              <a:t>sets up fields</a:t>
+            </a:r>
+          </a:p>
+          <a:p>
+            <a:pPr lvl="1"/>
+            <a:r>
+              <a:rPr lang="en-US" i="0" dirty="0">
+                <a:ea typeface="Menlo" panose="020B0609030804020204" pitchFamily="49" charset="0"/>
+                <a:cs typeface="Consolas" panose="020B0609020204030204" pitchFamily="49" charset="0"/>
+              </a:rPr>
+              <a:t>non-static</a:t>
+            </a:r>
+          </a:p>
+          <a:p>
+            <a:r>
               <a:rPr lang="en-US" dirty="0">
-                <a:ea typeface="Menlo" panose="020B0609030804020204" pitchFamily="49" charset="0"/>
-                <a:cs typeface="Menlo" panose="020B0609030804020204" pitchFamily="49" charset="0"/>
-              </a:rPr>
-              <a:t>sets up fields</a:t>
+                <a:latin typeface="Consolas" panose="020B0609020204030204" pitchFamily="49" charset="0"/>
+                <a:ea typeface="Menlo" panose="020B0609030804020204" pitchFamily="49" charset="0"/>
+                <a:cs typeface="Consolas" panose="020B0609020204030204" pitchFamily="49" charset="0"/>
+              </a:rPr>
+              <a:t>__new__</a:t>
+            </a:r>
+            <a:r>
+              <a:rPr lang="en-US" dirty="0">
+                <a:ea typeface="Menlo" panose="020B0609030804020204" pitchFamily="49" charset="0"/>
+                <a:cs typeface="Consolas" panose="020B0609020204030204" pitchFamily="49" charset="0"/>
+              </a:rPr>
+              <a:t> is used to create that instance in the first place</a:t>
             </a:r>
           </a:p>
           <a:p>
             <a:pPr lvl="1"/>
             <a:r>
+              <a:rPr lang="en-US" i="0" dirty="0">
+                <a:ea typeface="Menlo" panose="020B0609030804020204" pitchFamily="49" charset="0"/>
+                <a:cs typeface="Consolas" panose="020B0609020204030204" pitchFamily="49" charset="0"/>
+              </a:rPr>
+              <a:t>static</a:t>
+            </a:r>
+          </a:p>
+          <a:p>
+            <a:pPr lvl="1"/>
+            <a:r>
+              <a:rPr lang="en-US" i="0" dirty="0">
+                <a:ea typeface="Menlo" panose="020B0609030804020204" pitchFamily="49" charset="0"/>
+                <a:cs typeface="Consolas" panose="020B0609020204030204" pitchFamily="49" charset="0"/>
+              </a:rPr>
+              <a:t>takes in </a:t>
+            </a:r>
+            <a:r>
+              <a:rPr lang="en-US" i="0" dirty="0" err="1">
+                <a:latin typeface="Consolas" panose="020B0609020204030204" pitchFamily="49" charset="0"/>
+                <a:ea typeface="Menlo" panose="020B0609030804020204" pitchFamily="49" charset="0"/>
+                <a:cs typeface="Consolas" panose="020B0609020204030204" pitchFamily="49" charset="0"/>
+              </a:rPr>
+              <a:t>cls</a:t>
+            </a:r>
+            <a:r>
+              <a:rPr lang="en-US" i="0" dirty="0">
+                <a:ea typeface="Menlo" panose="020B0609030804020204" pitchFamily="49" charset="0"/>
+                <a:cs typeface="Consolas" panose="020B0609020204030204" pitchFamily="49" charset="0"/>
+              </a:rPr>
+              <a:t> instead of </a:t>
+            </a:r>
+            <a:r>
+              <a:rPr lang="en-US" i="0" dirty="0">
+                <a:latin typeface="Consolas" panose="020B0609020204030204" pitchFamily="49" charset="0"/>
+                <a:ea typeface="Menlo" panose="020B0609030804020204" pitchFamily="49" charset="0"/>
+                <a:cs typeface="Consolas" panose="020B0609020204030204" pitchFamily="49" charset="0"/>
+              </a:rPr>
+              <a:t>self</a:t>
+            </a:r>
+          </a:p>
+          <a:p>
+            <a:pPr lvl="1"/>
+            <a:r>
+              <a:rPr lang="en-US" i="0" dirty="0">
+                <a:ea typeface="Menlo" panose="020B0609030804020204" pitchFamily="49" charset="0"/>
+                <a:cs typeface="Consolas" panose="020B0609020204030204" pitchFamily="49" charset="0"/>
+              </a:rPr>
+              <a:t>if superclass’s </a:t>
+            </a:r>
+            <a:r>
+              <a:rPr lang="en-US" i="0" dirty="0">
+                <a:latin typeface="Consolas" panose="020B0609020204030204" pitchFamily="49" charset="0"/>
+                <a:ea typeface="Menlo" panose="020B0609030804020204" pitchFamily="49" charset="0"/>
+                <a:cs typeface="Consolas" panose="020B0609020204030204" pitchFamily="49" charset="0"/>
+              </a:rPr>
+              <a:t>__new__</a:t>
+            </a:r>
+            <a:r>
+              <a:rPr lang="en-US" i="0" dirty="0">
+                <a:ea typeface="Menlo" panose="020B0609030804020204" pitchFamily="49" charset="0"/>
+                <a:cs typeface="Consolas" panose="020B0609020204030204" pitchFamily="49" charset="0"/>
+              </a:rPr>
+              <a:t> is called, </a:t>
+            </a:r>
+            <a:r>
+              <a:rPr lang="en-US" i="0" dirty="0">
+                <a:latin typeface="Consolas" panose="020B0609020204030204" pitchFamily="49" charset="0"/>
+                <a:ea typeface="Menlo" panose="020B0609030804020204" pitchFamily="49" charset="0"/>
+                <a:cs typeface="Consolas" panose="020B0609020204030204" pitchFamily="49" charset="0"/>
+              </a:rPr>
+              <a:t>__</a:t>
+            </a:r>
+            <a:r>
+              <a:rPr lang="en-US" i="0" dirty="0" err="1">
+                <a:latin typeface="Consolas" panose="020B0609020204030204" pitchFamily="49" charset="0"/>
+                <a:ea typeface="Menlo" panose="020B0609030804020204" pitchFamily="49" charset="0"/>
+                <a:cs typeface="Consolas" panose="020B0609020204030204" pitchFamily="49" charset="0"/>
+              </a:rPr>
+              <a:t>init</a:t>
+            </a:r>
+            <a:r>
+              <a:rPr lang="en-US" i="0" dirty="0">
+                <a:latin typeface="Consolas" panose="020B0609020204030204" pitchFamily="49" charset="0"/>
+                <a:ea typeface="Menlo" panose="020B0609030804020204" pitchFamily="49" charset="0"/>
+                <a:cs typeface="Consolas" panose="020B0609020204030204" pitchFamily="49" charset="0"/>
+              </a:rPr>
+              <a:t>__</a:t>
+            </a:r>
+            <a:r>
+              <a:rPr lang="en-US" i="0" dirty="0">
+                <a:ea typeface="Menlo" panose="020B0609030804020204" pitchFamily="49" charset="0"/>
+                <a:cs typeface="Consolas" panose="020B0609020204030204" pitchFamily="49" charset="0"/>
+              </a:rPr>
+              <a:t> will also be called</a:t>
+            </a:r>
+          </a:p>
+          <a:p>
+            <a:r>
               <a:rPr lang="en-US" dirty="0">
                 <a:ea typeface="Menlo" panose="020B0609030804020204" pitchFamily="49" charset="0"/>
-                <a:cs typeface="Menlo" panose="020B0609030804020204" pitchFamily="49" charset="0"/>
-              </a:rPr>
-              <a:t>non-static</a:t>
-            </a:r>
-          </a:p>
-          <a:p>
-            <a:r>
-              <a:rPr lang="en-US" dirty="0">
-                <a:latin typeface="Menlo" panose="020B0609030804020204" pitchFamily="49" charset="0"/>
-                <a:ea typeface="Menlo" panose="020B0609030804020204" pitchFamily="49" charset="0"/>
-                <a:cs typeface="Menlo" panose="020B0609030804020204" pitchFamily="49" charset="0"/>
-              </a:rPr>
-              <a:t>__new__</a:t>
-            </a:r>
-            <a:r>
-              <a:rPr lang="en-US" dirty="0">
-                <a:ea typeface="Menlo" panose="020B0609030804020204" pitchFamily="49" charset="0"/>
-                <a:cs typeface="Menlo" panose="020B0609030804020204" pitchFamily="49" charset="0"/>
-              </a:rPr>
-              <a:t> is used to create that instance in the first place</a:t>
+                <a:cs typeface="Consolas" panose="020B0609020204030204" pitchFamily="49" charset="0"/>
+              </a:rPr>
+              <a:t>Sometimes comes up when Googling</a:t>
             </a:r>
           </a:p>
           <a:p>
             <a:pPr lvl="1"/>
             <a:r>
-              <a:rPr lang="en-US" dirty="0">
-                <a:ea typeface="Menlo" panose="020B0609030804020204" pitchFamily="49" charset="0"/>
-                <a:cs typeface="Menlo" panose="020B0609030804020204" pitchFamily="49" charset="0"/>
-              </a:rPr>
-              <a:t>static</a:t>
+              <a:rPr lang="en-US" i="0" dirty="0">
+                <a:ea typeface="Menlo" panose="020B0609030804020204" pitchFamily="49" charset="0"/>
+                <a:cs typeface="Consolas" panose="020B0609020204030204" pitchFamily="49" charset="0"/>
+              </a:rPr>
+              <a:t>Just be aware</a:t>
             </a:r>
           </a:p>
           <a:p>
             <a:pPr lvl="1"/>
             <a:r>
-              <a:rPr lang="en-US" dirty="0">
-                <a:ea typeface="Menlo" panose="020B0609030804020204" pitchFamily="49" charset="0"/>
-                <a:cs typeface="Menlo" panose="020B0609030804020204" pitchFamily="49" charset="0"/>
-              </a:rPr>
-              <a:t>takes in </a:t>
-            </a:r>
-            <a:r>
-              <a:rPr lang="en-US" dirty="0" err="1">
-                <a:latin typeface="Menlo" panose="020B0609030804020204" pitchFamily="49" charset="0"/>
-                <a:ea typeface="Menlo" panose="020B0609030804020204" pitchFamily="49" charset="0"/>
-                <a:cs typeface="Menlo" panose="020B0609030804020204" pitchFamily="49" charset="0"/>
-              </a:rPr>
-              <a:t>cls</a:t>
-            </a:r>
-            <a:r>
-              <a:rPr lang="en-US" dirty="0">
-                <a:ea typeface="Menlo" panose="020B0609030804020204" pitchFamily="49" charset="0"/>
-                <a:cs typeface="Menlo" panose="020B0609030804020204" pitchFamily="49" charset="0"/>
-              </a:rPr>
-              <a:t> instead of </a:t>
-            </a:r>
-            <a:r>
-              <a:rPr lang="en-US" dirty="0">
-                <a:latin typeface="Menlo" panose="020B0609030804020204" pitchFamily="49" charset="0"/>
-                <a:ea typeface="Menlo" panose="020B0609030804020204" pitchFamily="49" charset="0"/>
-                <a:cs typeface="Menlo" panose="020B0609030804020204" pitchFamily="49" charset="0"/>
-              </a:rPr>
-              <a:t>self</a:t>
-            </a:r>
-          </a:p>
-          <a:p>
-            <a:pPr lvl="1"/>
-            <a:r>
-              <a:rPr lang="en-US" dirty="0">
-                <a:ea typeface="Menlo" panose="020B0609030804020204" pitchFamily="49" charset="0"/>
-                <a:cs typeface="Menlo" panose="020B0609030804020204" pitchFamily="49" charset="0"/>
-              </a:rPr>
-              <a:t>if superclass’s </a:t>
-            </a:r>
-            <a:r>
-              <a:rPr lang="en-US" dirty="0">
-                <a:latin typeface="Menlo" panose="020B0609030804020204" pitchFamily="49" charset="0"/>
-                <a:ea typeface="Menlo" panose="020B0609030804020204" pitchFamily="49" charset="0"/>
-                <a:cs typeface="Menlo" panose="020B0609030804020204" pitchFamily="49" charset="0"/>
-              </a:rPr>
-              <a:t>__new__</a:t>
-            </a:r>
-            <a:r>
-              <a:rPr lang="en-US" dirty="0">
-                <a:ea typeface="Menlo" panose="020B0609030804020204" pitchFamily="49" charset="0"/>
-                <a:cs typeface="Menlo" panose="020B0609030804020204" pitchFamily="49" charset="0"/>
-              </a:rPr>
-              <a:t> is called, </a:t>
-            </a:r>
-            <a:r>
-              <a:rPr lang="en-US" dirty="0">
-                <a:latin typeface="Menlo" panose="020B0609030804020204" pitchFamily="49" charset="0"/>
-                <a:ea typeface="Menlo" panose="020B0609030804020204" pitchFamily="49" charset="0"/>
-                <a:cs typeface="Menlo" panose="020B0609030804020204" pitchFamily="49" charset="0"/>
-              </a:rPr>
-              <a:t>__</a:t>
-            </a:r>
-            <a:r>
-              <a:rPr lang="en-US" dirty="0" err="1">
-                <a:latin typeface="Menlo" panose="020B0609030804020204" pitchFamily="49" charset="0"/>
-                <a:ea typeface="Menlo" panose="020B0609030804020204" pitchFamily="49" charset="0"/>
-                <a:cs typeface="Menlo" panose="020B0609030804020204" pitchFamily="49" charset="0"/>
-              </a:rPr>
-              <a:t>init</a:t>
-            </a:r>
-            <a:r>
-              <a:rPr lang="en-US" dirty="0">
-                <a:latin typeface="Menlo" panose="020B0609030804020204" pitchFamily="49" charset="0"/>
-                <a:ea typeface="Menlo" panose="020B0609030804020204" pitchFamily="49" charset="0"/>
-                <a:cs typeface="Menlo" panose="020B0609030804020204" pitchFamily="49" charset="0"/>
-              </a:rPr>
-              <a:t>__</a:t>
-            </a:r>
-            <a:r>
-              <a:rPr lang="en-US" dirty="0">
-                <a:ea typeface="Menlo" panose="020B0609030804020204" pitchFamily="49" charset="0"/>
-                <a:cs typeface="Menlo" panose="020B0609030804020204" pitchFamily="49" charset="0"/>
-              </a:rPr>
-              <a:t> will also be called</a:t>
-            </a:r>
-          </a:p>
-          <a:p>
-            <a:r>
-              <a:rPr lang="en-US" dirty="0">
-                <a:ea typeface="Menlo" panose="020B0609030804020204" pitchFamily="49" charset="0"/>
-                <a:cs typeface="Menlo" panose="020B0609030804020204" pitchFamily="49" charset="0"/>
-              </a:rPr>
-              <a:t>Sometimes comes up when Googling</a:t>
-            </a:r>
-          </a:p>
-          <a:p>
-            <a:pPr lvl="1"/>
-            <a:r>
-              <a:rPr lang="en-US" dirty="0">
-                <a:ea typeface="Menlo" panose="020B0609030804020204" pitchFamily="49" charset="0"/>
-                <a:cs typeface="Menlo" panose="020B0609030804020204" pitchFamily="49" charset="0"/>
-              </a:rPr>
-              <a:t>Just be aware</a:t>
-            </a:r>
-          </a:p>
-          <a:p>
-            <a:pPr lvl="1"/>
-            <a:r>
-              <a:rPr lang="en-US" dirty="0">
-                <a:ea typeface="Menlo" panose="020B0609030804020204" pitchFamily="49" charset="0"/>
-                <a:cs typeface="Menlo" panose="020B0609030804020204" pitchFamily="49" charset="0"/>
+              <a:rPr lang="en-US" i="0" dirty="0">
+                <a:ea typeface="Menlo" panose="020B0609030804020204" pitchFamily="49" charset="0"/>
+                <a:cs typeface="Consolas" panose="020B0609020204030204" pitchFamily="49" charset="0"/>
               </a:rPr>
               <a:t>will become important later</a:t>
             </a:r>
@@ -8015,25 +8036,25 @@
           <a:p>
             <a:r>
               <a:rPr lang="en-US" dirty="0">
-                <a:latin typeface="Menlo" panose="020B0609030804020204" pitchFamily="49" charset="0"/>
-                <a:ea typeface="Menlo" panose="020B0609030804020204" pitchFamily="49" charset="0"/>
-                <a:cs typeface="Menlo" panose="020B0609030804020204" pitchFamily="49" charset="0"/>
+                <a:latin typeface="Consolas" panose="020B0609020204030204" pitchFamily="49" charset="0"/>
+                <a:ea typeface="Menlo" panose="020B0609030804020204" pitchFamily="49" charset="0"/>
+                <a:cs typeface="Consolas" panose="020B0609020204030204" pitchFamily="49" charset="0"/>
               </a:rPr>
               <a:t>__</a:t>
             </a:r>
             <a:r>
               <a:rPr lang="en-US" dirty="0" err="1">
-                <a:latin typeface="Menlo" panose="020B0609030804020204" pitchFamily="49" charset="0"/>
-                <a:ea typeface="Menlo" panose="020B0609030804020204" pitchFamily="49" charset="0"/>
-                <a:cs typeface="Menlo" panose="020B0609030804020204" pitchFamily="49" charset="0"/>
+                <a:latin typeface="Consolas" panose="020B0609020204030204" pitchFamily="49" charset="0"/>
+                <a:ea typeface="Menlo" panose="020B0609030804020204" pitchFamily="49" charset="0"/>
+                <a:cs typeface="Consolas" panose="020B0609020204030204" pitchFamily="49" charset="0"/>
               </a:rPr>
               <a:t>init</a:t>
             </a:r>
             <a:r>
               <a:rPr lang="en-US" dirty="0">
-                <a:latin typeface="Menlo" panose="020B0609030804020204" pitchFamily="49" charset="0"/>
-                <a:ea typeface="Menlo" panose="020B0609030804020204" pitchFamily="49" charset="0"/>
-                <a:cs typeface="Menlo" panose="020B0609030804020204" pitchFamily="49" charset="0"/>
+                <a:latin typeface="Consolas" panose="020B0609020204030204" pitchFamily="49" charset="0"/>
+                <a:ea typeface="Menlo" panose="020B0609030804020204" pitchFamily="49" charset="0"/>
+                <a:cs typeface="Consolas" panose="020B0609020204030204" pitchFamily="49" charset="0"/>
               </a:rPr>
               <a:t>__ </a:t>
             </a:r>
@@ -8043,9 +8064,9 @@
             </a:r>
             <a:r>
               <a:rPr lang="en-US" dirty="0">
-                <a:latin typeface="Menlo" panose="020B0609030804020204" pitchFamily="49" charset="0"/>
-                <a:ea typeface="Menlo" panose="020B0609030804020204" pitchFamily="49" charset="0"/>
-                <a:cs typeface="Menlo" panose="020B0609030804020204" pitchFamily="49" charset="0"/>
+                <a:latin typeface="Consolas" panose="020B0609020204030204" pitchFamily="49" charset="0"/>
+                <a:ea typeface="Menlo" panose="020B0609030804020204" pitchFamily="49" charset="0"/>
+                <a:cs typeface="Consolas" panose="020B0609020204030204" pitchFamily="49" charset="0"/>
               </a:rPr>
               <a:t> __new__</a:t>
             </a:r>
@@ -8288,9 +8309,9 @@
                 <a:solidFill>
                   <a:schemeClr val="tx1"/>
                 </a:solidFill>
-                <a:latin typeface="Menlo" panose="020B0609030804020204" pitchFamily="49" charset="0"/>
-                <a:ea typeface="Menlo" panose="020B0609030804020204" pitchFamily="49" charset="0"/>
-                <a:cs typeface="Menlo" panose="020B0609030804020204" pitchFamily="49" charset="0"/>
+                <a:latin typeface="Consolas" panose="020B0609020204030204" pitchFamily="49" charset="0"/>
+                <a:ea typeface="Menlo" panose="020B0609030804020204" pitchFamily="49" charset="0"/>
+                <a:cs typeface="Consolas" panose="020B0609020204030204" pitchFamily="49" charset="0"/>
               </a:rPr>
               <a:t>&gt;&gt;&gt; </a:t>
             </a:r>
@@ -8299,9 +8320,9 @@
                 <a:solidFill>
                   <a:schemeClr val="accent6"/>
                 </a:solidFill>
-                <a:latin typeface="Menlo" panose="020B0609030804020204" pitchFamily="49" charset="0"/>
-                <a:ea typeface="Menlo" panose="020B0609030804020204" pitchFamily="49" charset="0"/>
-                <a:cs typeface="Menlo" panose="020B0609030804020204" pitchFamily="49" charset="0"/>
+                <a:latin typeface="Consolas" panose="020B0609020204030204" pitchFamily="49" charset="0"/>
+                <a:ea typeface="Menlo" panose="020B0609030804020204" pitchFamily="49" charset="0"/>
+                <a:cs typeface="Consolas" panose="020B0609020204030204" pitchFamily="49" charset="0"/>
               </a:rPr>
               <a:t>class test:</a:t>
             </a:r>
@@ -8318,9 +8339,9 @@
                 <a:solidFill>
                   <a:schemeClr val="tx1"/>
                 </a:solidFill>
-                <a:latin typeface="Menlo" panose="020B0609030804020204" pitchFamily="49" charset="0"/>
-                <a:ea typeface="Menlo" panose="020B0609030804020204" pitchFamily="49" charset="0"/>
-                <a:cs typeface="Menlo" panose="020B0609030804020204" pitchFamily="49" charset="0"/>
+                <a:latin typeface="Consolas" panose="020B0609020204030204" pitchFamily="49" charset="0"/>
+                <a:ea typeface="Menlo" panose="020B0609030804020204" pitchFamily="49" charset="0"/>
+                <a:cs typeface="Consolas" panose="020B0609020204030204" pitchFamily="49" charset="0"/>
               </a:rPr>
               <a:t>...    </a:t>
             </a:r>
@@ -8329,9 +8350,9 @@
                 <a:solidFill>
                   <a:schemeClr val="accent6"/>
                 </a:solidFill>
-                <a:latin typeface="Menlo" panose="020B0609030804020204" pitchFamily="49" charset="0"/>
-                <a:ea typeface="Menlo" panose="020B0609030804020204" pitchFamily="49" charset="0"/>
-                <a:cs typeface="Menlo" panose="020B0609030804020204" pitchFamily="49" charset="0"/>
+                <a:latin typeface="Consolas" panose="020B0609020204030204" pitchFamily="49" charset="0"/>
+                <a:ea typeface="Menlo" panose="020B0609030804020204" pitchFamily="49" charset="0"/>
+                <a:cs typeface="Consolas" panose="020B0609020204030204" pitchFamily="49" charset="0"/>
               </a:rPr>
               <a:t> def __new__(</a:t>
             </a:r>
@@ -8340,9 +8361,9 @@
                 <a:solidFill>
                   <a:schemeClr val="accent6"/>
                 </a:solidFill>
-                <a:latin typeface="Menlo" panose="020B0609030804020204" pitchFamily="49" charset="0"/>
-                <a:ea typeface="Menlo" panose="020B0609030804020204" pitchFamily="49" charset="0"/>
-                <a:cs typeface="Menlo" panose="020B0609030804020204" pitchFamily="49" charset="0"/>
+                <a:latin typeface="Consolas" panose="020B0609020204030204" pitchFamily="49" charset="0"/>
+                <a:ea typeface="Menlo" panose="020B0609030804020204" pitchFamily="49" charset="0"/>
+                <a:cs typeface="Consolas" panose="020B0609020204030204" pitchFamily="49" charset="0"/>
               </a:rPr>
               <a:t>cls</a:t>
             </a:r>
@@ -8351,9 +8372,9 @@
                 <a:solidFill>
                   <a:schemeClr val="accent6"/>
                 </a:solidFill>
-                <a:latin typeface="Menlo" panose="020B0609030804020204" pitchFamily="49" charset="0"/>
-                <a:ea typeface="Menlo" panose="020B0609030804020204" pitchFamily="49" charset="0"/>
-                <a:cs typeface="Menlo" panose="020B0609030804020204" pitchFamily="49" charset="0"/>
+                <a:latin typeface="Consolas" panose="020B0609020204030204" pitchFamily="49" charset="0"/>
+                <a:ea typeface="Menlo" panose="020B0609030804020204" pitchFamily="49" charset="0"/>
+                <a:cs typeface="Consolas" panose="020B0609020204030204" pitchFamily="49" charset="0"/>
               </a:rPr>
               <a:t>, x):</a:t>
             </a:r>
@@ -8370,9 +8391,9 @@
                 <a:solidFill>
                   <a:schemeClr val="tx1"/>
                 </a:solidFill>
-                <a:latin typeface="Menlo" panose="020B0609030804020204" pitchFamily="49" charset="0"/>
-                <a:ea typeface="Menlo" panose="020B0609030804020204" pitchFamily="49" charset="0"/>
-                <a:cs typeface="Menlo" panose="020B0609030804020204" pitchFamily="49" charset="0"/>
+                <a:latin typeface="Consolas" panose="020B0609020204030204" pitchFamily="49" charset="0"/>
+                <a:ea typeface="Menlo" panose="020B0609030804020204" pitchFamily="49" charset="0"/>
+                <a:cs typeface="Consolas" panose="020B0609020204030204" pitchFamily="49" charset="0"/>
               </a:rPr>
               <a:t>...            </a:t>
             </a:r>
@@ -8381,9 +8402,9 @@
                 <a:solidFill>
                   <a:schemeClr val="accent6"/>
                 </a:solidFill>
-                <a:latin typeface="Menlo" panose="020B0609030804020204" pitchFamily="49" charset="0"/>
-                <a:ea typeface="Menlo" panose="020B0609030804020204" pitchFamily="49" charset="0"/>
-                <a:cs typeface="Menlo" panose="020B0609030804020204" pitchFamily="49" charset="0"/>
+                <a:latin typeface="Consolas" panose="020B0609020204030204" pitchFamily="49" charset="0"/>
+                <a:ea typeface="Menlo" panose="020B0609030804020204" pitchFamily="49" charset="0"/>
+                <a:cs typeface="Consolas" panose="020B0609020204030204" pitchFamily="49" charset="0"/>
               </a:rPr>
               <a:t> print(</a:t>
             </a:r>
@@ -8392,9 +8413,9 @@
                 <a:solidFill>
                   <a:schemeClr val="accent6"/>
                 </a:solidFill>
-                <a:latin typeface="Menlo" panose="020B0609030804020204" pitchFamily="49" charset="0"/>
-                <a:ea typeface="Menlo" panose="020B0609030804020204" pitchFamily="49" charset="0"/>
-                <a:cs typeface="Menlo" panose="020B0609030804020204" pitchFamily="49" charset="0"/>
+                <a:latin typeface="Consolas" panose="020B0609020204030204" pitchFamily="49" charset="0"/>
+                <a:ea typeface="Menlo" panose="020B0609030804020204" pitchFamily="49" charset="0"/>
+                <a:cs typeface="Consolas" panose="020B0609020204030204" pitchFamily="49" charset="0"/>
               </a:rPr>
               <a:t>f"__new</a:t>
             </a:r>
@@ -8403,9 +8424,9 @@
                 <a:solidFill>
                   <a:schemeClr val="accent6"/>
                 </a:solidFill>
-                <a:latin typeface="Menlo" panose="020B0609030804020204" pitchFamily="49" charset="0"/>
-                <a:ea typeface="Menlo" panose="020B0609030804020204" pitchFamily="49" charset="0"/>
-                <a:cs typeface="Menlo" panose="020B0609030804020204" pitchFamily="49" charset="0"/>
+                <a:latin typeface="Consolas" panose="020B0609020204030204" pitchFamily="49" charset="0"/>
+                <a:ea typeface="Menlo" panose="020B0609030804020204" pitchFamily="49" charset="0"/>
+                <a:cs typeface="Consolas" panose="020B0609020204030204" pitchFamily="49" charset="0"/>
               </a:rPr>
               <a:t>__, </a:t>
             </a:r>
@@ -8414,9 +8435,9 @@
                 <a:solidFill>
                   <a:schemeClr val="accent6"/>
                 </a:solidFill>
-                <a:latin typeface="Menlo" panose="020B0609030804020204" pitchFamily="49" charset="0"/>
-                <a:ea typeface="Menlo" panose="020B0609030804020204" pitchFamily="49" charset="0"/>
-                <a:cs typeface="Menlo" panose="020B0609030804020204" pitchFamily="49" charset="0"/>
+                <a:latin typeface="Consolas" panose="020B0609020204030204" pitchFamily="49" charset="0"/>
+                <a:ea typeface="Menlo" panose="020B0609030804020204" pitchFamily="49" charset="0"/>
+                <a:cs typeface="Consolas" panose="020B0609020204030204" pitchFamily="49" charset="0"/>
               </a:rPr>
               <a:t>cls</a:t>
             </a:r>
@@ -8425,9 +8446,9 @@
                 <a:solidFill>
                   <a:schemeClr val="accent6"/>
                 </a:solidFill>
-                <a:latin typeface="Menlo" panose="020B0609030804020204" pitchFamily="49" charset="0"/>
-                <a:ea typeface="Menlo" panose="020B0609030804020204" pitchFamily="49" charset="0"/>
-                <a:cs typeface="Menlo" panose="020B0609030804020204" pitchFamily="49" charset="0"/>
+                <a:latin typeface="Consolas" panose="020B0609020204030204" pitchFamily="49" charset="0"/>
+                <a:ea typeface="Menlo" panose="020B0609030804020204" pitchFamily="49" charset="0"/>
+                <a:cs typeface="Consolas" panose="020B0609020204030204" pitchFamily="49" charset="0"/>
               </a:rPr>
               <a:t> = {</a:t>
             </a:r>
@@ -8436,9 +8457,9 @@
                 <a:solidFill>
                   <a:schemeClr val="accent6"/>
                 </a:solidFill>
-                <a:latin typeface="Menlo" panose="020B0609030804020204" pitchFamily="49" charset="0"/>
-                <a:ea typeface="Menlo" panose="020B0609030804020204" pitchFamily="49" charset="0"/>
-                <a:cs typeface="Menlo" panose="020B0609030804020204" pitchFamily="49" charset="0"/>
+                <a:latin typeface="Consolas" panose="020B0609020204030204" pitchFamily="49" charset="0"/>
+                <a:ea typeface="Menlo" panose="020B0609030804020204" pitchFamily="49" charset="0"/>
+                <a:cs typeface="Consolas" panose="020B0609020204030204" pitchFamily="49" charset="0"/>
               </a:rPr>
               <a:t>cls</a:t>
             </a:r>
@@ -8447,9 +8468,9 @@
                 <a:solidFill>
                   <a:schemeClr val="accent6"/>
                 </a:solidFill>
-                <a:latin typeface="Menlo" panose="020B0609030804020204" pitchFamily="49" charset="0"/>
-                <a:ea typeface="Menlo" panose="020B0609030804020204" pitchFamily="49" charset="0"/>
-                <a:cs typeface="Menlo" panose="020B0609030804020204" pitchFamily="49" charset="0"/>
+                <a:latin typeface="Consolas" panose="020B0609020204030204" pitchFamily="49" charset="0"/>
+                <a:ea typeface="Menlo" panose="020B0609030804020204" pitchFamily="49" charset="0"/>
+                <a:cs typeface="Consolas" panose="020B0609020204030204" pitchFamily="49" charset="0"/>
               </a:rPr>
               <a:t>}")</a:t>
             </a:r>
@@ -8466,9 +8487,9 @@
                 <a:solidFill>
                   <a:schemeClr val="tx1"/>
                 </a:solidFill>
-                <a:latin typeface="Menlo" panose="020B0609030804020204" pitchFamily="49" charset="0"/>
-                <a:ea typeface="Menlo" panose="020B0609030804020204" pitchFamily="49" charset="0"/>
-                <a:cs typeface="Menlo" panose="020B0609030804020204" pitchFamily="49" charset="0"/>
+                <a:latin typeface="Consolas" panose="020B0609020204030204" pitchFamily="49" charset="0"/>
+                <a:ea typeface="Menlo" panose="020B0609030804020204" pitchFamily="49" charset="0"/>
+                <a:cs typeface="Consolas" panose="020B0609020204030204" pitchFamily="49" charset="0"/>
               </a:rPr>
               <a:t>...             </a:t>
             </a:r>
@@ -8477,9 +8498,9 @@
                 <a:solidFill>
                   <a:schemeClr val="accent6"/>
                 </a:solidFill>
-                <a:latin typeface="Menlo" panose="020B0609030804020204" pitchFamily="49" charset="0"/>
-                <a:ea typeface="Menlo" panose="020B0609030804020204" pitchFamily="49" charset="0"/>
-                <a:cs typeface="Menlo" panose="020B0609030804020204" pitchFamily="49" charset="0"/>
+                <a:latin typeface="Consolas" panose="020B0609020204030204" pitchFamily="49" charset="0"/>
+                <a:ea typeface="Menlo" panose="020B0609030804020204" pitchFamily="49" charset="0"/>
+                <a:cs typeface="Consolas" panose="020B0609020204030204" pitchFamily="49" charset="0"/>
               </a:rPr>
               <a:t>return super().__new__(</a:t>
             </a:r>
@@ -8488,9 +8509,9 @@
                 <a:solidFill>
                   <a:schemeClr val="accent6"/>
                 </a:solidFill>
-                <a:latin typeface="Menlo" panose="020B0609030804020204" pitchFamily="49" charset="0"/>
-                <a:ea typeface="Menlo" panose="020B0609030804020204" pitchFamily="49" charset="0"/>
-                <a:cs typeface="Menlo" panose="020B0609030804020204" pitchFamily="49" charset="0"/>
+                <a:latin typeface="Consolas" panose="020B0609020204030204" pitchFamily="49" charset="0"/>
+                <a:ea typeface="Menlo" panose="020B0609030804020204" pitchFamily="49" charset="0"/>
+                <a:cs typeface="Consolas" panose="020B0609020204030204" pitchFamily="49" charset="0"/>
               </a:rPr>
               <a:t>cls</a:t>
             </a:r>
@@ -8499,9 +8520,9 @@
                 <a:solidFill>
                   <a:schemeClr val="accent6"/>
                 </a:solidFill>
-                <a:latin typeface="Menlo" panose="020B0609030804020204" pitchFamily="49" charset="0"/>
-                <a:ea typeface="Menlo" panose="020B0609030804020204" pitchFamily="49" charset="0"/>
-                <a:cs typeface="Menlo" panose="020B0609030804020204" pitchFamily="49" charset="0"/>
+                <a:latin typeface="Consolas" panose="020B0609020204030204" pitchFamily="49" charset="0"/>
+                <a:ea typeface="Menlo" panose="020B0609030804020204" pitchFamily="49" charset="0"/>
+                <a:cs typeface="Consolas" panose="020B0609020204030204" pitchFamily="49" charset="0"/>
               </a:rPr>
               <a:t>)</a:t>
             </a:r>
@@ -8518,9 +8539,9 @@
                 <a:solidFill>
                   <a:schemeClr val="tx1"/>
                 </a:solidFill>
-                <a:latin typeface="Menlo" panose="020B0609030804020204" pitchFamily="49" charset="0"/>
-                <a:ea typeface="Menlo" panose="020B0609030804020204" pitchFamily="49" charset="0"/>
-                <a:cs typeface="Menlo" panose="020B0609030804020204" pitchFamily="49" charset="0"/>
+                <a:latin typeface="Consolas" panose="020B0609020204030204" pitchFamily="49" charset="0"/>
+                <a:ea typeface="Menlo" panose="020B0609030804020204" pitchFamily="49" charset="0"/>
+                <a:cs typeface="Consolas" panose="020B0609020204030204" pitchFamily="49" charset="0"/>
               </a:rPr>
               <a:t>...   </a:t>
             </a:r>
@@ -8529,9 +8550,9 @@
                 <a:solidFill>
                   <a:schemeClr val="accent6"/>
                 </a:solidFill>
-                <a:latin typeface="Menlo" panose="020B0609030804020204" pitchFamily="49" charset="0"/>
-                <a:ea typeface="Menlo" panose="020B0609030804020204" pitchFamily="49" charset="0"/>
-                <a:cs typeface="Menlo" panose="020B0609030804020204" pitchFamily="49" charset="0"/>
+                <a:latin typeface="Consolas" panose="020B0609020204030204" pitchFamily="49" charset="0"/>
+                <a:ea typeface="Menlo" panose="020B0609030804020204" pitchFamily="49" charset="0"/>
+                <a:cs typeface="Consolas" panose="020B0609020204030204" pitchFamily="49" charset="0"/>
               </a:rPr>
               <a:t>  def __</a:t>
             </a:r>
@@ -8540,9 +8561,9 @@
                 <a:solidFill>
                   <a:schemeClr val="accent6"/>
                 </a:solidFill>
-                <a:latin typeface="Menlo" panose="020B0609030804020204" pitchFamily="49" charset="0"/>
-                <a:ea typeface="Menlo" panose="020B0609030804020204" pitchFamily="49" charset="0"/>
-                <a:cs typeface="Menlo" panose="020B0609030804020204" pitchFamily="49" charset="0"/>
+                <a:latin typeface="Consolas" panose="020B0609020204030204" pitchFamily="49" charset="0"/>
+                <a:ea typeface="Menlo" panose="020B0609030804020204" pitchFamily="49" charset="0"/>
+                <a:cs typeface="Consolas" panose="020B0609020204030204" pitchFamily="49" charset="0"/>
               </a:rPr>
               <a:t>init</a:t>
             </a:r>
@@ -8551,9 +8572,9 @@
                 <a:solidFill>
                   <a:schemeClr val="accent6"/>
                 </a:solidFill>
-                <a:latin typeface="Menlo" panose="020B0609030804020204" pitchFamily="49" charset="0"/>
-                <a:ea typeface="Menlo" panose="020B0609030804020204" pitchFamily="49" charset="0"/>
-                <a:cs typeface="Menlo" panose="020B0609030804020204" pitchFamily="49" charset="0"/>
+                <a:latin typeface="Consolas" panose="020B0609020204030204" pitchFamily="49" charset="0"/>
+                <a:ea typeface="Menlo" panose="020B0609030804020204" pitchFamily="49" charset="0"/>
+                <a:cs typeface="Consolas" panose="020B0609020204030204" pitchFamily="49" charset="0"/>
               </a:rPr>
               <a:t>__(self, x):</a:t>
             </a:r>
@@ -8570,9 +8591,9 @@
                 <a:solidFill>
                   <a:schemeClr val="tx1"/>
                 </a:solidFill>
-                <a:latin typeface="Menlo" panose="020B0609030804020204" pitchFamily="49" charset="0"/>
-                <a:ea typeface="Menlo" panose="020B0609030804020204" pitchFamily="49" charset="0"/>
-                <a:cs typeface="Menlo" panose="020B0609030804020204" pitchFamily="49" charset="0"/>
+                <a:latin typeface="Consolas" panose="020B0609020204030204" pitchFamily="49" charset="0"/>
+                <a:ea typeface="Menlo" panose="020B0609030804020204" pitchFamily="49" charset="0"/>
+                <a:cs typeface="Consolas" panose="020B0609020204030204" pitchFamily="49" charset="0"/>
               </a:rPr>
               <a:t>...        </a:t>
             </a:r>
@@ -8581,9 +8602,9 @@
                 <a:solidFill>
                   <a:schemeClr val="accent6"/>
                 </a:solidFill>
-                <a:latin typeface="Menlo" panose="020B0609030804020204" pitchFamily="49" charset="0"/>
-                <a:ea typeface="Menlo" panose="020B0609030804020204" pitchFamily="49" charset="0"/>
-                <a:cs typeface="Menlo" panose="020B0609030804020204" pitchFamily="49" charset="0"/>
+                <a:latin typeface="Consolas" panose="020B0609020204030204" pitchFamily="49" charset="0"/>
+                <a:ea typeface="Menlo" panose="020B0609030804020204" pitchFamily="49" charset="0"/>
+                <a:cs typeface="Consolas" panose="020B0609020204030204" pitchFamily="49" charset="0"/>
               </a:rPr>
               <a:t>     print(f"__</a:t>
             </a:r>
@@ -8592,9 +8613,9 @@
                 <a:solidFill>
                   <a:schemeClr val="accent6"/>
                 </a:solidFill>
-                <a:latin typeface="Menlo" panose="020B0609030804020204" pitchFamily="49" charset="0"/>
-                <a:ea typeface="Menlo" panose="020B0609030804020204" pitchFamily="49" charset="0"/>
-                <a:cs typeface="Menlo" panose="020B0609030804020204" pitchFamily="49" charset="0"/>
+                <a:latin typeface="Consolas" panose="020B0609020204030204" pitchFamily="49" charset="0"/>
+                <a:ea typeface="Menlo" panose="020B0609030804020204" pitchFamily="49" charset="0"/>
+                <a:cs typeface="Consolas" panose="020B0609020204030204" pitchFamily="49" charset="0"/>
               </a:rPr>
               <a:t>init</a:t>
             </a:r>
@@ -8603,9 +8624,9 @@
                 <a:solidFill>
                   <a:schemeClr val="accent6"/>
                 </a:solidFill>
-                <a:latin typeface="Menlo" panose="020B0609030804020204" pitchFamily="49" charset="0"/>
-                <a:ea typeface="Menlo" panose="020B0609030804020204" pitchFamily="49" charset="0"/>
-                <a:cs typeface="Menlo" panose="020B0609030804020204" pitchFamily="49" charset="0"/>
+                <a:latin typeface="Consolas" panose="020B0609020204030204" pitchFamily="49" charset="0"/>
+                <a:ea typeface="Menlo" panose="020B0609030804020204" pitchFamily="49" charset="0"/>
+                <a:cs typeface="Consolas" panose="020B0609020204030204" pitchFamily="49" charset="0"/>
               </a:rPr>
               <a:t>__, self = {self}")</a:t>
             </a:r>
@@ -8622,9 +8643,9 @@
                 <a:solidFill>
                   <a:schemeClr val="tx1"/>
                 </a:solidFill>
-                <a:latin typeface="Menlo" panose="020B0609030804020204" pitchFamily="49" charset="0"/>
-                <a:ea typeface="Menlo" panose="020B0609030804020204" pitchFamily="49" charset="0"/>
-                <a:cs typeface="Menlo" panose="020B0609030804020204" pitchFamily="49" charset="0"/>
+                <a:latin typeface="Consolas" panose="020B0609020204030204" pitchFamily="49" charset="0"/>
+                <a:ea typeface="Menlo" panose="020B0609030804020204" pitchFamily="49" charset="0"/>
+                <a:cs typeface="Consolas" panose="020B0609020204030204" pitchFamily="49" charset="0"/>
               </a:rPr>
               <a:t>...          </a:t>
             </a:r>
@@ -8633,9 +8654,9 @@
                 <a:solidFill>
                   <a:schemeClr val="accent6"/>
                 </a:solidFill>
-                <a:latin typeface="Menlo" panose="020B0609030804020204" pitchFamily="49" charset="0"/>
-                <a:ea typeface="Menlo" panose="020B0609030804020204" pitchFamily="49" charset="0"/>
-                <a:cs typeface="Menlo" panose="020B0609030804020204" pitchFamily="49" charset="0"/>
+                <a:latin typeface="Consolas" panose="020B0609020204030204" pitchFamily="49" charset="0"/>
+                <a:ea typeface="Menlo" panose="020B0609030804020204" pitchFamily="49" charset="0"/>
+                <a:cs typeface="Consolas" panose="020B0609020204030204" pitchFamily="49" charset="0"/>
               </a:rPr>
               <a:t>   </a:t>
             </a:r>
@@ -8644,9 +8665,9 @@
                 <a:solidFill>
                   <a:schemeClr val="accent6"/>
                 </a:solidFill>
-                <a:latin typeface="Menlo" panose="020B0609030804020204" pitchFamily="49" charset="0"/>
-                <a:ea typeface="Menlo" panose="020B0609030804020204" pitchFamily="49" charset="0"/>
-                <a:cs typeface="Menlo" panose="020B0609030804020204" pitchFamily="49" charset="0"/>
+                <a:latin typeface="Consolas" panose="020B0609020204030204" pitchFamily="49" charset="0"/>
+                <a:ea typeface="Menlo" panose="020B0609030804020204" pitchFamily="49" charset="0"/>
+                <a:cs typeface="Consolas" panose="020B0609020204030204" pitchFamily="49" charset="0"/>
               </a:rPr>
               <a:t>self.x</a:t>
             </a:r>
@@ -8655,9 +8676,9 @@
                 <a:solidFill>
                   <a:schemeClr val="accent6"/>
                 </a:solidFill>
-                <a:latin typeface="Menlo" panose="020B0609030804020204" pitchFamily="49" charset="0"/>
-                <a:ea typeface="Menlo" panose="020B0609030804020204" pitchFamily="49" charset="0"/>
-                <a:cs typeface="Menlo" panose="020B0609030804020204" pitchFamily="49" charset="0"/>
+                <a:latin typeface="Consolas" panose="020B0609020204030204" pitchFamily="49" charset="0"/>
+                <a:ea typeface="Menlo" panose="020B0609030804020204" pitchFamily="49" charset="0"/>
+                <a:cs typeface="Consolas" panose="020B0609020204030204" pitchFamily="49" charset="0"/>
               </a:rPr>
               <a:t> = x</a:t>
             </a:r>
@@ -8674,9 +8695,9 @@
                 <a:solidFill>
                   <a:schemeClr val="tx1"/>
                 </a:solidFill>
-                <a:latin typeface="Menlo" panose="020B0609030804020204" pitchFamily="49" charset="0"/>
-                <a:ea typeface="Menlo" panose="020B0609030804020204" pitchFamily="49" charset="0"/>
-                <a:cs typeface="Menlo" panose="020B0609030804020204" pitchFamily="49" charset="0"/>
+                <a:latin typeface="Consolas" panose="020B0609020204030204" pitchFamily="49" charset="0"/>
+                <a:ea typeface="Menlo" panose="020B0609030804020204" pitchFamily="49" charset="0"/>
+                <a:cs typeface="Consolas" panose="020B0609020204030204" pitchFamily="49" charset="0"/>
               </a:rPr>
               <a:t>... </a:t>
             </a:r>
@@ -8693,9 +8714,9 @@
                 <a:solidFill>
                   <a:schemeClr val="tx1"/>
                 </a:solidFill>
-                <a:latin typeface="Menlo" panose="020B0609030804020204" pitchFamily="49" charset="0"/>
-                <a:ea typeface="Menlo" panose="020B0609030804020204" pitchFamily="49" charset="0"/>
-                <a:cs typeface="Menlo" panose="020B0609030804020204" pitchFamily="49" charset="0"/>
+                <a:latin typeface="Consolas" panose="020B0609020204030204" pitchFamily="49" charset="0"/>
+                <a:ea typeface="Menlo" panose="020B0609030804020204" pitchFamily="49" charset="0"/>
+                <a:cs typeface="Consolas" panose="020B0609020204030204" pitchFamily="49" charset="0"/>
               </a:rPr>
               <a:t>&gt;&gt;&gt; </a:t>
             </a:r>
@@ -8704,9 +8725,9 @@
                 <a:solidFill>
                   <a:schemeClr val="accent6"/>
                 </a:solidFill>
-                <a:latin typeface="Menlo" panose="020B0609030804020204" pitchFamily="49" charset="0"/>
-                <a:ea typeface="Menlo" panose="020B0609030804020204" pitchFamily="49" charset="0"/>
-                <a:cs typeface="Menlo" panose="020B0609030804020204" pitchFamily="49" charset="0"/>
+                <a:latin typeface="Consolas" panose="020B0609020204030204" pitchFamily="49" charset="0"/>
+                <a:ea typeface="Menlo" panose="020B0609030804020204" pitchFamily="49" charset="0"/>
+                <a:cs typeface="Consolas" panose="020B0609020204030204" pitchFamily="49" charset="0"/>
               </a:rPr>
               <a:t>t = test(2)</a:t>
             </a:r>
@@ -8723,9 +8744,9 @@
                 <a:solidFill>
                   <a:schemeClr val="tx1"/>
                 </a:solidFill>
-                <a:latin typeface="Menlo" panose="020B0609030804020204" pitchFamily="49" charset="0"/>
-                <a:ea typeface="Menlo" panose="020B0609030804020204" pitchFamily="49" charset="0"/>
-                <a:cs typeface="Menlo" panose="020B0609030804020204" pitchFamily="49" charset="0"/>
+                <a:latin typeface="Consolas" panose="020B0609020204030204" pitchFamily="49" charset="0"/>
+                <a:ea typeface="Menlo" panose="020B0609030804020204" pitchFamily="49" charset="0"/>
+                <a:cs typeface="Consolas" panose="020B0609020204030204" pitchFamily="49" charset="0"/>
               </a:rPr>
               <a:t>__new__, </a:t>
             </a:r>
@@ -8734,9 +8755,9 @@
                 <a:solidFill>
                   <a:schemeClr val="tx1"/>
                 </a:solidFill>
-                <a:latin typeface="Menlo" panose="020B0609030804020204" pitchFamily="49" charset="0"/>
-                <a:ea typeface="Menlo" panose="020B0609030804020204" pitchFamily="49" charset="0"/>
-                <a:cs typeface="Menlo" panose="020B0609030804020204" pitchFamily="49" charset="0"/>
+                <a:latin typeface="Consolas" panose="020B0609020204030204" pitchFamily="49" charset="0"/>
+                <a:ea typeface="Menlo" panose="020B0609030804020204" pitchFamily="49" charset="0"/>
+                <a:cs typeface="Consolas" panose="020B0609020204030204" pitchFamily="49" charset="0"/>
               </a:rPr>
               <a:t>cls</a:t>
             </a:r>
@@ -8745,9 +8766,9 @@
                 <a:solidFill>
                   <a:schemeClr val="tx1"/>
                 </a:solidFill>
-                <a:latin typeface="Menlo" panose="020B0609030804020204" pitchFamily="49" charset="0"/>
-                <a:ea typeface="Menlo" panose="020B0609030804020204" pitchFamily="49" charset="0"/>
-                <a:cs typeface="Menlo" panose="020B0609030804020204" pitchFamily="49" charset="0"/>
+                <a:latin typeface="Consolas" panose="020B0609020204030204" pitchFamily="49" charset="0"/>
+                <a:ea typeface="Menlo" panose="020B0609030804020204" pitchFamily="49" charset="0"/>
+                <a:cs typeface="Consolas" panose="020B0609020204030204" pitchFamily="49" charset="0"/>
               </a:rPr>
               <a:t> = &lt;</a:t>
             </a:r>
@@ -8756,9 +8777,9 @@
                 <a:solidFill>
                   <a:schemeClr val="accent4"/>
                 </a:solidFill>
-                <a:latin typeface="Menlo" panose="020B0609030804020204" pitchFamily="49" charset="0"/>
-                <a:ea typeface="Menlo" panose="020B0609030804020204" pitchFamily="49" charset="0"/>
-                <a:cs typeface="Menlo" panose="020B0609030804020204" pitchFamily="49" charset="0"/>
+                <a:latin typeface="Consolas" panose="020B0609020204030204" pitchFamily="49" charset="0"/>
+                <a:ea typeface="Menlo" panose="020B0609030804020204" pitchFamily="49" charset="0"/>
+                <a:cs typeface="Consolas" panose="020B0609020204030204" pitchFamily="49" charset="0"/>
               </a:rPr>
               <a:t>class</a:t>
             </a:r>
@@ -8767,9 +8788,9 @@
                 <a:solidFill>
                   <a:schemeClr val="tx1"/>
                 </a:solidFill>
-                <a:latin typeface="Menlo" panose="020B0609030804020204" pitchFamily="49" charset="0"/>
-                <a:ea typeface="Menlo" panose="020B0609030804020204" pitchFamily="49" charset="0"/>
-                <a:cs typeface="Menlo" panose="020B0609030804020204" pitchFamily="49" charset="0"/>
+                <a:latin typeface="Consolas" panose="020B0609020204030204" pitchFamily="49" charset="0"/>
+                <a:ea typeface="Menlo" panose="020B0609030804020204" pitchFamily="49" charset="0"/>
+                <a:cs typeface="Consolas" panose="020B0609020204030204" pitchFamily="49" charset="0"/>
               </a:rPr>
               <a:t> '__</a:t>
             </a:r>
@@ -8778,9 +8799,9 @@
                 <a:solidFill>
                   <a:schemeClr val="tx1"/>
                 </a:solidFill>
-                <a:latin typeface="Menlo" panose="020B0609030804020204" pitchFamily="49" charset="0"/>
-                <a:ea typeface="Menlo" panose="020B0609030804020204" pitchFamily="49" charset="0"/>
-                <a:cs typeface="Menlo" panose="020B0609030804020204" pitchFamily="49" charset="0"/>
+                <a:latin typeface="Consolas" panose="020B0609020204030204" pitchFamily="49" charset="0"/>
+                <a:ea typeface="Menlo" panose="020B0609030804020204" pitchFamily="49" charset="0"/>
+                <a:cs typeface="Consolas" panose="020B0609020204030204" pitchFamily="49" charset="0"/>
               </a:rPr>
               <a:t>main__.test</a:t>
             </a:r>
@@ -8789,9 +8810,9 @@
                 <a:solidFill>
                   <a:schemeClr val="tx1"/>
                 </a:solidFill>
-                <a:latin typeface="Menlo" panose="020B0609030804020204" pitchFamily="49" charset="0"/>
-                <a:ea typeface="Menlo" panose="020B0609030804020204" pitchFamily="49" charset="0"/>
-                <a:cs typeface="Menlo" panose="020B0609030804020204" pitchFamily="49" charset="0"/>
+                <a:latin typeface="Consolas" panose="020B0609020204030204" pitchFamily="49" charset="0"/>
+                <a:ea typeface="Menlo" panose="020B0609030804020204" pitchFamily="49" charset="0"/>
+                <a:cs typeface="Consolas" panose="020B0609020204030204" pitchFamily="49" charset="0"/>
               </a:rPr>
               <a:t>'&gt;</a:t>
             </a:r>
@@ -8808,9 +8829,9 @@
                 <a:solidFill>
                   <a:schemeClr val="tx1"/>
                 </a:solidFill>
-                <a:latin typeface="Menlo" panose="020B0609030804020204" pitchFamily="49" charset="0"/>
-                <a:ea typeface="Menlo" panose="020B0609030804020204" pitchFamily="49" charset="0"/>
-                <a:cs typeface="Menlo" panose="020B0609030804020204" pitchFamily="49" charset="0"/>
+                <a:latin typeface="Consolas" panose="020B0609020204030204" pitchFamily="49" charset="0"/>
+                <a:ea typeface="Menlo" panose="020B0609030804020204" pitchFamily="49" charset="0"/>
+                <a:cs typeface="Consolas" panose="020B0609020204030204" pitchFamily="49" charset="0"/>
               </a:rPr>
               <a:t>__</a:t>
             </a:r>
@@ -8819,9 +8840,9 @@
                 <a:solidFill>
                   <a:schemeClr val="tx1"/>
                 </a:solidFill>
-                <a:latin typeface="Menlo" panose="020B0609030804020204" pitchFamily="49" charset="0"/>
-                <a:ea typeface="Menlo" panose="020B0609030804020204" pitchFamily="49" charset="0"/>
-                <a:cs typeface="Menlo" panose="020B0609030804020204" pitchFamily="49" charset="0"/>
+                <a:latin typeface="Consolas" panose="020B0609020204030204" pitchFamily="49" charset="0"/>
+                <a:ea typeface="Menlo" panose="020B0609030804020204" pitchFamily="49" charset="0"/>
+                <a:cs typeface="Consolas" panose="020B0609020204030204" pitchFamily="49" charset="0"/>
               </a:rPr>
               <a:t>init</a:t>
             </a:r>
@@ -8830,9 +8851,9 @@
                 <a:solidFill>
                   <a:schemeClr val="tx1"/>
                 </a:solidFill>
-                <a:latin typeface="Menlo" panose="020B0609030804020204" pitchFamily="49" charset="0"/>
-                <a:ea typeface="Menlo" panose="020B0609030804020204" pitchFamily="49" charset="0"/>
-                <a:cs typeface="Menlo" panose="020B0609030804020204" pitchFamily="49" charset="0"/>
+                <a:latin typeface="Consolas" panose="020B0609020204030204" pitchFamily="49" charset="0"/>
+                <a:ea typeface="Menlo" panose="020B0609030804020204" pitchFamily="49" charset="0"/>
+                <a:cs typeface="Consolas" panose="020B0609020204030204" pitchFamily="49" charset="0"/>
               </a:rPr>
               <a:t>__, self = &lt;</a:t>
             </a:r>
@@ -8841,9 +8862,9 @@
                 <a:solidFill>
                   <a:schemeClr val="accent4"/>
                 </a:solidFill>
-                <a:latin typeface="Menlo" panose="020B0609030804020204" pitchFamily="49" charset="0"/>
-                <a:ea typeface="Menlo" panose="020B0609030804020204" pitchFamily="49" charset="0"/>
-                <a:cs typeface="Menlo" panose="020B0609030804020204" pitchFamily="49" charset="0"/>
+                <a:latin typeface="Consolas" panose="020B0609020204030204" pitchFamily="49" charset="0"/>
+                <a:ea typeface="Menlo" panose="020B0609030804020204" pitchFamily="49" charset="0"/>
+                <a:cs typeface="Consolas" panose="020B0609020204030204" pitchFamily="49" charset="0"/>
               </a:rPr>
               <a:t>__</a:t>
             </a:r>
@@ -8852,9 +8873,9 @@
                 <a:solidFill>
                   <a:schemeClr val="accent4"/>
                 </a:solidFill>
-                <a:latin typeface="Menlo" panose="020B0609030804020204" pitchFamily="49" charset="0"/>
-                <a:ea typeface="Menlo" panose="020B0609030804020204" pitchFamily="49" charset="0"/>
-                <a:cs typeface="Menlo" panose="020B0609030804020204" pitchFamily="49" charset="0"/>
+                <a:latin typeface="Consolas" panose="020B0609020204030204" pitchFamily="49" charset="0"/>
+                <a:ea typeface="Menlo" panose="020B0609030804020204" pitchFamily="49" charset="0"/>
+                <a:cs typeface="Consolas" panose="020B0609020204030204" pitchFamily="49" charset="0"/>
               </a:rPr>
               <a:t>main__.test</a:t>
             </a:r>
@@ -8863,9 +8884,9 @@
                 <a:solidFill>
                   <a:schemeClr val="tx1"/>
                 </a:solidFill>
-                <a:latin typeface="Menlo" panose="020B0609030804020204" pitchFamily="49" charset="0"/>
-                <a:ea typeface="Menlo" panose="020B0609030804020204" pitchFamily="49" charset="0"/>
-                <a:cs typeface="Menlo" panose="020B0609030804020204" pitchFamily="49" charset="0"/>
+                <a:latin typeface="Consolas" panose="020B0609020204030204" pitchFamily="49" charset="0"/>
+                <a:ea typeface="Menlo" panose="020B0609030804020204" pitchFamily="49" charset="0"/>
+                <a:cs typeface="Consolas" panose="020B0609020204030204" pitchFamily="49" charset="0"/>
               </a:rPr>
               <a:t> object at 0x1022715f8&gt;</a:t>
             </a:r>
@@ -9722,9 +9743,9 @@
             <a:pPr lvl="1"/>
             <a:r>
               <a:rPr lang="en-US" i="0" dirty="0">
-                <a:latin typeface="Menlo" panose="020B0609030804020204" pitchFamily="49" charset="0"/>
-                <a:ea typeface="Menlo" panose="020B0609030804020204" pitchFamily="49" charset="0"/>
-                <a:cs typeface="Menlo" panose="020B0609030804020204" pitchFamily="49" charset="0"/>
+                <a:latin typeface="Consolas" panose="020B0609020204030204" pitchFamily="49" charset="0"/>
+                <a:ea typeface="Menlo" panose="020B0609030804020204" pitchFamily="49" charset="0"/>
+                <a:cs typeface="Consolas" panose="020B0609020204030204" pitchFamily="49" charset="0"/>
               </a:rPr>
               <a:t>type(thing)</a:t>
             </a:r>
@@ -9741,32 +9762,32 @@
             <a:pPr lvl="1"/>
             <a:r>
               <a:rPr lang="en-US" i="0" dirty="0">
-                <a:latin typeface="Menlo" panose="020B0609030804020204" pitchFamily="49" charset="0"/>
-                <a:ea typeface="Menlo" panose="020B0609030804020204" pitchFamily="49" charset="0"/>
-                <a:cs typeface="Menlo" panose="020B0609030804020204" pitchFamily="49" charset="0"/>
+                <a:latin typeface="Consolas" panose="020B0609020204030204" pitchFamily="49" charset="0"/>
+                <a:ea typeface="Menlo" panose="020B0609030804020204" pitchFamily="49" charset="0"/>
+                <a:cs typeface="Consolas" panose="020B0609020204030204" pitchFamily="49" charset="0"/>
               </a:rPr>
               <a:t>.</a:t>
             </a:r>
             <a:r>
               <a:rPr lang="en-US" i="0" dirty="0" err="1">
-                <a:latin typeface="Menlo" panose="020B0609030804020204" pitchFamily="49" charset="0"/>
-                <a:ea typeface="Menlo" panose="020B0609030804020204" pitchFamily="49" charset="0"/>
-                <a:cs typeface="Menlo" panose="020B0609030804020204" pitchFamily="49" charset="0"/>
+                <a:latin typeface="Consolas" panose="020B0609020204030204" pitchFamily="49" charset="0"/>
+                <a:ea typeface="Menlo" panose="020B0609030804020204" pitchFamily="49" charset="0"/>
+                <a:cs typeface="Consolas" panose="020B0609020204030204" pitchFamily="49" charset="0"/>
               </a:rPr>
               <a:t>mro</a:t>
             </a:r>
             <a:r>
               <a:rPr lang="en-US" i="0" dirty="0">
-                <a:latin typeface="Menlo" panose="020B0609030804020204" pitchFamily="49" charset="0"/>
-                <a:ea typeface="Menlo" panose="020B0609030804020204" pitchFamily="49" charset="0"/>
-                <a:cs typeface="Menlo" panose="020B0609030804020204" pitchFamily="49" charset="0"/>
+                <a:latin typeface="Consolas" panose="020B0609020204030204" pitchFamily="49" charset="0"/>
+                <a:ea typeface="Menlo" panose="020B0609030804020204" pitchFamily="49" charset="0"/>
+                <a:cs typeface="Consolas" panose="020B0609020204030204" pitchFamily="49" charset="0"/>
               </a:rPr>
               <a:t>()</a:t>
             </a:r>
             <a:r>
               <a:rPr lang="en-US" i="0" dirty="0">
                 <a:ea typeface="Menlo" panose="020B0609030804020204" pitchFamily="49" charset="0"/>
-                <a:cs typeface="Menlo" panose="020B0609030804020204" pitchFamily="49" charset="0"/>
+                <a:cs typeface="Consolas" panose="020B0609020204030204" pitchFamily="49" charset="0"/>
               </a:rPr>
               <a:t> </a:t>
             </a:r>
@@ -10017,9 +10038,9 @@
                 <a:solidFill>
                   <a:schemeClr val="tx1"/>
                 </a:solidFill>
-                <a:latin typeface="Menlo" panose="020B0609030804020204" pitchFamily="49" charset="0"/>
-                <a:ea typeface="Menlo" panose="020B0609030804020204" pitchFamily="49" charset="0"/>
-                <a:cs typeface="Menlo" panose="020B0609030804020204" pitchFamily="49" charset="0"/>
+                <a:latin typeface="Consolas" panose="020B0609020204030204" pitchFamily="49" charset="0"/>
+                <a:ea typeface="Menlo" panose="020B0609030804020204" pitchFamily="49" charset="0"/>
+                <a:cs typeface="Consolas" panose="020B0609020204030204" pitchFamily="49" charset="0"/>
               </a:rPr>
               <a:t>&gt;&gt;&gt;</a:t>
             </a:r>
@@ -10028,9 +10049,9 @@
                 <a:solidFill>
                   <a:schemeClr val="accent6"/>
                 </a:solidFill>
-                <a:latin typeface="Menlo" panose="020B0609030804020204" pitchFamily="49" charset="0"/>
-                <a:ea typeface="Menlo" panose="020B0609030804020204" pitchFamily="49" charset="0"/>
-                <a:cs typeface="Menlo" panose="020B0609030804020204" pitchFamily="49" charset="0"/>
+                <a:latin typeface="Consolas" panose="020B0609020204030204" pitchFamily="49" charset="0"/>
+                <a:ea typeface="Menlo" panose="020B0609030804020204" pitchFamily="49" charset="0"/>
+                <a:cs typeface="Consolas" panose="020B0609020204030204" pitchFamily="49" charset="0"/>
               </a:rPr>
               <a:t> type(1)</a:t>
             </a:r>
@@ -10047,9 +10068,9 @@
                 <a:solidFill>
                   <a:schemeClr val="tx1"/>
                 </a:solidFill>
-                <a:latin typeface="Menlo" panose="020B0609030804020204" pitchFamily="49" charset="0"/>
-                <a:ea typeface="Menlo" panose="020B0609030804020204" pitchFamily="49" charset="0"/>
-                <a:cs typeface="Menlo" panose="020B0609030804020204" pitchFamily="49" charset="0"/>
+                <a:latin typeface="Consolas" panose="020B0609020204030204" pitchFamily="49" charset="0"/>
+                <a:ea typeface="Menlo" panose="020B0609030804020204" pitchFamily="49" charset="0"/>
+                <a:cs typeface="Consolas" panose="020B0609020204030204" pitchFamily="49" charset="0"/>
               </a:rPr>
               <a:t>&lt;class '</a:t>
             </a:r>
@@ -10058,9 +10079,9 @@
                 <a:solidFill>
                   <a:schemeClr val="tx1"/>
                 </a:solidFill>
-                <a:latin typeface="Menlo" panose="020B0609030804020204" pitchFamily="49" charset="0"/>
-                <a:ea typeface="Menlo" panose="020B0609030804020204" pitchFamily="49" charset="0"/>
-                <a:cs typeface="Menlo" panose="020B0609030804020204" pitchFamily="49" charset="0"/>
+                <a:latin typeface="Consolas" panose="020B0609020204030204" pitchFamily="49" charset="0"/>
+                <a:ea typeface="Menlo" panose="020B0609030804020204" pitchFamily="49" charset="0"/>
+                <a:cs typeface="Consolas" panose="020B0609020204030204" pitchFamily="49" charset="0"/>
               </a:rPr>
               <a:t>int</a:t>
             </a:r>
@@ -10069,9 +10090,9 @@
                 <a:solidFill>
                   <a:schemeClr val="tx1"/>
                 </a:solidFill>
-                <a:latin typeface="Menlo" panose="020B0609030804020204" pitchFamily="49" charset="0"/>
-                <a:ea typeface="Menlo" panose="020B0609030804020204" pitchFamily="49" charset="0"/>
-                <a:cs typeface="Menlo" panose="020B0609030804020204" pitchFamily="49" charset="0"/>
+                <a:latin typeface="Consolas" panose="020B0609020204030204" pitchFamily="49" charset="0"/>
+                <a:ea typeface="Menlo" panose="020B0609030804020204" pitchFamily="49" charset="0"/>
+                <a:cs typeface="Consolas" panose="020B0609020204030204" pitchFamily="49" charset="0"/>
               </a:rPr>
               <a:t>’&gt;</a:t>
             </a:r>
@@ -10088,9 +10109,9 @@
                 <a:solidFill>
                   <a:schemeClr val="tx1"/>
                 </a:solidFill>
-                <a:latin typeface="Menlo" panose="020B0609030804020204" pitchFamily="49" charset="0"/>
-                <a:ea typeface="Menlo" panose="020B0609030804020204" pitchFamily="49" charset="0"/>
-                <a:cs typeface="Menlo" panose="020B0609030804020204" pitchFamily="49" charset="0"/>
+                <a:latin typeface="Consolas" panose="020B0609020204030204" pitchFamily="49" charset="0"/>
+                <a:ea typeface="Menlo" panose="020B0609030804020204" pitchFamily="49" charset="0"/>
+                <a:cs typeface="Consolas" panose="020B0609020204030204" pitchFamily="49" charset="0"/>
               </a:rPr>
               <a:t>&gt;&gt;&gt;</a:t>
             </a:r>
@@ -10099,9 +10120,9 @@
                 <a:solidFill>
                   <a:schemeClr val="accent6"/>
                 </a:solidFill>
-                <a:latin typeface="Menlo" panose="020B0609030804020204" pitchFamily="49" charset="0"/>
-                <a:ea typeface="Menlo" panose="020B0609030804020204" pitchFamily="49" charset="0"/>
-                <a:cs typeface="Menlo" panose="020B0609030804020204" pitchFamily="49" charset="0"/>
+                <a:latin typeface="Consolas" panose="020B0609020204030204" pitchFamily="49" charset="0"/>
+                <a:ea typeface="Menlo" panose="020B0609030804020204" pitchFamily="49" charset="0"/>
+                <a:cs typeface="Consolas" panose="020B0609020204030204" pitchFamily="49" charset="0"/>
               </a:rPr>
               <a:t> type(1).</a:t>
             </a:r>
@@ -10110,9 +10131,9 @@
                 <a:solidFill>
                   <a:schemeClr val="accent6"/>
                 </a:solidFill>
-                <a:latin typeface="Menlo" panose="020B0609030804020204" pitchFamily="49" charset="0"/>
-                <a:ea typeface="Menlo" panose="020B0609030804020204" pitchFamily="49" charset="0"/>
-                <a:cs typeface="Menlo" panose="020B0609030804020204" pitchFamily="49" charset="0"/>
+                <a:latin typeface="Consolas" panose="020B0609020204030204" pitchFamily="49" charset="0"/>
+                <a:ea typeface="Menlo" panose="020B0609030804020204" pitchFamily="49" charset="0"/>
+                <a:cs typeface="Consolas" panose="020B0609020204030204" pitchFamily="49" charset="0"/>
               </a:rPr>
               <a:t>mro</a:t>
             </a:r>
@@ -10121,9 +10142,9 @@
                 <a:solidFill>
                   <a:schemeClr val="accent6"/>
                 </a:solidFill>
-                <a:latin typeface="Menlo" panose="020B0609030804020204" pitchFamily="49" charset="0"/>
-                <a:ea typeface="Menlo" panose="020B0609030804020204" pitchFamily="49" charset="0"/>
-                <a:cs typeface="Menlo" panose="020B0609030804020204" pitchFamily="49" charset="0"/>
+                <a:latin typeface="Consolas" panose="020B0609020204030204" pitchFamily="49" charset="0"/>
+                <a:ea typeface="Menlo" panose="020B0609030804020204" pitchFamily="49" charset="0"/>
+                <a:cs typeface="Consolas" panose="020B0609020204030204" pitchFamily="49" charset="0"/>
               </a:rPr>
               <a:t>()</a:t>
             </a:r>
@@ -10140,9 +10161,9 @@
                 <a:solidFill>
                   <a:schemeClr val="tx1"/>
                 </a:solidFill>
-                <a:latin typeface="Menlo" panose="020B0609030804020204" pitchFamily="49" charset="0"/>
-                <a:ea typeface="Menlo" panose="020B0609030804020204" pitchFamily="49" charset="0"/>
-                <a:cs typeface="Menlo" panose="020B0609030804020204" pitchFamily="49" charset="0"/>
+                <a:latin typeface="Consolas" panose="020B0609020204030204" pitchFamily="49" charset="0"/>
+                <a:ea typeface="Menlo" panose="020B0609030804020204" pitchFamily="49" charset="0"/>
+                <a:cs typeface="Consolas" panose="020B0609020204030204" pitchFamily="49" charset="0"/>
               </a:rPr>
               <a:t>[&lt;class '</a:t>
             </a:r>
@@ -10151,9 +10172,9 @@
                 <a:solidFill>
                   <a:schemeClr val="tx1"/>
                 </a:solidFill>
-                <a:latin typeface="Menlo" panose="020B0609030804020204" pitchFamily="49" charset="0"/>
-                <a:ea typeface="Menlo" panose="020B0609030804020204" pitchFamily="49" charset="0"/>
-                <a:cs typeface="Menlo" panose="020B0609030804020204" pitchFamily="49" charset="0"/>
+                <a:latin typeface="Consolas" panose="020B0609020204030204" pitchFamily="49" charset="0"/>
+                <a:ea typeface="Menlo" panose="020B0609030804020204" pitchFamily="49" charset="0"/>
+                <a:cs typeface="Consolas" panose="020B0609020204030204" pitchFamily="49" charset="0"/>
               </a:rPr>
               <a:t>int</a:t>
             </a:r>
@@ -10162,9 +10183,9 @@
                 <a:solidFill>
                   <a:schemeClr val="tx1"/>
                 </a:solidFill>
-                <a:latin typeface="Menlo" panose="020B0609030804020204" pitchFamily="49" charset="0"/>
-                <a:ea typeface="Menlo" panose="020B0609030804020204" pitchFamily="49" charset="0"/>
-                <a:cs typeface="Menlo" panose="020B0609030804020204" pitchFamily="49" charset="0"/>
+                <a:latin typeface="Consolas" panose="020B0609020204030204" pitchFamily="49" charset="0"/>
+                <a:ea typeface="Menlo" panose="020B0609030804020204" pitchFamily="49" charset="0"/>
+                <a:cs typeface="Consolas" panose="020B0609020204030204" pitchFamily="49" charset="0"/>
               </a:rPr>
               <a:t>'&gt;, &lt;class 'object'&gt;]</a:t>
             </a:r>
@@ -10181,9 +10202,9 @@
                 <a:solidFill>
                   <a:schemeClr val="tx1"/>
                 </a:solidFill>
-                <a:latin typeface="Menlo" panose="020B0609030804020204" pitchFamily="49" charset="0"/>
-                <a:ea typeface="Menlo" panose="020B0609030804020204" pitchFamily="49" charset="0"/>
-                <a:cs typeface="Menlo" panose="020B0609030804020204" pitchFamily="49" charset="0"/>
+                <a:latin typeface="Consolas" panose="020B0609020204030204" pitchFamily="49" charset="0"/>
+                <a:ea typeface="Menlo" panose="020B0609030804020204" pitchFamily="49" charset="0"/>
+                <a:cs typeface="Consolas" panose="020B0609020204030204" pitchFamily="49" charset="0"/>
               </a:rPr>
               <a:t>&gt;&gt;&gt;</a:t>
             </a:r>
@@ -10192,9 +10213,9 @@
                 <a:solidFill>
                   <a:schemeClr val="accent6"/>
                 </a:solidFill>
-                <a:latin typeface="Menlo" panose="020B0609030804020204" pitchFamily="49" charset="0"/>
-                <a:ea typeface="Menlo" panose="020B0609030804020204" pitchFamily="49" charset="0"/>
-                <a:cs typeface="Menlo" panose="020B0609030804020204" pitchFamily="49" charset="0"/>
+                <a:latin typeface="Consolas" panose="020B0609020204030204" pitchFamily="49" charset="0"/>
+                <a:ea typeface="Menlo" panose="020B0609030804020204" pitchFamily="49" charset="0"/>
+                <a:cs typeface="Consolas" panose="020B0609020204030204" pitchFamily="49" charset="0"/>
               </a:rPr>
               <a:t> type('hi').</a:t>
             </a:r>
@@ -10203,9 +10224,9 @@
                 <a:solidFill>
                   <a:schemeClr val="accent6"/>
                 </a:solidFill>
-                <a:latin typeface="Menlo" panose="020B0609030804020204" pitchFamily="49" charset="0"/>
-                <a:ea typeface="Menlo" panose="020B0609030804020204" pitchFamily="49" charset="0"/>
-                <a:cs typeface="Menlo" panose="020B0609030804020204" pitchFamily="49" charset="0"/>
+                <a:latin typeface="Consolas" panose="020B0609020204030204" pitchFamily="49" charset="0"/>
+                <a:ea typeface="Menlo" panose="020B0609030804020204" pitchFamily="49" charset="0"/>
+                <a:cs typeface="Consolas" panose="020B0609020204030204" pitchFamily="49" charset="0"/>
               </a:rPr>
               <a:t>mro</a:t>
             </a:r>
@@ -10214,9 +10235,9 @@
                 <a:solidFill>
                   <a:schemeClr val="accent6"/>
                 </a:solidFill>
-                <a:latin typeface="Menlo" panose="020B0609030804020204" pitchFamily="49" charset="0"/>
-                <a:ea typeface="Menlo" panose="020B0609030804020204" pitchFamily="49" charset="0"/>
-                <a:cs typeface="Menlo" panose="020B0609030804020204" pitchFamily="49" charset="0"/>
+                <a:latin typeface="Consolas" panose="020B0609020204030204" pitchFamily="49" charset="0"/>
+                <a:ea typeface="Menlo" panose="020B0609030804020204" pitchFamily="49" charset="0"/>
+                <a:cs typeface="Consolas" panose="020B0609020204030204" pitchFamily="49" charset="0"/>
               </a:rPr>
               <a:t>()</a:t>
             </a:r>
@@ -10233,9 +10254,9 @@
                 <a:solidFill>
                   <a:schemeClr val="tx1"/>
                 </a:solidFill>
-                <a:latin typeface="Menlo" panose="020B0609030804020204" pitchFamily="49" charset="0"/>
-                <a:ea typeface="Menlo" panose="020B0609030804020204" pitchFamily="49" charset="0"/>
-                <a:cs typeface="Menlo" panose="020B0609030804020204" pitchFamily="49" charset="0"/>
+                <a:latin typeface="Consolas" panose="020B0609020204030204" pitchFamily="49" charset="0"/>
+                <a:ea typeface="Menlo" panose="020B0609030804020204" pitchFamily="49" charset="0"/>
+                <a:cs typeface="Consolas" panose="020B0609020204030204" pitchFamily="49" charset="0"/>
               </a:rPr>
               <a:t>[&lt;class '</a:t>
             </a:r>
@@ -10244,9 +10265,9 @@
                 <a:solidFill>
                   <a:schemeClr val="tx1"/>
                 </a:solidFill>
-                <a:latin typeface="Menlo" panose="020B0609030804020204" pitchFamily="49" charset="0"/>
-                <a:ea typeface="Menlo" panose="020B0609030804020204" pitchFamily="49" charset="0"/>
-                <a:cs typeface="Menlo" panose="020B0609030804020204" pitchFamily="49" charset="0"/>
+                <a:latin typeface="Consolas" panose="020B0609020204030204" pitchFamily="49" charset="0"/>
+                <a:ea typeface="Menlo" panose="020B0609030804020204" pitchFamily="49" charset="0"/>
+                <a:cs typeface="Consolas" panose="020B0609020204030204" pitchFamily="49" charset="0"/>
               </a:rPr>
               <a:t>str</a:t>
             </a:r>
@@ -10255,9 +10276,9 @@
                 <a:solidFill>
                   <a:schemeClr val="tx1"/>
                 </a:solidFill>
-                <a:latin typeface="Menlo" panose="020B0609030804020204" pitchFamily="49" charset="0"/>
-                <a:ea typeface="Menlo" panose="020B0609030804020204" pitchFamily="49" charset="0"/>
-                <a:cs typeface="Menlo" panose="020B0609030804020204" pitchFamily="49" charset="0"/>
+                <a:latin typeface="Consolas" panose="020B0609020204030204" pitchFamily="49" charset="0"/>
+                <a:ea typeface="Menlo" panose="020B0609030804020204" pitchFamily="49" charset="0"/>
+                <a:cs typeface="Consolas" panose="020B0609020204030204" pitchFamily="49" charset="0"/>
               </a:rPr>
               <a:t>'&gt;, &lt;class 'object'&gt;]</a:t>
             </a:r>
@@ -10274,9 +10295,9 @@
                 <a:solidFill>
                   <a:schemeClr val="tx1"/>
                 </a:solidFill>
-                <a:latin typeface="Menlo" panose="020B0609030804020204" pitchFamily="49" charset="0"/>
-                <a:ea typeface="Menlo" panose="020B0609030804020204" pitchFamily="49" charset="0"/>
-                <a:cs typeface="Menlo" panose="020B0609030804020204" pitchFamily="49" charset="0"/>
+                <a:latin typeface="Consolas" panose="020B0609020204030204" pitchFamily="49" charset="0"/>
+                <a:ea typeface="Menlo" panose="020B0609030804020204" pitchFamily="49" charset="0"/>
+                <a:cs typeface="Consolas" panose="020B0609020204030204" pitchFamily="49" charset="0"/>
               </a:rPr>
               <a:t>&gt;&gt;&gt;</a:t>
             </a:r>
@@ -10285,9 +10306,9 @@
                 <a:solidFill>
                   <a:schemeClr val="accent6"/>
                 </a:solidFill>
-                <a:latin typeface="Menlo" panose="020B0609030804020204" pitchFamily="49" charset="0"/>
-                <a:ea typeface="Menlo" panose="020B0609030804020204" pitchFamily="49" charset="0"/>
-                <a:cs typeface="Menlo" panose="020B0609030804020204" pitchFamily="49" charset="0"/>
+                <a:latin typeface="Consolas" panose="020B0609020204030204" pitchFamily="49" charset="0"/>
+                <a:ea typeface="Menlo" panose="020B0609030804020204" pitchFamily="49" charset="0"/>
+                <a:cs typeface="Consolas" panose="020B0609020204030204" pitchFamily="49" charset="0"/>
               </a:rPr>
               <a:t> type([]).</a:t>
             </a:r>
@@ -10296,9 +10317,9 @@
                 <a:solidFill>
                   <a:schemeClr val="accent6"/>
                 </a:solidFill>
-                <a:latin typeface="Menlo" panose="020B0609030804020204" pitchFamily="49" charset="0"/>
-                <a:ea typeface="Menlo" panose="020B0609030804020204" pitchFamily="49" charset="0"/>
-                <a:cs typeface="Menlo" panose="020B0609030804020204" pitchFamily="49" charset="0"/>
+                <a:latin typeface="Consolas" panose="020B0609020204030204" pitchFamily="49" charset="0"/>
+                <a:ea typeface="Menlo" panose="020B0609030804020204" pitchFamily="49" charset="0"/>
+                <a:cs typeface="Consolas" panose="020B0609020204030204" pitchFamily="49" charset="0"/>
               </a:rPr>
               <a:t>mro</a:t>
             </a:r>
@@ -10307,9 +10328,9 @@
                 <a:solidFill>
                   <a:schemeClr val="accent6"/>
                 </a:solidFill>
-                <a:latin typeface="Menlo" panose="020B0609030804020204" pitchFamily="49" charset="0"/>
-                <a:ea typeface="Menlo" panose="020B0609030804020204" pitchFamily="49" charset="0"/>
-                <a:cs typeface="Menlo" panose="020B0609030804020204" pitchFamily="49" charset="0"/>
+                <a:latin typeface="Consolas" panose="020B0609020204030204" pitchFamily="49" charset="0"/>
+                <a:ea typeface="Menlo" panose="020B0609030804020204" pitchFamily="49" charset="0"/>
+                <a:cs typeface="Consolas" panose="020B0609020204030204" pitchFamily="49" charset="0"/>
               </a:rPr>
               <a:t>()</a:t>
             </a:r>
@@ -10326,9 +10347,9 @@
                 <a:solidFill>
                   <a:schemeClr val="tx1"/>
                 </a:solidFill>
-                <a:latin typeface="Menlo" panose="020B0609030804020204" pitchFamily="49" charset="0"/>
-                <a:ea typeface="Menlo" panose="020B0609030804020204" pitchFamily="49" charset="0"/>
-                <a:cs typeface="Menlo" panose="020B0609030804020204" pitchFamily="49" charset="0"/>
+                <a:latin typeface="Consolas" panose="020B0609020204030204" pitchFamily="49" charset="0"/>
+                <a:ea typeface="Menlo" panose="020B0609030804020204" pitchFamily="49" charset="0"/>
+                <a:cs typeface="Consolas" panose="020B0609020204030204" pitchFamily="49" charset="0"/>
               </a:rPr>
               <a:t>[&lt;class 'list'&gt;, &lt;class 'object'&gt;]</a:t>
             </a:r>
@@ -10345,9 +10366,9 @@
                 <a:solidFill>
                   <a:schemeClr val="tx1"/>
                 </a:solidFill>
-                <a:latin typeface="Menlo" panose="020B0609030804020204" pitchFamily="49" charset="0"/>
-                <a:ea typeface="Menlo" panose="020B0609030804020204" pitchFamily="49" charset="0"/>
-                <a:cs typeface="Menlo" panose="020B0609030804020204" pitchFamily="49" charset="0"/>
+                <a:latin typeface="Consolas" panose="020B0609020204030204" pitchFamily="49" charset="0"/>
+                <a:ea typeface="Menlo" panose="020B0609030804020204" pitchFamily="49" charset="0"/>
+                <a:cs typeface="Consolas" panose="020B0609020204030204" pitchFamily="49" charset="0"/>
               </a:rPr>
               <a:t>&gt;&gt;&gt;</a:t>
             </a:r>
@@ -10356,9 +10377,9 @@
                 <a:solidFill>
                   <a:schemeClr val="accent6"/>
                 </a:solidFill>
-                <a:latin typeface="Menlo" panose="020B0609030804020204" pitchFamily="49" charset="0"/>
-                <a:ea typeface="Menlo" panose="020B0609030804020204" pitchFamily="49" charset="0"/>
-                <a:cs typeface="Menlo" panose="020B0609030804020204" pitchFamily="49" charset="0"/>
+                <a:latin typeface="Consolas" panose="020B0609020204030204" pitchFamily="49" charset="0"/>
+                <a:ea typeface="Menlo" panose="020B0609030804020204" pitchFamily="49" charset="0"/>
+                <a:cs typeface="Consolas" panose="020B0609020204030204" pitchFamily="49" charset="0"/>
               </a:rPr>
               <a:t> type(print).</a:t>
             </a:r>
@@ -10367,9 +10388,9 @@
                 <a:solidFill>
                   <a:schemeClr val="accent6"/>
                 </a:solidFill>
-                <a:latin typeface="Menlo" panose="020B0609030804020204" pitchFamily="49" charset="0"/>
-                <a:ea typeface="Menlo" panose="020B0609030804020204" pitchFamily="49" charset="0"/>
-                <a:cs typeface="Menlo" panose="020B0609030804020204" pitchFamily="49" charset="0"/>
+                <a:latin typeface="Consolas" panose="020B0609020204030204" pitchFamily="49" charset="0"/>
+                <a:ea typeface="Menlo" panose="020B0609030804020204" pitchFamily="49" charset="0"/>
+                <a:cs typeface="Consolas" panose="020B0609020204030204" pitchFamily="49" charset="0"/>
               </a:rPr>
               <a:t>mro</a:t>
             </a:r>
@@ -10378,9 +10399,9 @@
                 <a:solidFill>
                   <a:schemeClr val="accent6"/>
                 </a:solidFill>
-                <a:latin typeface="Menlo" panose="020B0609030804020204" pitchFamily="49" charset="0"/>
-                <a:ea typeface="Menlo" panose="020B0609030804020204" pitchFamily="49" charset="0"/>
-                <a:cs typeface="Menlo" panose="020B0609030804020204" pitchFamily="49" charset="0"/>
+                <a:latin typeface="Consolas" panose="020B0609020204030204" pitchFamily="49" charset="0"/>
+                <a:ea typeface="Menlo" panose="020B0609030804020204" pitchFamily="49" charset="0"/>
+                <a:cs typeface="Consolas" panose="020B0609020204030204" pitchFamily="49" charset="0"/>
               </a:rPr>
               <a:t>()</a:t>
             </a:r>
@@ -10397,9 +10418,9 @@
                 <a:solidFill>
                   <a:schemeClr val="tx1"/>
                 </a:solidFill>
-                <a:latin typeface="Menlo" panose="020B0609030804020204" pitchFamily="49" charset="0"/>
-                <a:ea typeface="Menlo" panose="020B0609030804020204" pitchFamily="49" charset="0"/>
-                <a:cs typeface="Menlo" panose="020B0609030804020204" pitchFamily="49" charset="0"/>
+                <a:latin typeface="Consolas" panose="020B0609020204030204" pitchFamily="49" charset="0"/>
+                <a:ea typeface="Menlo" panose="020B0609030804020204" pitchFamily="49" charset="0"/>
+                <a:cs typeface="Consolas" panose="020B0609020204030204" pitchFamily="49" charset="0"/>
               </a:rPr>
               <a:t>[&lt;class '</a:t>
             </a:r>
@@ -10408,9 +10429,9 @@
                 <a:solidFill>
                   <a:schemeClr val="tx1"/>
                 </a:solidFill>
-                <a:latin typeface="Menlo" panose="020B0609030804020204" pitchFamily="49" charset="0"/>
-                <a:ea typeface="Menlo" panose="020B0609030804020204" pitchFamily="49" charset="0"/>
-                <a:cs typeface="Menlo" panose="020B0609030804020204" pitchFamily="49" charset="0"/>
+                <a:latin typeface="Consolas" panose="020B0609020204030204" pitchFamily="49" charset="0"/>
+                <a:ea typeface="Menlo" panose="020B0609030804020204" pitchFamily="49" charset="0"/>
+                <a:cs typeface="Consolas" panose="020B0609020204030204" pitchFamily="49" charset="0"/>
               </a:rPr>
               <a:t>builtin_function_or_method</a:t>
             </a:r>
@@ -10419,9 +10440,9 @@
                 <a:solidFill>
                   <a:schemeClr val="tx1"/>
                 </a:solidFill>
-                <a:latin typeface="Menlo" panose="020B0609030804020204" pitchFamily="49" charset="0"/>
-                <a:ea typeface="Menlo" panose="020B0609030804020204" pitchFamily="49" charset="0"/>
-                <a:cs typeface="Menlo" panose="020B0609030804020204" pitchFamily="49" charset="0"/>
+                <a:latin typeface="Consolas" panose="020B0609020204030204" pitchFamily="49" charset="0"/>
+                <a:ea typeface="Menlo" panose="020B0609030804020204" pitchFamily="49" charset="0"/>
+                <a:cs typeface="Consolas" panose="020B0609020204030204" pitchFamily="49" charset="0"/>
               </a:rPr>
               <a:t>'&gt;, &lt;class 'object'&gt;]</a:t>
             </a:r>
@@ -11654,9 +11675,9 @@
             </a:pPr>
             <a:r>
               <a:rPr lang="en-US" dirty="0">
-                <a:latin typeface="Menlo" panose="020B0609030804020204" pitchFamily="49" charset="0"/>
-                <a:ea typeface="Menlo" panose="020B0609030804020204" pitchFamily="49" charset="0"/>
-                <a:cs typeface="Menlo" panose="020B0609030804020204" pitchFamily="49" charset="0"/>
+                <a:latin typeface="Consolas" panose="020B0609020204030204" pitchFamily="49" charset="0"/>
+                <a:ea typeface="Menlo" panose="020B0609030804020204" pitchFamily="49" charset="0"/>
+                <a:cs typeface="Consolas" panose="020B0609020204030204" pitchFamily="49" charset="0"/>
               </a:rPr>
               <a:t>&gt;&gt;&gt; </a:t>
             </a:r>
@@ -11665,9 +11686,9 @@
                 <a:solidFill>
                   <a:schemeClr val="accent6"/>
                 </a:solidFill>
-                <a:latin typeface="Menlo" panose="020B0609030804020204" pitchFamily="49" charset="0"/>
-                <a:ea typeface="Menlo" panose="020B0609030804020204" pitchFamily="49" charset="0"/>
-                <a:cs typeface="Menlo" panose="020B0609030804020204" pitchFamily="49" charset="0"/>
+                <a:latin typeface="Consolas" panose="020B0609020204030204" pitchFamily="49" charset="0"/>
+                <a:ea typeface="Menlo" panose="020B0609030804020204" pitchFamily="49" charset="0"/>
+                <a:cs typeface="Consolas" panose="020B0609020204030204" pitchFamily="49" charset="0"/>
               </a:rPr>
               <a:t>dict</a:t>
             </a:r>
@@ -11676,9 +11697,9 @@
                 <a:solidFill>
                   <a:schemeClr val="accent6"/>
                 </a:solidFill>
-                <a:latin typeface="Menlo" panose="020B0609030804020204" pitchFamily="49" charset="0"/>
-                <a:ea typeface="Menlo" panose="020B0609030804020204" pitchFamily="49" charset="0"/>
-                <a:cs typeface="Menlo" panose="020B0609030804020204" pitchFamily="49" charset="0"/>
+                <a:latin typeface="Consolas" panose="020B0609020204030204" pitchFamily="49" charset="0"/>
+                <a:ea typeface="Menlo" panose="020B0609030804020204" pitchFamily="49" charset="0"/>
+                <a:cs typeface="Consolas" panose="020B0609020204030204" pitchFamily="49" charset="0"/>
               </a:rPr>
               <a:t> = {}</a:t>
             </a:r>
@@ -11689,9 +11710,9 @@
             </a:pPr>
             <a:r>
               <a:rPr lang="en-US" dirty="0">
-                <a:latin typeface="Menlo" panose="020B0609030804020204" pitchFamily="49" charset="0"/>
-                <a:ea typeface="Menlo" panose="020B0609030804020204" pitchFamily="49" charset="0"/>
-                <a:cs typeface="Menlo" panose="020B0609030804020204" pitchFamily="49" charset="0"/>
+                <a:latin typeface="Consolas" panose="020B0609020204030204" pitchFamily="49" charset="0"/>
+                <a:ea typeface="Menlo" panose="020B0609030804020204" pitchFamily="49" charset="0"/>
+                <a:cs typeface="Consolas" panose="020B0609020204030204" pitchFamily="49" charset="0"/>
               </a:rPr>
               <a:t>&gt;&gt;&gt; </a:t>
             </a:r>
@@ -11700,9 +11721,9 @@
                 <a:solidFill>
                   <a:schemeClr val="accent6"/>
                 </a:solidFill>
-                <a:latin typeface="Menlo" panose="020B0609030804020204" pitchFamily="49" charset="0"/>
-                <a:ea typeface="Menlo" panose="020B0609030804020204" pitchFamily="49" charset="0"/>
-                <a:cs typeface="Menlo" panose="020B0609030804020204" pitchFamily="49" charset="0"/>
+                <a:latin typeface="Consolas" panose="020B0609020204030204" pitchFamily="49" charset="0"/>
+                <a:ea typeface="Menlo" panose="020B0609030804020204" pitchFamily="49" charset="0"/>
+                <a:cs typeface="Consolas" panose="020B0609020204030204" pitchFamily="49" charset="0"/>
               </a:rPr>
               <a:t>dict</a:t>
             </a:r>
@@ -11711,9 +11732,9 @@
                 <a:solidFill>
                   <a:schemeClr val="accent6"/>
                 </a:solidFill>
-                <a:latin typeface="Menlo" panose="020B0609030804020204" pitchFamily="49" charset="0"/>
-                <a:ea typeface="Menlo" panose="020B0609030804020204" pitchFamily="49" charset="0"/>
-                <a:cs typeface="Menlo" panose="020B0609030804020204" pitchFamily="49" charset="0"/>
+                <a:latin typeface="Consolas" panose="020B0609020204030204" pitchFamily="49" charset="0"/>
+                <a:ea typeface="Menlo" panose="020B0609030804020204" pitchFamily="49" charset="0"/>
+                <a:cs typeface="Consolas" panose="020B0609020204030204" pitchFamily="49" charset="0"/>
               </a:rPr>
               <a:t>['a'] = 0</a:t>
             </a:r>
@@ -11724,9 +11745,9 @@
             </a:pPr>
             <a:r>
               <a:rPr lang="en-US" dirty="0">
-                <a:latin typeface="Menlo" panose="020B0609030804020204" pitchFamily="49" charset="0"/>
-                <a:ea typeface="Menlo" panose="020B0609030804020204" pitchFamily="49" charset="0"/>
-                <a:cs typeface="Menlo" panose="020B0609030804020204" pitchFamily="49" charset="0"/>
+                <a:latin typeface="Consolas" panose="020B0609020204030204" pitchFamily="49" charset="0"/>
+                <a:ea typeface="Menlo" panose="020B0609030804020204" pitchFamily="49" charset="0"/>
+                <a:cs typeface="Consolas" panose="020B0609020204030204" pitchFamily="49" charset="0"/>
               </a:rPr>
               <a:t>&gt;&gt;&gt; </a:t>
             </a:r>
@@ -11735,9 +11756,9 @@
                 <a:solidFill>
                   <a:schemeClr val="accent6"/>
                 </a:solidFill>
-                <a:latin typeface="Menlo" panose="020B0609030804020204" pitchFamily="49" charset="0"/>
-                <a:ea typeface="Menlo" panose="020B0609030804020204" pitchFamily="49" charset="0"/>
-                <a:cs typeface="Menlo" panose="020B0609030804020204" pitchFamily="49" charset="0"/>
+                <a:latin typeface="Consolas" panose="020B0609020204030204" pitchFamily="49" charset="0"/>
+                <a:ea typeface="Menlo" panose="020B0609030804020204" pitchFamily="49" charset="0"/>
+                <a:cs typeface="Consolas" panose="020B0609020204030204" pitchFamily="49" charset="0"/>
               </a:rPr>
               <a:t>dict</a:t>
             </a:r>
@@ -11746,9 +11767,9 @@
                 <a:solidFill>
                   <a:schemeClr val="accent6"/>
                 </a:solidFill>
-                <a:latin typeface="Menlo" panose="020B0609030804020204" pitchFamily="49" charset="0"/>
-                <a:ea typeface="Menlo" panose="020B0609030804020204" pitchFamily="49" charset="0"/>
-                <a:cs typeface="Menlo" panose="020B0609030804020204" pitchFamily="49" charset="0"/>
+                <a:latin typeface="Consolas" panose="020B0609020204030204" pitchFamily="49" charset="0"/>
+                <a:ea typeface="Menlo" panose="020B0609030804020204" pitchFamily="49" charset="0"/>
+                <a:cs typeface="Consolas" panose="020B0609020204030204" pitchFamily="49" charset="0"/>
               </a:rPr>
               <a:t>[1] = 'hello'</a:t>
             </a:r>
@@ -11759,9 +11780,9 @@
             </a:pPr>
             <a:r>
               <a:rPr lang="en-US" dirty="0">
-                <a:latin typeface="Menlo" panose="020B0609030804020204" pitchFamily="49" charset="0"/>
-                <a:ea typeface="Menlo" panose="020B0609030804020204" pitchFamily="49" charset="0"/>
-                <a:cs typeface="Menlo" panose="020B0609030804020204" pitchFamily="49" charset="0"/>
+                <a:latin typeface="Consolas" panose="020B0609020204030204" pitchFamily="49" charset="0"/>
+                <a:ea typeface="Menlo" panose="020B0609030804020204" pitchFamily="49" charset="0"/>
+                <a:cs typeface="Consolas" panose="020B0609020204030204" pitchFamily="49" charset="0"/>
               </a:rPr>
               <a:t>&gt;&gt;&gt; </a:t>
             </a:r>
@@ -11770,9 +11791,9 @@
                 <a:solidFill>
                   <a:schemeClr val="accent6"/>
                 </a:solidFill>
-                <a:latin typeface="Menlo" panose="020B0609030804020204" pitchFamily="49" charset="0"/>
-                <a:ea typeface="Menlo" panose="020B0609030804020204" pitchFamily="49" charset="0"/>
-                <a:cs typeface="Menlo" panose="020B0609030804020204" pitchFamily="49" charset="0"/>
+                <a:latin typeface="Consolas" panose="020B0609020204030204" pitchFamily="49" charset="0"/>
+                <a:ea typeface="Menlo" panose="020B0609030804020204" pitchFamily="49" charset="0"/>
+                <a:cs typeface="Consolas" panose="020B0609020204030204" pitchFamily="49" charset="0"/>
               </a:rPr>
               <a:t>dict</a:t>
             </a:r>
@@ -11781,9 +11802,9 @@
                 <a:solidFill>
                   <a:schemeClr val="accent6"/>
                 </a:solidFill>
-                <a:latin typeface="Menlo" panose="020B0609030804020204" pitchFamily="49" charset="0"/>
-                <a:ea typeface="Menlo" panose="020B0609030804020204" pitchFamily="49" charset="0"/>
-                <a:cs typeface="Menlo" panose="020B0609030804020204" pitchFamily="49" charset="0"/>
+                <a:latin typeface="Consolas" panose="020B0609020204030204" pitchFamily="49" charset="0"/>
+                <a:ea typeface="Menlo" panose="020B0609030804020204" pitchFamily="49" charset="0"/>
+                <a:cs typeface="Consolas" panose="020B0609020204030204" pitchFamily="49" charset="0"/>
               </a:rPr>
               <a:t>[(1, 'hi')] = {'show' : print}</a:t>
             </a:r>
@@ -11794,9 +11815,9 @@
             </a:pPr>
             <a:r>
               <a:rPr lang="en-US" dirty="0">
-                <a:latin typeface="Menlo" panose="020B0609030804020204" pitchFamily="49" charset="0"/>
-                <a:ea typeface="Menlo" panose="020B0609030804020204" pitchFamily="49" charset="0"/>
-                <a:cs typeface="Menlo" panose="020B0609030804020204" pitchFamily="49" charset="0"/>
+                <a:latin typeface="Consolas" panose="020B0609020204030204" pitchFamily="49" charset="0"/>
+                <a:ea typeface="Menlo" panose="020B0609030804020204" pitchFamily="49" charset="0"/>
+                <a:cs typeface="Consolas" panose="020B0609020204030204" pitchFamily="49" charset="0"/>
               </a:rPr>
               <a:t>&gt;&gt;&gt; </a:t>
             </a:r>
@@ -11805,9 +11826,9 @@
                 <a:solidFill>
                   <a:schemeClr val="accent6"/>
                 </a:solidFill>
-                <a:latin typeface="Menlo" panose="020B0609030804020204" pitchFamily="49" charset="0"/>
-                <a:ea typeface="Menlo" panose="020B0609030804020204" pitchFamily="49" charset="0"/>
-                <a:cs typeface="Menlo" panose="020B0609030804020204" pitchFamily="49" charset="0"/>
+                <a:latin typeface="Consolas" panose="020B0609020204030204" pitchFamily="49" charset="0"/>
+                <a:ea typeface="Menlo" panose="020B0609030804020204" pitchFamily="49" charset="0"/>
+                <a:cs typeface="Consolas" panose="020B0609020204030204" pitchFamily="49" charset="0"/>
               </a:rPr>
               <a:t>dict</a:t>
             </a:r>
@@ -11815,9 +11836,9 @@
               <a:solidFill>
                 <a:schemeClr val="accent6"/>
               </a:solidFill>
-              <a:latin typeface="Menlo" panose="020B0609030804020204" pitchFamily="49" charset="0"/>
+              <a:latin typeface="Consolas" panose="020B0609020204030204" pitchFamily="49" charset="0"/>
               <a:ea typeface="Menlo" panose="020B0609030804020204" pitchFamily="49" charset="0"/>
-              <a:cs typeface="Menlo" panose="020B0609030804020204" pitchFamily="49" charset="0"/>
+              <a:cs typeface="Consolas" panose="020B0609020204030204" pitchFamily="49" charset="0"/>
             </a:endParaRPr>
           </a:p>
           <a:p>
@@ -11826,9 +11847,9 @@
             </a:pPr>
             <a:r>
               <a:rPr lang="en-US" dirty="0">
-                <a:latin typeface="Menlo" panose="020B0609030804020204" pitchFamily="49" charset="0"/>
-                <a:ea typeface="Menlo" panose="020B0609030804020204" pitchFamily="49" charset="0"/>
-                <a:cs typeface="Menlo" panose="020B0609030804020204" pitchFamily="49" charset="0"/>
+                <a:latin typeface="Consolas" panose="020B0609020204030204" pitchFamily="49" charset="0"/>
+                <a:ea typeface="Menlo" panose="020B0609030804020204" pitchFamily="49" charset="0"/>
+                <a:cs typeface="Consolas" panose="020B0609020204030204" pitchFamily="49" charset="0"/>
               </a:rPr>
               <a:t>{ 'a': 0, </a:t>
             </a:r>
@@ -11839,9 +11860,9 @@
             </a:pPr>
             <a:r>
               <a:rPr lang="en-US" dirty="0">
-                <a:latin typeface="Menlo" panose="020B0609030804020204" pitchFamily="49" charset="0"/>
-                <a:ea typeface="Menlo" panose="020B0609030804020204" pitchFamily="49" charset="0"/>
-                <a:cs typeface="Menlo" panose="020B0609030804020204" pitchFamily="49" charset="0"/>
+                <a:latin typeface="Consolas" panose="020B0609020204030204" pitchFamily="49" charset="0"/>
+                <a:ea typeface="Menlo" panose="020B0609030804020204" pitchFamily="49" charset="0"/>
+                <a:cs typeface="Consolas" panose="020B0609020204030204" pitchFamily="49" charset="0"/>
               </a:rPr>
               <a:t>  1: 'hello’, </a:t>
             </a:r>
@@ -11852,9 +11873,9 @@
             </a:pPr>
             <a:r>
               <a:rPr lang="en-US" dirty="0">
-                <a:latin typeface="Menlo" panose="020B0609030804020204" pitchFamily="49" charset="0"/>
-                <a:ea typeface="Menlo" panose="020B0609030804020204" pitchFamily="49" charset="0"/>
-                <a:cs typeface="Menlo" panose="020B0609030804020204" pitchFamily="49" charset="0"/>
+                <a:latin typeface="Consolas" panose="020B0609020204030204" pitchFamily="49" charset="0"/>
+                <a:ea typeface="Menlo" panose="020B0609030804020204" pitchFamily="49" charset="0"/>
+                <a:cs typeface="Consolas" panose="020B0609020204030204" pitchFamily="49" charset="0"/>
               </a:rPr>
               <a:t>  (1,'hi'): {'show': &lt;built-in function print&gt;}</a:t>
             </a:r>
@@ -11865,9 +11886,9 @@
             </a:pPr>
             <a:r>
               <a:rPr lang="en-US" dirty="0">
-                <a:latin typeface="Menlo" panose="020B0609030804020204" pitchFamily="49" charset="0"/>
-                <a:ea typeface="Menlo" panose="020B0609030804020204" pitchFamily="49" charset="0"/>
-                <a:cs typeface="Menlo" panose="020B0609030804020204" pitchFamily="49" charset="0"/>
+                <a:latin typeface="Consolas" panose="020B0609020204030204" pitchFamily="49" charset="0"/>
+                <a:ea typeface="Menlo" panose="020B0609030804020204" pitchFamily="49" charset="0"/>
+                <a:cs typeface="Consolas" panose="020B0609020204030204" pitchFamily="49" charset="0"/>
               </a:rPr>
               <a:t>}</a:t>
             </a:r>
@@ -11877,9 +11898,9 @@
               <a:buNone/>
             </a:pPr>
             <a:endParaRPr lang="en-US" dirty="0">
-              <a:latin typeface="Menlo" panose="020B0609030804020204" pitchFamily="49" charset="0"/>
+              <a:latin typeface="Consolas" panose="020B0609020204030204" pitchFamily="49" charset="0"/>
               <a:ea typeface="Menlo" panose="020B0609030804020204" pitchFamily="49" charset="0"/>
-              <a:cs typeface="Menlo" panose="020B0609030804020204" pitchFamily="49" charset="0"/>
+              <a:cs typeface="Consolas" panose="020B0609020204030204" pitchFamily="49" charset="0"/>
             </a:endParaRPr>
           </a:p>
         </p:txBody>
@@ -12149,9 +12170,9 @@
             </a:pPr>
             <a:r>
               <a:rPr lang="en-US" dirty="0">
-                <a:latin typeface="Menlo" panose="020B0609030804020204" pitchFamily="49" charset="0"/>
-                <a:ea typeface="Menlo" panose="020B0609030804020204" pitchFamily="49" charset="0"/>
-                <a:cs typeface="Menlo" panose="020B0609030804020204" pitchFamily="49" charset="0"/>
+                <a:latin typeface="Consolas" panose="020B0609020204030204" pitchFamily="49" charset="0"/>
+                <a:ea typeface="Menlo" panose="020B0609030804020204" pitchFamily="49" charset="0"/>
+                <a:cs typeface="Consolas" panose="020B0609020204030204" pitchFamily="49" charset="0"/>
               </a:rPr>
               <a:t>&gt;&gt;&gt; </a:t>
             </a:r>
@@ -12160,9 +12181,9 @@
                 <a:solidFill>
                   <a:schemeClr val="accent6"/>
                 </a:solidFill>
-                <a:latin typeface="Menlo" panose="020B0609030804020204" pitchFamily="49" charset="0"/>
-                <a:ea typeface="Menlo" panose="020B0609030804020204" pitchFamily="49" charset="0"/>
-                <a:cs typeface="Menlo" panose="020B0609030804020204" pitchFamily="49" charset="0"/>
+                <a:latin typeface="Consolas" panose="020B0609020204030204" pitchFamily="49" charset="0"/>
+                <a:ea typeface="Menlo" panose="020B0609030804020204" pitchFamily="49" charset="0"/>
+                <a:cs typeface="Consolas" panose="020B0609020204030204" pitchFamily="49" charset="0"/>
               </a:rPr>
               <a:t>'hi' == 'hi'</a:t>
             </a:r>
@@ -12176,9 +12197,9 @@
             </a:pPr>
             <a:r>
               <a:rPr lang="en-US" dirty="0">
-                <a:latin typeface="Menlo" panose="020B0609030804020204" pitchFamily="49" charset="0"/>
-                <a:ea typeface="Menlo" panose="020B0609030804020204" pitchFamily="49" charset="0"/>
-                <a:cs typeface="Menlo" panose="020B0609030804020204" pitchFamily="49" charset="0"/>
+                <a:latin typeface="Consolas" panose="020B0609020204030204" pitchFamily="49" charset="0"/>
+                <a:ea typeface="Menlo" panose="020B0609030804020204" pitchFamily="49" charset="0"/>
+                <a:cs typeface="Consolas" panose="020B0609020204030204" pitchFamily="49" charset="0"/>
               </a:rPr>
               <a:t>True</a:t>
             </a:r>
@@ -12192,9 +12213,9 @@
             </a:pPr>
             <a:r>
               <a:rPr lang="en-US" dirty="0">
-                <a:latin typeface="Menlo" panose="020B0609030804020204" pitchFamily="49" charset="0"/>
-                <a:ea typeface="Menlo" panose="020B0609030804020204" pitchFamily="49" charset="0"/>
-                <a:cs typeface="Menlo" panose="020B0609030804020204" pitchFamily="49" charset="0"/>
+                <a:latin typeface="Consolas" panose="020B0609020204030204" pitchFamily="49" charset="0"/>
+                <a:ea typeface="Menlo" panose="020B0609030804020204" pitchFamily="49" charset="0"/>
+                <a:cs typeface="Consolas" panose="020B0609020204030204" pitchFamily="49" charset="0"/>
               </a:rPr>
               <a:t>&gt;&gt;&gt; </a:t>
             </a:r>
@@ -12203,9 +12224,9 @@
                 <a:solidFill>
                   <a:schemeClr val="accent6"/>
                 </a:solidFill>
-                <a:latin typeface="Menlo" panose="020B0609030804020204" pitchFamily="49" charset="0"/>
-                <a:ea typeface="Menlo" panose="020B0609030804020204" pitchFamily="49" charset="0"/>
-                <a:cs typeface="Menlo" panose="020B0609030804020204" pitchFamily="49" charset="0"/>
+                <a:latin typeface="Consolas" panose="020B0609020204030204" pitchFamily="49" charset="0"/>
+                <a:ea typeface="Menlo" panose="020B0609030804020204" pitchFamily="49" charset="0"/>
+                <a:cs typeface="Consolas" panose="020B0609020204030204" pitchFamily="49" charset="0"/>
               </a:rPr>
               <a:t>'hi'.__</a:t>
             </a:r>
@@ -12214,9 +12235,9 @@
                 <a:solidFill>
                   <a:schemeClr val="accent6"/>
                 </a:solidFill>
-                <a:latin typeface="Menlo" panose="020B0609030804020204" pitchFamily="49" charset="0"/>
-                <a:ea typeface="Menlo" panose="020B0609030804020204" pitchFamily="49" charset="0"/>
-                <a:cs typeface="Menlo" panose="020B0609030804020204" pitchFamily="49" charset="0"/>
+                <a:latin typeface="Consolas" panose="020B0609020204030204" pitchFamily="49" charset="0"/>
+                <a:ea typeface="Menlo" panose="020B0609030804020204" pitchFamily="49" charset="0"/>
+                <a:cs typeface="Consolas" panose="020B0609020204030204" pitchFamily="49" charset="0"/>
               </a:rPr>
               <a:t>eq</a:t>
             </a:r>
@@ -12225,9 +12246,9 @@
                 <a:solidFill>
                   <a:schemeClr val="accent6"/>
                 </a:solidFill>
-                <a:latin typeface="Menlo" panose="020B0609030804020204" pitchFamily="49" charset="0"/>
-                <a:ea typeface="Menlo" panose="020B0609030804020204" pitchFamily="49" charset="0"/>
-                <a:cs typeface="Menlo" panose="020B0609030804020204" pitchFamily="49" charset="0"/>
+                <a:latin typeface="Consolas" panose="020B0609020204030204" pitchFamily="49" charset="0"/>
+                <a:ea typeface="Menlo" panose="020B0609030804020204" pitchFamily="49" charset="0"/>
+                <a:cs typeface="Consolas" panose="020B0609020204030204" pitchFamily="49" charset="0"/>
               </a:rPr>
               <a:t>__('hi')</a:t>
             </a:r>
@@ -12241,9 +12262,9 @@
             </a:pPr>
             <a:r>
               <a:rPr lang="en-US" dirty="0">
-                <a:latin typeface="Menlo" panose="020B0609030804020204" pitchFamily="49" charset="0"/>
-                <a:ea typeface="Menlo" panose="020B0609030804020204" pitchFamily="49" charset="0"/>
-                <a:cs typeface="Menlo" panose="020B0609030804020204" pitchFamily="49" charset="0"/>
+                <a:latin typeface="Consolas" panose="020B0609020204030204" pitchFamily="49" charset="0"/>
+                <a:ea typeface="Menlo" panose="020B0609030804020204" pitchFamily="49" charset="0"/>
+                <a:cs typeface="Consolas" panose="020B0609020204030204" pitchFamily="49" charset="0"/>
               </a:rPr>
               <a:t>True</a:t>
             </a:r>
@@ -12256,9 +12277,9 @@
               <a:buNone/>
             </a:pPr>
             <a:endParaRPr lang="en-US" dirty="0">
-              <a:latin typeface="Menlo" panose="020B0609030804020204" pitchFamily="49" charset="0"/>
+              <a:latin typeface="Consolas" panose="020B0609020204030204" pitchFamily="49" charset="0"/>
               <a:ea typeface="Menlo" panose="020B0609030804020204" pitchFamily="49" charset="0"/>
-              <a:cs typeface="Menlo" panose="020B0609030804020204" pitchFamily="49" charset="0"/>
+              <a:cs typeface="Consolas" panose="020B0609020204030204" pitchFamily="49" charset="0"/>
             </a:endParaRPr>
           </a:p>
           <a:p>
@@ -12270,9 +12291,9 @@
             </a:pPr>
             <a:r>
               <a:rPr lang="en-US" dirty="0">
-                <a:latin typeface="Menlo" panose="020B0609030804020204" pitchFamily="49" charset="0"/>
-                <a:ea typeface="Menlo" panose="020B0609030804020204" pitchFamily="49" charset="0"/>
-                <a:cs typeface="Menlo" panose="020B0609030804020204" pitchFamily="49" charset="0"/>
+                <a:latin typeface="Consolas" panose="020B0609020204030204" pitchFamily="49" charset="0"/>
+                <a:ea typeface="Menlo" panose="020B0609030804020204" pitchFamily="49" charset="0"/>
+                <a:cs typeface="Consolas" panose="020B0609020204030204" pitchFamily="49" charset="0"/>
               </a:rPr>
               <a:t>&gt;&gt;&gt; </a:t>
             </a:r>
@@ -12281,9 +12302,9 @@
                 <a:solidFill>
                   <a:schemeClr val="accent6"/>
                 </a:solidFill>
-                <a:latin typeface="Menlo" panose="020B0609030804020204" pitchFamily="49" charset="0"/>
-                <a:ea typeface="Menlo" panose="020B0609030804020204" pitchFamily="49" charset="0"/>
-                <a:cs typeface="Menlo" panose="020B0609030804020204" pitchFamily="49" charset="0"/>
+                <a:latin typeface="Consolas" panose="020B0609020204030204" pitchFamily="49" charset="0"/>
+                <a:ea typeface="Menlo" panose="020B0609030804020204" pitchFamily="49" charset="0"/>
+                <a:cs typeface="Consolas" panose="020B0609020204030204" pitchFamily="49" charset="0"/>
               </a:rPr>
               <a:t>1 == 2</a:t>
             </a:r>
@@ -12297,9 +12318,9 @@
             </a:pPr>
             <a:r>
               <a:rPr lang="en-US" dirty="0">
-                <a:latin typeface="Menlo" panose="020B0609030804020204" pitchFamily="49" charset="0"/>
-                <a:ea typeface="Menlo" panose="020B0609030804020204" pitchFamily="49" charset="0"/>
-                <a:cs typeface="Menlo" panose="020B0609030804020204" pitchFamily="49" charset="0"/>
+                <a:latin typeface="Consolas" panose="020B0609020204030204" pitchFamily="49" charset="0"/>
+                <a:ea typeface="Menlo" panose="020B0609030804020204" pitchFamily="49" charset="0"/>
+                <a:cs typeface="Consolas" panose="020B0609020204030204" pitchFamily="49" charset="0"/>
               </a:rPr>
               <a:t>False</a:t>
             </a:r>
@@ -12313,9 +12334,9 @@
             </a:pPr>
             <a:r>
               <a:rPr lang="en-US" dirty="0">
-                <a:latin typeface="Menlo" panose="020B0609030804020204" pitchFamily="49" charset="0"/>
-                <a:ea typeface="Menlo" panose="020B0609030804020204" pitchFamily="49" charset="0"/>
-                <a:cs typeface="Menlo" panose="020B0609030804020204" pitchFamily="49" charset="0"/>
+                <a:latin typeface="Consolas" panose="020B0609020204030204" pitchFamily="49" charset="0"/>
+                <a:ea typeface="Menlo" panose="020B0609030804020204" pitchFamily="49" charset="0"/>
+                <a:cs typeface="Consolas" panose="020B0609020204030204" pitchFamily="49" charset="0"/>
               </a:rPr>
               <a:t>&gt;&gt;&gt; </a:t>
             </a:r>
@@ -12324,9 +12345,9 @@
                 <a:solidFill>
                   <a:schemeClr val="accent6"/>
                 </a:solidFill>
-                <a:latin typeface="Menlo" panose="020B0609030804020204" pitchFamily="49" charset="0"/>
-                <a:ea typeface="Menlo" panose="020B0609030804020204" pitchFamily="49" charset="0"/>
-                <a:cs typeface="Menlo" panose="020B0609030804020204" pitchFamily="49" charset="0"/>
+                <a:latin typeface="Consolas" panose="020B0609020204030204" pitchFamily="49" charset="0"/>
+                <a:ea typeface="Menlo" panose="020B0609030804020204" pitchFamily="49" charset="0"/>
+                <a:cs typeface="Consolas" panose="020B0609020204030204" pitchFamily="49" charset="0"/>
               </a:rPr>
               <a:t>(1).__</a:t>
             </a:r>
@@ -12335,9 +12356,9 @@
                 <a:solidFill>
                   <a:schemeClr val="accent6"/>
                 </a:solidFill>
-                <a:latin typeface="Menlo" panose="020B0609030804020204" pitchFamily="49" charset="0"/>
-                <a:ea typeface="Menlo" panose="020B0609030804020204" pitchFamily="49" charset="0"/>
-                <a:cs typeface="Menlo" panose="020B0609030804020204" pitchFamily="49" charset="0"/>
+                <a:latin typeface="Consolas" panose="020B0609020204030204" pitchFamily="49" charset="0"/>
+                <a:ea typeface="Menlo" panose="020B0609030804020204" pitchFamily="49" charset="0"/>
+                <a:cs typeface="Consolas" panose="020B0609020204030204" pitchFamily="49" charset="0"/>
               </a:rPr>
               <a:t>eq</a:t>
             </a:r>
@@ -12346,9 +12367,9 @@
                 <a:solidFill>
                   <a:schemeClr val="accent6"/>
                 </a:solidFill>
-                <a:latin typeface="Menlo" panose="020B0609030804020204" pitchFamily="49" charset="0"/>
-                <a:ea typeface="Menlo" panose="020B0609030804020204" pitchFamily="49" charset="0"/>
-                <a:cs typeface="Menlo" panose="020B0609030804020204" pitchFamily="49" charset="0"/>
+                <a:latin typeface="Consolas" panose="020B0609020204030204" pitchFamily="49" charset="0"/>
+                <a:ea typeface="Menlo" panose="020B0609030804020204" pitchFamily="49" charset="0"/>
+                <a:cs typeface="Consolas" panose="020B0609020204030204" pitchFamily="49" charset="0"/>
               </a:rPr>
               <a:t>__(2)</a:t>
             </a:r>
@@ -12362,9 +12383,9 @@
             </a:pPr>
             <a:r>
               <a:rPr lang="en-US" dirty="0">
-                <a:latin typeface="Menlo" panose="020B0609030804020204" pitchFamily="49" charset="0"/>
-                <a:ea typeface="Menlo" panose="020B0609030804020204" pitchFamily="49" charset="0"/>
-                <a:cs typeface="Menlo" panose="020B0609030804020204" pitchFamily="49" charset="0"/>
+                <a:latin typeface="Consolas" panose="020B0609020204030204" pitchFamily="49" charset="0"/>
+                <a:ea typeface="Menlo" panose="020B0609030804020204" pitchFamily="49" charset="0"/>
+                <a:cs typeface="Consolas" panose="020B0609020204030204" pitchFamily="49" charset="0"/>
               </a:rPr>
               <a:t>False</a:t>
             </a:r>
@@ -14298,7 +14319,7 @@
         </p:spPr>
         <p:txBody>
           <a:bodyPr vert="horz" lIns="91440" tIns="45720" rIns="91440" bIns="45720" rtlCol="0">
-            <a:normAutofit fontScale="85000" lnSpcReduction="10000"/>
+            <a:normAutofit fontScale="92500" lnSpcReduction="20000"/>
           </a:bodyPr>
           <a:lstStyle>
             <a:lvl1pPr marL="384048" indent="-384048" algn="l" defTabSz="914400" rtl="0" eaLnBrk="1" latinLnBrk="0" hangingPunct="1">
@@ -14497,9 +14518,9 @@
             </a:pPr>
             <a:r>
               <a:rPr lang="en-US" dirty="0">
-                <a:latin typeface="Menlo" panose="020B0609030804020204" pitchFamily="49" charset="0"/>
-                <a:ea typeface="Menlo" panose="020B0609030804020204" pitchFamily="49" charset="0"/>
-                <a:cs typeface="Menlo" panose="020B0609030804020204" pitchFamily="49" charset="0"/>
+                <a:latin typeface="Consolas" panose="020B0609020204030204" pitchFamily="49" charset="0"/>
+                <a:ea typeface="Menlo" panose="020B0609030804020204" pitchFamily="49" charset="0"/>
+                <a:cs typeface="Consolas" panose="020B0609020204030204" pitchFamily="49" charset="0"/>
               </a:rPr>
               <a:t>&gt;&gt;&gt; </a:t>
             </a:r>
@@ -14508,9 +14529,9 @@
                 <a:solidFill>
                   <a:schemeClr val="accent6"/>
                 </a:solidFill>
-                <a:latin typeface="Menlo" panose="020B0609030804020204" pitchFamily="49" charset="0"/>
-                <a:ea typeface="Menlo" panose="020B0609030804020204" pitchFamily="49" charset="0"/>
-                <a:cs typeface="Menlo" panose="020B0609030804020204" pitchFamily="49" charset="0"/>
+                <a:latin typeface="Consolas" panose="020B0609020204030204" pitchFamily="49" charset="0"/>
+                <a:ea typeface="Menlo" panose="020B0609030804020204" pitchFamily="49" charset="0"/>
+                <a:cs typeface="Consolas" panose="020B0609020204030204" pitchFamily="49" charset="0"/>
               </a:rPr>
               <a:t>def reverse(string):</a:t>
             </a:r>
@@ -14521,9 +14542,9 @@
             </a:pPr>
             <a:r>
               <a:rPr lang="en-US" dirty="0">
-                <a:latin typeface="Menlo" panose="020B0609030804020204" pitchFamily="49" charset="0"/>
-                <a:ea typeface="Menlo" panose="020B0609030804020204" pitchFamily="49" charset="0"/>
-                <a:cs typeface="Menlo" panose="020B0609030804020204" pitchFamily="49" charset="0"/>
+                <a:latin typeface="Consolas" panose="020B0609020204030204" pitchFamily="49" charset="0"/>
+                <a:ea typeface="Menlo" panose="020B0609030804020204" pitchFamily="49" charset="0"/>
+                <a:cs typeface="Consolas" panose="020B0609020204030204" pitchFamily="49" charset="0"/>
               </a:rPr>
               <a:t>...     </a:t>
             </a:r>
@@ -14532,9 +14553,9 @@
                 <a:solidFill>
                   <a:schemeClr val="accent6"/>
                 </a:solidFill>
-                <a:latin typeface="Menlo" panose="020B0609030804020204" pitchFamily="49" charset="0"/>
-                <a:ea typeface="Menlo" panose="020B0609030804020204" pitchFamily="49" charset="0"/>
-                <a:cs typeface="Menlo" panose="020B0609030804020204" pitchFamily="49" charset="0"/>
+                <a:latin typeface="Consolas" panose="020B0609020204030204" pitchFamily="49" charset="0"/>
+                <a:ea typeface="Menlo" panose="020B0609030804020204" pitchFamily="49" charset="0"/>
+                <a:cs typeface="Consolas" panose="020B0609020204030204" pitchFamily="49" charset="0"/>
               </a:rPr>
               <a:t>out = ''</a:t>
             </a:r>
@@ -14545,9 +14566,9 @@
             </a:pPr>
             <a:r>
               <a:rPr lang="en-US" dirty="0">
-                <a:latin typeface="Menlo" panose="020B0609030804020204" pitchFamily="49" charset="0"/>
-                <a:ea typeface="Menlo" panose="020B0609030804020204" pitchFamily="49" charset="0"/>
-                <a:cs typeface="Menlo" panose="020B0609030804020204" pitchFamily="49" charset="0"/>
+                <a:latin typeface="Consolas" panose="020B0609020204030204" pitchFamily="49" charset="0"/>
+                <a:ea typeface="Menlo" panose="020B0609030804020204" pitchFamily="49" charset="0"/>
+                <a:cs typeface="Consolas" panose="020B0609020204030204" pitchFamily="49" charset="0"/>
               </a:rPr>
               <a:t>...     </a:t>
             </a:r>
@@ -14556,9 +14577,9 @@
                 <a:solidFill>
                   <a:schemeClr val="accent6"/>
                 </a:solidFill>
-                <a:latin typeface="Menlo" panose="020B0609030804020204" pitchFamily="49" charset="0"/>
-                <a:ea typeface="Menlo" panose="020B0609030804020204" pitchFamily="49" charset="0"/>
-                <a:cs typeface="Menlo" panose="020B0609030804020204" pitchFamily="49" charset="0"/>
+                <a:latin typeface="Consolas" panose="020B0609020204030204" pitchFamily="49" charset="0"/>
+                <a:ea typeface="Menlo" panose="020B0609030804020204" pitchFamily="49" charset="0"/>
+                <a:cs typeface="Consolas" panose="020B0609020204030204" pitchFamily="49" charset="0"/>
               </a:rPr>
               <a:t>for </a:t>
             </a:r>
@@ -14567,9 +14588,9 @@
                 <a:solidFill>
                   <a:schemeClr val="accent6"/>
                 </a:solidFill>
-                <a:latin typeface="Menlo" panose="020B0609030804020204" pitchFamily="49" charset="0"/>
-                <a:ea typeface="Menlo" panose="020B0609030804020204" pitchFamily="49" charset="0"/>
-                <a:cs typeface="Menlo" panose="020B0609030804020204" pitchFamily="49" charset="0"/>
+                <a:latin typeface="Consolas" panose="020B0609020204030204" pitchFamily="49" charset="0"/>
+                <a:ea typeface="Menlo" panose="020B0609030804020204" pitchFamily="49" charset="0"/>
+                <a:cs typeface="Consolas" panose="020B0609020204030204" pitchFamily="49" charset="0"/>
               </a:rPr>
               <a:t>i</a:t>
             </a:r>
@@ -14578,9 +14599,9 @@
                 <a:solidFill>
                   <a:schemeClr val="accent6"/>
                 </a:solidFill>
-                <a:latin typeface="Menlo" panose="020B0609030804020204" pitchFamily="49" charset="0"/>
-                <a:ea typeface="Menlo" panose="020B0609030804020204" pitchFamily="49" charset="0"/>
-                <a:cs typeface="Menlo" panose="020B0609030804020204" pitchFamily="49" charset="0"/>
+                <a:latin typeface="Consolas" panose="020B0609020204030204" pitchFamily="49" charset="0"/>
+                <a:ea typeface="Menlo" panose="020B0609030804020204" pitchFamily="49" charset="0"/>
+                <a:cs typeface="Consolas" panose="020B0609020204030204" pitchFamily="49" charset="0"/>
               </a:rPr>
               <a:t> in string:</a:t>
             </a:r>
@@ -14591,9 +14612,9 @@
             </a:pPr>
             <a:r>
               <a:rPr lang="en-US" dirty="0">
-                <a:latin typeface="Menlo" panose="020B0609030804020204" pitchFamily="49" charset="0"/>
-                <a:ea typeface="Menlo" panose="020B0609030804020204" pitchFamily="49" charset="0"/>
-                <a:cs typeface="Menlo" panose="020B0609030804020204" pitchFamily="49" charset="0"/>
+                <a:latin typeface="Consolas" panose="020B0609020204030204" pitchFamily="49" charset="0"/>
+                <a:ea typeface="Menlo" panose="020B0609030804020204" pitchFamily="49" charset="0"/>
+                <a:cs typeface="Consolas" panose="020B0609020204030204" pitchFamily="49" charset="0"/>
               </a:rPr>
               <a:t>...     </a:t>
             </a:r>
@@ -14602,9 +14623,9 @@
                 <a:solidFill>
                   <a:schemeClr val="accent6"/>
                 </a:solidFill>
-                <a:latin typeface="Menlo" panose="020B0609030804020204" pitchFamily="49" charset="0"/>
-                <a:ea typeface="Menlo" panose="020B0609030804020204" pitchFamily="49" charset="0"/>
-                <a:cs typeface="Menlo" panose="020B0609030804020204" pitchFamily="49" charset="0"/>
+                <a:latin typeface="Consolas" panose="020B0609020204030204" pitchFamily="49" charset="0"/>
+                <a:ea typeface="Menlo" panose="020B0609030804020204" pitchFamily="49" charset="0"/>
+                <a:cs typeface="Consolas" panose="020B0609020204030204" pitchFamily="49" charset="0"/>
               </a:rPr>
               <a:t>        out = </a:t>
             </a:r>
@@ -14613,9 +14634,9 @@
                 <a:solidFill>
                   <a:schemeClr val="accent6"/>
                 </a:solidFill>
-                <a:latin typeface="Menlo" panose="020B0609030804020204" pitchFamily="49" charset="0"/>
-                <a:ea typeface="Menlo" panose="020B0609030804020204" pitchFamily="49" charset="0"/>
-                <a:cs typeface="Menlo" panose="020B0609030804020204" pitchFamily="49" charset="0"/>
+                <a:latin typeface="Consolas" panose="020B0609020204030204" pitchFamily="49" charset="0"/>
+                <a:ea typeface="Menlo" panose="020B0609030804020204" pitchFamily="49" charset="0"/>
+                <a:cs typeface="Consolas" panose="020B0609020204030204" pitchFamily="49" charset="0"/>
               </a:rPr>
               <a:t>i</a:t>
             </a:r>
@@ -14624,9 +14645,9 @@
                 <a:solidFill>
                   <a:schemeClr val="accent6"/>
                 </a:solidFill>
-                <a:latin typeface="Menlo" panose="020B0609030804020204" pitchFamily="49" charset="0"/>
-                <a:ea typeface="Menlo" panose="020B0609030804020204" pitchFamily="49" charset="0"/>
-                <a:cs typeface="Menlo" panose="020B0609030804020204" pitchFamily="49" charset="0"/>
+                <a:latin typeface="Consolas" panose="020B0609020204030204" pitchFamily="49" charset="0"/>
+                <a:ea typeface="Menlo" panose="020B0609030804020204" pitchFamily="49" charset="0"/>
+                <a:cs typeface="Consolas" panose="020B0609020204030204" pitchFamily="49" charset="0"/>
               </a:rPr>
               <a:t> + out</a:t>
             </a:r>
@@ -14637,9 +14658,9 @@
             </a:pPr>
             <a:r>
               <a:rPr lang="en-US" dirty="0">
-                <a:latin typeface="Menlo" panose="020B0609030804020204" pitchFamily="49" charset="0"/>
-                <a:ea typeface="Menlo" panose="020B0609030804020204" pitchFamily="49" charset="0"/>
-                <a:cs typeface="Menlo" panose="020B0609030804020204" pitchFamily="49" charset="0"/>
+                <a:latin typeface="Consolas" panose="020B0609020204030204" pitchFamily="49" charset="0"/>
+                <a:ea typeface="Menlo" panose="020B0609030804020204" pitchFamily="49" charset="0"/>
+                <a:cs typeface="Consolas" panose="020B0609020204030204" pitchFamily="49" charset="0"/>
               </a:rPr>
               <a:t>...    </a:t>
             </a:r>
@@ -14648,9 +14669,9 @@
                 <a:solidFill>
                   <a:schemeClr val="accent6"/>
                 </a:solidFill>
-                <a:latin typeface="Menlo" panose="020B0609030804020204" pitchFamily="49" charset="0"/>
-                <a:ea typeface="Menlo" panose="020B0609030804020204" pitchFamily="49" charset="0"/>
-                <a:cs typeface="Menlo" panose="020B0609030804020204" pitchFamily="49" charset="0"/>
+                <a:latin typeface="Consolas" panose="020B0609020204030204" pitchFamily="49" charset="0"/>
+                <a:ea typeface="Menlo" panose="020B0609030804020204" pitchFamily="49" charset="0"/>
+                <a:cs typeface="Consolas" panose="020B0609020204030204" pitchFamily="49" charset="0"/>
               </a:rPr>
               <a:t> return out</a:t>
             </a:r>
@@ -14661,9 +14682,9 @@
             </a:pPr>
             <a:r>
               <a:rPr lang="en-US" dirty="0">
-                <a:latin typeface="Menlo" panose="020B0609030804020204" pitchFamily="49" charset="0"/>
-                <a:ea typeface="Menlo" panose="020B0609030804020204" pitchFamily="49" charset="0"/>
-                <a:cs typeface="Menlo" panose="020B0609030804020204" pitchFamily="49" charset="0"/>
+                <a:latin typeface="Consolas" panose="020B0609020204030204" pitchFamily="49" charset="0"/>
+                <a:ea typeface="Menlo" panose="020B0609030804020204" pitchFamily="49" charset="0"/>
+                <a:cs typeface="Consolas" panose="020B0609020204030204" pitchFamily="49" charset="0"/>
               </a:rPr>
               <a:t>... </a:t>
             </a:r>
@@ -14674,9 +14695,9 @@
             </a:pPr>
             <a:r>
               <a:rPr lang="en-US" dirty="0">
-                <a:latin typeface="Menlo" panose="020B0609030804020204" pitchFamily="49" charset="0"/>
-                <a:ea typeface="Menlo" panose="020B0609030804020204" pitchFamily="49" charset="0"/>
-                <a:cs typeface="Menlo" panose="020B0609030804020204" pitchFamily="49" charset="0"/>
+                <a:latin typeface="Consolas" panose="020B0609020204030204" pitchFamily="49" charset="0"/>
+                <a:ea typeface="Menlo" panose="020B0609030804020204" pitchFamily="49" charset="0"/>
+                <a:cs typeface="Consolas" panose="020B0609020204030204" pitchFamily="49" charset="0"/>
               </a:rPr>
               <a:t>&gt;&gt;&gt; </a:t>
             </a:r>
@@ -14685,9 +14706,9 @@
                 <a:solidFill>
                   <a:schemeClr val="accent6"/>
                 </a:solidFill>
-                <a:latin typeface="Menlo" panose="020B0609030804020204" pitchFamily="49" charset="0"/>
-                <a:ea typeface="Menlo" panose="020B0609030804020204" pitchFamily="49" charset="0"/>
-                <a:cs typeface="Menlo" panose="020B0609030804020204" pitchFamily="49" charset="0"/>
+                <a:latin typeface="Consolas" panose="020B0609020204030204" pitchFamily="49" charset="0"/>
+                <a:ea typeface="Menlo" panose="020B0609030804020204" pitchFamily="49" charset="0"/>
+                <a:cs typeface="Consolas" panose="020B0609020204030204" pitchFamily="49" charset="0"/>
               </a:rPr>
               <a:t>print(reverse('hello'))</a:t>
             </a:r>
@@ -14698,16 +14719,16 @@
             </a:pPr>
             <a:r>
               <a:rPr lang="en-US" dirty="0" err="1">
-                <a:latin typeface="Menlo" panose="020B0609030804020204" pitchFamily="49" charset="0"/>
-                <a:ea typeface="Menlo" panose="020B0609030804020204" pitchFamily="49" charset="0"/>
-                <a:cs typeface="Menlo" panose="020B0609030804020204" pitchFamily="49" charset="0"/>
+                <a:latin typeface="Consolas" panose="020B0609020204030204" pitchFamily="49" charset="0"/>
+                <a:ea typeface="Menlo" panose="020B0609030804020204" pitchFamily="49" charset="0"/>
+                <a:cs typeface="Consolas" panose="020B0609020204030204" pitchFamily="49" charset="0"/>
               </a:rPr>
               <a:t>olleh</a:t>
             </a:r>
             <a:endParaRPr lang="en-US" dirty="0">
-              <a:latin typeface="Menlo" panose="020B0609030804020204" pitchFamily="49" charset="0"/>
+              <a:latin typeface="Consolas" panose="020B0609020204030204" pitchFamily="49" charset="0"/>
               <a:ea typeface="Menlo" panose="020B0609030804020204" pitchFamily="49" charset="0"/>
-              <a:cs typeface="Menlo" panose="020B0609030804020204" pitchFamily="49" charset="0"/>
+              <a:cs typeface="Consolas" panose="020B0609020204030204" pitchFamily="49" charset="0"/>
             </a:endParaRPr>
           </a:p>
           <a:p>
@@ -14716,9 +14737,9 @@
             </a:pPr>
             <a:r>
               <a:rPr lang="en-US" dirty="0">
-                <a:latin typeface="Menlo" panose="020B0609030804020204" pitchFamily="49" charset="0"/>
-                <a:ea typeface="Menlo" panose="020B0609030804020204" pitchFamily="49" charset="0"/>
-                <a:cs typeface="Menlo" panose="020B0609030804020204" pitchFamily="49" charset="0"/>
+                <a:latin typeface="Consolas" panose="020B0609020204030204" pitchFamily="49" charset="0"/>
+                <a:ea typeface="Menlo" panose="020B0609030804020204" pitchFamily="49" charset="0"/>
+                <a:cs typeface="Consolas" panose="020B0609020204030204" pitchFamily="49" charset="0"/>
               </a:rPr>
               <a:t>&gt;&gt;&gt; </a:t>
             </a:r>
@@ -14727,9 +14748,9 @@
                 <a:solidFill>
                   <a:schemeClr val="accent6"/>
                 </a:solidFill>
-                <a:latin typeface="Menlo" panose="020B0609030804020204" pitchFamily="49" charset="0"/>
-                <a:ea typeface="Menlo" panose="020B0609030804020204" pitchFamily="49" charset="0"/>
-                <a:cs typeface="Menlo" panose="020B0609030804020204" pitchFamily="49" charset="0"/>
+                <a:latin typeface="Consolas" panose="020B0609020204030204" pitchFamily="49" charset="0"/>
+                <a:ea typeface="Menlo" panose="020B0609030804020204" pitchFamily="49" charset="0"/>
+                <a:cs typeface="Consolas" panose="020B0609020204030204" pitchFamily="49" charset="0"/>
               </a:rPr>
               <a:t>print(reverse(5))</a:t>
             </a:r>
@@ -14743,9 +14764,9 @@
                 <a:solidFill>
                   <a:srgbClr val="FF0000"/>
                 </a:solidFill>
-                <a:latin typeface="Menlo" panose="020B0609030804020204" pitchFamily="49" charset="0"/>
-                <a:ea typeface="Menlo" panose="020B0609030804020204" pitchFamily="49" charset="0"/>
-                <a:cs typeface="Menlo" panose="020B0609030804020204" pitchFamily="49" charset="0"/>
+                <a:latin typeface="Consolas" panose="020B0609020204030204" pitchFamily="49" charset="0"/>
+                <a:ea typeface="Menlo" panose="020B0609030804020204" pitchFamily="49" charset="0"/>
+                <a:cs typeface="Consolas" panose="020B0609020204030204" pitchFamily="49" charset="0"/>
               </a:rPr>
               <a:t>Traceback (most recent call last):</a:t>
             </a:r>
@@ -14759,9 +14780,9 @@
                 <a:solidFill>
                   <a:srgbClr val="FF0000"/>
                 </a:solidFill>
-                <a:latin typeface="Menlo" panose="020B0609030804020204" pitchFamily="49" charset="0"/>
-                <a:ea typeface="Menlo" panose="020B0609030804020204" pitchFamily="49" charset="0"/>
-                <a:cs typeface="Menlo" panose="020B0609030804020204" pitchFamily="49" charset="0"/>
+                <a:latin typeface="Consolas" panose="020B0609020204030204" pitchFamily="49" charset="0"/>
+                <a:ea typeface="Menlo" panose="020B0609030804020204" pitchFamily="49" charset="0"/>
+                <a:cs typeface="Consolas" panose="020B0609020204030204" pitchFamily="49" charset="0"/>
               </a:rPr>
               <a:t>  File "&lt;stdin&gt;", line 1, in &lt;module&gt;</a:t>
             </a:r>
@@ -14775,9 +14796,9 @@
                 <a:solidFill>
                   <a:srgbClr val="FF0000"/>
                 </a:solidFill>
-                <a:latin typeface="Menlo" panose="020B0609030804020204" pitchFamily="49" charset="0"/>
-                <a:ea typeface="Menlo" panose="020B0609030804020204" pitchFamily="49" charset="0"/>
-                <a:cs typeface="Menlo" panose="020B0609030804020204" pitchFamily="49" charset="0"/>
+                <a:latin typeface="Consolas" panose="020B0609020204030204" pitchFamily="49" charset="0"/>
+                <a:ea typeface="Menlo" panose="020B0609030804020204" pitchFamily="49" charset="0"/>
+                <a:cs typeface="Consolas" panose="020B0609020204030204" pitchFamily="49" charset="0"/>
               </a:rPr>
               <a:t>  File "&lt;stdin&gt;", line 3, in reverse</a:t>
             </a:r>
@@ -14791,9 +14812,9 @@
                 <a:solidFill>
                   <a:srgbClr val="FF0000"/>
                 </a:solidFill>
-                <a:latin typeface="Menlo" panose="020B0609030804020204" pitchFamily="49" charset="0"/>
-                <a:ea typeface="Menlo" panose="020B0609030804020204" pitchFamily="49" charset="0"/>
-                <a:cs typeface="Menlo" panose="020B0609030804020204" pitchFamily="49" charset="0"/>
+                <a:latin typeface="Consolas" panose="020B0609020204030204" pitchFamily="49" charset="0"/>
+                <a:ea typeface="Menlo" panose="020B0609030804020204" pitchFamily="49" charset="0"/>
+                <a:cs typeface="Consolas" panose="020B0609020204030204" pitchFamily="49" charset="0"/>
               </a:rPr>
               <a:t>TypeError</a:t>
             </a:r>
@@ -14802,9 +14823,9 @@
                 <a:solidFill>
                   <a:srgbClr val="FF0000"/>
                 </a:solidFill>
-                <a:latin typeface="Menlo" panose="020B0609030804020204" pitchFamily="49" charset="0"/>
-                <a:ea typeface="Menlo" panose="020B0609030804020204" pitchFamily="49" charset="0"/>
-                <a:cs typeface="Menlo" panose="020B0609030804020204" pitchFamily="49" charset="0"/>
+                <a:latin typeface="Consolas" panose="020B0609020204030204" pitchFamily="49" charset="0"/>
+                <a:ea typeface="Menlo" panose="020B0609030804020204" pitchFamily="49" charset="0"/>
+                <a:cs typeface="Consolas" panose="020B0609020204030204" pitchFamily="49" charset="0"/>
               </a:rPr>
               <a:t>: '</a:t>
             </a:r>
@@ -14813,9 +14834,9 @@
                 <a:solidFill>
                   <a:srgbClr val="FF0000"/>
                 </a:solidFill>
-                <a:latin typeface="Menlo" panose="020B0609030804020204" pitchFamily="49" charset="0"/>
-                <a:ea typeface="Menlo" panose="020B0609030804020204" pitchFamily="49" charset="0"/>
-                <a:cs typeface="Menlo" panose="020B0609030804020204" pitchFamily="49" charset="0"/>
+                <a:latin typeface="Consolas" panose="020B0609020204030204" pitchFamily="49" charset="0"/>
+                <a:ea typeface="Menlo" panose="020B0609030804020204" pitchFamily="49" charset="0"/>
+                <a:cs typeface="Consolas" panose="020B0609020204030204" pitchFamily="49" charset="0"/>
               </a:rPr>
               <a:t>int</a:t>
             </a:r>
@@ -14824,9 +14845,9 @@
                 <a:solidFill>
                   <a:srgbClr val="FF0000"/>
                 </a:solidFill>
-                <a:latin typeface="Menlo" panose="020B0609030804020204" pitchFamily="49" charset="0"/>
-                <a:ea typeface="Menlo" panose="020B0609030804020204" pitchFamily="49" charset="0"/>
-                <a:cs typeface="Menlo" panose="020B0609030804020204" pitchFamily="49" charset="0"/>
+                <a:latin typeface="Consolas" panose="020B0609020204030204" pitchFamily="49" charset="0"/>
+                <a:ea typeface="Menlo" panose="020B0609030804020204" pitchFamily="49" charset="0"/>
+                <a:cs typeface="Consolas" panose="020B0609020204030204" pitchFamily="49" charset="0"/>
               </a:rPr>
               <a:t>' object is not </a:t>
             </a:r>
@@ -14835,9 +14856,9 @@
                 <a:solidFill>
                   <a:srgbClr val="FF0000"/>
                 </a:solidFill>
-                <a:latin typeface="Menlo" panose="020B0609030804020204" pitchFamily="49" charset="0"/>
-                <a:ea typeface="Menlo" panose="020B0609030804020204" pitchFamily="49" charset="0"/>
-                <a:cs typeface="Menlo" panose="020B0609030804020204" pitchFamily="49" charset="0"/>
+                <a:latin typeface="Consolas" panose="020B0609020204030204" pitchFamily="49" charset="0"/>
+                <a:ea typeface="Menlo" panose="020B0609030804020204" pitchFamily="49" charset="0"/>
+                <a:cs typeface="Consolas" panose="020B0609020204030204" pitchFamily="49" charset="0"/>
               </a:rPr>
               <a:t>iterable</a:t>
             </a:r>
@@ -14845,9 +14866,9 @@
               <a:solidFill>
                 <a:srgbClr val="FF0000"/>
               </a:solidFill>
-              <a:latin typeface="Menlo" panose="020B0609030804020204" pitchFamily="49" charset="0"/>
+              <a:latin typeface="Consolas" panose="020B0609020204030204" pitchFamily="49" charset="0"/>
               <a:ea typeface="Menlo" panose="020B0609030804020204" pitchFamily="49" charset="0"/>
-              <a:cs typeface="Menlo" panose="020B0609030804020204" pitchFamily="49" charset="0"/>
+              <a:cs typeface="Consolas" panose="020B0609020204030204" pitchFamily="49" charset="0"/>
             </a:endParaRPr>
           </a:p>
           <a:p>
@@ -14856,9 +14877,9 @@
             </a:pPr>
             <a:r>
               <a:rPr lang="en-US" dirty="0">
-                <a:latin typeface="Menlo" panose="020B0609030804020204" pitchFamily="49" charset="0"/>
-                <a:ea typeface="Menlo" panose="020B0609030804020204" pitchFamily="49" charset="0"/>
-                <a:cs typeface="Menlo" panose="020B0609030804020204" pitchFamily="49" charset="0"/>
+                <a:latin typeface="Consolas" panose="020B0609020204030204" pitchFamily="49" charset="0"/>
+                <a:ea typeface="Menlo" panose="020B0609030804020204" pitchFamily="49" charset="0"/>
+                <a:cs typeface="Consolas" panose="020B0609020204030204" pitchFamily="49" charset="0"/>
               </a:rPr>
               <a:t>&gt;&gt;&gt; </a:t>
             </a:r>
@@ -14867,9 +14888,9 @@
                 <a:solidFill>
                   <a:schemeClr val="accent6"/>
                 </a:solidFill>
-                <a:latin typeface="Menlo" panose="020B0609030804020204" pitchFamily="49" charset="0"/>
-                <a:ea typeface="Menlo" panose="020B0609030804020204" pitchFamily="49" charset="0"/>
-                <a:cs typeface="Menlo" panose="020B0609030804020204" pitchFamily="49" charset="0"/>
+                <a:latin typeface="Consolas" panose="020B0609020204030204" pitchFamily="49" charset="0"/>
+                <a:ea typeface="Menlo" panose="020B0609030804020204" pitchFamily="49" charset="0"/>
+                <a:cs typeface="Consolas" panose="020B0609020204030204" pitchFamily="49" charset="0"/>
               </a:rPr>
               <a:t>print(reverse(['a', 'b', 'cd']))</a:t>
             </a:r>
@@ -14880,16 +14901,16 @@
             </a:pPr>
             <a:r>
               <a:rPr lang="en-US" dirty="0" err="1">
-                <a:latin typeface="Menlo" panose="020B0609030804020204" pitchFamily="49" charset="0"/>
-                <a:ea typeface="Menlo" panose="020B0609030804020204" pitchFamily="49" charset="0"/>
-                <a:cs typeface="Menlo" panose="020B0609030804020204" pitchFamily="49" charset="0"/>
+                <a:latin typeface="Consolas" panose="020B0609020204030204" pitchFamily="49" charset="0"/>
+                <a:ea typeface="Menlo" panose="020B0609030804020204" pitchFamily="49" charset="0"/>
+                <a:cs typeface="Consolas" panose="020B0609020204030204" pitchFamily="49" charset="0"/>
               </a:rPr>
               <a:t>cdba</a:t>
             </a:r>
             <a:endParaRPr lang="en-US" dirty="0">
-              <a:latin typeface="Menlo" panose="020B0609030804020204" pitchFamily="49" charset="0"/>
+              <a:latin typeface="Consolas" panose="020B0609020204030204" pitchFamily="49" charset="0"/>
               <a:ea typeface="Menlo" panose="020B0609030804020204" pitchFamily="49" charset="0"/>
-              <a:cs typeface="Menlo" panose="020B0609030804020204" pitchFamily="49" charset="0"/>
+              <a:cs typeface="Consolas" panose="020B0609020204030204" pitchFamily="49" charset="0"/>
             </a:endParaRPr>
           </a:p>
           <a:p>
@@ -14901,9 +14922,9 @@
                 <a:solidFill>
                   <a:schemeClr val="bg1"/>
                 </a:solidFill>
-                <a:latin typeface="Menlo" panose="020B0609030804020204" pitchFamily="49" charset="0"/>
-                <a:ea typeface="Menlo" panose="020B0609030804020204" pitchFamily="49" charset="0"/>
-                <a:cs typeface="Menlo" panose="020B0609030804020204" pitchFamily="49" charset="0"/>
+                <a:latin typeface="Consolas" panose="020B0609020204030204" pitchFamily="49" charset="0"/>
+                <a:ea typeface="Menlo" panose="020B0609030804020204" pitchFamily="49" charset="0"/>
+                <a:cs typeface="Consolas" panose="020B0609020204030204" pitchFamily="49" charset="0"/>
               </a:rPr>
               <a:t>.</a:t>
             </a:r>
@@ -16426,9 +16447,9 @@
           <a:p>
             <a:r>
               <a:rPr lang="en-US" sz="2800" dirty="0">
-                <a:latin typeface="Menlo" panose="020B0609030804020204" pitchFamily="49" charset="0"/>
-                <a:ea typeface="Menlo" panose="020B0609030804020204" pitchFamily="49" charset="0"/>
-                <a:cs typeface="Menlo" panose="020B0609030804020204" pitchFamily="49" charset="0"/>
+                <a:latin typeface="Consolas" panose="020B0609020204030204" pitchFamily="49" charset="0"/>
+                <a:ea typeface="Menlo" panose="020B0609030804020204" pitchFamily="49" charset="0"/>
+                <a:cs typeface="Consolas" panose="020B0609020204030204" pitchFamily="49" charset="0"/>
               </a:rPr>
               <a:t>Warning: Wall of Text Coming</a:t>
             </a:r>
@@ -16436,9 +16457,9 @@
           <a:p>
             <a:r>
               <a:rPr lang="en-US" sz="2800" dirty="0">
-                <a:latin typeface="Menlo" panose="020B0609030804020204" pitchFamily="49" charset="0"/>
-                <a:ea typeface="Menlo" panose="020B0609030804020204" pitchFamily="49" charset="0"/>
-                <a:cs typeface="Menlo" panose="020B0609030804020204" pitchFamily="49" charset="0"/>
+                <a:latin typeface="Consolas" panose="020B0609020204030204" pitchFamily="49" charset="0"/>
+                <a:ea typeface="Menlo" panose="020B0609030804020204" pitchFamily="49" charset="0"/>
+                <a:cs typeface="Consolas" panose="020B0609020204030204" pitchFamily="49" charset="0"/>
               </a:rPr>
               <a:t>Do not try to memorize</a:t>
             </a:r>
@@ -16482,9 +16503,9 @@
                 <a:srgbClr val="06FF00"/>
               </a:solidFill>
               <a:effectLst/>
-              <a:latin typeface="Menlo" panose="020B0609030804020204" pitchFamily="49" charset="0"/>
+              <a:latin typeface="Consolas" panose="020B0609020204030204" pitchFamily="49" charset="0"/>
               <a:ea typeface="Menlo" panose="020B0609030804020204" pitchFamily="49" charset="0"/>
-              <a:cs typeface="Menlo" panose="020B0609030804020204" pitchFamily="49" charset="0"/>
+              <a:cs typeface="Consolas" panose="020B0609020204030204" pitchFamily="49" charset="0"/>
             </a:endParaRPr>
           </a:p>
           <a:p>
@@ -16494,9 +16515,9 @@
                   <a:srgbClr val="06FF00"/>
                 </a:solidFill>
                 <a:effectLst/>
-                <a:latin typeface="Menlo" panose="020B0609030804020204" pitchFamily="49" charset="0"/>
-                <a:ea typeface="Menlo" panose="020B0609030804020204" pitchFamily="49" charset="0"/>
-                <a:cs typeface="Menlo" panose="020B0609030804020204" pitchFamily="49" charset="0"/>
+                <a:latin typeface="Consolas" panose="020B0609020204030204" pitchFamily="49" charset="0"/>
+                <a:ea typeface="Menlo" panose="020B0609030804020204" pitchFamily="49" charset="0"/>
+                <a:cs typeface="Consolas" panose="020B0609020204030204" pitchFamily="49" charset="0"/>
               </a:rPr>
               <a:t>&gt;&gt;&gt; type([]).__</a:t>
             </a:r>
@@ -16506,9 +16527,9 @@
                   <a:srgbClr val="06FF00"/>
                 </a:solidFill>
                 <a:effectLst/>
-                <a:latin typeface="Menlo" panose="020B0609030804020204" pitchFamily="49" charset="0"/>
-                <a:ea typeface="Menlo" panose="020B0609030804020204" pitchFamily="49" charset="0"/>
-                <a:cs typeface="Menlo" panose="020B0609030804020204" pitchFamily="49" charset="0"/>
+                <a:latin typeface="Consolas" panose="020B0609020204030204" pitchFamily="49" charset="0"/>
+                <a:ea typeface="Menlo" panose="020B0609030804020204" pitchFamily="49" charset="0"/>
+                <a:cs typeface="Consolas" panose="020B0609020204030204" pitchFamily="49" charset="0"/>
               </a:rPr>
               <a:t>dict</a:t>
             </a:r>
@@ -16518,9 +16539,9 @@
                   <a:srgbClr val="06FF00"/>
                 </a:solidFill>
                 <a:effectLst/>
-                <a:latin typeface="Menlo" panose="020B0609030804020204" pitchFamily="49" charset="0"/>
-                <a:ea typeface="Menlo" panose="020B0609030804020204" pitchFamily="49" charset="0"/>
-                <a:cs typeface="Menlo" panose="020B0609030804020204" pitchFamily="49" charset="0"/>
+                <a:latin typeface="Consolas" panose="020B0609020204030204" pitchFamily="49" charset="0"/>
+                <a:ea typeface="Menlo" panose="020B0609030804020204" pitchFamily="49" charset="0"/>
+                <a:cs typeface="Consolas" panose="020B0609020204030204" pitchFamily="49" charset="0"/>
               </a:rPr>
               <a:t>__</a:t>
             </a:r>
@@ -16528,9 +16549,9 @@
           <a:p>
             <a:r>
               <a:rPr lang="en-US" dirty="0">
-                <a:latin typeface="Menlo" panose="020B0609030804020204" pitchFamily="49" charset="0"/>
-                <a:ea typeface="Menlo" panose="020B0609030804020204" pitchFamily="49" charset="0"/>
-                <a:cs typeface="Menlo" panose="020B0609030804020204" pitchFamily="49" charset="0"/>
+                <a:latin typeface="Consolas" panose="020B0609020204030204" pitchFamily="49" charset="0"/>
+                <a:ea typeface="Menlo" panose="020B0609030804020204" pitchFamily="49" charset="0"/>
+                <a:cs typeface="Consolas" panose="020B0609020204030204" pitchFamily="49" charset="0"/>
               </a:rPr>
               <a:t>{	'__add__': &lt;slot wrapper '__add__' of 'list' objects&gt;,</a:t>
             </a:r>
@@ -16538,9 +16559,9 @@
           <a:p>
             <a:r>
               <a:rPr lang="en-US" dirty="0">
-                <a:latin typeface="Menlo" panose="020B0609030804020204" pitchFamily="49" charset="0"/>
-                <a:ea typeface="Menlo" panose="020B0609030804020204" pitchFamily="49" charset="0"/>
-                <a:cs typeface="Menlo" panose="020B0609030804020204" pitchFamily="49" charset="0"/>
+                <a:latin typeface="Consolas" panose="020B0609020204030204" pitchFamily="49" charset="0"/>
+                <a:ea typeface="Menlo" panose="020B0609030804020204" pitchFamily="49" charset="0"/>
+                <a:cs typeface="Consolas" panose="020B0609020204030204" pitchFamily="49" charset="0"/>
               </a:rPr>
               <a:t>	'__contains__': &lt;slot wrapper '__contains__' of 'list' objects&gt;,</a:t>
             </a:r>
@@ -16548,41 +16569,41 @@
           <a:p>
             <a:r>
               <a:rPr lang="en-US" dirty="0">
-                <a:latin typeface="Menlo" panose="020B0609030804020204" pitchFamily="49" charset="0"/>
-                <a:ea typeface="Menlo" panose="020B0609030804020204" pitchFamily="49" charset="0"/>
-                <a:cs typeface="Menlo" panose="020B0609030804020204" pitchFamily="49" charset="0"/>
+                <a:latin typeface="Consolas" panose="020B0609020204030204" pitchFamily="49" charset="0"/>
+                <a:ea typeface="Menlo" panose="020B0609030804020204" pitchFamily="49" charset="0"/>
+                <a:cs typeface="Consolas" panose="020B0609020204030204" pitchFamily="49" charset="0"/>
               </a:rPr>
               <a:t>	'__</a:t>
             </a:r>
             <a:r>
               <a:rPr lang="en-US" dirty="0" err="1">
-                <a:latin typeface="Menlo" panose="020B0609030804020204" pitchFamily="49" charset="0"/>
-                <a:ea typeface="Menlo" panose="020B0609030804020204" pitchFamily="49" charset="0"/>
-                <a:cs typeface="Menlo" panose="020B0609030804020204" pitchFamily="49" charset="0"/>
+                <a:latin typeface="Consolas" panose="020B0609020204030204" pitchFamily="49" charset="0"/>
+                <a:ea typeface="Menlo" panose="020B0609030804020204" pitchFamily="49" charset="0"/>
+                <a:cs typeface="Consolas" panose="020B0609020204030204" pitchFamily="49" charset="0"/>
               </a:rPr>
               <a:t>delitem</a:t>
             </a:r>
             <a:r>
               <a:rPr lang="en-US" dirty="0">
-                <a:latin typeface="Menlo" panose="020B0609030804020204" pitchFamily="49" charset="0"/>
-                <a:ea typeface="Menlo" panose="020B0609030804020204" pitchFamily="49" charset="0"/>
-                <a:cs typeface="Menlo" panose="020B0609030804020204" pitchFamily="49" charset="0"/>
+                <a:latin typeface="Consolas" panose="020B0609020204030204" pitchFamily="49" charset="0"/>
+                <a:ea typeface="Menlo" panose="020B0609030804020204" pitchFamily="49" charset="0"/>
+                <a:cs typeface="Consolas" panose="020B0609020204030204" pitchFamily="49" charset="0"/>
               </a:rPr>
               <a:t>__': &lt;slot wrapper '__</a:t>
             </a:r>
             <a:r>
               <a:rPr lang="en-US" dirty="0" err="1">
-                <a:latin typeface="Menlo" panose="020B0609030804020204" pitchFamily="49" charset="0"/>
-                <a:ea typeface="Menlo" panose="020B0609030804020204" pitchFamily="49" charset="0"/>
-                <a:cs typeface="Menlo" panose="020B0609030804020204" pitchFamily="49" charset="0"/>
+                <a:latin typeface="Consolas" panose="020B0609020204030204" pitchFamily="49" charset="0"/>
+                <a:ea typeface="Menlo" panose="020B0609030804020204" pitchFamily="49" charset="0"/>
+                <a:cs typeface="Consolas" panose="020B0609020204030204" pitchFamily="49" charset="0"/>
               </a:rPr>
               <a:t>delitem</a:t>
             </a:r>
             <a:r>
               <a:rPr lang="en-US" dirty="0">
-                <a:latin typeface="Menlo" panose="020B0609030804020204" pitchFamily="49" charset="0"/>
-                <a:ea typeface="Menlo" panose="020B0609030804020204" pitchFamily="49" charset="0"/>
-                <a:cs typeface="Menlo" panose="020B0609030804020204" pitchFamily="49" charset="0"/>
+                <a:latin typeface="Consolas" panose="020B0609020204030204" pitchFamily="49" charset="0"/>
+                <a:ea typeface="Menlo" panose="020B0609030804020204" pitchFamily="49" charset="0"/>
+                <a:cs typeface="Consolas" panose="020B0609020204030204" pitchFamily="49" charset="0"/>
               </a:rPr>
               <a:t>__' of 'list' objects&gt;,</a:t>
             </a:r>
@@ -16590,9 +16611,9 @@
           <a:p>
             <a:r>
               <a:rPr lang="en-US" dirty="0">
-                <a:latin typeface="Menlo" panose="020B0609030804020204" pitchFamily="49" charset="0"/>
-                <a:ea typeface="Menlo" panose="020B0609030804020204" pitchFamily="49" charset="0"/>
-                <a:cs typeface="Menlo" panose="020B0609030804020204" pitchFamily="49" charset="0"/>
+                <a:latin typeface="Consolas" panose="020B0609020204030204" pitchFamily="49" charset="0"/>
+                <a:ea typeface="Menlo" panose="020B0609030804020204" pitchFamily="49" charset="0"/>
+                <a:cs typeface="Consolas" panose="020B0609020204030204" pitchFamily="49" charset="0"/>
               </a:rPr>
               <a:t>	'__doc__': 'list() -&gt; new empty list\n’</a:t>
             </a:r>
@@ -16600,25 +16621,25 @@
           <a:p>
             <a:r>
               <a:rPr lang="en-US" dirty="0">
-                <a:latin typeface="Menlo" panose="020B0609030804020204" pitchFamily="49" charset="0"/>
-                <a:ea typeface="Menlo" panose="020B0609030804020204" pitchFamily="49" charset="0"/>
-                <a:cs typeface="Menlo" panose="020B0609030804020204" pitchFamily="49" charset="0"/>
+                <a:latin typeface="Consolas" panose="020B0609020204030204" pitchFamily="49" charset="0"/>
+                <a:ea typeface="Menlo" panose="020B0609030804020204" pitchFamily="49" charset="0"/>
+                <a:cs typeface="Consolas" panose="020B0609020204030204" pitchFamily="49" charset="0"/>
               </a:rPr>
               <a:t>		'list(</a:t>
             </a:r>
             <a:r>
               <a:rPr lang="en-US" dirty="0" err="1">
-                <a:latin typeface="Menlo" panose="020B0609030804020204" pitchFamily="49" charset="0"/>
-                <a:ea typeface="Menlo" panose="020B0609030804020204" pitchFamily="49" charset="0"/>
-                <a:cs typeface="Menlo" panose="020B0609030804020204" pitchFamily="49" charset="0"/>
+                <a:latin typeface="Consolas" panose="020B0609020204030204" pitchFamily="49" charset="0"/>
+                <a:ea typeface="Menlo" panose="020B0609030804020204" pitchFamily="49" charset="0"/>
+                <a:cs typeface="Consolas" panose="020B0609020204030204" pitchFamily="49" charset="0"/>
               </a:rPr>
               <a:t>iterable</a:t>
             </a:r>
             <a:r>
               <a:rPr lang="en-US" dirty="0">
-                <a:latin typeface="Menlo" panose="020B0609030804020204" pitchFamily="49" charset="0"/>
-                <a:ea typeface="Menlo" panose="020B0609030804020204" pitchFamily="49" charset="0"/>
-                <a:cs typeface="Menlo" panose="020B0609030804020204" pitchFamily="49" charset="0"/>
+                <a:latin typeface="Consolas" panose="020B0609020204030204" pitchFamily="49" charset="0"/>
+                <a:ea typeface="Menlo" panose="020B0609030804020204" pitchFamily="49" charset="0"/>
+                <a:cs typeface="Consolas" panose="020B0609020204030204" pitchFamily="49" charset="0"/>
               </a:rPr>
               <a:t>) -&gt; new list initialized from ‘</a:t>
             </a:r>
@@ -16626,25 +16647,25 @@
           <a:p>
             <a:r>
               <a:rPr lang="en-US" dirty="0">
-                <a:latin typeface="Menlo" panose="020B0609030804020204" pitchFamily="49" charset="0"/>
-                <a:ea typeface="Menlo" panose="020B0609030804020204" pitchFamily="49" charset="0"/>
-                <a:cs typeface="Menlo" panose="020B0609030804020204" pitchFamily="49" charset="0"/>
+                <a:latin typeface="Consolas" panose="020B0609020204030204" pitchFamily="49" charset="0"/>
+                <a:ea typeface="Menlo" panose="020B0609030804020204" pitchFamily="49" charset="0"/>
+                <a:cs typeface="Consolas" panose="020B0609020204030204" pitchFamily="49" charset="0"/>
               </a:rPr>
               <a:t>		"</a:t>
             </a:r>
             <a:r>
               <a:rPr lang="en-US" dirty="0" err="1">
-                <a:latin typeface="Menlo" panose="020B0609030804020204" pitchFamily="49" charset="0"/>
-                <a:ea typeface="Menlo" panose="020B0609030804020204" pitchFamily="49" charset="0"/>
-                <a:cs typeface="Menlo" panose="020B0609030804020204" pitchFamily="49" charset="0"/>
+                <a:latin typeface="Consolas" panose="020B0609020204030204" pitchFamily="49" charset="0"/>
+                <a:ea typeface="Menlo" panose="020B0609030804020204" pitchFamily="49" charset="0"/>
+                <a:cs typeface="Consolas" panose="020B0609020204030204" pitchFamily="49" charset="0"/>
               </a:rPr>
               <a:t>iterable's</a:t>
             </a:r>
             <a:r>
               <a:rPr lang="en-US" dirty="0">
-                <a:latin typeface="Menlo" panose="020B0609030804020204" pitchFamily="49" charset="0"/>
-                <a:ea typeface="Menlo" panose="020B0609030804020204" pitchFamily="49" charset="0"/>
-                <a:cs typeface="Menlo" panose="020B0609030804020204" pitchFamily="49" charset="0"/>
+                <a:latin typeface="Consolas" panose="020B0609020204030204" pitchFamily="49" charset="0"/>
+                <a:ea typeface="Menlo" panose="020B0609030804020204" pitchFamily="49" charset="0"/>
+                <a:cs typeface="Consolas" panose="020B0609020204030204" pitchFamily="49" charset="0"/>
               </a:rPr>
               <a:t> items",</a:t>
             </a:r>
@@ -16652,41 +16673,41 @@
           <a:p>
             <a:r>
               <a:rPr lang="en-US" dirty="0">
-                <a:latin typeface="Menlo" panose="020B0609030804020204" pitchFamily="49" charset="0"/>
-                <a:ea typeface="Menlo" panose="020B0609030804020204" pitchFamily="49" charset="0"/>
-                <a:cs typeface="Menlo" panose="020B0609030804020204" pitchFamily="49" charset="0"/>
+                <a:latin typeface="Consolas" panose="020B0609020204030204" pitchFamily="49" charset="0"/>
+                <a:ea typeface="Menlo" panose="020B0609030804020204" pitchFamily="49" charset="0"/>
+                <a:cs typeface="Consolas" panose="020B0609020204030204" pitchFamily="49" charset="0"/>
               </a:rPr>
               <a:t>	'__</a:t>
             </a:r>
             <a:r>
               <a:rPr lang="en-US" dirty="0" err="1">
-                <a:latin typeface="Menlo" panose="020B0609030804020204" pitchFamily="49" charset="0"/>
-                <a:ea typeface="Menlo" panose="020B0609030804020204" pitchFamily="49" charset="0"/>
-                <a:cs typeface="Menlo" panose="020B0609030804020204" pitchFamily="49" charset="0"/>
+                <a:latin typeface="Consolas" panose="020B0609020204030204" pitchFamily="49" charset="0"/>
+                <a:ea typeface="Menlo" panose="020B0609030804020204" pitchFamily="49" charset="0"/>
+                <a:cs typeface="Consolas" panose="020B0609020204030204" pitchFamily="49" charset="0"/>
               </a:rPr>
               <a:t>iter</a:t>
             </a:r>
             <a:r>
               <a:rPr lang="en-US" dirty="0">
-                <a:latin typeface="Menlo" panose="020B0609030804020204" pitchFamily="49" charset="0"/>
-                <a:ea typeface="Menlo" panose="020B0609030804020204" pitchFamily="49" charset="0"/>
-                <a:cs typeface="Menlo" panose="020B0609030804020204" pitchFamily="49" charset="0"/>
+                <a:latin typeface="Consolas" panose="020B0609020204030204" pitchFamily="49" charset="0"/>
+                <a:ea typeface="Menlo" panose="020B0609030804020204" pitchFamily="49" charset="0"/>
+                <a:cs typeface="Consolas" panose="020B0609020204030204" pitchFamily="49" charset="0"/>
               </a:rPr>
               <a:t>__': &lt;slot wrapper '__</a:t>
             </a:r>
             <a:r>
               <a:rPr lang="en-US" dirty="0" err="1">
-                <a:latin typeface="Menlo" panose="020B0609030804020204" pitchFamily="49" charset="0"/>
-                <a:ea typeface="Menlo" panose="020B0609030804020204" pitchFamily="49" charset="0"/>
-                <a:cs typeface="Menlo" panose="020B0609030804020204" pitchFamily="49" charset="0"/>
+                <a:latin typeface="Consolas" panose="020B0609020204030204" pitchFamily="49" charset="0"/>
+                <a:ea typeface="Menlo" panose="020B0609030804020204" pitchFamily="49" charset="0"/>
+                <a:cs typeface="Consolas" panose="020B0609020204030204" pitchFamily="49" charset="0"/>
               </a:rPr>
               <a:t>iter</a:t>
             </a:r>
             <a:r>
               <a:rPr lang="en-US" dirty="0">
-                <a:latin typeface="Menlo" panose="020B0609030804020204" pitchFamily="49" charset="0"/>
-                <a:ea typeface="Menlo" panose="020B0609030804020204" pitchFamily="49" charset="0"/>
-                <a:cs typeface="Menlo" panose="020B0609030804020204" pitchFamily="49" charset="0"/>
+                <a:latin typeface="Consolas" panose="020B0609020204030204" pitchFamily="49" charset="0"/>
+                <a:ea typeface="Menlo" panose="020B0609030804020204" pitchFamily="49" charset="0"/>
+                <a:cs typeface="Consolas" panose="020B0609020204030204" pitchFamily="49" charset="0"/>
               </a:rPr>
               <a:t>__' of 'list' objects&gt;,</a:t>
             </a:r>
@@ -16694,41 +16715,41 @@
           <a:p>
             <a:r>
               <a:rPr lang="en-US" dirty="0">
-                <a:latin typeface="Menlo" panose="020B0609030804020204" pitchFamily="49" charset="0"/>
-                <a:ea typeface="Menlo" panose="020B0609030804020204" pitchFamily="49" charset="0"/>
-                <a:cs typeface="Menlo" panose="020B0609030804020204" pitchFamily="49" charset="0"/>
+                <a:latin typeface="Consolas" panose="020B0609020204030204" pitchFamily="49" charset="0"/>
+                <a:ea typeface="Menlo" panose="020B0609030804020204" pitchFamily="49" charset="0"/>
+                <a:cs typeface="Consolas" panose="020B0609020204030204" pitchFamily="49" charset="0"/>
               </a:rPr>
               <a:t>	'__</a:t>
             </a:r>
             <a:r>
               <a:rPr lang="en-US" dirty="0" err="1">
-                <a:latin typeface="Menlo" panose="020B0609030804020204" pitchFamily="49" charset="0"/>
-                <a:ea typeface="Menlo" panose="020B0609030804020204" pitchFamily="49" charset="0"/>
-                <a:cs typeface="Menlo" panose="020B0609030804020204" pitchFamily="49" charset="0"/>
+                <a:latin typeface="Consolas" panose="020B0609020204030204" pitchFamily="49" charset="0"/>
+                <a:ea typeface="Menlo" panose="020B0609030804020204" pitchFamily="49" charset="0"/>
+                <a:cs typeface="Consolas" panose="020B0609020204030204" pitchFamily="49" charset="0"/>
               </a:rPr>
               <a:t>len</a:t>
             </a:r>
             <a:r>
               <a:rPr lang="en-US" dirty="0">
-                <a:latin typeface="Menlo" panose="020B0609030804020204" pitchFamily="49" charset="0"/>
-                <a:ea typeface="Menlo" panose="020B0609030804020204" pitchFamily="49" charset="0"/>
-                <a:cs typeface="Menlo" panose="020B0609030804020204" pitchFamily="49" charset="0"/>
+                <a:latin typeface="Consolas" panose="020B0609020204030204" pitchFamily="49" charset="0"/>
+                <a:ea typeface="Menlo" panose="020B0609030804020204" pitchFamily="49" charset="0"/>
+                <a:cs typeface="Consolas" panose="020B0609020204030204" pitchFamily="49" charset="0"/>
               </a:rPr>
               <a:t>__': &lt;slot wrapper '__</a:t>
             </a:r>
             <a:r>
               <a:rPr lang="en-US" dirty="0" err="1">
-                <a:latin typeface="Menlo" panose="020B0609030804020204" pitchFamily="49" charset="0"/>
-                <a:ea typeface="Menlo" panose="020B0609030804020204" pitchFamily="49" charset="0"/>
-                <a:cs typeface="Menlo" panose="020B0609030804020204" pitchFamily="49" charset="0"/>
+                <a:latin typeface="Consolas" panose="020B0609020204030204" pitchFamily="49" charset="0"/>
+                <a:ea typeface="Menlo" panose="020B0609030804020204" pitchFamily="49" charset="0"/>
+                <a:cs typeface="Consolas" panose="020B0609020204030204" pitchFamily="49" charset="0"/>
               </a:rPr>
               <a:t>len</a:t>
             </a:r>
             <a:r>
               <a:rPr lang="en-US" dirty="0">
-                <a:latin typeface="Menlo" panose="020B0609030804020204" pitchFamily="49" charset="0"/>
-                <a:ea typeface="Menlo" panose="020B0609030804020204" pitchFamily="49" charset="0"/>
-                <a:cs typeface="Menlo" panose="020B0609030804020204" pitchFamily="49" charset="0"/>
+                <a:latin typeface="Consolas" panose="020B0609020204030204" pitchFamily="49" charset="0"/>
+                <a:ea typeface="Menlo" panose="020B0609030804020204" pitchFamily="49" charset="0"/>
+                <a:cs typeface="Consolas" panose="020B0609020204030204" pitchFamily="49" charset="0"/>
               </a:rPr>
               <a:t>__' of 'list' objects&gt;,</a:t>
             </a:r>
@@ -16736,41 +16757,41 @@
           <a:p>
             <a:r>
               <a:rPr lang="en-US" dirty="0">
-                <a:latin typeface="Menlo" panose="020B0609030804020204" pitchFamily="49" charset="0"/>
-                <a:ea typeface="Menlo" panose="020B0609030804020204" pitchFamily="49" charset="0"/>
-                <a:cs typeface="Menlo" panose="020B0609030804020204" pitchFamily="49" charset="0"/>
+                <a:latin typeface="Consolas" panose="020B0609020204030204" pitchFamily="49" charset="0"/>
+                <a:ea typeface="Menlo" panose="020B0609030804020204" pitchFamily="49" charset="0"/>
+                <a:cs typeface="Consolas" panose="020B0609020204030204" pitchFamily="49" charset="0"/>
               </a:rPr>
               <a:t>	'__</a:t>
             </a:r>
             <a:r>
               <a:rPr lang="en-US" dirty="0" err="1">
-                <a:latin typeface="Menlo" panose="020B0609030804020204" pitchFamily="49" charset="0"/>
-                <a:ea typeface="Menlo" panose="020B0609030804020204" pitchFamily="49" charset="0"/>
-                <a:cs typeface="Menlo" panose="020B0609030804020204" pitchFamily="49" charset="0"/>
+                <a:latin typeface="Consolas" panose="020B0609020204030204" pitchFamily="49" charset="0"/>
+                <a:ea typeface="Menlo" panose="020B0609030804020204" pitchFamily="49" charset="0"/>
+                <a:cs typeface="Consolas" panose="020B0609020204030204" pitchFamily="49" charset="0"/>
               </a:rPr>
               <a:t>lt</a:t>
             </a:r>
             <a:r>
               <a:rPr lang="en-US" dirty="0">
-                <a:latin typeface="Menlo" panose="020B0609030804020204" pitchFamily="49" charset="0"/>
-                <a:ea typeface="Menlo" panose="020B0609030804020204" pitchFamily="49" charset="0"/>
-                <a:cs typeface="Menlo" panose="020B0609030804020204" pitchFamily="49" charset="0"/>
+                <a:latin typeface="Consolas" panose="020B0609020204030204" pitchFamily="49" charset="0"/>
+                <a:ea typeface="Menlo" panose="020B0609030804020204" pitchFamily="49" charset="0"/>
+                <a:cs typeface="Consolas" panose="020B0609020204030204" pitchFamily="49" charset="0"/>
               </a:rPr>
               <a:t>__': &lt;slot wrapper '__</a:t>
             </a:r>
             <a:r>
               <a:rPr lang="en-US" dirty="0" err="1">
-                <a:latin typeface="Menlo" panose="020B0609030804020204" pitchFamily="49" charset="0"/>
-                <a:ea typeface="Menlo" panose="020B0609030804020204" pitchFamily="49" charset="0"/>
-                <a:cs typeface="Menlo" panose="020B0609030804020204" pitchFamily="49" charset="0"/>
+                <a:latin typeface="Consolas" panose="020B0609020204030204" pitchFamily="49" charset="0"/>
+                <a:ea typeface="Menlo" panose="020B0609030804020204" pitchFamily="49" charset="0"/>
+                <a:cs typeface="Consolas" panose="020B0609020204030204" pitchFamily="49" charset="0"/>
               </a:rPr>
               <a:t>lt</a:t>
             </a:r>
             <a:r>
               <a:rPr lang="en-US" dirty="0">
-                <a:latin typeface="Menlo" panose="020B0609030804020204" pitchFamily="49" charset="0"/>
-                <a:ea typeface="Menlo" panose="020B0609030804020204" pitchFamily="49" charset="0"/>
-                <a:cs typeface="Menlo" panose="020B0609030804020204" pitchFamily="49" charset="0"/>
+                <a:latin typeface="Consolas" panose="020B0609020204030204" pitchFamily="49" charset="0"/>
+                <a:ea typeface="Menlo" panose="020B0609030804020204" pitchFamily="49" charset="0"/>
+                <a:cs typeface="Consolas" panose="020B0609020204030204" pitchFamily="49" charset="0"/>
               </a:rPr>
               <a:t>__' of 'list' objects&gt;,</a:t>
             </a:r>
@@ -16778,41 +16799,41 @@
           <a:p>
             <a:r>
               <a:rPr lang="en-US" dirty="0">
-                <a:latin typeface="Menlo" panose="020B0609030804020204" pitchFamily="49" charset="0"/>
-                <a:ea typeface="Menlo" panose="020B0609030804020204" pitchFamily="49" charset="0"/>
-                <a:cs typeface="Menlo" panose="020B0609030804020204" pitchFamily="49" charset="0"/>
+                <a:latin typeface="Consolas" panose="020B0609020204030204" pitchFamily="49" charset="0"/>
+                <a:ea typeface="Menlo" panose="020B0609030804020204" pitchFamily="49" charset="0"/>
+                <a:cs typeface="Consolas" panose="020B0609020204030204" pitchFamily="49" charset="0"/>
               </a:rPr>
               <a:t>	'__</a:t>
             </a:r>
             <a:r>
               <a:rPr lang="en-US" dirty="0" err="1">
-                <a:latin typeface="Menlo" panose="020B0609030804020204" pitchFamily="49" charset="0"/>
-                <a:ea typeface="Menlo" panose="020B0609030804020204" pitchFamily="49" charset="0"/>
-                <a:cs typeface="Menlo" panose="020B0609030804020204" pitchFamily="49" charset="0"/>
+                <a:latin typeface="Consolas" panose="020B0609020204030204" pitchFamily="49" charset="0"/>
+                <a:ea typeface="Menlo" panose="020B0609030804020204" pitchFamily="49" charset="0"/>
+                <a:cs typeface="Consolas" panose="020B0609020204030204" pitchFamily="49" charset="0"/>
               </a:rPr>
               <a:t>mul</a:t>
             </a:r>
             <a:r>
               <a:rPr lang="en-US" dirty="0">
-                <a:latin typeface="Menlo" panose="020B0609030804020204" pitchFamily="49" charset="0"/>
-                <a:ea typeface="Menlo" panose="020B0609030804020204" pitchFamily="49" charset="0"/>
-                <a:cs typeface="Menlo" panose="020B0609030804020204" pitchFamily="49" charset="0"/>
+                <a:latin typeface="Consolas" panose="020B0609020204030204" pitchFamily="49" charset="0"/>
+                <a:ea typeface="Menlo" panose="020B0609030804020204" pitchFamily="49" charset="0"/>
+                <a:cs typeface="Consolas" panose="020B0609020204030204" pitchFamily="49" charset="0"/>
               </a:rPr>
               <a:t>__': &lt;slot wrapper '__</a:t>
             </a:r>
             <a:r>
               <a:rPr lang="en-US" dirty="0" err="1">
-                <a:latin typeface="Menlo" panose="020B0609030804020204" pitchFamily="49" charset="0"/>
-                <a:ea typeface="Menlo" panose="020B0609030804020204" pitchFamily="49" charset="0"/>
-                <a:cs typeface="Menlo" panose="020B0609030804020204" pitchFamily="49" charset="0"/>
+                <a:latin typeface="Consolas" panose="020B0609020204030204" pitchFamily="49" charset="0"/>
+                <a:ea typeface="Menlo" panose="020B0609030804020204" pitchFamily="49" charset="0"/>
+                <a:cs typeface="Consolas" panose="020B0609020204030204" pitchFamily="49" charset="0"/>
               </a:rPr>
               <a:t>mul</a:t>
             </a:r>
             <a:r>
               <a:rPr lang="en-US" dirty="0">
-                <a:latin typeface="Menlo" panose="020B0609030804020204" pitchFamily="49" charset="0"/>
-                <a:ea typeface="Menlo" panose="020B0609030804020204" pitchFamily="49" charset="0"/>
-                <a:cs typeface="Menlo" panose="020B0609030804020204" pitchFamily="49" charset="0"/>
+                <a:latin typeface="Consolas" panose="020B0609020204030204" pitchFamily="49" charset="0"/>
+                <a:ea typeface="Menlo" panose="020B0609030804020204" pitchFamily="49" charset="0"/>
+                <a:cs typeface="Consolas" panose="020B0609020204030204" pitchFamily="49" charset="0"/>
               </a:rPr>
               <a:t>__' of 'list' objects&gt;,</a:t>
             </a:r>
@@ -16820,9 +16841,9 @@
           <a:p>
             <a:r>
               <a:rPr lang="en-US" dirty="0">
-                <a:latin typeface="Menlo" panose="020B0609030804020204" pitchFamily="49" charset="0"/>
-                <a:ea typeface="Menlo" panose="020B0609030804020204" pitchFamily="49" charset="0"/>
-                <a:cs typeface="Menlo" panose="020B0609030804020204" pitchFamily="49" charset="0"/>
+                <a:latin typeface="Consolas" panose="020B0609020204030204" pitchFamily="49" charset="0"/>
+                <a:ea typeface="Menlo" panose="020B0609030804020204" pitchFamily="49" charset="0"/>
+                <a:cs typeface="Consolas" panose="020B0609020204030204" pitchFamily="49" charset="0"/>
               </a:rPr>
               <a:t>...</a:t>
             </a:r>
@@ -16830,9 +16851,9 @@
           <a:p>
             <a:r>
               <a:rPr lang="en-US" dirty="0">
-                <a:latin typeface="Menlo" panose="020B0609030804020204" pitchFamily="49" charset="0"/>
-                <a:ea typeface="Menlo" panose="020B0609030804020204" pitchFamily="49" charset="0"/>
-                <a:cs typeface="Menlo" panose="020B0609030804020204" pitchFamily="49" charset="0"/>
+                <a:latin typeface="Consolas" panose="020B0609020204030204" pitchFamily="49" charset="0"/>
+                <a:ea typeface="Menlo" panose="020B0609030804020204" pitchFamily="49" charset="0"/>
+                <a:cs typeface="Consolas" panose="020B0609020204030204" pitchFamily="49" charset="0"/>
               </a:rPr>
               <a:t>	'append': &lt;method 'append' of 'list' objects&gt;,</a:t>
             </a:r>
@@ -16840,9 +16861,9 @@
           <a:p>
             <a:r>
               <a:rPr lang="en-US" dirty="0">
-                <a:latin typeface="Menlo" panose="020B0609030804020204" pitchFamily="49" charset="0"/>
-                <a:ea typeface="Menlo" panose="020B0609030804020204" pitchFamily="49" charset="0"/>
-                <a:cs typeface="Menlo" panose="020B0609030804020204" pitchFamily="49" charset="0"/>
+                <a:latin typeface="Consolas" panose="020B0609020204030204" pitchFamily="49" charset="0"/>
+                <a:ea typeface="Menlo" panose="020B0609030804020204" pitchFamily="49" charset="0"/>
+                <a:cs typeface="Consolas" panose="020B0609020204030204" pitchFamily="49" charset="0"/>
               </a:rPr>
               <a:t>	'clear': &lt;method 'clear' of 'list' objects&gt;,</a:t>
             </a:r>
@@ -16850,9 +16871,9 @@
           <a:p>
             <a:r>
               <a:rPr lang="en-US" dirty="0">
-                <a:latin typeface="Menlo" panose="020B0609030804020204" pitchFamily="49" charset="0"/>
-                <a:ea typeface="Menlo" panose="020B0609030804020204" pitchFamily="49" charset="0"/>
-                <a:cs typeface="Menlo" panose="020B0609030804020204" pitchFamily="49" charset="0"/>
+                <a:latin typeface="Consolas" panose="020B0609020204030204" pitchFamily="49" charset="0"/>
+                <a:ea typeface="Menlo" panose="020B0609030804020204" pitchFamily="49" charset="0"/>
+                <a:cs typeface="Consolas" panose="020B0609020204030204" pitchFamily="49" charset="0"/>
               </a:rPr>
               <a:t>	'copy': &lt;method 'copy' of 'list' objects&gt;,</a:t>
             </a:r>
@@ -16860,9 +16881,9 @@
           <a:p>
             <a:r>
               <a:rPr lang="en-US" dirty="0">
-                <a:latin typeface="Menlo" panose="020B0609030804020204" pitchFamily="49" charset="0"/>
-                <a:ea typeface="Menlo" panose="020B0609030804020204" pitchFamily="49" charset="0"/>
-                <a:cs typeface="Menlo" panose="020B0609030804020204" pitchFamily="49" charset="0"/>
+                <a:latin typeface="Consolas" panose="020B0609020204030204" pitchFamily="49" charset="0"/>
+                <a:ea typeface="Menlo" panose="020B0609030804020204" pitchFamily="49" charset="0"/>
+                <a:cs typeface="Consolas" panose="020B0609020204030204" pitchFamily="49" charset="0"/>
               </a:rPr>
               <a:t>	'count': &lt;method 'count' of 'list' objects&gt;,</a:t>
             </a:r>
@@ -16870,9 +16891,9 @@
           <a:p>
             <a:r>
               <a:rPr lang="en-US" dirty="0">
-                <a:latin typeface="Menlo" panose="020B0609030804020204" pitchFamily="49" charset="0"/>
-                <a:ea typeface="Menlo" panose="020B0609030804020204" pitchFamily="49" charset="0"/>
-                <a:cs typeface="Menlo" panose="020B0609030804020204" pitchFamily="49" charset="0"/>
+                <a:latin typeface="Consolas" panose="020B0609020204030204" pitchFamily="49" charset="0"/>
+                <a:ea typeface="Menlo" panose="020B0609030804020204" pitchFamily="49" charset="0"/>
+                <a:cs typeface="Consolas" panose="020B0609020204030204" pitchFamily="49" charset="0"/>
               </a:rPr>
               <a:t>	'extend': &lt;method 'extend' of 'list' objects&gt;,</a:t>
             </a:r>
@@ -16880,9 +16901,9 @@
           <a:p>
             <a:r>
               <a:rPr lang="en-US" dirty="0">
-                <a:latin typeface="Menlo" panose="020B0609030804020204" pitchFamily="49" charset="0"/>
-                <a:ea typeface="Menlo" panose="020B0609030804020204" pitchFamily="49" charset="0"/>
-                <a:cs typeface="Menlo" panose="020B0609030804020204" pitchFamily="49" charset="0"/>
+                <a:latin typeface="Consolas" panose="020B0609020204030204" pitchFamily="49" charset="0"/>
+                <a:ea typeface="Menlo" panose="020B0609030804020204" pitchFamily="49" charset="0"/>
+                <a:cs typeface="Consolas" panose="020B0609020204030204" pitchFamily="49" charset="0"/>
               </a:rPr>
               <a:t>	'index': &lt;method 'index' of 'list' objects&gt;,</a:t>
             </a:r>
@@ -16890,9 +16911,9 @@
           <a:p>
             <a:r>
               <a:rPr lang="en-US" dirty="0">
-                <a:latin typeface="Menlo" panose="020B0609030804020204" pitchFamily="49" charset="0"/>
-                <a:ea typeface="Menlo" panose="020B0609030804020204" pitchFamily="49" charset="0"/>
-                <a:cs typeface="Menlo" panose="020B0609030804020204" pitchFamily="49" charset="0"/>
+                <a:latin typeface="Consolas" panose="020B0609020204030204" pitchFamily="49" charset="0"/>
+                <a:ea typeface="Menlo" panose="020B0609030804020204" pitchFamily="49" charset="0"/>
+                <a:cs typeface="Consolas" panose="020B0609020204030204" pitchFamily="49" charset="0"/>
               </a:rPr>
               <a:t>	'insert': &lt;method 'insert' of 'list' objects&gt;,</a:t>
             </a:r>
@@ -16900,9 +16921,9 @@
           <a:p>
             <a:r>
               <a:rPr lang="en-US" dirty="0">
-                <a:latin typeface="Menlo" panose="020B0609030804020204" pitchFamily="49" charset="0"/>
-                <a:ea typeface="Menlo" panose="020B0609030804020204" pitchFamily="49" charset="0"/>
-                <a:cs typeface="Menlo" panose="020B0609030804020204" pitchFamily="49" charset="0"/>
+                <a:latin typeface="Consolas" panose="020B0609020204030204" pitchFamily="49" charset="0"/>
+                <a:ea typeface="Menlo" panose="020B0609030804020204" pitchFamily="49" charset="0"/>
+                <a:cs typeface="Consolas" panose="020B0609020204030204" pitchFamily="49" charset="0"/>
               </a:rPr>
               <a:t>	'pop': &lt;method 'pop' of 'list' objects&gt;,</a:t>
             </a:r>
@@ -16910,9 +16931,9 @@
           <a:p>
             <a:r>
               <a:rPr lang="en-US" dirty="0">
-                <a:latin typeface="Menlo" panose="020B0609030804020204" pitchFamily="49" charset="0"/>
-                <a:ea typeface="Menlo" panose="020B0609030804020204" pitchFamily="49" charset="0"/>
-                <a:cs typeface="Menlo" panose="020B0609030804020204" pitchFamily="49" charset="0"/>
+                <a:latin typeface="Consolas" panose="020B0609020204030204" pitchFamily="49" charset="0"/>
+                <a:ea typeface="Menlo" panose="020B0609030804020204" pitchFamily="49" charset="0"/>
+                <a:cs typeface="Consolas" panose="020B0609020204030204" pitchFamily="49" charset="0"/>
               </a:rPr>
               <a:t>	'remove': &lt;method 'remove' of 'list' objects&gt;,</a:t>
             </a:r>
@@ -16920,9 +16941,9 @@
           <a:p>
             <a:r>
               <a:rPr lang="en-US" dirty="0">
-                <a:latin typeface="Menlo" panose="020B0609030804020204" pitchFamily="49" charset="0"/>
-                <a:ea typeface="Menlo" panose="020B0609030804020204" pitchFamily="49" charset="0"/>
-                <a:cs typeface="Menlo" panose="020B0609030804020204" pitchFamily="49" charset="0"/>
+                <a:latin typeface="Consolas" panose="020B0609020204030204" pitchFamily="49" charset="0"/>
+                <a:ea typeface="Menlo" panose="020B0609030804020204" pitchFamily="49" charset="0"/>
+                <a:cs typeface="Consolas" panose="020B0609020204030204" pitchFamily="49" charset="0"/>
               </a:rPr>
               <a:t>	'reverse': &lt;method 'reverse' of 'list' objects&gt;,</a:t>
             </a:r>
@@ -16930,9 +16951,9 @@
           <a:p>
             <a:r>
               <a:rPr lang="en-US" dirty="0">
-                <a:latin typeface="Menlo" panose="020B0609030804020204" pitchFamily="49" charset="0"/>
-                <a:ea typeface="Menlo" panose="020B0609030804020204" pitchFamily="49" charset="0"/>
-                <a:cs typeface="Menlo" panose="020B0609030804020204" pitchFamily="49" charset="0"/>
+                <a:latin typeface="Consolas" panose="020B0609020204030204" pitchFamily="49" charset="0"/>
+                <a:ea typeface="Menlo" panose="020B0609030804020204" pitchFamily="49" charset="0"/>
+                <a:cs typeface="Consolas" panose="020B0609020204030204" pitchFamily="49" charset="0"/>
               </a:rPr>
               <a:t>	'sort': &lt;method 'sort' of 'list' objects&gt;</a:t>
             </a:r>
@@ -16940,9 +16961,9 @@
           <a:p>
             <a:r>
               <a:rPr lang="en-US" dirty="0">
-                <a:latin typeface="Menlo" panose="020B0609030804020204" pitchFamily="49" charset="0"/>
-                <a:ea typeface="Menlo" panose="020B0609030804020204" pitchFamily="49" charset="0"/>
-                <a:cs typeface="Menlo" panose="020B0609030804020204" pitchFamily="49" charset="0"/>
+                <a:latin typeface="Consolas" panose="020B0609020204030204" pitchFamily="49" charset="0"/>
+                <a:ea typeface="Menlo" panose="020B0609030804020204" pitchFamily="49" charset="0"/>
+                <a:cs typeface="Consolas" panose="020B0609020204030204" pitchFamily="49" charset="0"/>
               </a:rPr>
               <a:t>}</a:t>
             </a:r>
@@ -18884,16 +18905,16 @@
                     <a:p>
                       <a:pPr algn="ctr"/>
                       <a:r>
-                        <a:rPr lang="en-US" b="1" dirty="0">
+                        <a:rPr lang="en-US" b="0" i="0" dirty="0">
                           <a:ln>
                             <a:noFill/>
                           </a:ln>
                           <a:solidFill>
                             <a:schemeClr val="tx2"/>
                           </a:solidFill>
-                          <a:latin typeface="Menlo" panose="020B0609030804020204" pitchFamily="49" charset="0"/>
+                          <a:latin typeface="Consolas" panose="020B0609020204030204" pitchFamily="49" charset="0"/>
                           <a:ea typeface="Menlo" panose="020B0609030804020204" pitchFamily="49" charset="0"/>
-                          <a:cs typeface="Menlo" panose="020B0609030804020204" pitchFamily="49" charset="0"/>
+                          <a:cs typeface="Consolas" panose="020B0609020204030204" pitchFamily="49" charset="0"/>
                         </a:rPr>
                         <a:t>1</a:t>
                       </a:r>
@@ -18951,32 +18972,32 @@
                     <a:p>
                       <a:pPr algn="ctr"/>
                       <a:r>
-                        <a:rPr lang="en-US" b="1" dirty="0">
+                        <a:rPr lang="en-US" b="0" i="0" dirty="0">
                           <a:ln>
                             <a:noFill/>
                           </a:ln>
                           <a:solidFill>
                             <a:schemeClr val="tx2"/>
                           </a:solidFill>
-                          <a:latin typeface="Menlo" panose="020B0609030804020204" pitchFamily="49" charset="0"/>
+                          <a:latin typeface="Consolas" panose="020B0609020204030204" pitchFamily="49" charset="0"/>
                           <a:ea typeface="Menlo" panose="020B0609030804020204" pitchFamily="49" charset="0"/>
-                          <a:cs typeface="Menlo" panose="020B0609030804020204" pitchFamily="49" charset="0"/>
+                          <a:cs typeface="Consolas" panose="020B0609020204030204" pitchFamily="49" charset="0"/>
                         </a:rPr>
                         <a:t>0</a:t>
                       </a:r>
                     </a:p>
                     <a:p>
                       <a:pPr algn="ctr"/>
-                      <a:endParaRPr lang="en-US" b="1" dirty="0">
+                      <a:endParaRPr lang="en-US" b="0" i="0" dirty="0">
                         <a:ln>
                           <a:noFill/>
                         </a:ln>
                         <a:solidFill>
                           <a:schemeClr val="tx2"/>
                         </a:solidFill>
-                        <a:latin typeface="Menlo" panose="020B0609030804020204" pitchFamily="49" charset="0"/>
+                        <a:latin typeface="Consolas" panose="020B0609020204030204" pitchFamily="49" charset="0"/>
                         <a:ea typeface="Menlo" panose="020B0609030804020204" pitchFamily="49" charset="0"/>
-                        <a:cs typeface="Menlo" panose="020B0609030804020204" pitchFamily="49" charset="0"/>
+                        <a:cs typeface="Consolas" panose="020B0609020204030204" pitchFamily="49" charset="0"/>
                       </a:endParaRPr>
                     </a:p>
                   </a:txBody>
@@ -19114,16 +19135,16 @@
                     <a:p>
                       <a:pPr algn="ctr"/>
                       <a:r>
-                        <a:rPr lang="en-US" b="1" dirty="0">
+                        <a:rPr lang="en-US" b="0" i="0" dirty="0">
                           <a:ln>
                             <a:noFill/>
                           </a:ln>
                           <a:solidFill>
                             <a:schemeClr val="tx2"/>
                           </a:solidFill>
-                          <a:latin typeface="Menlo" panose="020B0609030804020204" pitchFamily="49" charset="0"/>
+                          <a:latin typeface="Consolas" panose="020B0609020204030204" pitchFamily="49" charset="0"/>
                           <a:ea typeface="Menlo" panose="020B0609030804020204" pitchFamily="49" charset="0"/>
-                          <a:cs typeface="Menlo" panose="020B0609030804020204" pitchFamily="49" charset="0"/>
+                          <a:cs typeface="Consolas" panose="020B0609020204030204" pitchFamily="49" charset="0"/>
                         </a:rPr>
                         <a:t>3</a:t>
                       </a:r>
@@ -19181,16 +19202,16 @@
                     <a:p>
                       <a:pPr algn="ctr"/>
                       <a:r>
-                        <a:rPr lang="en-US" b="1" dirty="0">
+                        <a:rPr lang="en-US" b="0" i="0" dirty="0">
                           <a:ln>
                             <a:noFill/>
                           </a:ln>
                           <a:solidFill>
                             <a:schemeClr val="tx2"/>
                           </a:solidFill>
-                          <a:latin typeface="Menlo" panose="020B0609030804020204" pitchFamily="49" charset="0"/>
+                          <a:latin typeface="Consolas" panose="020B0609020204030204" pitchFamily="49" charset="0"/>
                           <a:ea typeface="Menlo" panose="020B0609030804020204" pitchFamily="49" charset="0"/>
-                          <a:cs typeface="Menlo" panose="020B0609030804020204" pitchFamily="49" charset="0"/>
+                          <a:cs typeface="Consolas" panose="020B0609020204030204" pitchFamily="49" charset="0"/>
                         </a:rPr>
                         <a:t>2</a:t>
                       </a:r>
@@ -19598,25 +19619,25 @@
             </a:r>
             <a:r>
               <a:rPr lang="en-US" sz="2000" dirty="0">
-                <a:latin typeface="Menlo" panose="020B0609030804020204" pitchFamily="49" charset="0"/>
-                <a:ea typeface="Menlo" panose="020B0609030804020204" pitchFamily="49" charset="0"/>
-                <a:cs typeface="Menlo" panose="020B0609030804020204" pitchFamily="49" charset="0"/>
+                <a:latin typeface="Consolas" panose="020B0609020204030204" pitchFamily="49" charset="0"/>
+                <a:ea typeface="Menlo" panose="020B0609030804020204" pitchFamily="49" charset="0"/>
+                <a:cs typeface="Consolas" panose="020B0609020204030204" pitchFamily="49" charset="0"/>
               </a:rPr>
               <a:t>__</a:t>
             </a:r>
             <a:r>
               <a:rPr lang="en-US" sz="2000" dirty="0" err="1">
-                <a:latin typeface="Menlo" panose="020B0609030804020204" pitchFamily="49" charset="0"/>
-                <a:ea typeface="Menlo" panose="020B0609030804020204" pitchFamily="49" charset="0"/>
-                <a:cs typeface="Menlo" panose="020B0609030804020204" pitchFamily="49" charset="0"/>
+                <a:latin typeface="Consolas" panose="020B0609020204030204" pitchFamily="49" charset="0"/>
+                <a:ea typeface="Menlo" panose="020B0609030804020204" pitchFamily="49" charset="0"/>
+                <a:cs typeface="Consolas" panose="020B0609020204030204" pitchFamily="49" charset="0"/>
               </a:rPr>
               <a:t>init</a:t>
             </a:r>
             <a:r>
               <a:rPr lang="en-US" sz="2000" dirty="0">
-                <a:latin typeface="Menlo" panose="020B0609030804020204" pitchFamily="49" charset="0"/>
-                <a:ea typeface="Menlo" panose="020B0609030804020204" pitchFamily="49" charset="0"/>
-                <a:cs typeface="Menlo" panose="020B0609030804020204" pitchFamily="49" charset="0"/>
+                <a:latin typeface="Consolas" panose="020B0609020204030204" pitchFamily="49" charset="0"/>
+                <a:ea typeface="Menlo" panose="020B0609030804020204" pitchFamily="49" charset="0"/>
+                <a:cs typeface="Consolas" panose="020B0609020204030204" pitchFamily="49" charset="0"/>
               </a:rPr>
               <a:t>__(self</a:t>
             </a:r>
@@ -19629,24 +19650,24 @@
             </a:pPr>
             <a:r>
               <a:rPr lang="en-US" sz="2000" dirty="0">
-                <a:latin typeface="Menlo" panose="020B0609030804020204" pitchFamily="49" charset="0"/>
-                <a:ea typeface="Menlo" panose="020B0609030804020204" pitchFamily="49" charset="0"/>
-                <a:cs typeface="Menlo" panose="020B0609030804020204" pitchFamily="49" charset="0"/>
+                <a:latin typeface="Consolas" panose="020B0609020204030204" pitchFamily="49" charset="0"/>
+                <a:ea typeface="Menlo" panose="020B0609030804020204" pitchFamily="49" charset="0"/>
+                <a:cs typeface="Consolas" panose="020B0609020204030204" pitchFamily="49" charset="0"/>
               </a:rPr>
               <a:t>, </a:t>
             </a:r>
             <a:r>
               <a:rPr lang="en-US" sz="2000" dirty="0" err="1">
-                <a:latin typeface="Menlo" panose="020B0609030804020204" pitchFamily="49" charset="0"/>
-                <a:ea typeface="Menlo" panose="020B0609030804020204" pitchFamily="49" charset="0"/>
-                <a:cs typeface="Menlo" panose="020B0609030804020204" pitchFamily="49" charset="0"/>
+                <a:latin typeface="Consolas" panose="020B0609020204030204" pitchFamily="49" charset="0"/>
+                <a:ea typeface="Menlo" panose="020B0609030804020204" pitchFamily="49" charset="0"/>
+                <a:cs typeface="Consolas" panose="020B0609020204030204" pitchFamily="49" charset="0"/>
               </a:rPr>
               <a:t>both_confess_sentence</a:t>
             </a:r>
             <a:endParaRPr lang="en-US" sz="2000" dirty="0">
-              <a:latin typeface="Menlo" panose="020B0609030804020204" pitchFamily="49" charset="0"/>
+              <a:latin typeface="Consolas" panose="020B0609020204030204" pitchFamily="49" charset="0"/>
               <a:ea typeface="Menlo" panose="020B0609030804020204" pitchFamily="49" charset="0"/>
-              <a:cs typeface="Menlo" panose="020B0609030804020204" pitchFamily="49" charset="0"/>
+              <a:cs typeface="Consolas" panose="020B0609020204030204" pitchFamily="49" charset="0"/>
             </a:endParaRPr>
           </a:p>
           <a:p>
@@ -19657,24 +19678,24 @@
             </a:pPr>
             <a:r>
               <a:rPr lang="en-US" sz="2000" dirty="0">
-                <a:latin typeface="Menlo" panose="020B0609030804020204" pitchFamily="49" charset="0"/>
-                <a:ea typeface="Menlo" panose="020B0609030804020204" pitchFamily="49" charset="0"/>
-                <a:cs typeface="Menlo" panose="020B0609030804020204" pitchFamily="49" charset="0"/>
+                <a:latin typeface="Consolas" panose="020B0609020204030204" pitchFamily="49" charset="0"/>
+                <a:ea typeface="Menlo" panose="020B0609030804020204" pitchFamily="49" charset="0"/>
+                <a:cs typeface="Consolas" panose="020B0609020204030204" pitchFamily="49" charset="0"/>
               </a:rPr>
               <a:t>, </a:t>
             </a:r>
             <a:r>
               <a:rPr lang="en-US" sz="2000" dirty="0" err="1">
-                <a:latin typeface="Menlo" panose="020B0609030804020204" pitchFamily="49" charset="0"/>
-                <a:ea typeface="Menlo" panose="020B0609030804020204" pitchFamily="49" charset="0"/>
-                <a:cs typeface="Menlo" panose="020B0609030804020204" pitchFamily="49" charset="0"/>
+                <a:latin typeface="Consolas" panose="020B0609020204030204" pitchFamily="49" charset="0"/>
+                <a:ea typeface="Menlo" panose="020B0609030804020204" pitchFamily="49" charset="0"/>
+                <a:cs typeface="Consolas" panose="020B0609020204030204" pitchFamily="49" charset="0"/>
               </a:rPr>
               <a:t>none_confess_sentence</a:t>
             </a:r>
             <a:endParaRPr lang="en-US" sz="2000" dirty="0">
-              <a:latin typeface="Menlo" panose="020B0609030804020204" pitchFamily="49" charset="0"/>
+              <a:latin typeface="Consolas" panose="020B0609020204030204" pitchFamily="49" charset="0"/>
               <a:ea typeface="Menlo" panose="020B0609030804020204" pitchFamily="49" charset="0"/>
-              <a:cs typeface="Menlo" panose="020B0609030804020204" pitchFamily="49" charset="0"/>
+              <a:cs typeface="Consolas" panose="020B0609020204030204" pitchFamily="49" charset="0"/>
             </a:endParaRPr>
           </a:p>
           <a:p>
@@ -19685,24 +19706,24 @@
             </a:pPr>
             <a:r>
               <a:rPr lang="en-US" sz="2000" dirty="0">
-                <a:latin typeface="Menlo" panose="020B0609030804020204" pitchFamily="49" charset="0"/>
-                <a:ea typeface="Menlo" panose="020B0609030804020204" pitchFamily="49" charset="0"/>
-                <a:cs typeface="Menlo" panose="020B0609030804020204" pitchFamily="49" charset="0"/>
+                <a:latin typeface="Consolas" panose="020B0609020204030204" pitchFamily="49" charset="0"/>
+                <a:ea typeface="Menlo" panose="020B0609030804020204" pitchFamily="49" charset="0"/>
+                <a:cs typeface="Consolas" panose="020B0609020204030204" pitchFamily="49" charset="0"/>
               </a:rPr>
               <a:t>, </a:t>
             </a:r>
             <a:r>
               <a:rPr lang="en-US" sz="2000" dirty="0" err="1">
-                <a:latin typeface="Menlo" panose="020B0609030804020204" pitchFamily="49" charset="0"/>
-                <a:ea typeface="Menlo" panose="020B0609030804020204" pitchFamily="49" charset="0"/>
-                <a:cs typeface="Menlo" panose="020B0609030804020204" pitchFamily="49" charset="0"/>
+                <a:latin typeface="Consolas" panose="020B0609020204030204" pitchFamily="49" charset="0"/>
+                <a:ea typeface="Menlo" panose="020B0609030804020204" pitchFamily="49" charset="0"/>
+                <a:cs typeface="Consolas" panose="020B0609020204030204" pitchFamily="49" charset="0"/>
               </a:rPr>
               <a:t>self_confess_sentence</a:t>
             </a:r>
             <a:endParaRPr lang="en-US" sz="2000" dirty="0">
-              <a:latin typeface="Menlo" panose="020B0609030804020204" pitchFamily="49" charset="0"/>
+              <a:latin typeface="Consolas" panose="020B0609020204030204" pitchFamily="49" charset="0"/>
               <a:ea typeface="Menlo" panose="020B0609030804020204" pitchFamily="49" charset="0"/>
-              <a:cs typeface="Menlo" panose="020B0609030804020204" pitchFamily="49" charset="0"/>
+              <a:cs typeface="Consolas" panose="020B0609020204030204" pitchFamily="49" charset="0"/>
             </a:endParaRPr>
           </a:p>
           <a:p>
@@ -19713,25 +19734,25 @@
             </a:pPr>
             <a:r>
               <a:rPr lang="en-US" sz="2000" dirty="0">
-                <a:latin typeface="Menlo" panose="020B0609030804020204" pitchFamily="49" charset="0"/>
-                <a:ea typeface="Menlo" panose="020B0609030804020204" pitchFamily="49" charset="0"/>
-                <a:cs typeface="Menlo" panose="020B0609030804020204" pitchFamily="49" charset="0"/>
+                <a:latin typeface="Consolas" panose="020B0609020204030204" pitchFamily="49" charset="0"/>
+                <a:ea typeface="Menlo" panose="020B0609030804020204" pitchFamily="49" charset="0"/>
+                <a:cs typeface="Consolas" panose="020B0609020204030204" pitchFamily="49" charset="0"/>
               </a:rPr>
               <a:t>, </a:t>
             </a:r>
             <a:r>
               <a:rPr lang="en-US" sz="2000" dirty="0" err="1">
-                <a:latin typeface="Menlo" panose="020B0609030804020204" pitchFamily="49" charset="0"/>
-                <a:ea typeface="Menlo" panose="020B0609030804020204" pitchFamily="49" charset="0"/>
-                <a:cs typeface="Menlo" panose="020B0609030804020204" pitchFamily="49" charset="0"/>
+                <a:latin typeface="Consolas" panose="020B0609020204030204" pitchFamily="49" charset="0"/>
+                <a:ea typeface="Menlo" panose="020B0609030804020204" pitchFamily="49" charset="0"/>
+                <a:cs typeface="Consolas" panose="020B0609020204030204" pitchFamily="49" charset="0"/>
               </a:rPr>
               <a:t>other_confess_sentence</a:t>
             </a:r>
             <a:r>
               <a:rPr lang="en-US" sz="2000" dirty="0">
-                <a:latin typeface="Menlo" panose="020B0609030804020204" pitchFamily="49" charset="0"/>
-                <a:ea typeface="Menlo" panose="020B0609030804020204" pitchFamily="49" charset="0"/>
-                <a:cs typeface="Menlo" panose="020B0609030804020204" pitchFamily="49" charset="0"/>
+                <a:latin typeface="Consolas" panose="020B0609020204030204" pitchFamily="49" charset="0"/>
+                <a:ea typeface="Menlo" panose="020B0609030804020204" pitchFamily="49" charset="0"/>
+                <a:cs typeface="Consolas" panose="020B0609020204030204" pitchFamily="49" charset="0"/>
               </a:rPr>
               <a:t>)</a:t>
             </a:r>
@@ -19754,9 +19775,9 @@
             </a:r>
             <a:r>
               <a:rPr lang="en-US" sz="2000" dirty="0">
-                <a:latin typeface="Menlo" panose="020B0609030804020204" pitchFamily="49" charset="0"/>
-                <a:ea typeface="Menlo" panose="020B0609030804020204" pitchFamily="49" charset="0"/>
-                <a:cs typeface="Menlo" panose="020B0609030804020204" pitchFamily="49" charset="0"/>
+                <a:latin typeface="Consolas" panose="020B0609020204030204" pitchFamily="49" charset="0"/>
+                <a:ea typeface="Menlo" panose="020B0609030804020204" pitchFamily="49" charset="0"/>
+                <a:cs typeface="Consolas" panose="020B0609020204030204" pitchFamily="49" charset="0"/>
               </a:rPr>
               <a:t>decide(self)</a:t>
             </a:r>
@@ -19773,44 +19794,44 @@
             <a:r>
               <a:rPr lang="en-US" sz="2000" dirty="0">
                 <a:ea typeface="Menlo" panose="020B0609030804020204" pitchFamily="49" charset="0"/>
-                <a:cs typeface="Menlo" panose="020B0609030804020204" pitchFamily="49" charset="0"/>
+                <a:cs typeface="Consolas" panose="020B0609020204030204" pitchFamily="49" charset="0"/>
               </a:rPr>
               <a:t>return </a:t>
             </a:r>
             <a:r>
               <a:rPr lang="en-US" sz="2000" dirty="0">
-                <a:latin typeface="Menlo" panose="020B0609030804020204" pitchFamily="49" charset="0"/>
-                <a:ea typeface="Menlo" panose="020B0609030804020204" pitchFamily="49" charset="0"/>
-                <a:cs typeface="Menlo" panose="020B0609030804020204" pitchFamily="49" charset="0"/>
+                <a:latin typeface="Consolas" panose="020B0609020204030204" pitchFamily="49" charset="0"/>
+                <a:ea typeface="Menlo" panose="020B0609030804020204" pitchFamily="49" charset="0"/>
+                <a:cs typeface="Consolas" panose="020B0609020204030204" pitchFamily="49" charset="0"/>
               </a:rPr>
               <a:t>True</a:t>
             </a:r>
             <a:r>
               <a:rPr lang="en-US" sz="2000" dirty="0">
                 <a:ea typeface="Menlo" panose="020B0609030804020204" pitchFamily="49" charset="0"/>
-                <a:cs typeface="Menlo" panose="020B0609030804020204" pitchFamily="49" charset="0"/>
+                <a:cs typeface="Consolas" panose="020B0609020204030204" pitchFamily="49" charset="0"/>
               </a:rPr>
               <a:t> to confess and </a:t>
             </a:r>
             <a:r>
               <a:rPr lang="en-US" sz="2000" dirty="0">
-                <a:latin typeface="Menlo" panose="020B0609030804020204" pitchFamily="49" charset="0"/>
-                <a:ea typeface="Menlo" panose="020B0609030804020204" pitchFamily="49" charset="0"/>
-                <a:cs typeface="Menlo" panose="020B0609030804020204" pitchFamily="49" charset="0"/>
+                <a:latin typeface="Consolas" panose="020B0609020204030204" pitchFamily="49" charset="0"/>
+                <a:ea typeface="Menlo" panose="020B0609030804020204" pitchFamily="49" charset="0"/>
+                <a:cs typeface="Consolas" panose="020B0609020204030204" pitchFamily="49" charset="0"/>
               </a:rPr>
               <a:t>False</a:t>
             </a:r>
             <a:r>
               <a:rPr lang="en-US" sz="2000" dirty="0">
                 <a:ea typeface="Menlo" panose="020B0609030804020204" pitchFamily="49" charset="0"/>
-                <a:cs typeface="Menlo" panose="020B0609030804020204" pitchFamily="49" charset="0"/>
+                <a:cs typeface="Consolas" panose="020B0609020204030204" pitchFamily="49" charset="0"/>
               </a:rPr>
               <a:t> to keep your mouth shut</a:t>
             </a:r>
             <a:endParaRPr lang="en-US" sz="2000" dirty="0">
-              <a:latin typeface="Menlo" panose="020B0609030804020204" pitchFamily="49" charset="0"/>
+              <a:latin typeface="Consolas" panose="020B0609020204030204" pitchFamily="49" charset="0"/>
               <a:ea typeface="Menlo" panose="020B0609030804020204" pitchFamily="49" charset="0"/>
-              <a:cs typeface="Menlo" panose="020B0609030804020204" pitchFamily="49" charset="0"/>
+              <a:cs typeface="Consolas" panose="020B0609020204030204" pitchFamily="49" charset="0"/>
             </a:endParaRPr>
           </a:p>
           <a:p>
@@ -19827,15 +19848,15 @@
             <a:r>
               <a:rPr lang="en-US" sz="2000" dirty="0">
                 <a:ea typeface="Menlo" panose="020B0609030804020204" pitchFamily="49" charset="0"/>
-                <a:cs typeface="Menlo" panose="020B0609030804020204" pitchFamily="49" charset="0"/>
+                <a:cs typeface="Consolas" panose="020B0609020204030204" pitchFamily="49" charset="0"/>
               </a:rPr>
               <a:t>Implement </a:t>
             </a:r>
             <a:r>
               <a:rPr lang="en-US" sz="2000" dirty="0">
-                <a:latin typeface="Menlo" panose="020B0609030804020204" pitchFamily="49" charset="0"/>
-                <a:ea typeface="Menlo" panose="020B0609030804020204" pitchFamily="49" charset="0"/>
-                <a:cs typeface="Menlo" panose="020B0609030804020204" pitchFamily="49" charset="0"/>
+                <a:latin typeface="Consolas" panose="020B0609020204030204" pitchFamily="49" charset="0"/>
+                <a:ea typeface="Menlo" panose="020B0609030804020204" pitchFamily="49" charset="0"/>
+                <a:cs typeface="Consolas" panose="020B0609020204030204" pitchFamily="49" charset="0"/>
               </a:rPr>
               <a:t>sentence(self, years)</a:t>
             </a:r>
@@ -19852,7 +19873,7 @@
             <a:r>
               <a:rPr lang="en-US" sz="2000" dirty="0">
                 <a:ea typeface="Menlo" panose="020B0609030804020204" pitchFamily="49" charset="0"/>
-                <a:cs typeface="Menlo" panose="020B0609030804020204" pitchFamily="49" charset="0"/>
+                <a:cs typeface="Consolas" panose="020B0609020204030204" pitchFamily="49" charset="0"/>
               </a:rPr>
               <a:t>so you know the outcome of your decision</a:t>
             </a:r>
@@ -19861,7 +19882,7 @@
             <a:pPr lvl="2"/>
             <a:endParaRPr lang="en-US" dirty="0">
               <a:ea typeface="Menlo" panose="020B0609030804020204" pitchFamily="49" charset="0"/>
-              <a:cs typeface="Menlo" panose="020B0609030804020204" pitchFamily="49" charset="0"/>
+              <a:cs typeface="Consolas" panose="020B0609020204030204" pitchFamily="49" charset="0"/>
             </a:endParaRPr>
           </a:p>
         </p:txBody>
@@ -25898,9 +25919,9 @@
             </a:pPr>
             <a:r>
               <a:rPr lang="en-US" dirty="0">
-                <a:latin typeface="Menlo" panose="020B0609030804020204" pitchFamily="49" charset="0"/>
-                <a:ea typeface="Menlo" panose="020B0609030804020204" pitchFamily="49" charset="0"/>
-                <a:cs typeface="Menlo" panose="020B0609030804020204" pitchFamily="49" charset="0"/>
+                <a:latin typeface="Consolas" panose="020B0609020204030204" pitchFamily="49" charset="0"/>
+                <a:ea typeface="Menlo" panose="020B0609030804020204" pitchFamily="49" charset="0"/>
+                <a:cs typeface="Consolas" panose="020B0609020204030204" pitchFamily="49" charset="0"/>
               </a:rPr>
               <a:t>&gt;&gt;&gt; </a:t>
             </a:r>
@@ -25909,9 +25930,9 @@
                 <a:solidFill>
                   <a:schemeClr val="accent6"/>
                 </a:solidFill>
-                <a:latin typeface="Menlo" panose="020B0609030804020204" pitchFamily="49" charset="0"/>
-                <a:ea typeface="Menlo" panose="020B0609030804020204" pitchFamily="49" charset="0"/>
-                <a:cs typeface="Menlo" panose="020B0609030804020204" pitchFamily="49" charset="0"/>
+                <a:latin typeface="Consolas" panose="020B0609020204030204" pitchFamily="49" charset="0"/>
+                <a:ea typeface="Menlo" panose="020B0609030804020204" pitchFamily="49" charset="0"/>
+                <a:cs typeface="Consolas" panose="020B0609020204030204" pitchFamily="49" charset="0"/>
               </a:rPr>
               <a:t>class foo:</a:t>
             </a:r>
@@ -25922,9 +25943,9 @@
             </a:pPr>
             <a:r>
               <a:rPr lang="en-US" dirty="0">
-                <a:latin typeface="Menlo" panose="020B0609030804020204" pitchFamily="49" charset="0"/>
-                <a:ea typeface="Menlo" panose="020B0609030804020204" pitchFamily="49" charset="0"/>
-                <a:cs typeface="Menlo" panose="020B0609030804020204" pitchFamily="49" charset="0"/>
+                <a:latin typeface="Consolas" panose="020B0609020204030204" pitchFamily="49" charset="0"/>
+                <a:ea typeface="Menlo" panose="020B0609030804020204" pitchFamily="49" charset="0"/>
+                <a:cs typeface="Consolas" panose="020B0609020204030204" pitchFamily="49" charset="0"/>
               </a:rPr>
               <a:t>... </a:t>
             </a:r>
@@ -25933,9 +25954,9 @@
                 <a:solidFill>
                   <a:schemeClr val="accent6"/>
                 </a:solidFill>
-                <a:latin typeface="Menlo" panose="020B0609030804020204" pitchFamily="49" charset="0"/>
-                <a:ea typeface="Menlo" panose="020B0609030804020204" pitchFamily="49" charset="0"/>
-                <a:cs typeface="Menlo" panose="020B0609030804020204" pitchFamily="49" charset="0"/>
+                <a:latin typeface="Consolas" panose="020B0609020204030204" pitchFamily="49" charset="0"/>
+                <a:ea typeface="Menlo" panose="020B0609030804020204" pitchFamily="49" charset="0"/>
+                <a:cs typeface="Consolas" panose="020B0609020204030204" pitchFamily="49" charset="0"/>
               </a:rPr>
               <a:t>    def hi(self):</a:t>
             </a:r>
@@ -25946,9 +25967,9 @@
             </a:pPr>
             <a:r>
               <a:rPr lang="en-US" dirty="0">
-                <a:latin typeface="Menlo" panose="020B0609030804020204" pitchFamily="49" charset="0"/>
-                <a:ea typeface="Menlo" panose="020B0609030804020204" pitchFamily="49" charset="0"/>
-                <a:cs typeface="Menlo" panose="020B0609030804020204" pitchFamily="49" charset="0"/>
+                <a:latin typeface="Consolas" panose="020B0609020204030204" pitchFamily="49" charset="0"/>
+                <a:ea typeface="Menlo" panose="020B0609030804020204" pitchFamily="49" charset="0"/>
+                <a:cs typeface="Consolas" panose="020B0609020204030204" pitchFamily="49" charset="0"/>
               </a:rPr>
               <a:t>... </a:t>
             </a:r>
@@ -25957,9 +25978,9 @@
                 <a:solidFill>
                   <a:schemeClr val="accent6"/>
                 </a:solidFill>
-                <a:latin typeface="Menlo" panose="020B0609030804020204" pitchFamily="49" charset="0"/>
-                <a:ea typeface="Menlo" panose="020B0609030804020204" pitchFamily="49" charset="0"/>
-                <a:cs typeface="Menlo" panose="020B0609030804020204" pitchFamily="49" charset="0"/>
+                <a:latin typeface="Consolas" panose="020B0609020204030204" pitchFamily="49" charset="0"/>
+                <a:ea typeface="Menlo" panose="020B0609030804020204" pitchFamily="49" charset="0"/>
+                <a:cs typeface="Consolas" panose="020B0609020204030204" pitchFamily="49" charset="0"/>
               </a:rPr>
               <a:t>         print(self)</a:t>
             </a:r>
@@ -25970,9 +25991,9 @@
             </a:pPr>
             <a:r>
               <a:rPr lang="en-US" dirty="0">
-                <a:latin typeface="Menlo" panose="020B0609030804020204" pitchFamily="49" charset="0"/>
-                <a:ea typeface="Menlo" panose="020B0609030804020204" pitchFamily="49" charset="0"/>
-                <a:cs typeface="Menlo" panose="020B0609030804020204" pitchFamily="49" charset="0"/>
+                <a:latin typeface="Consolas" panose="020B0609020204030204" pitchFamily="49" charset="0"/>
+                <a:ea typeface="Menlo" panose="020B0609030804020204" pitchFamily="49" charset="0"/>
+                <a:cs typeface="Consolas" panose="020B0609020204030204" pitchFamily="49" charset="0"/>
               </a:rPr>
               <a:t>... </a:t>
             </a:r>
@@ -25983,9 +26004,9 @@
             </a:pPr>
             <a:r>
               <a:rPr lang="en-US" dirty="0">
-                <a:latin typeface="Menlo" panose="020B0609030804020204" pitchFamily="49" charset="0"/>
-                <a:ea typeface="Menlo" panose="020B0609030804020204" pitchFamily="49" charset="0"/>
-                <a:cs typeface="Menlo" panose="020B0609030804020204" pitchFamily="49" charset="0"/>
+                <a:latin typeface="Consolas" panose="020B0609020204030204" pitchFamily="49" charset="0"/>
+                <a:ea typeface="Menlo" panose="020B0609030804020204" pitchFamily="49" charset="0"/>
+                <a:cs typeface="Consolas" panose="020B0609020204030204" pitchFamily="49" charset="0"/>
               </a:rPr>
               <a:t>&gt;&gt;&gt; </a:t>
             </a:r>
@@ -25994,9 +26015,9 @@
                 <a:solidFill>
                   <a:schemeClr val="accent6"/>
                 </a:solidFill>
-                <a:latin typeface="Menlo" panose="020B0609030804020204" pitchFamily="49" charset="0"/>
-                <a:ea typeface="Menlo" panose="020B0609030804020204" pitchFamily="49" charset="0"/>
-                <a:cs typeface="Menlo" panose="020B0609030804020204" pitchFamily="49" charset="0"/>
+                <a:latin typeface="Consolas" panose="020B0609020204030204" pitchFamily="49" charset="0"/>
+                <a:ea typeface="Menlo" panose="020B0609030804020204" pitchFamily="49" charset="0"/>
+                <a:cs typeface="Consolas" panose="020B0609020204030204" pitchFamily="49" charset="0"/>
               </a:rPr>
               <a:t>f = foo()</a:t>
             </a:r>
@@ -26007,9 +26028,9 @@
             </a:pPr>
             <a:r>
               <a:rPr lang="en-US" dirty="0">
-                <a:latin typeface="Menlo" panose="020B0609030804020204" pitchFamily="49" charset="0"/>
-                <a:ea typeface="Menlo" panose="020B0609030804020204" pitchFamily="49" charset="0"/>
-                <a:cs typeface="Menlo" panose="020B0609030804020204" pitchFamily="49" charset="0"/>
+                <a:latin typeface="Consolas" panose="020B0609020204030204" pitchFamily="49" charset="0"/>
+                <a:ea typeface="Menlo" panose="020B0609030804020204" pitchFamily="49" charset="0"/>
+                <a:cs typeface="Consolas" panose="020B0609020204030204" pitchFamily="49" charset="0"/>
               </a:rPr>
               <a:t>&gt;&gt;&gt; </a:t>
             </a:r>
@@ -26018,9 +26039,9 @@
                 <a:solidFill>
                   <a:schemeClr val="accent6"/>
                 </a:solidFill>
-                <a:latin typeface="Menlo" panose="020B0609030804020204" pitchFamily="49" charset="0"/>
-                <a:ea typeface="Menlo" panose="020B0609030804020204" pitchFamily="49" charset="0"/>
-                <a:cs typeface="Menlo" panose="020B0609030804020204" pitchFamily="49" charset="0"/>
+                <a:latin typeface="Consolas" panose="020B0609020204030204" pitchFamily="49" charset="0"/>
+                <a:ea typeface="Menlo" panose="020B0609030804020204" pitchFamily="49" charset="0"/>
+                <a:cs typeface="Consolas" panose="020B0609020204030204" pitchFamily="49" charset="0"/>
               </a:rPr>
               <a:t>f.hi</a:t>
             </a:r>
@@ -26029,9 +26050,9 @@
                 <a:solidFill>
                   <a:schemeClr val="accent6"/>
                 </a:solidFill>
-                <a:latin typeface="Menlo" panose="020B0609030804020204" pitchFamily="49" charset="0"/>
-                <a:ea typeface="Menlo" panose="020B0609030804020204" pitchFamily="49" charset="0"/>
-                <a:cs typeface="Menlo" panose="020B0609030804020204" pitchFamily="49" charset="0"/>
+                <a:latin typeface="Consolas" panose="020B0609020204030204" pitchFamily="49" charset="0"/>
+                <a:ea typeface="Menlo" panose="020B0609030804020204" pitchFamily="49" charset="0"/>
+                <a:cs typeface="Consolas" panose="020B0609020204030204" pitchFamily="49" charset="0"/>
               </a:rPr>
               <a:t>()</a:t>
             </a:r>
@@ -26042,25 +26063,25 @@
             </a:pPr>
             <a:r>
               <a:rPr lang="en-US" dirty="0">
-                <a:latin typeface="Menlo" panose="020B0609030804020204" pitchFamily="49" charset="0"/>
-                <a:ea typeface="Menlo" panose="020B0609030804020204" pitchFamily="49" charset="0"/>
-                <a:cs typeface="Menlo" panose="020B0609030804020204" pitchFamily="49" charset="0"/>
+                <a:latin typeface="Consolas" panose="020B0609020204030204" pitchFamily="49" charset="0"/>
+                <a:ea typeface="Menlo" panose="020B0609030804020204" pitchFamily="49" charset="0"/>
+                <a:cs typeface="Consolas" panose="020B0609020204030204" pitchFamily="49" charset="0"/>
               </a:rPr>
               <a:t>&lt;__</a:t>
             </a:r>
             <a:r>
               <a:rPr lang="en-US" dirty="0" err="1">
-                <a:latin typeface="Menlo" panose="020B0609030804020204" pitchFamily="49" charset="0"/>
-                <a:ea typeface="Menlo" panose="020B0609030804020204" pitchFamily="49" charset="0"/>
-                <a:cs typeface="Menlo" panose="020B0609030804020204" pitchFamily="49" charset="0"/>
+                <a:latin typeface="Consolas" panose="020B0609020204030204" pitchFamily="49" charset="0"/>
+                <a:ea typeface="Menlo" panose="020B0609030804020204" pitchFamily="49" charset="0"/>
+                <a:cs typeface="Consolas" panose="020B0609020204030204" pitchFamily="49" charset="0"/>
               </a:rPr>
               <a:t>main__.foo</a:t>
             </a:r>
             <a:r>
               <a:rPr lang="en-US" dirty="0">
-                <a:latin typeface="Menlo" panose="020B0609030804020204" pitchFamily="49" charset="0"/>
-                <a:ea typeface="Menlo" panose="020B0609030804020204" pitchFamily="49" charset="0"/>
-                <a:cs typeface="Menlo" panose="020B0609030804020204" pitchFamily="49" charset="0"/>
+                <a:latin typeface="Consolas" panose="020B0609020204030204" pitchFamily="49" charset="0"/>
+                <a:ea typeface="Menlo" panose="020B0609030804020204" pitchFamily="49" charset="0"/>
+                <a:cs typeface="Consolas" panose="020B0609020204030204" pitchFamily="49" charset="0"/>
               </a:rPr>
               <a:t> object at 0x103729cf8&gt;</a:t>
             </a:r>
@@ -26071,9 +26092,9 @@
             </a:pPr>
             <a:r>
               <a:rPr lang="en-US" dirty="0">
-                <a:latin typeface="Menlo" panose="020B0609030804020204" pitchFamily="49" charset="0"/>
-                <a:ea typeface="Menlo" panose="020B0609030804020204" pitchFamily="49" charset="0"/>
-                <a:cs typeface="Menlo" panose="020B0609030804020204" pitchFamily="49" charset="0"/>
+                <a:latin typeface="Consolas" panose="020B0609020204030204" pitchFamily="49" charset="0"/>
+                <a:ea typeface="Menlo" panose="020B0609030804020204" pitchFamily="49" charset="0"/>
+                <a:cs typeface="Consolas" panose="020B0609020204030204" pitchFamily="49" charset="0"/>
               </a:rPr>
               <a:t>&gt;&gt;&gt; </a:t>
             </a:r>
@@ -26082,9 +26103,9 @@
                 <a:solidFill>
                   <a:schemeClr val="accent6"/>
                 </a:solidFill>
-                <a:latin typeface="Menlo" panose="020B0609030804020204" pitchFamily="49" charset="0"/>
-                <a:ea typeface="Menlo" panose="020B0609030804020204" pitchFamily="49" charset="0"/>
-                <a:cs typeface="Menlo" panose="020B0609030804020204" pitchFamily="49" charset="0"/>
+                <a:latin typeface="Consolas" panose="020B0609020204030204" pitchFamily="49" charset="0"/>
+                <a:ea typeface="Menlo" panose="020B0609030804020204" pitchFamily="49" charset="0"/>
+                <a:cs typeface="Consolas" panose="020B0609020204030204" pitchFamily="49" charset="0"/>
               </a:rPr>
               <a:t>f</a:t>
             </a:r>
@@ -26095,25 +26116,25 @@
             </a:pPr>
             <a:r>
               <a:rPr lang="en-US" dirty="0">
-                <a:latin typeface="Menlo" panose="020B0609030804020204" pitchFamily="49" charset="0"/>
-                <a:ea typeface="Menlo" panose="020B0609030804020204" pitchFamily="49" charset="0"/>
-                <a:cs typeface="Menlo" panose="020B0609030804020204" pitchFamily="49" charset="0"/>
+                <a:latin typeface="Consolas" panose="020B0609020204030204" pitchFamily="49" charset="0"/>
+                <a:ea typeface="Menlo" panose="020B0609030804020204" pitchFamily="49" charset="0"/>
+                <a:cs typeface="Consolas" panose="020B0609020204030204" pitchFamily="49" charset="0"/>
               </a:rPr>
               <a:t>&lt;__</a:t>
             </a:r>
             <a:r>
               <a:rPr lang="en-US" dirty="0" err="1">
-                <a:latin typeface="Menlo" panose="020B0609030804020204" pitchFamily="49" charset="0"/>
-                <a:ea typeface="Menlo" panose="020B0609030804020204" pitchFamily="49" charset="0"/>
-                <a:cs typeface="Menlo" panose="020B0609030804020204" pitchFamily="49" charset="0"/>
+                <a:latin typeface="Consolas" panose="020B0609020204030204" pitchFamily="49" charset="0"/>
+                <a:ea typeface="Menlo" panose="020B0609030804020204" pitchFamily="49" charset="0"/>
+                <a:cs typeface="Consolas" panose="020B0609020204030204" pitchFamily="49" charset="0"/>
               </a:rPr>
               <a:t>main__.foo</a:t>
             </a:r>
             <a:r>
               <a:rPr lang="en-US" dirty="0">
-                <a:latin typeface="Menlo" panose="020B0609030804020204" pitchFamily="49" charset="0"/>
-                <a:ea typeface="Menlo" panose="020B0609030804020204" pitchFamily="49" charset="0"/>
-                <a:cs typeface="Menlo" panose="020B0609030804020204" pitchFamily="49" charset="0"/>
+                <a:latin typeface="Consolas" panose="020B0609020204030204" pitchFamily="49" charset="0"/>
+                <a:ea typeface="Menlo" panose="020B0609030804020204" pitchFamily="49" charset="0"/>
+                <a:cs typeface="Consolas" panose="020B0609020204030204" pitchFamily="49" charset="0"/>
               </a:rPr>
               <a:t> object at 0x103729cf8&gt;</a:t>
             </a:r>
@@ -26156,9 +26177,9 @@
           <a:p>
             <a:r>
               <a:rPr lang="en-US" dirty="0">
-                <a:latin typeface="Menlo" panose="020B0609030804020204" pitchFamily="49" charset="0"/>
-                <a:ea typeface="Menlo" panose="020B0609030804020204" pitchFamily="49" charset="0"/>
-                <a:cs typeface="Menlo" panose="020B0609030804020204" pitchFamily="49" charset="0"/>
+                <a:latin typeface="Consolas" panose="020B0609020204030204" pitchFamily="49" charset="0"/>
+                <a:ea typeface="Menlo" panose="020B0609030804020204" pitchFamily="49" charset="0"/>
+                <a:cs typeface="Consolas" panose="020B0609020204030204" pitchFamily="49" charset="0"/>
               </a:rPr>
               <a:t>class</a:t>
             </a:r>
@@ -26269,9 +26290,9 @@
           <a:p>
             <a:r>
               <a:rPr lang="en-US" dirty="0">
-                <a:latin typeface="Menlo" panose="020B0609030804020204" pitchFamily="49" charset="0"/>
-                <a:ea typeface="Menlo" panose="020B0609030804020204" pitchFamily="49" charset="0"/>
-                <a:cs typeface="Menlo" panose="020B0609030804020204" pitchFamily="49" charset="0"/>
+                <a:latin typeface="Consolas" panose="020B0609020204030204" pitchFamily="49" charset="0"/>
+                <a:ea typeface="Menlo" panose="020B0609030804020204" pitchFamily="49" charset="0"/>
+                <a:cs typeface="Consolas" panose="020B0609020204030204" pitchFamily="49" charset="0"/>
               </a:rPr>
               <a:t>self</a:t>
             </a:r>
@@ -26312,16 +26333,16 @@
           <a:p>
             <a:r>
               <a:rPr lang="en-US" dirty="0">
-                <a:latin typeface="Menlo" panose="020B0609030804020204" pitchFamily="49" charset="0"/>
-                <a:ea typeface="Menlo" panose="020B0609030804020204" pitchFamily="49" charset="0"/>
-                <a:cs typeface="Menlo" panose="020B0609030804020204" pitchFamily="49" charset="0"/>
+                <a:latin typeface="Consolas" panose="020B0609020204030204" pitchFamily="49" charset="0"/>
+                <a:ea typeface="Menlo" panose="020B0609030804020204" pitchFamily="49" charset="0"/>
+                <a:cs typeface="Consolas" panose="020B0609020204030204" pitchFamily="49" charset="0"/>
               </a:rPr>
               <a:t>self == this</a:t>
             </a:r>
             <a:r>
               <a:rPr lang="en-US" dirty="0">
                 <a:ea typeface="Menlo" panose="020B0609030804020204" pitchFamily="49" charset="0"/>
-                <a:cs typeface="Menlo" panose="020B0609030804020204" pitchFamily="49" charset="0"/>
+                <a:cs typeface="Consolas" panose="020B0609020204030204" pitchFamily="49" charset="0"/>
               </a:rPr>
               <a:t> </a:t>
             </a:r>
@@ -26401,16 +26422,16 @@
             </a:r>
             <a:r>
               <a:rPr lang="en-US" dirty="0">
-                <a:latin typeface="Menlo" panose="020B0609030804020204" pitchFamily="49" charset="0"/>
-                <a:ea typeface="Menlo" panose="020B0609030804020204" pitchFamily="49" charset="0"/>
-                <a:cs typeface="Menlo" panose="020B0609030804020204" pitchFamily="49" charset="0"/>
+                <a:latin typeface="Consolas" panose="020B0609020204030204" pitchFamily="49" charset="0"/>
+                <a:ea typeface="Menlo" panose="020B0609030804020204" pitchFamily="49" charset="0"/>
+                <a:cs typeface="Consolas" panose="020B0609020204030204" pitchFamily="49" charset="0"/>
               </a:rPr>
               <a:t>new</a:t>
             </a:r>
             <a:r>
               <a:rPr lang="en-US" dirty="0">
                 <a:ea typeface="Menlo" panose="020B0609030804020204" pitchFamily="49" charset="0"/>
-                <a:cs typeface="Menlo" panose="020B0609030804020204" pitchFamily="49" charset="0"/>
+                <a:cs typeface="Consolas" panose="020B0609020204030204" pitchFamily="49" charset="0"/>
               </a:rPr>
               <a:t> from java</a:t>
             </a:r>
@@ -28200,9 +28221,9 @@
             </a:pPr>
             <a:r>
               <a:rPr lang="en-US" dirty="0">
-                <a:latin typeface="Menlo" panose="020B0609030804020204" pitchFamily="49" charset="0"/>
-                <a:ea typeface="Menlo" panose="020B0609030804020204" pitchFamily="49" charset="0"/>
-                <a:cs typeface="Menlo" panose="020B0609030804020204" pitchFamily="49" charset="0"/>
+                <a:latin typeface="Consolas" panose="020B0609020204030204" pitchFamily="49" charset="0"/>
+                <a:ea typeface="Menlo" panose="020B0609030804020204" pitchFamily="49" charset="0"/>
+                <a:cs typeface="Consolas" panose="020B0609020204030204" pitchFamily="49" charset="0"/>
               </a:rPr>
               <a:t>&gt;&gt;&gt; </a:t>
             </a:r>
@@ -28211,9 +28232,9 @@
                 <a:solidFill>
                   <a:schemeClr val="accent6"/>
                 </a:solidFill>
-                <a:latin typeface="Menlo" panose="020B0609030804020204" pitchFamily="49" charset="0"/>
-                <a:ea typeface="Menlo" panose="020B0609030804020204" pitchFamily="49" charset="0"/>
-                <a:cs typeface="Menlo" panose="020B0609030804020204" pitchFamily="49" charset="0"/>
+                <a:latin typeface="Consolas" panose="020B0609020204030204" pitchFamily="49" charset="0"/>
+                <a:ea typeface="Menlo" panose="020B0609030804020204" pitchFamily="49" charset="0"/>
+                <a:cs typeface="Consolas" panose="020B0609020204030204" pitchFamily="49" charset="0"/>
               </a:rPr>
               <a:t>class person:</a:t>
             </a:r>
@@ -28224,9 +28245,9 @@
             </a:pPr>
             <a:r>
               <a:rPr lang="en-US" dirty="0">
-                <a:latin typeface="Menlo" panose="020B0609030804020204" pitchFamily="49" charset="0"/>
-                <a:ea typeface="Menlo" panose="020B0609030804020204" pitchFamily="49" charset="0"/>
-                <a:cs typeface="Menlo" panose="020B0609030804020204" pitchFamily="49" charset="0"/>
+                <a:latin typeface="Consolas" panose="020B0609020204030204" pitchFamily="49" charset="0"/>
+                <a:ea typeface="Menlo" panose="020B0609030804020204" pitchFamily="49" charset="0"/>
+                <a:cs typeface="Consolas" panose="020B0609020204030204" pitchFamily="49" charset="0"/>
               </a:rPr>
               <a:t>... </a:t>
             </a:r>
@@ -28235,9 +28256,9 @@
                 <a:solidFill>
                   <a:schemeClr val="accent6"/>
                 </a:solidFill>
-                <a:latin typeface="Menlo" panose="020B0609030804020204" pitchFamily="49" charset="0"/>
-                <a:ea typeface="Menlo" panose="020B0609030804020204" pitchFamily="49" charset="0"/>
-                <a:cs typeface="Menlo" panose="020B0609030804020204" pitchFamily="49" charset="0"/>
+                <a:latin typeface="Consolas" panose="020B0609020204030204" pitchFamily="49" charset="0"/>
+                <a:ea typeface="Menlo" panose="020B0609030804020204" pitchFamily="49" charset="0"/>
+                <a:cs typeface="Consolas" panose="020B0609020204030204" pitchFamily="49" charset="0"/>
               </a:rPr>
               <a:t>    def __</a:t>
             </a:r>
@@ -28246,9 +28267,9 @@
                 <a:solidFill>
                   <a:schemeClr val="accent6"/>
                 </a:solidFill>
-                <a:latin typeface="Menlo" panose="020B0609030804020204" pitchFamily="49" charset="0"/>
-                <a:ea typeface="Menlo" panose="020B0609030804020204" pitchFamily="49" charset="0"/>
-                <a:cs typeface="Menlo" panose="020B0609030804020204" pitchFamily="49" charset="0"/>
+                <a:latin typeface="Consolas" panose="020B0609020204030204" pitchFamily="49" charset="0"/>
+                <a:ea typeface="Menlo" panose="020B0609030804020204" pitchFamily="49" charset="0"/>
+                <a:cs typeface="Consolas" panose="020B0609020204030204" pitchFamily="49" charset="0"/>
               </a:rPr>
               <a:t>init</a:t>
             </a:r>
@@ -28257,9 +28278,9 @@
                 <a:solidFill>
                   <a:schemeClr val="accent6"/>
                 </a:solidFill>
-                <a:latin typeface="Menlo" panose="020B0609030804020204" pitchFamily="49" charset="0"/>
-                <a:ea typeface="Menlo" panose="020B0609030804020204" pitchFamily="49" charset="0"/>
-                <a:cs typeface="Menlo" panose="020B0609030804020204" pitchFamily="49" charset="0"/>
+                <a:latin typeface="Consolas" panose="020B0609020204030204" pitchFamily="49" charset="0"/>
+                <a:ea typeface="Menlo" panose="020B0609030804020204" pitchFamily="49" charset="0"/>
+                <a:cs typeface="Consolas" panose="020B0609020204030204" pitchFamily="49" charset="0"/>
               </a:rPr>
               <a:t>__(self, </a:t>
             </a:r>
@@ -28268,9 +28289,9 @@
                 <a:solidFill>
                   <a:schemeClr val="accent6"/>
                 </a:solidFill>
-                <a:latin typeface="Menlo" panose="020B0609030804020204" pitchFamily="49" charset="0"/>
-                <a:ea typeface="Menlo" panose="020B0609030804020204" pitchFamily="49" charset="0"/>
-                <a:cs typeface="Menlo" panose="020B0609030804020204" pitchFamily="49" charset="0"/>
+                <a:latin typeface="Consolas" panose="020B0609020204030204" pitchFamily="49" charset="0"/>
+                <a:ea typeface="Menlo" panose="020B0609030804020204" pitchFamily="49" charset="0"/>
+                <a:cs typeface="Consolas" panose="020B0609020204030204" pitchFamily="49" charset="0"/>
               </a:rPr>
               <a:t>a_name</a:t>
             </a:r>
@@ -28279,9 +28300,9 @@
                 <a:solidFill>
                   <a:schemeClr val="accent6"/>
                 </a:solidFill>
-                <a:latin typeface="Menlo" panose="020B0609030804020204" pitchFamily="49" charset="0"/>
-                <a:ea typeface="Menlo" panose="020B0609030804020204" pitchFamily="49" charset="0"/>
-                <a:cs typeface="Menlo" panose="020B0609030804020204" pitchFamily="49" charset="0"/>
+                <a:latin typeface="Consolas" panose="020B0609020204030204" pitchFamily="49" charset="0"/>
+                <a:ea typeface="Menlo" panose="020B0609030804020204" pitchFamily="49" charset="0"/>
+                <a:cs typeface="Consolas" panose="020B0609020204030204" pitchFamily="49" charset="0"/>
               </a:rPr>
               <a:t>, </a:t>
             </a:r>
@@ -28290,9 +28311,9 @@
                 <a:solidFill>
                   <a:schemeClr val="accent6"/>
                 </a:solidFill>
-                <a:latin typeface="Menlo" panose="020B0609030804020204" pitchFamily="49" charset="0"/>
-                <a:ea typeface="Menlo" panose="020B0609030804020204" pitchFamily="49" charset="0"/>
-                <a:cs typeface="Menlo" panose="020B0609030804020204" pitchFamily="49" charset="0"/>
+                <a:latin typeface="Consolas" panose="020B0609020204030204" pitchFamily="49" charset="0"/>
+                <a:ea typeface="Menlo" panose="020B0609030804020204" pitchFamily="49" charset="0"/>
+                <a:cs typeface="Consolas" panose="020B0609020204030204" pitchFamily="49" charset="0"/>
               </a:rPr>
               <a:t>an_age</a:t>
             </a:r>
@@ -28301,9 +28322,9 @@
                 <a:solidFill>
                   <a:schemeClr val="accent6"/>
                 </a:solidFill>
-                <a:latin typeface="Menlo" panose="020B0609030804020204" pitchFamily="49" charset="0"/>
-                <a:ea typeface="Menlo" panose="020B0609030804020204" pitchFamily="49" charset="0"/>
-                <a:cs typeface="Menlo" panose="020B0609030804020204" pitchFamily="49" charset="0"/>
+                <a:latin typeface="Consolas" panose="020B0609020204030204" pitchFamily="49" charset="0"/>
+                <a:ea typeface="Menlo" panose="020B0609030804020204" pitchFamily="49" charset="0"/>
+                <a:cs typeface="Consolas" panose="020B0609020204030204" pitchFamily="49" charset="0"/>
               </a:rPr>
               <a:t>):</a:t>
             </a:r>
@@ -28314,9 +28335,9 @@
             </a:pPr>
             <a:r>
               <a:rPr lang="en-US" dirty="0">
-                <a:latin typeface="Menlo" panose="020B0609030804020204" pitchFamily="49" charset="0"/>
-                <a:ea typeface="Menlo" panose="020B0609030804020204" pitchFamily="49" charset="0"/>
-                <a:cs typeface="Menlo" panose="020B0609030804020204" pitchFamily="49" charset="0"/>
+                <a:latin typeface="Consolas" panose="020B0609020204030204" pitchFamily="49" charset="0"/>
+                <a:ea typeface="Menlo" panose="020B0609030804020204" pitchFamily="49" charset="0"/>
+                <a:cs typeface="Consolas" panose="020B0609020204030204" pitchFamily="49" charset="0"/>
               </a:rPr>
               <a:t>... </a:t>
             </a:r>
@@ -28325,9 +28346,9 @@
                 <a:solidFill>
                   <a:schemeClr val="accent6"/>
                 </a:solidFill>
-                <a:latin typeface="Menlo" panose="020B0609030804020204" pitchFamily="49" charset="0"/>
-                <a:ea typeface="Menlo" panose="020B0609030804020204" pitchFamily="49" charset="0"/>
-                <a:cs typeface="Menlo" panose="020B0609030804020204" pitchFamily="49" charset="0"/>
+                <a:latin typeface="Consolas" panose="020B0609020204030204" pitchFamily="49" charset="0"/>
+                <a:ea typeface="Menlo" panose="020B0609030804020204" pitchFamily="49" charset="0"/>
+                <a:cs typeface="Consolas" panose="020B0609020204030204" pitchFamily="49" charset="0"/>
               </a:rPr>
               <a:t>        </a:t>
             </a:r>
@@ -28336,9 +28357,9 @@
                 <a:solidFill>
                   <a:schemeClr val="accent6"/>
                 </a:solidFill>
-                <a:latin typeface="Menlo" panose="020B0609030804020204" pitchFamily="49" charset="0"/>
-                <a:ea typeface="Menlo" panose="020B0609030804020204" pitchFamily="49" charset="0"/>
-                <a:cs typeface="Menlo" panose="020B0609030804020204" pitchFamily="49" charset="0"/>
+                <a:latin typeface="Consolas" panose="020B0609020204030204" pitchFamily="49" charset="0"/>
+                <a:ea typeface="Menlo" panose="020B0609030804020204" pitchFamily="49" charset="0"/>
+                <a:cs typeface="Consolas" panose="020B0609020204030204" pitchFamily="49" charset="0"/>
               </a:rPr>
               <a:t>self.name</a:t>
             </a:r>
@@ -28347,9 +28368,9 @@
                 <a:solidFill>
                   <a:schemeClr val="accent6"/>
                 </a:solidFill>
-                <a:latin typeface="Menlo" panose="020B0609030804020204" pitchFamily="49" charset="0"/>
-                <a:ea typeface="Menlo" panose="020B0609030804020204" pitchFamily="49" charset="0"/>
-                <a:cs typeface="Menlo" panose="020B0609030804020204" pitchFamily="49" charset="0"/>
+                <a:latin typeface="Consolas" panose="020B0609020204030204" pitchFamily="49" charset="0"/>
+                <a:ea typeface="Menlo" panose="020B0609030804020204" pitchFamily="49" charset="0"/>
+                <a:cs typeface="Consolas" panose="020B0609020204030204" pitchFamily="49" charset="0"/>
               </a:rPr>
               <a:t> = </a:t>
             </a:r>
@@ -28358,9 +28379,9 @@
                 <a:solidFill>
                   <a:schemeClr val="accent6"/>
                 </a:solidFill>
-                <a:latin typeface="Menlo" panose="020B0609030804020204" pitchFamily="49" charset="0"/>
-                <a:ea typeface="Menlo" panose="020B0609030804020204" pitchFamily="49" charset="0"/>
-                <a:cs typeface="Menlo" panose="020B0609030804020204" pitchFamily="49" charset="0"/>
+                <a:latin typeface="Consolas" panose="020B0609020204030204" pitchFamily="49" charset="0"/>
+                <a:ea typeface="Menlo" panose="020B0609030804020204" pitchFamily="49" charset="0"/>
+                <a:cs typeface="Consolas" panose="020B0609020204030204" pitchFamily="49" charset="0"/>
               </a:rPr>
               <a:t>a_name</a:t>
             </a:r>
@@ -28368,9 +28389,9 @@
               <a:solidFill>
                 <a:schemeClr val="accent6"/>
               </a:solidFill>
-              <a:latin typeface="Menlo" panose="020B0609030804020204" pitchFamily="49" charset="0"/>
+              <a:latin typeface="Consolas" panose="020B0609020204030204" pitchFamily="49" charset="0"/>
               <a:ea typeface="Menlo" panose="020B0609030804020204" pitchFamily="49" charset="0"/>
-              <a:cs typeface="Menlo" panose="020B0609030804020204" pitchFamily="49" charset="0"/>
+              <a:cs typeface="Consolas" panose="020B0609020204030204" pitchFamily="49" charset="0"/>
             </a:endParaRPr>
           </a:p>
           <a:p>
@@ -28379,9 +28400,9 @@
             </a:pPr>
             <a:r>
               <a:rPr lang="en-US" dirty="0">
-                <a:latin typeface="Menlo" panose="020B0609030804020204" pitchFamily="49" charset="0"/>
-                <a:ea typeface="Menlo" panose="020B0609030804020204" pitchFamily="49" charset="0"/>
-                <a:cs typeface="Menlo" panose="020B0609030804020204" pitchFamily="49" charset="0"/>
+                <a:latin typeface="Consolas" panose="020B0609020204030204" pitchFamily="49" charset="0"/>
+                <a:ea typeface="Menlo" panose="020B0609030804020204" pitchFamily="49" charset="0"/>
+                <a:cs typeface="Consolas" panose="020B0609020204030204" pitchFamily="49" charset="0"/>
               </a:rPr>
               <a:t>... </a:t>
             </a:r>
@@ -28390,9 +28411,9 @@
                 <a:solidFill>
                   <a:schemeClr val="accent6"/>
                 </a:solidFill>
-                <a:latin typeface="Menlo" panose="020B0609030804020204" pitchFamily="49" charset="0"/>
-                <a:ea typeface="Menlo" panose="020B0609030804020204" pitchFamily="49" charset="0"/>
-                <a:cs typeface="Menlo" panose="020B0609030804020204" pitchFamily="49" charset="0"/>
+                <a:latin typeface="Consolas" panose="020B0609020204030204" pitchFamily="49" charset="0"/>
+                <a:ea typeface="Menlo" panose="020B0609030804020204" pitchFamily="49" charset="0"/>
+                <a:cs typeface="Consolas" panose="020B0609020204030204" pitchFamily="49" charset="0"/>
               </a:rPr>
               <a:t>        </a:t>
             </a:r>
@@ -28401,9 +28422,9 @@
                 <a:solidFill>
                   <a:schemeClr val="accent6"/>
                 </a:solidFill>
-                <a:latin typeface="Menlo" panose="020B0609030804020204" pitchFamily="49" charset="0"/>
-                <a:ea typeface="Menlo" panose="020B0609030804020204" pitchFamily="49" charset="0"/>
-                <a:cs typeface="Menlo" panose="020B0609030804020204" pitchFamily="49" charset="0"/>
+                <a:latin typeface="Consolas" panose="020B0609020204030204" pitchFamily="49" charset="0"/>
+                <a:ea typeface="Menlo" panose="020B0609030804020204" pitchFamily="49" charset="0"/>
+                <a:cs typeface="Consolas" panose="020B0609020204030204" pitchFamily="49" charset="0"/>
               </a:rPr>
               <a:t>self.age</a:t>
             </a:r>
@@ -28412,9 +28433,9 @@
                 <a:solidFill>
                   <a:schemeClr val="accent6"/>
                 </a:solidFill>
-                <a:latin typeface="Menlo" panose="020B0609030804020204" pitchFamily="49" charset="0"/>
-                <a:ea typeface="Menlo" panose="020B0609030804020204" pitchFamily="49" charset="0"/>
-                <a:cs typeface="Menlo" panose="020B0609030804020204" pitchFamily="49" charset="0"/>
+                <a:latin typeface="Consolas" panose="020B0609020204030204" pitchFamily="49" charset="0"/>
+                <a:ea typeface="Menlo" panose="020B0609030804020204" pitchFamily="49" charset="0"/>
+                <a:cs typeface="Consolas" panose="020B0609020204030204" pitchFamily="49" charset="0"/>
               </a:rPr>
               <a:t> = </a:t>
             </a:r>
@@ -28423,9 +28444,9 @@
                 <a:solidFill>
                   <a:schemeClr val="accent6"/>
                 </a:solidFill>
-                <a:latin typeface="Menlo" panose="020B0609030804020204" pitchFamily="49" charset="0"/>
-                <a:ea typeface="Menlo" panose="020B0609030804020204" pitchFamily="49" charset="0"/>
-                <a:cs typeface="Menlo" panose="020B0609030804020204" pitchFamily="49" charset="0"/>
+                <a:latin typeface="Consolas" panose="020B0609020204030204" pitchFamily="49" charset="0"/>
+                <a:ea typeface="Menlo" panose="020B0609030804020204" pitchFamily="49" charset="0"/>
+                <a:cs typeface="Consolas" panose="020B0609020204030204" pitchFamily="49" charset="0"/>
               </a:rPr>
               <a:t>an_age</a:t>
             </a:r>
@@ -28433,9 +28454,9 @@
               <a:solidFill>
                 <a:schemeClr val="accent6"/>
               </a:solidFill>
-              <a:latin typeface="Menlo" panose="020B0609030804020204" pitchFamily="49" charset="0"/>
+              <a:latin typeface="Consolas" panose="020B0609020204030204" pitchFamily="49" charset="0"/>
               <a:ea typeface="Menlo" panose="020B0609030804020204" pitchFamily="49" charset="0"/>
-              <a:cs typeface="Menlo" panose="020B0609030804020204" pitchFamily="49" charset="0"/>
+              <a:cs typeface="Consolas" panose="020B0609020204030204" pitchFamily="49" charset="0"/>
             </a:endParaRPr>
           </a:p>
           <a:p>
@@ -28444,9 +28465,9 @@
             </a:pPr>
             <a:r>
               <a:rPr lang="en-US" dirty="0">
-                <a:latin typeface="Menlo" panose="020B0609030804020204" pitchFamily="49" charset="0"/>
-                <a:ea typeface="Menlo" panose="020B0609030804020204" pitchFamily="49" charset="0"/>
-                <a:cs typeface="Menlo" panose="020B0609030804020204" pitchFamily="49" charset="0"/>
+                <a:latin typeface="Consolas" panose="020B0609020204030204" pitchFamily="49" charset="0"/>
+                <a:ea typeface="Menlo" panose="020B0609030804020204" pitchFamily="49" charset="0"/>
+                <a:cs typeface="Consolas" panose="020B0609020204030204" pitchFamily="49" charset="0"/>
               </a:rPr>
               <a:t>... </a:t>
             </a:r>
@@ -28455,9 +28476,9 @@
                 <a:solidFill>
                   <a:schemeClr val="accent6"/>
                 </a:solidFill>
-                <a:latin typeface="Menlo" panose="020B0609030804020204" pitchFamily="49" charset="0"/>
-                <a:ea typeface="Menlo" panose="020B0609030804020204" pitchFamily="49" charset="0"/>
-                <a:cs typeface="Menlo" panose="020B0609030804020204" pitchFamily="49" charset="0"/>
+                <a:latin typeface="Consolas" panose="020B0609020204030204" pitchFamily="49" charset="0"/>
+                <a:ea typeface="Menlo" panose="020B0609030804020204" pitchFamily="49" charset="0"/>
+                <a:cs typeface="Consolas" panose="020B0609020204030204" pitchFamily="49" charset="0"/>
               </a:rPr>
               <a:t>    def __</a:t>
             </a:r>
@@ -28466,9 +28487,9 @@
                 <a:solidFill>
                   <a:schemeClr val="accent6"/>
                 </a:solidFill>
-                <a:latin typeface="Menlo" panose="020B0609030804020204" pitchFamily="49" charset="0"/>
-                <a:ea typeface="Menlo" panose="020B0609030804020204" pitchFamily="49" charset="0"/>
-                <a:cs typeface="Menlo" panose="020B0609030804020204" pitchFamily="49" charset="0"/>
+                <a:latin typeface="Consolas" panose="020B0609020204030204" pitchFamily="49" charset="0"/>
+                <a:ea typeface="Menlo" panose="020B0609030804020204" pitchFamily="49" charset="0"/>
+                <a:cs typeface="Consolas" panose="020B0609020204030204" pitchFamily="49" charset="0"/>
               </a:rPr>
               <a:t>str</a:t>
             </a:r>
@@ -28477,9 +28498,9 @@
                 <a:solidFill>
                   <a:schemeClr val="accent6"/>
                 </a:solidFill>
-                <a:latin typeface="Menlo" panose="020B0609030804020204" pitchFamily="49" charset="0"/>
-                <a:ea typeface="Menlo" panose="020B0609030804020204" pitchFamily="49" charset="0"/>
-                <a:cs typeface="Menlo" panose="020B0609030804020204" pitchFamily="49" charset="0"/>
+                <a:latin typeface="Consolas" panose="020B0609020204030204" pitchFamily="49" charset="0"/>
+                <a:ea typeface="Menlo" panose="020B0609030804020204" pitchFamily="49" charset="0"/>
+                <a:cs typeface="Consolas" panose="020B0609020204030204" pitchFamily="49" charset="0"/>
               </a:rPr>
               <a:t>__(self):</a:t>
             </a:r>
@@ -28490,9 +28511,9 @@
             </a:pPr>
             <a:r>
               <a:rPr lang="en-US" dirty="0">
-                <a:latin typeface="Menlo" panose="020B0609030804020204" pitchFamily="49" charset="0"/>
-                <a:ea typeface="Menlo" panose="020B0609030804020204" pitchFamily="49" charset="0"/>
-                <a:cs typeface="Menlo" panose="020B0609030804020204" pitchFamily="49" charset="0"/>
+                <a:latin typeface="Consolas" panose="020B0609020204030204" pitchFamily="49" charset="0"/>
+                <a:ea typeface="Menlo" panose="020B0609030804020204" pitchFamily="49" charset="0"/>
+                <a:cs typeface="Consolas" panose="020B0609020204030204" pitchFamily="49" charset="0"/>
               </a:rPr>
               <a:t>... </a:t>
             </a:r>
@@ -28501,9 +28522,9 @@
                 <a:solidFill>
                   <a:schemeClr val="accent6"/>
                 </a:solidFill>
-                <a:latin typeface="Menlo" panose="020B0609030804020204" pitchFamily="49" charset="0"/>
-                <a:ea typeface="Menlo" panose="020B0609030804020204" pitchFamily="49" charset="0"/>
-                <a:cs typeface="Menlo" panose="020B0609030804020204" pitchFamily="49" charset="0"/>
+                <a:latin typeface="Consolas" panose="020B0609020204030204" pitchFamily="49" charset="0"/>
+                <a:ea typeface="Menlo" panose="020B0609030804020204" pitchFamily="49" charset="0"/>
+                <a:cs typeface="Consolas" panose="020B0609020204030204" pitchFamily="49" charset="0"/>
               </a:rPr>
               <a:t>        return </a:t>
             </a:r>
@@ -28512,9 +28533,9 @@
                 <a:solidFill>
                   <a:schemeClr val="accent6"/>
                 </a:solidFill>
-                <a:latin typeface="Menlo" panose="020B0609030804020204" pitchFamily="49" charset="0"/>
-                <a:ea typeface="Menlo" panose="020B0609030804020204" pitchFamily="49" charset="0"/>
-                <a:cs typeface="Menlo" panose="020B0609030804020204" pitchFamily="49" charset="0"/>
+                <a:latin typeface="Consolas" panose="020B0609020204030204" pitchFamily="49" charset="0"/>
+                <a:ea typeface="Menlo" panose="020B0609030804020204" pitchFamily="49" charset="0"/>
+                <a:cs typeface="Consolas" panose="020B0609020204030204" pitchFamily="49" charset="0"/>
               </a:rPr>
               <a:t>str</a:t>
             </a:r>
@@ -28523,9 +28544,9 @@
                 <a:solidFill>
                   <a:schemeClr val="accent6"/>
                 </a:solidFill>
-                <a:latin typeface="Menlo" panose="020B0609030804020204" pitchFamily="49" charset="0"/>
-                <a:ea typeface="Menlo" panose="020B0609030804020204" pitchFamily="49" charset="0"/>
-                <a:cs typeface="Menlo" panose="020B0609030804020204" pitchFamily="49" charset="0"/>
+                <a:latin typeface="Consolas" panose="020B0609020204030204" pitchFamily="49" charset="0"/>
+                <a:ea typeface="Menlo" panose="020B0609030804020204" pitchFamily="49" charset="0"/>
+                <a:cs typeface="Consolas" panose="020B0609020204030204" pitchFamily="49" charset="0"/>
               </a:rPr>
               <a:t>(</a:t>
             </a:r>
@@ -28534,9 +28555,9 @@
                 <a:solidFill>
                   <a:schemeClr val="accent6"/>
                 </a:solidFill>
-                <a:latin typeface="Menlo" panose="020B0609030804020204" pitchFamily="49" charset="0"/>
-                <a:ea typeface="Menlo" panose="020B0609030804020204" pitchFamily="49" charset="0"/>
-                <a:cs typeface="Menlo" panose="020B0609030804020204" pitchFamily="49" charset="0"/>
+                <a:latin typeface="Consolas" panose="020B0609020204030204" pitchFamily="49" charset="0"/>
+                <a:ea typeface="Menlo" panose="020B0609030804020204" pitchFamily="49" charset="0"/>
+                <a:cs typeface="Consolas" panose="020B0609020204030204" pitchFamily="49" charset="0"/>
               </a:rPr>
               <a:t>self.name</a:t>
             </a:r>
@@ -28545,9 +28566,9 @@
                 <a:solidFill>
                   <a:schemeClr val="accent6"/>
                 </a:solidFill>
-                <a:latin typeface="Menlo" panose="020B0609030804020204" pitchFamily="49" charset="0"/>
-                <a:ea typeface="Menlo" panose="020B0609030804020204" pitchFamily="49" charset="0"/>
-                <a:cs typeface="Menlo" panose="020B0609030804020204" pitchFamily="49" charset="0"/>
+                <a:latin typeface="Consolas" panose="020B0609020204030204" pitchFamily="49" charset="0"/>
+                <a:ea typeface="Menlo" panose="020B0609030804020204" pitchFamily="49" charset="0"/>
+                <a:cs typeface="Consolas" panose="020B0609020204030204" pitchFamily="49" charset="0"/>
               </a:rPr>
               <a:t>) + ', ' + </a:t>
             </a:r>
@@ -28556,9 +28577,9 @@
                 <a:solidFill>
                   <a:schemeClr val="accent6"/>
                 </a:solidFill>
-                <a:latin typeface="Menlo" panose="020B0609030804020204" pitchFamily="49" charset="0"/>
-                <a:ea typeface="Menlo" panose="020B0609030804020204" pitchFamily="49" charset="0"/>
-                <a:cs typeface="Menlo" panose="020B0609030804020204" pitchFamily="49" charset="0"/>
+                <a:latin typeface="Consolas" panose="020B0609020204030204" pitchFamily="49" charset="0"/>
+                <a:ea typeface="Menlo" panose="020B0609030804020204" pitchFamily="49" charset="0"/>
+                <a:cs typeface="Consolas" panose="020B0609020204030204" pitchFamily="49" charset="0"/>
               </a:rPr>
               <a:t>str</a:t>
             </a:r>
@@ -28567,9 +28588,9 @@
                 <a:solidFill>
                   <a:schemeClr val="accent6"/>
                 </a:solidFill>
-                <a:latin typeface="Menlo" panose="020B0609030804020204" pitchFamily="49" charset="0"/>
-                <a:ea typeface="Menlo" panose="020B0609030804020204" pitchFamily="49" charset="0"/>
-                <a:cs typeface="Menlo" panose="020B0609030804020204" pitchFamily="49" charset="0"/>
+                <a:latin typeface="Consolas" panose="020B0609020204030204" pitchFamily="49" charset="0"/>
+                <a:ea typeface="Menlo" panose="020B0609030804020204" pitchFamily="49" charset="0"/>
+                <a:cs typeface="Consolas" panose="020B0609020204030204" pitchFamily="49" charset="0"/>
               </a:rPr>
               <a:t>(</a:t>
             </a:r>
@@ -28578,9 +28599,9 @@
                 <a:solidFill>
                   <a:schemeClr val="accent6"/>
                 </a:solidFill>
-                <a:latin typeface="Menlo" panose="020B0609030804020204" pitchFamily="49" charset="0"/>
-                <a:ea typeface="Menlo" panose="020B0609030804020204" pitchFamily="49" charset="0"/>
-                <a:cs typeface="Menlo" panose="020B0609030804020204" pitchFamily="49" charset="0"/>
+                <a:latin typeface="Consolas" panose="020B0609020204030204" pitchFamily="49" charset="0"/>
+                <a:ea typeface="Menlo" panose="020B0609030804020204" pitchFamily="49" charset="0"/>
+                <a:cs typeface="Consolas" panose="020B0609020204030204" pitchFamily="49" charset="0"/>
               </a:rPr>
               <a:t>self.age</a:t>
             </a:r>
@@ -28589,9 +28610,9 @@
                 <a:solidFill>
                   <a:schemeClr val="accent6"/>
                 </a:solidFill>
-                <a:latin typeface="Menlo" panose="020B0609030804020204" pitchFamily="49" charset="0"/>
-                <a:ea typeface="Menlo" panose="020B0609030804020204" pitchFamily="49" charset="0"/>
-                <a:cs typeface="Menlo" panose="020B0609030804020204" pitchFamily="49" charset="0"/>
+                <a:latin typeface="Consolas" panose="020B0609020204030204" pitchFamily="49" charset="0"/>
+                <a:ea typeface="Menlo" panose="020B0609030804020204" pitchFamily="49" charset="0"/>
+                <a:cs typeface="Consolas" panose="020B0609020204030204" pitchFamily="49" charset="0"/>
               </a:rPr>
               <a:t>) + ' years old'</a:t>
             </a:r>
@@ -28602,9 +28623,9 @@
             </a:pPr>
             <a:r>
               <a:rPr lang="en-US" dirty="0">
-                <a:latin typeface="Menlo" panose="020B0609030804020204" pitchFamily="49" charset="0"/>
-                <a:ea typeface="Menlo" panose="020B0609030804020204" pitchFamily="49" charset="0"/>
-                <a:cs typeface="Menlo" panose="020B0609030804020204" pitchFamily="49" charset="0"/>
+                <a:latin typeface="Consolas" panose="020B0609020204030204" pitchFamily="49" charset="0"/>
+                <a:ea typeface="Menlo" panose="020B0609030804020204" pitchFamily="49" charset="0"/>
+                <a:cs typeface="Consolas" panose="020B0609020204030204" pitchFamily="49" charset="0"/>
               </a:rPr>
               <a:t>... </a:t>
             </a:r>
@@ -28615,9 +28636,9 @@
             </a:pPr>
             <a:r>
               <a:rPr lang="en-US" dirty="0">
-                <a:latin typeface="Menlo" panose="020B0609030804020204" pitchFamily="49" charset="0"/>
-                <a:ea typeface="Menlo" panose="020B0609030804020204" pitchFamily="49" charset="0"/>
-                <a:cs typeface="Menlo" panose="020B0609030804020204" pitchFamily="49" charset="0"/>
+                <a:latin typeface="Consolas" panose="020B0609020204030204" pitchFamily="49" charset="0"/>
+                <a:ea typeface="Menlo" panose="020B0609030804020204" pitchFamily="49" charset="0"/>
+                <a:cs typeface="Consolas" panose="020B0609020204030204" pitchFamily="49" charset="0"/>
               </a:rPr>
               <a:t>&gt;&gt;&gt; </a:t>
             </a:r>
@@ -28626,9 +28647,9 @@
                 <a:solidFill>
                   <a:schemeClr val="accent6"/>
                 </a:solidFill>
-                <a:latin typeface="Menlo" panose="020B0609030804020204" pitchFamily="49" charset="0"/>
-                <a:ea typeface="Menlo" panose="020B0609030804020204" pitchFamily="49" charset="0"/>
-                <a:cs typeface="Menlo" panose="020B0609030804020204" pitchFamily="49" charset="0"/>
+                <a:latin typeface="Consolas" panose="020B0609020204030204" pitchFamily="49" charset="0"/>
+                <a:ea typeface="Menlo" panose="020B0609030804020204" pitchFamily="49" charset="0"/>
+                <a:cs typeface="Consolas" panose="020B0609020204030204" pitchFamily="49" charset="0"/>
               </a:rPr>
               <a:t>a = person('Alice', 153)</a:t>
             </a:r>
@@ -28639,9 +28660,9 @@
             </a:pPr>
             <a:r>
               <a:rPr lang="en-US" dirty="0">
-                <a:latin typeface="Menlo" panose="020B0609030804020204" pitchFamily="49" charset="0"/>
-                <a:ea typeface="Menlo" panose="020B0609030804020204" pitchFamily="49" charset="0"/>
-                <a:cs typeface="Menlo" panose="020B0609030804020204" pitchFamily="49" charset="0"/>
+                <a:latin typeface="Consolas" panose="020B0609020204030204" pitchFamily="49" charset="0"/>
+                <a:ea typeface="Menlo" panose="020B0609030804020204" pitchFamily="49" charset="0"/>
+                <a:cs typeface="Consolas" panose="020B0609020204030204" pitchFamily="49" charset="0"/>
               </a:rPr>
               <a:t>&gt;&gt;&gt; </a:t>
             </a:r>
@@ -28650,9 +28671,9 @@
                 <a:solidFill>
                   <a:schemeClr val="accent6"/>
                 </a:solidFill>
-                <a:latin typeface="Menlo" panose="020B0609030804020204" pitchFamily="49" charset="0"/>
-                <a:ea typeface="Menlo" panose="020B0609030804020204" pitchFamily="49" charset="0"/>
-                <a:cs typeface="Menlo" panose="020B0609030804020204" pitchFamily="49" charset="0"/>
+                <a:latin typeface="Consolas" panose="020B0609020204030204" pitchFamily="49" charset="0"/>
+                <a:ea typeface="Menlo" panose="020B0609030804020204" pitchFamily="49" charset="0"/>
+                <a:cs typeface="Consolas" panose="020B0609020204030204" pitchFamily="49" charset="0"/>
               </a:rPr>
               <a:t>str</a:t>
             </a:r>
@@ -28661,9 +28682,9 @@
                 <a:solidFill>
                   <a:schemeClr val="accent6"/>
                 </a:solidFill>
-                <a:latin typeface="Menlo" panose="020B0609030804020204" pitchFamily="49" charset="0"/>
-                <a:ea typeface="Menlo" panose="020B0609030804020204" pitchFamily="49" charset="0"/>
-                <a:cs typeface="Menlo" panose="020B0609030804020204" pitchFamily="49" charset="0"/>
+                <a:latin typeface="Consolas" panose="020B0609020204030204" pitchFamily="49" charset="0"/>
+                <a:ea typeface="Menlo" panose="020B0609030804020204" pitchFamily="49" charset="0"/>
+                <a:cs typeface="Consolas" panose="020B0609020204030204" pitchFamily="49" charset="0"/>
               </a:rPr>
               <a:t>(a)</a:t>
             </a:r>
@@ -28674,9 +28695,9 @@
             </a:pPr>
             <a:r>
               <a:rPr lang="en-US" dirty="0">
-                <a:latin typeface="Menlo" panose="020B0609030804020204" pitchFamily="49" charset="0"/>
-                <a:ea typeface="Menlo" panose="020B0609030804020204" pitchFamily="49" charset="0"/>
-                <a:cs typeface="Menlo" panose="020B0609030804020204" pitchFamily="49" charset="0"/>
+                <a:latin typeface="Consolas" panose="020B0609020204030204" pitchFamily="49" charset="0"/>
+                <a:ea typeface="Menlo" panose="020B0609030804020204" pitchFamily="49" charset="0"/>
+                <a:cs typeface="Consolas" panose="020B0609020204030204" pitchFamily="49" charset="0"/>
               </a:rPr>
               <a:t>'Alice, 153 years old'</a:t>
             </a:r>
@@ -28723,25 +28744,25 @@
             </a:r>
             <a:r>
               <a:rPr lang="en-US" dirty="0">
-                <a:latin typeface="Menlo" panose="020B0609030804020204" pitchFamily="49" charset="0"/>
-                <a:ea typeface="Menlo" panose="020B0609030804020204" pitchFamily="49" charset="0"/>
-                <a:cs typeface="Menlo" panose="020B0609030804020204" pitchFamily="49" charset="0"/>
+                <a:latin typeface="Consolas" panose="020B0609020204030204" pitchFamily="49" charset="0"/>
+                <a:ea typeface="Menlo" panose="020B0609030804020204" pitchFamily="49" charset="0"/>
+                <a:cs typeface="Consolas" panose="020B0609020204030204" pitchFamily="49" charset="0"/>
               </a:rPr>
               <a:t>__</a:t>
             </a:r>
             <a:r>
               <a:rPr lang="en-US" dirty="0" err="1">
-                <a:latin typeface="Menlo" panose="020B0609030804020204" pitchFamily="49" charset="0"/>
-                <a:ea typeface="Menlo" panose="020B0609030804020204" pitchFamily="49" charset="0"/>
-                <a:cs typeface="Menlo" panose="020B0609030804020204" pitchFamily="49" charset="0"/>
+                <a:latin typeface="Consolas" panose="020B0609020204030204" pitchFamily="49" charset="0"/>
+                <a:ea typeface="Menlo" panose="020B0609030804020204" pitchFamily="49" charset="0"/>
+                <a:cs typeface="Consolas" panose="020B0609020204030204" pitchFamily="49" charset="0"/>
               </a:rPr>
               <a:t>init</a:t>
             </a:r>
             <a:r>
               <a:rPr lang="en-US" dirty="0">
-                <a:latin typeface="Menlo" panose="020B0609030804020204" pitchFamily="49" charset="0"/>
-                <a:ea typeface="Menlo" panose="020B0609030804020204" pitchFamily="49" charset="0"/>
-                <a:cs typeface="Menlo" panose="020B0609030804020204" pitchFamily="49" charset="0"/>
+                <a:latin typeface="Consolas" panose="020B0609020204030204" pitchFamily="49" charset="0"/>
+                <a:ea typeface="Menlo" panose="020B0609030804020204" pitchFamily="49" charset="0"/>
+                <a:cs typeface="Consolas" panose="020B0609020204030204" pitchFamily="49" charset="0"/>
               </a:rPr>
               <a:t>__</a:t>
             </a:r>
@@ -28830,9 +28851,9 @@
             </a:r>
             <a:r>
               <a:rPr lang="en-US" dirty="0">
-                <a:latin typeface="Menlo" panose="020B0609030804020204" pitchFamily="49" charset="0"/>
-                <a:ea typeface="Menlo" panose="020B0609030804020204" pitchFamily="49" charset="0"/>
-                <a:cs typeface="Menlo" panose="020B0609030804020204" pitchFamily="49" charset="0"/>
+                <a:latin typeface="Consolas" panose="020B0609020204030204" pitchFamily="49" charset="0"/>
+                <a:ea typeface="Menlo" panose="020B0609030804020204" pitchFamily="49" charset="0"/>
+                <a:cs typeface="Consolas" panose="020B0609020204030204" pitchFamily="49" charset="0"/>
               </a:rPr>
               <a:t>self</a:t>
             </a:r>
@@ -28921,9 +28942,9 @@
             </a:r>
             <a:r>
               <a:rPr lang="en-US" dirty="0">
-                <a:latin typeface="Menlo" panose="020B0609030804020204" pitchFamily="49" charset="0"/>
-                <a:ea typeface="Menlo" panose="020B0609030804020204" pitchFamily="49" charset="0"/>
-                <a:cs typeface="Menlo" panose="020B0609030804020204" pitchFamily="49" charset="0"/>
+                <a:latin typeface="Consolas" panose="020B0609020204030204" pitchFamily="49" charset="0"/>
+                <a:ea typeface="Menlo" panose="020B0609030804020204" pitchFamily="49" charset="0"/>
+                <a:cs typeface="Consolas" panose="020B0609020204030204" pitchFamily="49" charset="0"/>
               </a:rPr>
               <a:t>self</a:t>
             </a:r>
@@ -29043,24 +29064,24 @@
           <a:p>
             <a:r>
               <a:rPr lang="en-US" dirty="0" err="1">
-                <a:latin typeface="Menlo" panose="020B0609030804020204" pitchFamily="49" charset="0"/>
-                <a:ea typeface="Menlo" panose="020B0609030804020204" pitchFamily="49" charset="0"/>
-                <a:cs typeface="Menlo" panose="020B0609030804020204" pitchFamily="49" charset="0"/>
+                <a:latin typeface="Consolas" panose="020B0609020204030204" pitchFamily="49" charset="0"/>
+                <a:ea typeface="Menlo" panose="020B0609030804020204" pitchFamily="49" charset="0"/>
+                <a:cs typeface="Consolas" panose="020B0609020204030204" pitchFamily="49" charset="0"/>
               </a:rPr>
               <a:t>toString</a:t>
             </a:r>
             <a:r>
               <a:rPr lang="en-US" dirty="0">
-                <a:latin typeface="Menlo" panose="020B0609030804020204" pitchFamily="49" charset="0"/>
-                <a:ea typeface="Menlo" panose="020B0609030804020204" pitchFamily="49" charset="0"/>
-                <a:cs typeface="Menlo" panose="020B0609030804020204" pitchFamily="49" charset="0"/>
+                <a:latin typeface="Consolas" panose="020B0609020204030204" pitchFamily="49" charset="0"/>
+                <a:ea typeface="Menlo" panose="020B0609030804020204" pitchFamily="49" charset="0"/>
+                <a:cs typeface="Consolas" panose="020B0609020204030204" pitchFamily="49" charset="0"/>
               </a:rPr>
               <a:t>()</a:t>
             </a:r>
             <a:r>
               <a:rPr lang="en-US" dirty="0">
                 <a:ea typeface="Menlo" panose="020B0609030804020204" pitchFamily="49" charset="0"/>
-                <a:cs typeface="Menlo" panose="020B0609030804020204" pitchFamily="49" charset="0"/>
+                <a:cs typeface="Consolas" panose="020B0609020204030204" pitchFamily="49" charset="0"/>
               </a:rPr>
               <a:t> from Java</a:t>
             </a:r>
@@ -29146,84 +29167,84 @@
             <a:r>
               <a:rPr lang="en-US" dirty="0">
                 <a:ea typeface="Menlo" panose="020B0609030804020204" pitchFamily="49" charset="0"/>
-                <a:cs typeface="Menlo" panose="020B0609030804020204" pitchFamily="49" charset="0"/>
+                <a:cs typeface="Consolas" panose="020B0609020204030204" pitchFamily="49" charset="0"/>
               </a:rPr>
               <a:t>Note: calling </a:t>
             </a:r>
             <a:r>
               <a:rPr lang="en-US" dirty="0" err="1">
-                <a:latin typeface="Menlo" panose="020B0609030804020204" pitchFamily="49" charset="0"/>
-                <a:ea typeface="Menlo" panose="020B0609030804020204" pitchFamily="49" charset="0"/>
-                <a:cs typeface="Menlo" panose="020B0609030804020204" pitchFamily="49" charset="0"/>
+                <a:latin typeface="Consolas" panose="020B0609020204030204" pitchFamily="49" charset="0"/>
+                <a:ea typeface="Menlo" panose="020B0609030804020204" pitchFamily="49" charset="0"/>
+                <a:cs typeface="Consolas" panose="020B0609020204030204" pitchFamily="49" charset="0"/>
               </a:rPr>
               <a:t>str</a:t>
             </a:r>
             <a:r>
               <a:rPr lang="en-US" dirty="0">
-                <a:latin typeface="Menlo" panose="020B0609030804020204" pitchFamily="49" charset="0"/>
-                <a:ea typeface="Menlo" panose="020B0609030804020204" pitchFamily="49" charset="0"/>
-                <a:cs typeface="Menlo" panose="020B0609030804020204" pitchFamily="49" charset="0"/>
+                <a:latin typeface="Consolas" panose="020B0609020204030204" pitchFamily="49" charset="0"/>
+                <a:ea typeface="Menlo" panose="020B0609030804020204" pitchFamily="49" charset="0"/>
+                <a:cs typeface="Consolas" panose="020B0609020204030204" pitchFamily="49" charset="0"/>
               </a:rPr>
               <a:t>(</a:t>
             </a:r>
             <a:r>
               <a:rPr lang="en-US" dirty="0" err="1">
-                <a:latin typeface="Menlo" panose="020B0609030804020204" pitchFamily="49" charset="0"/>
-                <a:ea typeface="Menlo" panose="020B0609030804020204" pitchFamily="49" charset="0"/>
-                <a:cs typeface="Menlo" panose="020B0609030804020204" pitchFamily="49" charset="0"/>
+                <a:latin typeface="Consolas" panose="020B0609020204030204" pitchFamily="49" charset="0"/>
+                <a:ea typeface="Menlo" panose="020B0609030804020204" pitchFamily="49" charset="0"/>
+                <a:cs typeface="Consolas" panose="020B0609020204030204" pitchFamily="49" charset="0"/>
               </a:rPr>
               <a:t>obj</a:t>
             </a:r>
             <a:r>
               <a:rPr lang="en-US" dirty="0">
-                <a:latin typeface="Menlo" panose="020B0609030804020204" pitchFamily="49" charset="0"/>
-                <a:ea typeface="Menlo" panose="020B0609030804020204" pitchFamily="49" charset="0"/>
-                <a:cs typeface="Menlo" panose="020B0609030804020204" pitchFamily="49" charset="0"/>
+                <a:latin typeface="Consolas" panose="020B0609020204030204" pitchFamily="49" charset="0"/>
+                <a:ea typeface="Menlo" panose="020B0609030804020204" pitchFamily="49" charset="0"/>
+                <a:cs typeface="Consolas" panose="020B0609020204030204" pitchFamily="49" charset="0"/>
               </a:rPr>
               <a:t>)</a:t>
             </a:r>
             <a:r>
               <a:rPr lang="en-US" dirty="0">
                 <a:ea typeface="Menlo" panose="020B0609030804020204" pitchFamily="49" charset="0"/>
-                <a:cs typeface="Menlo" panose="020B0609030804020204" pitchFamily="49" charset="0"/>
+                <a:cs typeface="Consolas" panose="020B0609020204030204" pitchFamily="49" charset="0"/>
               </a:rPr>
               <a:t> calls </a:t>
             </a:r>
             <a:r>
               <a:rPr lang="en-US" dirty="0" err="1">
-                <a:latin typeface="Menlo" panose="020B0609030804020204" pitchFamily="49" charset="0"/>
-                <a:ea typeface="Menlo" panose="020B0609030804020204" pitchFamily="49" charset="0"/>
-                <a:cs typeface="Menlo" panose="020B0609030804020204" pitchFamily="49" charset="0"/>
+                <a:latin typeface="Consolas" panose="020B0609020204030204" pitchFamily="49" charset="0"/>
+                <a:ea typeface="Menlo" panose="020B0609030804020204" pitchFamily="49" charset="0"/>
+                <a:cs typeface="Consolas" panose="020B0609020204030204" pitchFamily="49" charset="0"/>
               </a:rPr>
               <a:t>obj</a:t>
             </a:r>
             <a:r>
               <a:rPr lang="en-US" dirty="0">
-                <a:latin typeface="Menlo" panose="020B0609030804020204" pitchFamily="49" charset="0"/>
-                <a:ea typeface="Menlo" panose="020B0609030804020204" pitchFamily="49" charset="0"/>
-                <a:cs typeface="Menlo" panose="020B0609030804020204" pitchFamily="49" charset="0"/>
+                <a:latin typeface="Consolas" panose="020B0609020204030204" pitchFamily="49" charset="0"/>
+                <a:ea typeface="Menlo" panose="020B0609030804020204" pitchFamily="49" charset="0"/>
+                <a:cs typeface="Consolas" panose="020B0609020204030204" pitchFamily="49" charset="0"/>
               </a:rPr>
               <a:t>.__</a:t>
             </a:r>
             <a:r>
               <a:rPr lang="en-US" dirty="0" err="1">
-                <a:latin typeface="Menlo" panose="020B0609030804020204" pitchFamily="49" charset="0"/>
-                <a:ea typeface="Menlo" panose="020B0609030804020204" pitchFamily="49" charset="0"/>
-                <a:cs typeface="Menlo" panose="020B0609030804020204" pitchFamily="49" charset="0"/>
+                <a:latin typeface="Consolas" panose="020B0609020204030204" pitchFamily="49" charset="0"/>
+                <a:ea typeface="Menlo" panose="020B0609030804020204" pitchFamily="49" charset="0"/>
+                <a:cs typeface="Consolas" panose="020B0609020204030204" pitchFamily="49" charset="0"/>
               </a:rPr>
               <a:t>str</a:t>
             </a:r>
             <a:r>
               <a:rPr lang="en-US" dirty="0">
-                <a:latin typeface="Menlo" panose="020B0609030804020204" pitchFamily="49" charset="0"/>
-                <a:ea typeface="Menlo" panose="020B0609030804020204" pitchFamily="49" charset="0"/>
-                <a:cs typeface="Menlo" panose="020B0609030804020204" pitchFamily="49" charset="0"/>
+                <a:latin typeface="Consolas" panose="020B0609020204030204" pitchFamily="49" charset="0"/>
+                <a:ea typeface="Menlo" panose="020B0609030804020204" pitchFamily="49" charset="0"/>
+                <a:cs typeface="Consolas" panose="020B0609020204030204" pitchFamily="49" charset="0"/>
               </a:rPr>
               <a:t>__()</a:t>
             </a:r>
             <a:endParaRPr lang="en-US" dirty="0">
               <a:ea typeface="Menlo" panose="020B0609030804020204" pitchFamily="49" charset="0"/>
-              <a:cs typeface="Menlo" panose="020B0609030804020204" pitchFamily="49" charset="0"/>
+              <a:cs typeface="Consolas" panose="020B0609020204030204" pitchFamily="49" charset="0"/>
             </a:endParaRPr>
           </a:p>
         </p:txBody>
@@ -30550,9 +30571,9 @@
             </a:pPr>
             <a:r>
               <a:rPr lang="en-US" dirty="0">
-                <a:latin typeface="Menlo" panose="020B0609030804020204" pitchFamily="49" charset="0"/>
-                <a:ea typeface="Menlo" panose="020B0609030804020204" pitchFamily="49" charset="0"/>
-                <a:cs typeface="Menlo" panose="020B0609030804020204" pitchFamily="49" charset="0"/>
+                <a:latin typeface="Consolas" panose="020B0609020204030204" pitchFamily="49" charset="0"/>
+                <a:ea typeface="Menlo" panose="020B0609030804020204" pitchFamily="49" charset="0"/>
+                <a:cs typeface="Consolas" panose="020B0609020204030204" pitchFamily="49" charset="0"/>
               </a:rPr>
               <a:t>&gt;&gt;&gt; </a:t>
             </a:r>
@@ -30561,9 +30582,9 @@
                 <a:solidFill>
                   <a:schemeClr val="accent6"/>
                 </a:solidFill>
-                <a:latin typeface="Menlo" panose="020B0609030804020204" pitchFamily="49" charset="0"/>
-                <a:ea typeface="Menlo" panose="020B0609030804020204" pitchFamily="49" charset="0"/>
-                <a:cs typeface="Menlo" panose="020B0609030804020204" pitchFamily="49" charset="0"/>
+                <a:latin typeface="Consolas" panose="020B0609020204030204" pitchFamily="49" charset="0"/>
+                <a:ea typeface="Menlo" panose="020B0609030804020204" pitchFamily="49" charset="0"/>
+                <a:cs typeface="Consolas" panose="020B0609020204030204" pitchFamily="49" charset="0"/>
               </a:rPr>
               <a:t>class person:</a:t>
             </a:r>
@@ -30574,9 +30595,9 @@
             </a:pPr>
             <a:r>
               <a:rPr lang="en-US" dirty="0">
-                <a:latin typeface="Menlo" panose="020B0609030804020204" pitchFamily="49" charset="0"/>
-                <a:ea typeface="Menlo" panose="020B0609030804020204" pitchFamily="49" charset="0"/>
-                <a:cs typeface="Menlo" panose="020B0609030804020204" pitchFamily="49" charset="0"/>
+                <a:latin typeface="Consolas" panose="020B0609020204030204" pitchFamily="49" charset="0"/>
+                <a:ea typeface="Menlo" panose="020B0609030804020204" pitchFamily="49" charset="0"/>
+                <a:cs typeface="Consolas" panose="020B0609020204030204" pitchFamily="49" charset="0"/>
               </a:rPr>
               <a:t>... </a:t>
             </a:r>
@@ -30585,9 +30606,9 @@
                 <a:solidFill>
                   <a:schemeClr val="accent6"/>
                 </a:solidFill>
-                <a:latin typeface="Menlo" panose="020B0609030804020204" pitchFamily="49" charset="0"/>
-                <a:ea typeface="Menlo" panose="020B0609030804020204" pitchFamily="49" charset="0"/>
-                <a:cs typeface="Menlo" panose="020B0609030804020204" pitchFamily="49" charset="0"/>
+                <a:latin typeface="Consolas" panose="020B0609020204030204" pitchFamily="49" charset="0"/>
+                <a:ea typeface="Menlo" panose="020B0609030804020204" pitchFamily="49" charset="0"/>
+                <a:cs typeface="Consolas" panose="020B0609020204030204" pitchFamily="49" charset="0"/>
               </a:rPr>
               <a:t>    def __</a:t>
             </a:r>
@@ -30596,9 +30617,9 @@
                 <a:solidFill>
                   <a:schemeClr val="accent6"/>
                 </a:solidFill>
-                <a:latin typeface="Menlo" panose="020B0609030804020204" pitchFamily="49" charset="0"/>
-                <a:ea typeface="Menlo" panose="020B0609030804020204" pitchFamily="49" charset="0"/>
-                <a:cs typeface="Menlo" panose="020B0609030804020204" pitchFamily="49" charset="0"/>
+                <a:latin typeface="Consolas" panose="020B0609020204030204" pitchFamily="49" charset="0"/>
+                <a:ea typeface="Menlo" panose="020B0609030804020204" pitchFamily="49" charset="0"/>
+                <a:cs typeface="Consolas" panose="020B0609020204030204" pitchFamily="49" charset="0"/>
               </a:rPr>
               <a:t>init</a:t>
             </a:r>
@@ -30607,9 +30628,9 @@
                 <a:solidFill>
                   <a:schemeClr val="accent6"/>
                 </a:solidFill>
-                <a:latin typeface="Menlo" panose="020B0609030804020204" pitchFamily="49" charset="0"/>
-                <a:ea typeface="Menlo" panose="020B0609030804020204" pitchFamily="49" charset="0"/>
-                <a:cs typeface="Menlo" panose="020B0609030804020204" pitchFamily="49" charset="0"/>
+                <a:latin typeface="Consolas" panose="020B0609020204030204" pitchFamily="49" charset="0"/>
+                <a:ea typeface="Menlo" panose="020B0609030804020204" pitchFamily="49" charset="0"/>
+                <a:cs typeface="Consolas" panose="020B0609020204030204" pitchFamily="49" charset="0"/>
               </a:rPr>
               <a:t>__(self, </a:t>
             </a:r>
@@ -30618,9 +30639,9 @@
                 <a:solidFill>
                   <a:schemeClr val="accent6"/>
                 </a:solidFill>
-                <a:latin typeface="Menlo" panose="020B0609030804020204" pitchFamily="49" charset="0"/>
-                <a:ea typeface="Menlo" panose="020B0609030804020204" pitchFamily="49" charset="0"/>
-                <a:cs typeface="Menlo" panose="020B0609030804020204" pitchFamily="49" charset="0"/>
+                <a:latin typeface="Consolas" panose="020B0609020204030204" pitchFamily="49" charset="0"/>
+                <a:ea typeface="Menlo" panose="020B0609030804020204" pitchFamily="49" charset="0"/>
+                <a:cs typeface="Consolas" panose="020B0609020204030204" pitchFamily="49" charset="0"/>
               </a:rPr>
               <a:t>a_name</a:t>
             </a:r>
@@ -30629,9 +30650,9 @@
                 <a:solidFill>
                   <a:schemeClr val="accent6"/>
                 </a:solidFill>
-                <a:latin typeface="Menlo" panose="020B0609030804020204" pitchFamily="49" charset="0"/>
-                <a:ea typeface="Menlo" panose="020B0609030804020204" pitchFamily="49" charset="0"/>
-                <a:cs typeface="Menlo" panose="020B0609030804020204" pitchFamily="49" charset="0"/>
+                <a:latin typeface="Consolas" panose="020B0609020204030204" pitchFamily="49" charset="0"/>
+                <a:ea typeface="Menlo" panose="020B0609030804020204" pitchFamily="49" charset="0"/>
+                <a:cs typeface="Consolas" panose="020B0609020204030204" pitchFamily="49" charset="0"/>
               </a:rPr>
               <a:t>, </a:t>
             </a:r>
@@ -30640,9 +30661,9 @@
                 <a:solidFill>
                   <a:schemeClr val="accent6"/>
                 </a:solidFill>
-                <a:latin typeface="Menlo" panose="020B0609030804020204" pitchFamily="49" charset="0"/>
-                <a:ea typeface="Menlo" panose="020B0609030804020204" pitchFamily="49" charset="0"/>
-                <a:cs typeface="Menlo" panose="020B0609030804020204" pitchFamily="49" charset="0"/>
+                <a:latin typeface="Consolas" panose="020B0609020204030204" pitchFamily="49" charset="0"/>
+                <a:ea typeface="Menlo" panose="020B0609030804020204" pitchFamily="49" charset="0"/>
+                <a:cs typeface="Consolas" panose="020B0609020204030204" pitchFamily="49" charset="0"/>
               </a:rPr>
               <a:t>an_age</a:t>
             </a:r>
@@ -30651,9 +30672,9 @@
                 <a:solidFill>
                   <a:schemeClr val="accent6"/>
                 </a:solidFill>
-                <a:latin typeface="Menlo" panose="020B0609030804020204" pitchFamily="49" charset="0"/>
-                <a:ea typeface="Menlo" panose="020B0609030804020204" pitchFamily="49" charset="0"/>
-                <a:cs typeface="Menlo" panose="020B0609030804020204" pitchFamily="49" charset="0"/>
+                <a:latin typeface="Consolas" panose="020B0609020204030204" pitchFamily="49" charset="0"/>
+                <a:ea typeface="Menlo" panose="020B0609030804020204" pitchFamily="49" charset="0"/>
+                <a:cs typeface="Consolas" panose="020B0609020204030204" pitchFamily="49" charset="0"/>
               </a:rPr>
               <a:t>):</a:t>
             </a:r>
@@ -30664,9 +30685,9 @@
             </a:pPr>
             <a:r>
               <a:rPr lang="en-US" dirty="0">
-                <a:latin typeface="Menlo" panose="020B0609030804020204" pitchFamily="49" charset="0"/>
-                <a:ea typeface="Menlo" panose="020B0609030804020204" pitchFamily="49" charset="0"/>
-                <a:cs typeface="Menlo" panose="020B0609030804020204" pitchFamily="49" charset="0"/>
+                <a:latin typeface="Consolas" panose="020B0609020204030204" pitchFamily="49" charset="0"/>
+                <a:ea typeface="Menlo" panose="020B0609030804020204" pitchFamily="49" charset="0"/>
+                <a:cs typeface="Consolas" panose="020B0609020204030204" pitchFamily="49" charset="0"/>
               </a:rPr>
               <a:t>... </a:t>
             </a:r>
@@ -30675,9 +30696,9 @@
                 <a:solidFill>
                   <a:schemeClr val="accent6"/>
                 </a:solidFill>
-                <a:latin typeface="Menlo" panose="020B0609030804020204" pitchFamily="49" charset="0"/>
-                <a:ea typeface="Menlo" panose="020B0609030804020204" pitchFamily="49" charset="0"/>
-                <a:cs typeface="Menlo" panose="020B0609030804020204" pitchFamily="49" charset="0"/>
+                <a:latin typeface="Consolas" panose="020B0609020204030204" pitchFamily="49" charset="0"/>
+                <a:ea typeface="Menlo" panose="020B0609030804020204" pitchFamily="49" charset="0"/>
+                <a:cs typeface="Consolas" panose="020B0609020204030204" pitchFamily="49" charset="0"/>
               </a:rPr>
               <a:t>        </a:t>
             </a:r>
@@ -30686,9 +30707,9 @@
                 <a:solidFill>
                   <a:schemeClr val="accent6"/>
                 </a:solidFill>
-                <a:latin typeface="Menlo" panose="020B0609030804020204" pitchFamily="49" charset="0"/>
-                <a:ea typeface="Menlo" panose="020B0609030804020204" pitchFamily="49" charset="0"/>
-                <a:cs typeface="Menlo" panose="020B0609030804020204" pitchFamily="49" charset="0"/>
+                <a:latin typeface="Consolas" panose="020B0609020204030204" pitchFamily="49" charset="0"/>
+                <a:ea typeface="Menlo" panose="020B0609030804020204" pitchFamily="49" charset="0"/>
+                <a:cs typeface="Consolas" panose="020B0609020204030204" pitchFamily="49" charset="0"/>
               </a:rPr>
               <a:t>self.name</a:t>
             </a:r>
@@ -30697,9 +30718,9 @@
                 <a:solidFill>
                   <a:schemeClr val="accent6"/>
                 </a:solidFill>
-                <a:latin typeface="Menlo" panose="020B0609030804020204" pitchFamily="49" charset="0"/>
-                <a:ea typeface="Menlo" panose="020B0609030804020204" pitchFamily="49" charset="0"/>
-                <a:cs typeface="Menlo" panose="020B0609030804020204" pitchFamily="49" charset="0"/>
+                <a:latin typeface="Consolas" panose="020B0609020204030204" pitchFamily="49" charset="0"/>
+                <a:ea typeface="Menlo" panose="020B0609030804020204" pitchFamily="49" charset="0"/>
+                <a:cs typeface="Consolas" panose="020B0609020204030204" pitchFamily="49" charset="0"/>
               </a:rPr>
               <a:t> = </a:t>
             </a:r>
@@ -30708,9 +30729,9 @@
                 <a:solidFill>
                   <a:schemeClr val="accent6"/>
                 </a:solidFill>
-                <a:latin typeface="Menlo" panose="020B0609030804020204" pitchFamily="49" charset="0"/>
-                <a:ea typeface="Menlo" panose="020B0609030804020204" pitchFamily="49" charset="0"/>
-                <a:cs typeface="Menlo" panose="020B0609030804020204" pitchFamily="49" charset="0"/>
+                <a:latin typeface="Consolas" panose="020B0609020204030204" pitchFamily="49" charset="0"/>
+                <a:ea typeface="Menlo" panose="020B0609030804020204" pitchFamily="49" charset="0"/>
+                <a:cs typeface="Consolas" panose="020B0609020204030204" pitchFamily="49" charset="0"/>
               </a:rPr>
               <a:t>a_name</a:t>
             </a:r>
@@ -30718,9 +30739,9 @@
               <a:solidFill>
                 <a:schemeClr val="accent6"/>
               </a:solidFill>
-              <a:latin typeface="Menlo" panose="020B0609030804020204" pitchFamily="49" charset="0"/>
+              <a:latin typeface="Consolas" panose="020B0609020204030204" pitchFamily="49" charset="0"/>
               <a:ea typeface="Menlo" panose="020B0609030804020204" pitchFamily="49" charset="0"/>
-              <a:cs typeface="Menlo" panose="020B0609030804020204" pitchFamily="49" charset="0"/>
+              <a:cs typeface="Consolas" panose="020B0609020204030204" pitchFamily="49" charset="0"/>
             </a:endParaRPr>
           </a:p>
           <a:p>
@@ -30729,9 +30750,9 @@
             </a:pPr>
             <a:r>
               <a:rPr lang="en-US" dirty="0">
-                <a:latin typeface="Menlo" panose="020B0609030804020204" pitchFamily="49" charset="0"/>
-                <a:ea typeface="Menlo" panose="020B0609030804020204" pitchFamily="49" charset="0"/>
-                <a:cs typeface="Menlo" panose="020B0609030804020204" pitchFamily="49" charset="0"/>
+                <a:latin typeface="Consolas" panose="020B0609020204030204" pitchFamily="49" charset="0"/>
+                <a:ea typeface="Menlo" panose="020B0609030804020204" pitchFamily="49" charset="0"/>
+                <a:cs typeface="Consolas" panose="020B0609020204030204" pitchFamily="49" charset="0"/>
               </a:rPr>
               <a:t>... </a:t>
             </a:r>
@@ -30740,9 +30761,9 @@
                 <a:solidFill>
                   <a:schemeClr val="accent6"/>
                 </a:solidFill>
-                <a:latin typeface="Menlo" panose="020B0609030804020204" pitchFamily="49" charset="0"/>
-                <a:ea typeface="Menlo" panose="020B0609030804020204" pitchFamily="49" charset="0"/>
-                <a:cs typeface="Menlo" panose="020B0609030804020204" pitchFamily="49" charset="0"/>
+                <a:latin typeface="Consolas" panose="020B0609020204030204" pitchFamily="49" charset="0"/>
+                <a:ea typeface="Menlo" panose="020B0609030804020204" pitchFamily="49" charset="0"/>
+                <a:cs typeface="Consolas" panose="020B0609020204030204" pitchFamily="49" charset="0"/>
               </a:rPr>
               <a:t>        </a:t>
             </a:r>
@@ -30751,9 +30772,9 @@
                 <a:solidFill>
                   <a:schemeClr val="accent6"/>
                 </a:solidFill>
-                <a:latin typeface="Menlo" panose="020B0609030804020204" pitchFamily="49" charset="0"/>
-                <a:ea typeface="Menlo" panose="020B0609030804020204" pitchFamily="49" charset="0"/>
-                <a:cs typeface="Menlo" panose="020B0609030804020204" pitchFamily="49" charset="0"/>
+                <a:latin typeface="Consolas" panose="020B0609020204030204" pitchFamily="49" charset="0"/>
+                <a:ea typeface="Menlo" panose="020B0609030804020204" pitchFamily="49" charset="0"/>
+                <a:cs typeface="Consolas" panose="020B0609020204030204" pitchFamily="49" charset="0"/>
               </a:rPr>
               <a:t>self.age</a:t>
             </a:r>
@@ -30762,9 +30783,9 @@
                 <a:solidFill>
                   <a:schemeClr val="accent6"/>
                 </a:solidFill>
-                <a:latin typeface="Menlo" panose="020B0609030804020204" pitchFamily="49" charset="0"/>
-                <a:ea typeface="Menlo" panose="020B0609030804020204" pitchFamily="49" charset="0"/>
-                <a:cs typeface="Menlo" panose="020B0609030804020204" pitchFamily="49" charset="0"/>
+                <a:latin typeface="Consolas" panose="020B0609020204030204" pitchFamily="49" charset="0"/>
+                <a:ea typeface="Menlo" panose="020B0609030804020204" pitchFamily="49" charset="0"/>
+                <a:cs typeface="Consolas" panose="020B0609020204030204" pitchFamily="49" charset="0"/>
               </a:rPr>
               <a:t> = </a:t>
             </a:r>
@@ -30773,9 +30794,9 @@
                 <a:solidFill>
                   <a:schemeClr val="accent6"/>
                 </a:solidFill>
-                <a:latin typeface="Menlo" panose="020B0609030804020204" pitchFamily="49" charset="0"/>
-                <a:ea typeface="Menlo" panose="020B0609030804020204" pitchFamily="49" charset="0"/>
-                <a:cs typeface="Menlo" panose="020B0609030804020204" pitchFamily="49" charset="0"/>
+                <a:latin typeface="Consolas" panose="020B0609020204030204" pitchFamily="49" charset="0"/>
+                <a:ea typeface="Menlo" panose="020B0609030804020204" pitchFamily="49" charset="0"/>
+                <a:cs typeface="Consolas" panose="020B0609020204030204" pitchFamily="49" charset="0"/>
               </a:rPr>
               <a:t>an_age</a:t>
             </a:r>
@@ -30783,9 +30804,9 @@
               <a:solidFill>
                 <a:schemeClr val="accent6"/>
               </a:solidFill>
-              <a:latin typeface="Menlo" panose="020B0609030804020204" pitchFamily="49" charset="0"/>
+              <a:latin typeface="Consolas" panose="020B0609020204030204" pitchFamily="49" charset="0"/>
               <a:ea typeface="Menlo" panose="020B0609030804020204" pitchFamily="49" charset="0"/>
-              <a:cs typeface="Menlo" panose="020B0609030804020204" pitchFamily="49" charset="0"/>
+              <a:cs typeface="Consolas" panose="020B0609020204030204" pitchFamily="49" charset="0"/>
             </a:endParaRPr>
           </a:p>
           <a:p>
@@ -30794,9 +30815,9 @@
             </a:pPr>
             <a:r>
               <a:rPr lang="en-US" dirty="0">
-                <a:latin typeface="Menlo" panose="020B0609030804020204" pitchFamily="49" charset="0"/>
-                <a:ea typeface="Menlo" panose="020B0609030804020204" pitchFamily="49" charset="0"/>
-                <a:cs typeface="Menlo" panose="020B0609030804020204" pitchFamily="49" charset="0"/>
+                <a:latin typeface="Consolas" panose="020B0609020204030204" pitchFamily="49" charset="0"/>
+                <a:ea typeface="Menlo" panose="020B0609030804020204" pitchFamily="49" charset="0"/>
+                <a:cs typeface="Consolas" panose="020B0609020204030204" pitchFamily="49" charset="0"/>
               </a:rPr>
               <a:t>... </a:t>
             </a:r>
@@ -30805,9 +30826,9 @@
                 <a:solidFill>
                   <a:schemeClr val="accent6"/>
                 </a:solidFill>
-                <a:latin typeface="Menlo" panose="020B0609030804020204" pitchFamily="49" charset="0"/>
-                <a:ea typeface="Menlo" panose="020B0609030804020204" pitchFamily="49" charset="0"/>
-                <a:cs typeface="Menlo" panose="020B0609030804020204" pitchFamily="49" charset="0"/>
+                <a:latin typeface="Consolas" panose="020B0609020204030204" pitchFamily="49" charset="0"/>
+                <a:ea typeface="Menlo" panose="020B0609030804020204" pitchFamily="49" charset="0"/>
+                <a:cs typeface="Consolas" panose="020B0609020204030204" pitchFamily="49" charset="0"/>
               </a:rPr>
               <a:t>    def </a:t>
             </a:r>
@@ -30816,9 +30837,9 @@
                 <a:solidFill>
                   <a:schemeClr val="accent6"/>
                 </a:solidFill>
-                <a:latin typeface="Menlo" panose="020B0609030804020204" pitchFamily="49" charset="0"/>
-                <a:ea typeface="Menlo" panose="020B0609030804020204" pitchFamily="49" charset="0"/>
-                <a:cs typeface="Menlo" panose="020B0609030804020204" pitchFamily="49" charset="0"/>
+                <a:latin typeface="Consolas" panose="020B0609020204030204" pitchFamily="49" charset="0"/>
+                <a:ea typeface="Menlo" panose="020B0609030804020204" pitchFamily="49" charset="0"/>
+                <a:cs typeface="Consolas" panose="020B0609020204030204" pitchFamily="49" charset="0"/>
               </a:rPr>
               <a:t>grow_up</a:t>
             </a:r>
@@ -30827,9 +30848,9 @@
                 <a:solidFill>
                   <a:schemeClr val="accent6"/>
                 </a:solidFill>
-                <a:latin typeface="Menlo" panose="020B0609030804020204" pitchFamily="49" charset="0"/>
-                <a:ea typeface="Menlo" panose="020B0609030804020204" pitchFamily="49" charset="0"/>
-                <a:cs typeface="Menlo" panose="020B0609030804020204" pitchFamily="49" charset="0"/>
+                <a:latin typeface="Consolas" panose="020B0609020204030204" pitchFamily="49" charset="0"/>
+                <a:ea typeface="Menlo" panose="020B0609030804020204" pitchFamily="49" charset="0"/>
+                <a:cs typeface="Consolas" panose="020B0609020204030204" pitchFamily="49" charset="0"/>
               </a:rPr>
               <a:t>(self):</a:t>
             </a:r>
@@ -30840,9 +30861,9 @@
             </a:pPr>
             <a:r>
               <a:rPr lang="en-US" dirty="0">
-                <a:latin typeface="Menlo" panose="020B0609030804020204" pitchFamily="49" charset="0"/>
-                <a:ea typeface="Menlo" panose="020B0609030804020204" pitchFamily="49" charset="0"/>
-                <a:cs typeface="Menlo" panose="020B0609030804020204" pitchFamily="49" charset="0"/>
+                <a:latin typeface="Consolas" panose="020B0609020204030204" pitchFamily="49" charset="0"/>
+                <a:ea typeface="Menlo" panose="020B0609030804020204" pitchFamily="49" charset="0"/>
+                <a:cs typeface="Consolas" panose="020B0609020204030204" pitchFamily="49" charset="0"/>
               </a:rPr>
               <a:t>... </a:t>
             </a:r>
@@ -30851,9 +30872,9 @@
                 <a:solidFill>
                   <a:schemeClr val="accent6"/>
                 </a:solidFill>
-                <a:latin typeface="Menlo" panose="020B0609030804020204" pitchFamily="49" charset="0"/>
-                <a:ea typeface="Menlo" panose="020B0609030804020204" pitchFamily="49" charset="0"/>
-                <a:cs typeface="Menlo" panose="020B0609030804020204" pitchFamily="49" charset="0"/>
+                <a:latin typeface="Consolas" panose="020B0609020204030204" pitchFamily="49" charset="0"/>
+                <a:ea typeface="Menlo" panose="020B0609030804020204" pitchFamily="49" charset="0"/>
+                <a:cs typeface="Consolas" panose="020B0609020204030204" pitchFamily="49" charset="0"/>
               </a:rPr>
               <a:t>        </a:t>
             </a:r>
@@ -30862,9 +30883,9 @@
                 <a:solidFill>
                   <a:schemeClr val="accent6"/>
                 </a:solidFill>
-                <a:latin typeface="Menlo" panose="020B0609030804020204" pitchFamily="49" charset="0"/>
-                <a:ea typeface="Menlo" panose="020B0609030804020204" pitchFamily="49" charset="0"/>
-                <a:cs typeface="Menlo" panose="020B0609030804020204" pitchFamily="49" charset="0"/>
+                <a:latin typeface="Consolas" panose="020B0609020204030204" pitchFamily="49" charset="0"/>
+                <a:ea typeface="Menlo" panose="020B0609030804020204" pitchFamily="49" charset="0"/>
+                <a:cs typeface="Consolas" panose="020B0609020204030204" pitchFamily="49" charset="0"/>
               </a:rPr>
               <a:t>self.age</a:t>
             </a:r>
@@ -30873,9 +30894,9 @@
                 <a:solidFill>
                   <a:schemeClr val="accent6"/>
                 </a:solidFill>
-                <a:latin typeface="Menlo" panose="020B0609030804020204" pitchFamily="49" charset="0"/>
-                <a:ea typeface="Menlo" panose="020B0609030804020204" pitchFamily="49" charset="0"/>
-                <a:cs typeface="Menlo" panose="020B0609030804020204" pitchFamily="49" charset="0"/>
+                <a:latin typeface="Consolas" panose="020B0609020204030204" pitchFamily="49" charset="0"/>
+                <a:ea typeface="Menlo" panose="020B0609030804020204" pitchFamily="49" charset="0"/>
+                <a:cs typeface="Consolas" panose="020B0609020204030204" pitchFamily="49" charset="0"/>
               </a:rPr>
               <a:t> += 1</a:t>
             </a:r>
@@ -30886,9 +30907,9 @@
             </a:pPr>
             <a:r>
               <a:rPr lang="en-US" dirty="0">
-                <a:latin typeface="Menlo" panose="020B0609030804020204" pitchFamily="49" charset="0"/>
-                <a:ea typeface="Menlo" panose="020B0609030804020204" pitchFamily="49" charset="0"/>
-                <a:cs typeface="Menlo" panose="020B0609030804020204" pitchFamily="49" charset="0"/>
+                <a:latin typeface="Consolas" panose="020B0609020204030204" pitchFamily="49" charset="0"/>
+                <a:ea typeface="Menlo" panose="020B0609030804020204" pitchFamily="49" charset="0"/>
+                <a:cs typeface="Consolas" panose="020B0609020204030204" pitchFamily="49" charset="0"/>
               </a:rPr>
               <a:t>... </a:t>
             </a:r>
@@ -30899,9 +30920,9 @@
             </a:pPr>
             <a:r>
               <a:rPr lang="en-US" dirty="0">
-                <a:latin typeface="Menlo" panose="020B0609030804020204" pitchFamily="49" charset="0"/>
-                <a:ea typeface="Menlo" panose="020B0609030804020204" pitchFamily="49" charset="0"/>
-                <a:cs typeface="Menlo" panose="020B0609030804020204" pitchFamily="49" charset="0"/>
+                <a:latin typeface="Consolas" panose="020B0609020204030204" pitchFamily="49" charset="0"/>
+                <a:ea typeface="Menlo" panose="020B0609030804020204" pitchFamily="49" charset="0"/>
+                <a:cs typeface="Consolas" panose="020B0609020204030204" pitchFamily="49" charset="0"/>
               </a:rPr>
               <a:t>&gt;&gt;&gt; </a:t>
             </a:r>
@@ -30910,9 +30931,9 @@
                 <a:solidFill>
                   <a:schemeClr val="accent6"/>
                 </a:solidFill>
-                <a:latin typeface="Menlo" panose="020B0609030804020204" pitchFamily="49" charset="0"/>
-                <a:ea typeface="Menlo" panose="020B0609030804020204" pitchFamily="49" charset="0"/>
-                <a:cs typeface="Menlo" panose="020B0609030804020204" pitchFamily="49" charset="0"/>
+                <a:latin typeface="Consolas" panose="020B0609020204030204" pitchFamily="49" charset="0"/>
+                <a:ea typeface="Menlo" panose="020B0609030804020204" pitchFamily="49" charset="0"/>
+                <a:cs typeface="Consolas" panose="020B0609020204030204" pitchFamily="49" charset="0"/>
               </a:rPr>
               <a:t>a = person('Alice', 153)</a:t>
             </a:r>
@@ -30923,9 +30944,9 @@
             </a:pPr>
             <a:r>
               <a:rPr lang="en-US" dirty="0">
-                <a:latin typeface="Menlo" panose="020B0609030804020204" pitchFamily="49" charset="0"/>
-                <a:ea typeface="Menlo" panose="020B0609030804020204" pitchFamily="49" charset="0"/>
-                <a:cs typeface="Menlo" panose="020B0609030804020204" pitchFamily="49" charset="0"/>
+                <a:latin typeface="Consolas" panose="020B0609020204030204" pitchFamily="49" charset="0"/>
+                <a:ea typeface="Menlo" panose="020B0609030804020204" pitchFamily="49" charset="0"/>
+                <a:cs typeface="Consolas" panose="020B0609020204030204" pitchFamily="49" charset="0"/>
               </a:rPr>
               <a:t>&gt;&gt;&gt; </a:t>
             </a:r>
@@ -30934,9 +30955,9 @@
                 <a:solidFill>
                   <a:schemeClr val="accent6"/>
                 </a:solidFill>
-                <a:latin typeface="Menlo" panose="020B0609030804020204" pitchFamily="49" charset="0"/>
-                <a:ea typeface="Menlo" panose="020B0609030804020204" pitchFamily="49" charset="0"/>
-                <a:cs typeface="Menlo" panose="020B0609030804020204" pitchFamily="49" charset="0"/>
+                <a:latin typeface="Consolas" panose="020B0609020204030204" pitchFamily="49" charset="0"/>
+                <a:ea typeface="Menlo" panose="020B0609030804020204" pitchFamily="49" charset="0"/>
+                <a:cs typeface="Consolas" panose="020B0609020204030204" pitchFamily="49" charset="0"/>
               </a:rPr>
               <a:t>a.age</a:t>
             </a:r>
@@ -30944,9 +30965,9 @@
               <a:solidFill>
                 <a:schemeClr val="accent6"/>
               </a:solidFill>
-              <a:latin typeface="Menlo" panose="020B0609030804020204" pitchFamily="49" charset="0"/>
+              <a:latin typeface="Consolas" panose="020B0609020204030204" pitchFamily="49" charset="0"/>
               <a:ea typeface="Menlo" panose="020B0609030804020204" pitchFamily="49" charset="0"/>
-              <a:cs typeface="Menlo" panose="020B0609030804020204" pitchFamily="49" charset="0"/>
+              <a:cs typeface="Consolas" panose="020B0609020204030204" pitchFamily="49" charset="0"/>
             </a:endParaRPr>
           </a:p>
           <a:p>
@@ -30955,9 +30976,9 @@
             </a:pPr>
             <a:r>
               <a:rPr lang="en-US" dirty="0">
-                <a:latin typeface="Menlo" panose="020B0609030804020204" pitchFamily="49" charset="0"/>
-                <a:ea typeface="Menlo" panose="020B0609030804020204" pitchFamily="49" charset="0"/>
-                <a:cs typeface="Menlo" panose="020B0609030804020204" pitchFamily="49" charset="0"/>
+                <a:latin typeface="Consolas" panose="020B0609020204030204" pitchFamily="49" charset="0"/>
+                <a:ea typeface="Menlo" panose="020B0609030804020204" pitchFamily="49" charset="0"/>
+                <a:cs typeface="Consolas" panose="020B0609020204030204" pitchFamily="49" charset="0"/>
               </a:rPr>
               <a:t>153</a:t>
             </a:r>
@@ -30968,9 +30989,9 @@
             </a:pPr>
             <a:r>
               <a:rPr lang="en-US" dirty="0">
-                <a:latin typeface="Menlo" panose="020B0609030804020204" pitchFamily="49" charset="0"/>
-                <a:ea typeface="Menlo" panose="020B0609030804020204" pitchFamily="49" charset="0"/>
-                <a:cs typeface="Menlo" panose="020B0609030804020204" pitchFamily="49" charset="0"/>
+                <a:latin typeface="Consolas" panose="020B0609020204030204" pitchFamily="49" charset="0"/>
+                <a:ea typeface="Menlo" panose="020B0609030804020204" pitchFamily="49" charset="0"/>
+                <a:cs typeface="Consolas" panose="020B0609020204030204" pitchFamily="49" charset="0"/>
               </a:rPr>
               <a:t>&gt;&gt;&gt; </a:t>
             </a:r>
@@ -30979,9 +31000,9 @@
                 <a:solidFill>
                   <a:schemeClr val="accent6"/>
                 </a:solidFill>
-                <a:latin typeface="Menlo" panose="020B0609030804020204" pitchFamily="49" charset="0"/>
-                <a:ea typeface="Menlo" panose="020B0609030804020204" pitchFamily="49" charset="0"/>
-                <a:cs typeface="Menlo" panose="020B0609030804020204" pitchFamily="49" charset="0"/>
+                <a:latin typeface="Consolas" panose="020B0609020204030204" pitchFamily="49" charset="0"/>
+                <a:ea typeface="Menlo" panose="020B0609030804020204" pitchFamily="49" charset="0"/>
+                <a:cs typeface="Consolas" panose="020B0609020204030204" pitchFamily="49" charset="0"/>
               </a:rPr>
               <a:t>a.grow_up</a:t>
             </a:r>
@@ -30990,9 +31011,9 @@
                 <a:solidFill>
                   <a:schemeClr val="accent6"/>
                 </a:solidFill>
-                <a:latin typeface="Menlo" panose="020B0609030804020204" pitchFamily="49" charset="0"/>
-                <a:ea typeface="Menlo" panose="020B0609030804020204" pitchFamily="49" charset="0"/>
-                <a:cs typeface="Menlo" panose="020B0609030804020204" pitchFamily="49" charset="0"/>
+                <a:latin typeface="Consolas" panose="020B0609020204030204" pitchFamily="49" charset="0"/>
+                <a:ea typeface="Menlo" panose="020B0609030804020204" pitchFamily="49" charset="0"/>
+                <a:cs typeface="Consolas" panose="020B0609020204030204" pitchFamily="49" charset="0"/>
               </a:rPr>
               <a:t>()</a:t>
             </a:r>
@@ -31003,9 +31024,9 @@
             </a:pPr>
             <a:r>
               <a:rPr lang="en-US" dirty="0">
-                <a:latin typeface="Menlo" panose="020B0609030804020204" pitchFamily="49" charset="0"/>
-                <a:ea typeface="Menlo" panose="020B0609030804020204" pitchFamily="49" charset="0"/>
-                <a:cs typeface="Menlo" panose="020B0609030804020204" pitchFamily="49" charset="0"/>
+                <a:latin typeface="Consolas" panose="020B0609020204030204" pitchFamily="49" charset="0"/>
+                <a:ea typeface="Menlo" panose="020B0609030804020204" pitchFamily="49" charset="0"/>
+                <a:cs typeface="Consolas" panose="020B0609020204030204" pitchFamily="49" charset="0"/>
               </a:rPr>
               <a:t>&gt;&gt;&gt; </a:t>
             </a:r>
@@ -31014,9 +31035,9 @@
                 <a:solidFill>
                   <a:schemeClr val="accent6"/>
                 </a:solidFill>
-                <a:latin typeface="Menlo" panose="020B0609030804020204" pitchFamily="49" charset="0"/>
-                <a:ea typeface="Menlo" panose="020B0609030804020204" pitchFamily="49" charset="0"/>
-                <a:cs typeface="Menlo" panose="020B0609030804020204" pitchFamily="49" charset="0"/>
+                <a:latin typeface="Consolas" panose="020B0609020204030204" pitchFamily="49" charset="0"/>
+                <a:ea typeface="Menlo" panose="020B0609030804020204" pitchFamily="49" charset="0"/>
+                <a:cs typeface="Consolas" panose="020B0609020204030204" pitchFamily="49" charset="0"/>
               </a:rPr>
               <a:t>a.age</a:t>
             </a:r>
@@ -31024,9 +31045,9 @@
               <a:solidFill>
                 <a:schemeClr val="accent6"/>
               </a:solidFill>
-              <a:latin typeface="Menlo" panose="020B0609030804020204" pitchFamily="49" charset="0"/>
+              <a:latin typeface="Consolas" panose="020B0609020204030204" pitchFamily="49" charset="0"/>
               <a:ea typeface="Menlo" panose="020B0609030804020204" pitchFamily="49" charset="0"/>
-              <a:cs typeface="Menlo" panose="020B0609030804020204" pitchFamily="49" charset="0"/>
+              <a:cs typeface="Consolas" panose="020B0609020204030204" pitchFamily="49" charset="0"/>
             </a:endParaRPr>
           </a:p>
           <a:p>
@@ -31035,9 +31056,9 @@
             </a:pPr>
             <a:r>
               <a:rPr lang="en-US" dirty="0">
-                <a:latin typeface="Menlo" panose="020B0609030804020204" pitchFamily="49" charset="0"/>
-                <a:ea typeface="Menlo" panose="020B0609030804020204" pitchFamily="49" charset="0"/>
-                <a:cs typeface="Menlo" panose="020B0609030804020204" pitchFamily="49" charset="0"/>
+                <a:latin typeface="Consolas" panose="020B0609020204030204" pitchFamily="49" charset="0"/>
+                <a:ea typeface="Menlo" panose="020B0609030804020204" pitchFamily="49" charset="0"/>
+                <a:cs typeface="Consolas" panose="020B0609020204030204" pitchFamily="49" charset="0"/>
               </a:rPr>
               <a:t>154</a:t>
             </a:r>
